--- a/3 [Презентация].pptx
+++ b/3 [Презентация].pptx
@@ -5,7 +5,7 @@
     <p:sldMasterId id="2147483648" r:id="rId1"/>
   </p:sldMasterIdLst>
   <p:notesMasterIdLst>
-    <p:notesMasterId r:id="rId21"/>
+    <p:notesMasterId r:id="rId20"/>
   </p:notesMasterIdLst>
   <p:sldIdLst>
     <p:sldId id="256" r:id="rId2"/>
@@ -18,15 +18,14 @@
     <p:sldId id="265" r:id="rId9"/>
     <p:sldId id="264" r:id="rId10"/>
     <p:sldId id="266" r:id="rId11"/>
-    <p:sldId id="273" r:id="rId12"/>
-    <p:sldId id="274" r:id="rId13"/>
-    <p:sldId id="267" r:id="rId14"/>
-    <p:sldId id="268" r:id="rId15"/>
-    <p:sldId id="269" r:id="rId16"/>
-    <p:sldId id="270" r:id="rId17"/>
+    <p:sldId id="267" r:id="rId12"/>
+    <p:sldId id="268" r:id="rId13"/>
+    <p:sldId id="269" r:id="rId14"/>
+    <p:sldId id="272" r:id="rId15"/>
+    <p:sldId id="273" r:id="rId16"/>
+    <p:sldId id="274" r:id="rId17"/>
     <p:sldId id="271" r:id="rId18"/>
-    <p:sldId id="272" r:id="rId19"/>
-    <p:sldId id="258" r:id="rId20"/>
+    <p:sldId id="258" r:id="rId19"/>
   </p:sldIdLst>
   <p:sldSz cx="9144000" cy="6858000" type="screen4x3"/>
   <p:notesSz cx="6858000" cy="9144000"/>
@@ -125,6 +124,22 @@
       </a:defRPr>
     </a:lvl9pPr>
   </p:defaultTextStyle>
+  <p:extLst>
+    <p:ext uri="{EFAFB233-063F-42B5-8137-9DF3F51BA10A}">
+      <p15:sldGuideLst xmlns:p15="http://schemas.microsoft.com/office/powerpoint/2012/main">
+        <p15:guide id="1" orient="horz" pos="2160">
+          <p15:clr>
+            <a:srgbClr val="A4A3A4"/>
+          </p15:clr>
+        </p15:guide>
+        <p15:guide id="2" pos="2880">
+          <p15:clr>
+            <a:srgbClr val="A4A3A4"/>
+          </p15:clr>
+        </p15:guide>
+      </p15:sldGuideLst>
+    </p:ext>
+  </p:extLst>
 </p:presentation>
 </file>
 
@@ -211,7 +226,7 @@
             <a:fld id="{CEC6415A-6C3A-4577-9457-0CB38DCD01A0}" type="datetimeFigureOut">
               <a:rPr lang="ru-RU" smtClean="0"/>
               <a:pPr/>
-              <a:t>13.02.2021</a:t>
+              <a:t>27.05.2024</a:t>
             </a:fld>
             <a:endParaRPr lang="ru-RU"/>
           </a:p>
@@ -277,38 +292,37 @@
           <a:p>
             <a:pPr lvl="0"/>
             <a:r>
-              <a:rPr lang="ru-RU" smtClean="0"/>
+              <a:rPr lang="ru-RU"/>
               <a:t>Образец текста</a:t>
             </a:r>
           </a:p>
           <a:p>
             <a:pPr lvl="1"/>
             <a:r>
-              <a:rPr lang="ru-RU" smtClean="0"/>
+              <a:rPr lang="ru-RU"/>
               <a:t>Второй уровень</a:t>
             </a:r>
           </a:p>
           <a:p>
             <a:pPr lvl="2"/>
             <a:r>
-              <a:rPr lang="ru-RU" smtClean="0"/>
+              <a:rPr lang="ru-RU"/>
               <a:t>Третий уровень</a:t>
             </a:r>
           </a:p>
           <a:p>
             <a:pPr lvl="3"/>
             <a:r>
-              <a:rPr lang="ru-RU" smtClean="0"/>
+              <a:rPr lang="ru-RU"/>
               <a:t>Четвертый уровень</a:t>
             </a:r>
           </a:p>
           <a:p>
             <a:pPr lvl="4"/>
             <a:r>
-              <a:rPr lang="ru-RU" smtClean="0"/>
+              <a:rPr lang="ru-RU"/>
               <a:t>Пятый уровень</a:t>
             </a:r>
-            <a:endParaRPr lang="ru-RU"/>
           </a:p>
         </p:txBody>
       </p:sp>
@@ -880,6 +894,11 @@
         </p:txBody>
       </p:sp>
     </p:spTree>
+    <p:extLst>
+      <p:ext uri="{BB962C8B-B14F-4D97-AF65-F5344CB8AC3E}">
+        <p14:creationId xmlns:p14="http://schemas.microsoft.com/office/powerpoint/2010/main" val="440803295"/>
+      </p:ext>
+    </p:extLst>
   </p:cSld>
   <p:clrMapOvr>
     <a:masterClrMapping/>
@@ -962,6 +981,11 @@
         </p:txBody>
       </p:sp>
     </p:spTree>
+    <p:extLst>
+      <p:ext uri="{BB962C8B-B14F-4D97-AF65-F5344CB8AC3E}">
+        <p14:creationId xmlns:p14="http://schemas.microsoft.com/office/powerpoint/2010/main" val="2108736343"/>
+      </p:ext>
+    </p:extLst>
   </p:cSld>
   <p:clrMapOvr>
     <a:masterClrMapping/>
@@ -1044,6 +1068,11 @@
         </p:txBody>
       </p:sp>
     </p:spTree>
+    <p:extLst>
+      <p:ext uri="{BB962C8B-B14F-4D97-AF65-F5344CB8AC3E}">
+        <p14:creationId xmlns:p14="http://schemas.microsoft.com/office/powerpoint/2010/main" val="3945301547"/>
+      </p:ext>
+    </p:extLst>
   </p:cSld>
   <p:clrMapOvr>
     <a:masterClrMapping/>
@@ -1120,88 +1149,6 @@
               <a:rPr lang="ru-RU" smtClean="0"/>
               <a:pPr/>
               <a:t>17</a:t>
-            </a:fld>
-            <a:endParaRPr lang="ru-RU"/>
-          </a:p>
-        </p:txBody>
-      </p:sp>
-    </p:spTree>
-  </p:cSld>
-  <p:clrMapOvr>
-    <a:masterClrMapping/>
-  </p:clrMapOvr>
-</p:notes>
-</file>
-
-<file path=ppt/notesSlides/notesSlide17.xml><?xml version="1.0" encoding="utf-8"?>
-<p:notes xmlns:a="http://schemas.openxmlformats.org/drawingml/2006/main" xmlns:r="http://schemas.openxmlformats.org/officeDocument/2006/relationships" xmlns:p="http://schemas.openxmlformats.org/presentationml/2006/main">
-  <p:cSld>
-    <p:spTree>
-      <p:nvGrpSpPr>
-        <p:cNvPr id="1" name=""/>
-        <p:cNvGrpSpPr/>
-        <p:nvPr/>
-      </p:nvGrpSpPr>
-      <p:grpSpPr>
-        <a:xfrm>
-          <a:off x="0" y="0"/>
-          <a:ext cx="0" cy="0"/>
-          <a:chOff x="0" y="0"/>
-          <a:chExt cx="0" cy="0"/>
-        </a:xfrm>
-      </p:grpSpPr>
-      <p:sp>
-        <p:nvSpPr>
-          <p:cNvPr id="2" name="Образ слайда 1"/>
-          <p:cNvSpPr>
-            <a:spLocks noGrp="1" noRot="1" noChangeAspect="1"/>
-          </p:cNvSpPr>
-          <p:nvPr>
-            <p:ph type="sldImg"/>
-          </p:nvPr>
-        </p:nvSpPr>
-        <p:spPr/>
-      </p:sp>
-      <p:sp>
-        <p:nvSpPr>
-          <p:cNvPr id="3" name="Заметки 2"/>
-          <p:cNvSpPr>
-            <a:spLocks noGrp="1"/>
-          </p:cNvSpPr>
-          <p:nvPr>
-            <p:ph type="body" idx="1"/>
-          </p:nvPr>
-        </p:nvSpPr>
-        <p:spPr/>
-        <p:txBody>
-          <a:bodyPr>
-            <a:normAutofit/>
-          </a:bodyPr>
-          <a:lstStyle/>
-          <a:p>
-            <a:endParaRPr lang="ru-RU"/>
-          </a:p>
-        </p:txBody>
-      </p:sp>
-      <p:sp>
-        <p:nvSpPr>
-          <p:cNvPr id="4" name="Номер слайда 3"/>
-          <p:cNvSpPr>
-            <a:spLocks noGrp="1"/>
-          </p:cNvSpPr>
-          <p:nvPr>
-            <p:ph type="sldNum" sz="quarter" idx="10"/>
-          </p:nvPr>
-        </p:nvSpPr>
-        <p:spPr/>
-        <p:txBody>
-          <a:bodyPr/>
-          <a:lstStyle/>
-          <a:p>
-            <a:fld id="{3E0BFA3D-5F69-40DE-8C35-92738A9B6A32}" type="slidenum">
-              <a:rPr lang="ru-RU" smtClean="0"/>
-              <a:pPr/>
-              <a:t>18</a:t>
             </a:fld>
             <a:endParaRPr lang="ru-RU"/>
           </a:p>
@@ -1909,10 +1856,9 @@
           <a:lstStyle/>
           <a:p>
             <a:r>
-              <a:rPr lang="ru-RU" smtClean="0"/>
+              <a:rPr lang="ru-RU"/>
               <a:t>Образец заголовка</a:t>
             </a:r>
-            <a:endParaRPr lang="ru-RU"/>
           </a:p>
         </p:txBody>
       </p:sp>
@@ -2028,10 +1974,9 @@
           </a:lstStyle>
           <a:p>
             <a:r>
-              <a:rPr lang="ru-RU" smtClean="0"/>
+              <a:rPr lang="ru-RU"/>
               <a:t>Образец подзаголовка</a:t>
             </a:r>
-            <a:endParaRPr lang="ru-RU"/>
           </a:p>
         </p:txBody>
       </p:sp>
@@ -2053,7 +1998,7 @@
             <a:fld id="{A7A3692E-1950-4113-9C0C-0EC073B87FA0}" type="datetime1">
               <a:rPr lang="ru-RU" smtClean="0"/>
               <a:pPr/>
-              <a:t>13.02.2021</a:t>
+              <a:t>27.05.2024</a:t>
             </a:fld>
             <a:endParaRPr lang="ru-RU"/>
           </a:p>
@@ -2143,10 +2088,9 @@
           <a:lstStyle/>
           <a:p>
             <a:r>
-              <a:rPr lang="ru-RU" smtClean="0"/>
+              <a:rPr lang="ru-RU"/>
               <a:t>Образец заголовка</a:t>
             </a:r>
-            <a:endParaRPr lang="ru-RU"/>
           </a:p>
         </p:txBody>
       </p:sp>
@@ -2167,38 +2111,37 @@
           <a:p>
             <a:pPr lvl="0"/>
             <a:r>
-              <a:rPr lang="ru-RU" smtClean="0"/>
+              <a:rPr lang="ru-RU"/>
               <a:t>Образец текста</a:t>
             </a:r>
           </a:p>
           <a:p>
             <a:pPr lvl="1"/>
             <a:r>
-              <a:rPr lang="ru-RU" smtClean="0"/>
+              <a:rPr lang="ru-RU"/>
               <a:t>Второй уровень</a:t>
             </a:r>
           </a:p>
           <a:p>
             <a:pPr lvl="2"/>
             <a:r>
-              <a:rPr lang="ru-RU" smtClean="0"/>
+              <a:rPr lang="ru-RU"/>
               <a:t>Третий уровень</a:t>
             </a:r>
           </a:p>
           <a:p>
             <a:pPr lvl="3"/>
             <a:r>
-              <a:rPr lang="ru-RU" smtClean="0"/>
+              <a:rPr lang="ru-RU"/>
               <a:t>Четвертый уровень</a:t>
             </a:r>
           </a:p>
           <a:p>
             <a:pPr lvl="4"/>
             <a:r>
-              <a:rPr lang="ru-RU" smtClean="0"/>
+              <a:rPr lang="ru-RU"/>
               <a:t>Пятый уровень</a:t>
             </a:r>
-            <a:endParaRPr lang="ru-RU"/>
           </a:p>
         </p:txBody>
       </p:sp>
@@ -2220,7 +2163,7 @@
             <a:fld id="{92AB6819-74B3-4A06-B801-F2598759B652}" type="datetime1">
               <a:rPr lang="ru-RU" smtClean="0"/>
               <a:pPr/>
-              <a:t>13.02.2021</a:t>
+              <a:t>27.05.2024</a:t>
             </a:fld>
             <a:endParaRPr lang="ru-RU"/>
           </a:p>
@@ -2315,10 +2258,9 @@
           <a:lstStyle/>
           <a:p>
             <a:r>
-              <a:rPr lang="ru-RU" smtClean="0"/>
+              <a:rPr lang="ru-RU"/>
               <a:t>Образец заголовка</a:t>
             </a:r>
-            <a:endParaRPr lang="ru-RU"/>
           </a:p>
         </p:txBody>
       </p:sp>
@@ -2344,38 +2286,37 @@
           <a:p>
             <a:pPr lvl="0"/>
             <a:r>
-              <a:rPr lang="ru-RU" smtClean="0"/>
+              <a:rPr lang="ru-RU"/>
               <a:t>Образец текста</a:t>
             </a:r>
           </a:p>
           <a:p>
             <a:pPr lvl="1"/>
             <a:r>
-              <a:rPr lang="ru-RU" smtClean="0"/>
+              <a:rPr lang="ru-RU"/>
               <a:t>Второй уровень</a:t>
             </a:r>
           </a:p>
           <a:p>
             <a:pPr lvl="2"/>
             <a:r>
-              <a:rPr lang="ru-RU" smtClean="0"/>
+              <a:rPr lang="ru-RU"/>
               <a:t>Третий уровень</a:t>
             </a:r>
           </a:p>
           <a:p>
             <a:pPr lvl="3"/>
             <a:r>
-              <a:rPr lang="ru-RU" smtClean="0"/>
+              <a:rPr lang="ru-RU"/>
               <a:t>Четвертый уровень</a:t>
             </a:r>
           </a:p>
           <a:p>
             <a:pPr lvl="4"/>
             <a:r>
-              <a:rPr lang="ru-RU" smtClean="0"/>
+              <a:rPr lang="ru-RU"/>
               <a:t>Пятый уровень</a:t>
             </a:r>
-            <a:endParaRPr lang="ru-RU"/>
           </a:p>
         </p:txBody>
       </p:sp>
@@ -2397,7 +2338,7 @@
             <a:fld id="{57F96B17-23E3-44FE-BE3B-697682870CC6}" type="datetime1">
               <a:rPr lang="ru-RU" smtClean="0"/>
               <a:pPr/>
-              <a:t>13.02.2021</a:t>
+              <a:t>27.05.2024</a:t>
             </a:fld>
             <a:endParaRPr lang="ru-RU"/>
           </a:p>
@@ -2487,10 +2428,9 @@
           <a:lstStyle/>
           <a:p>
             <a:r>
-              <a:rPr lang="ru-RU" smtClean="0"/>
+              <a:rPr lang="ru-RU"/>
               <a:t>Образец заголовка</a:t>
             </a:r>
-            <a:endParaRPr lang="ru-RU"/>
           </a:p>
         </p:txBody>
       </p:sp>
@@ -2511,38 +2451,37 @@
           <a:p>
             <a:pPr lvl="0"/>
             <a:r>
-              <a:rPr lang="ru-RU" smtClean="0"/>
+              <a:rPr lang="ru-RU"/>
               <a:t>Образец текста</a:t>
             </a:r>
           </a:p>
           <a:p>
             <a:pPr lvl="1"/>
             <a:r>
-              <a:rPr lang="ru-RU" smtClean="0"/>
+              <a:rPr lang="ru-RU"/>
               <a:t>Второй уровень</a:t>
             </a:r>
           </a:p>
           <a:p>
             <a:pPr lvl="2"/>
             <a:r>
-              <a:rPr lang="ru-RU" smtClean="0"/>
+              <a:rPr lang="ru-RU"/>
               <a:t>Третий уровень</a:t>
             </a:r>
           </a:p>
           <a:p>
             <a:pPr lvl="3"/>
             <a:r>
-              <a:rPr lang="ru-RU" smtClean="0"/>
+              <a:rPr lang="ru-RU"/>
               <a:t>Четвертый уровень</a:t>
             </a:r>
           </a:p>
           <a:p>
             <a:pPr lvl="4"/>
             <a:r>
-              <a:rPr lang="ru-RU" smtClean="0"/>
+              <a:rPr lang="ru-RU"/>
               <a:t>Пятый уровень</a:t>
             </a:r>
-            <a:endParaRPr lang="ru-RU"/>
           </a:p>
         </p:txBody>
       </p:sp>
@@ -2564,7 +2503,7 @@
             <a:fld id="{15D93C3C-3F11-4BF4-BC5D-F7B42F0D889E}" type="datetime1">
               <a:rPr lang="ru-RU" smtClean="0"/>
               <a:pPr/>
-              <a:t>13.02.2021</a:t>
+              <a:t>27.05.2024</a:t>
             </a:fld>
             <a:endParaRPr lang="ru-RU"/>
           </a:p>
@@ -2663,10 +2602,9 @@
           </a:lstStyle>
           <a:p>
             <a:r>
-              <a:rPr lang="ru-RU" smtClean="0"/>
+              <a:rPr lang="ru-RU"/>
               <a:t>Образец заголовка</a:t>
             </a:r>
-            <a:endParaRPr lang="ru-RU"/>
           </a:p>
         </p:txBody>
       </p:sp>
@@ -2783,7 +2721,7 @@
           <a:p>
             <a:pPr lvl="0"/>
             <a:r>
-              <a:rPr lang="ru-RU" smtClean="0"/>
+              <a:rPr lang="ru-RU"/>
               <a:t>Образец текста</a:t>
             </a:r>
           </a:p>
@@ -2807,7 +2745,7 @@
             <a:fld id="{CF149CE9-D90E-4535-9B67-4763FB5E87DB}" type="datetime1">
               <a:rPr lang="ru-RU" smtClean="0"/>
               <a:pPr/>
-              <a:t>13.02.2021</a:t>
+              <a:t>27.05.2024</a:t>
             </a:fld>
             <a:endParaRPr lang="ru-RU"/>
           </a:p>
@@ -2897,10 +2835,9 @@
           <a:lstStyle/>
           <a:p>
             <a:r>
-              <a:rPr lang="ru-RU" smtClean="0"/>
+              <a:rPr lang="ru-RU"/>
               <a:t>Образец заголовка</a:t>
             </a:r>
-            <a:endParaRPr lang="ru-RU"/>
           </a:p>
         </p:txBody>
       </p:sp>
@@ -2954,38 +2891,37 @@
           <a:p>
             <a:pPr lvl="0"/>
             <a:r>
-              <a:rPr lang="ru-RU" smtClean="0"/>
+              <a:rPr lang="ru-RU"/>
               <a:t>Образец текста</a:t>
             </a:r>
           </a:p>
           <a:p>
             <a:pPr lvl="1"/>
             <a:r>
-              <a:rPr lang="ru-RU" smtClean="0"/>
+              <a:rPr lang="ru-RU"/>
               <a:t>Второй уровень</a:t>
             </a:r>
           </a:p>
           <a:p>
             <a:pPr lvl="2"/>
             <a:r>
-              <a:rPr lang="ru-RU" smtClean="0"/>
+              <a:rPr lang="ru-RU"/>
               <a:t>Третий уровень</a:t>
             </a:r>
           </a:p>
           <a:p>
             <a:pPr lvl="3"/>
             <a:r>
-              <a:rPr lang="ru-RU" smtClean="0"/>
+              <a:rPr lang="ru-RU"/>
               <a:t>Четвертый уровень</a:t>
             </a:r>
           </a:p>
           <a:p>
             <a:pPr lvl="4"/>
             <a:r>
-              <a:rPr lang="ru-RU" smtClean="0"/>
+              <a:rPr lang="ru-RU"/>
               <a:t>Пятый уровень</a:t>
             </a:r>
-            <a:endParaRPr lang="ru-RU"/>
           </a:p>
         </p:txBody>
       </p:sp>
@@ -3039,38 +2975,37 @@
           <a:p>
             <a:pPr lvl="0"/>
             <a:r>
-              <a:rPr lang="ru-RU" smtClean="0"/>
+              <a:rPr lang="ru-RU"/>
               <a:t>Образец текста</a:t>
             </a:r>
           </a:p>
           <a:p>
             <a:pPr lvl="1"/>
             <a:r>
-              <a:rPr lang="ru-RU" smtClean="0"/>
+              <a:rPr lang="ru-RU"/>
               <a:t>Второй уровень</a:t>
             </a:r>
           </a:p>
           <a:p>
             <a:pPr lvl="2"/>
             <a:r>
-              <a:rPr lang="ru-RU" smtClean="0"/>
+              <a:rPr lang="ru-RU"/>
               <a:t>Третий уровень</a:t>
             </a:r>
           </a:p>
           <a:p>
             <a:pPr lvl="3"/>
             <a:r>
-              <a:rPr lang="ru-RU" smtClean="0"/>
+              <a:rPr lang="ru-RU"/>
               <a:t>Четвертый уровень</a:t>
             </a:r>
           </a:p>
           <a:p>
             <a:pPr lvl="4"/>
             <a:r>
-              <a:rPr lang="ru-RU" smtClean="0"/>
+              <a:rPr lang="ru-RU"/>
               <a:t>Пятый уровень</a:t>
             </a:r>
-            <a:endParaRPr lang="ru-RU"/>
           </a:p>
         </p:txBody>
       </p:sp>
@@ -3092,7 +3027,7 @@
             <a:fld id="{0EB409AB-40AF-4D36-9A83-43415E69474C}" type="datetime1">
               <a:rPr lang="ru-RU" smtClean="0"/>
               <a:pPr/>
-              <a:t>13.02.2021</a:t>
+              <a:t>27.05.2024</a:t>
             </a:fld>
             <a:endParaRPr lang="ru-RU"/>
           </a:p>
@@ -3186,10 +3121,9 @@
           </a:lstStyle>
           <a:p>
             <a:r>
-              <a:rPr lang="ru-RU" smtClean="0"/>
+              <a:rPr lang="ru-RU"/>
               <a:t>Образец заголовка</a:t>
             </a:r>
-            <a:endParaRPr lang="ru-RU"/>
           </a:p>
         </p:txBody>
       </p:sp>
@@ -3252,7 +3186,7 @@
           <a:p>
             <a:pPr lvl="0"/>
             <a:r>
-              <a:rPr lang="ru-RU" smtClean="0"/>
+              <a:rPr lang="ru-RU"/>
               <a:t>Образец текста</a:t>
             </a:r>
           </a:p>
@@ -3308,38 +3242,37 @@
           <a:p>
             <a:pPr lvl="0"/>
             <a:r>
-              <a:rPr lang="ru-RU" smtClean="0"/>
+              <a:rPr lang="ru-RU"/>
               <a:t>Образец текста</a:t>
             </a:r>
           </a:p>
           <a:p>
             <a:pPr lvl="1"/>
             <a:r>
-              <a:rPr lang="ru-RU" smtClean="0"/>
+              <a:rPr lang="ru-RU"/>
               <a:t>Второй уровень</a:t>
             </a:r>
           </a:p>
           <a:p>
             <a:pPr lvl="2"/>
             <a:r>
-              <a:rPr lang="ru-RU" smtClean="0"/>
+              <a:rPr lang="ru-RU"/>
               <a:t>Третий уровень</a:t>
             </a:r>
           </a:p>
           <a:p>
             <a:pPr lvl="3"/>
             <a:r>
-              <a:rPr lang="ru-RU" smtClean="0"/>
+              <a:rPr lang="ru-RU"/>
               <a:t>Четвертый уровень</a:t>
             </a:r>
           </a:p>
           <a:p>
             <a:pPr lvl="4"/>
             <a:r>
-              <a:rPr lang="ru-RU" smtClean="0"/>
+              <a:rPr lang="ru-RU"/>
               <a:t>Пятый уровень</a:t>
             </a:r>
-            <a:endParaRPr lang="ru-RU"/>
           </a:p>
         </p:txBody>
       </p:sp>
@@ -3402,7 +3335,7 @@
           <a:p>
             <a:pPr lvl="0"/>
             <a:r>
-              <a:rPr lang="ru-RU" smtClean="0"/>
+              <a:rPr lang="ru-RU"/>
               <a:t>Образец текста</a:t>
             </a:r>
           </a:p>
@@ -3458,38 +3391,37 @@
           <a:p>
             <a:pPr lvl="0"/>
             <a:r>
-              <a:rPr lang="ru-RU" smtClean="0"/>
+              <a:rPr lang="ru-RU"/>
               <a:t>Образец текста</a:t>
             </a:r>
           </a:p>
           <a:p>
             <a:pPr lvl="1"/>
             <a:r>
-              <a:rPr lang="ru-RU" smtClean="0"/>
+              <a:rPr lang="ru-RU"/>
               <a:t>Второй уровень</a:t>
             </a:r>
           </a:p>
           <a:p>
             <a:pPr lvl="2"/>
             <a:r>
-              <a:rPr lang="ru-RU" smtClean="0"/>
+              <a:rPr lang="ru-RU"/>
               <a:t>Третий уровень</a:t>
             </a:r>
           </a:p>
           <a:p>
             <a:pPr lvl="3"/>
             <a:r>
-              <a:rPr lang="ru-RU" smtClean="0"/>
+              <a:rPr lang="ru-RU"/>
               <a:t>Четвертый уровень</a:t>
             </a:r>
           </a:p>
           <a:p>
             <a:pPr lvl="4"/>
             <a:r>
-              <a:rPr lang="ru-RU" smtClean="0"/>
+              <a:rPr lang="ru-RU"/>
               <a:t>Пятый уровень</a:t>
             </a:r>
-            <a:endParaRPr lang="ru-RU"/>
           </a:p>
         </p:txBody>
       </p:sp>
@@ -3511,7 +3443,7 @@
             <a:fld id="{C634B6C0-FFC6-42E2-B431-EAD10005DC96}" type="datetime1">
               <a:rPr lang="ru-RU" smtClean="0"/>
               <a:pPr/>
-              <a:t>13.02.2021</a:t>
+              <a:t>27.05.2024</a:t>
             </a:fld>
             <a:endParaRPr lang="ru-RU"/>
           </a:p>
@@ -3601,10 +3533,9 @@
           <a:lstStyle/>
           <a:p>
             <a:r>
-              <a:rPr lang="ru-RU" smtClean="0"/>
+              <a:rPr lang="ru-RU"/>
               <a:t>Образец заголовка</a:t>
             </a:r>
-            <a:endParaRPr lang="ru-RU"/>
           </a:p>
         </p:txBody>
       </p:sp>
@@ -3626,7 +3557,7 @@
             <a:fld id="{8DC8E482-CDA1-4125-9360-B4B564BD4D91}" type="datetime1">
               <a:rPr lang="ru-RU" smtClean="0"/>
               <a:pPr/>
-              <a:t>13.02.2021</a:t>
+              <a:t>27.05.2024</a:t>
             </a:fld>
             <a:endParaRPr lang="ru-RU"/>
           </a:p>
@@ -3718,7 +3649,7 @@
             <a:fld id="{9438820B-7F92-4EF9-80F6-186C3CFA23B0}" type="datetime1">
               <a:rPr lang="ru-RU" smtClean="0"/>
               <a:pPr/>
-              <a:t>13.02.2021</a:t>
+              <a:t>27.05.2024</a:t>
             </a:fld>
             <a:endParaRPr lang="ru-RU"/>
           </a:p>
@@ -3817,10 +3748,9 @@
           </a:lstStyle>
           <a:p>
             <a:r>
-              <a:rPr lang="ru-RU" smtClean="0"/>
+              <a:rPr lang="ru-RU"/>
               <a:t>Образец заголовка</a:t>
             </a:r>
-            <a:endParaRPr lang="ru-RU"/>
           </a:p>
         </p:txBody>
       </p:sp>
@@ -3874,38 +3804,37 @@
           <a:p>
             <a:pPr lvl="0"/>
             <a:r>
-              <a:rPr lang="ru-RU" smtClean="0"/>
+              <a:rPr lang="ru-RU"/>
               <a:t>Образец текста</a:t>
             </a:r>
           </a:p>
           <a:p>
             <a:pPr lvl="1"/>
             <a:r>
-              <a:rPr lang="ru-RU" smtClean="0"/>
+              <a:rPr lang="ru-RU"/>
               <a:t>Второй уровень</a:t>
             </a:r>
           </a:p>
           <a:p>
             <a:pPr lvl="2"/>
             <a:r>
-              <a:rPr lang="ru-RU" smtClean="0"/>
+              <a:rPr lang="ru-RU"/>
               <a:t>Третий уровень</a:t>
             </a:r>
           </a:p>
           <a:p>
             <a:pPr lvl="3"/>
             <a:r>
-              <a:rPr lang="ru-RU" smtClean="0"/>
+              <a:rPr lang="ru-RU"/>
               <a:t>Четвертый уровень</a:t>
             </a:r>
           </a:p>
           <a:p>
             <a:pPr lvl="4"/>
             <a:r>
-              <a:rPr lang="ru-RU" smtClean="0"/>
+              <a:rPr lang="ru-RU"/>
               <a:t>Пятый уровень</a:t>
             </a:r>
-            <a:endParaRPr lang="ru-RU"/>
           </a:p>
         </p:txBody>
       </p:sp>
@@ -3968,7 +3897,7 @@
           <a:p>
             <a:pPr lvl="0"/>
             <a:r>
-              <a:rPr lang="ru-RU" smtClean="0"/>
+              <a:rPr lang="ru-RU"/>
               <a:t>Образец текста</a:t>
             </a:r>
           </a:p>
@@ -3992,7 +3921,7 @@
             <a:fld id="{E8B8DB84-8C08-4980-8732-11D0873A1EA6}" type="datetime1">
               <a:rPr lang="ru-RU" smtClean="0"/>
               <a:pPr/>
-              <a:t>13.02.2021</a:t>
+              <a:t>27.05.2024</a:t>
             </a:fld>
             <a:endParaRPr lang="ru-RU"/>
           </a:p>
@@ -4091,10 +4020,9 @@
           </a:lstStyle>
           <a:p>
             <a:r>
-              <a:rPr lang="ru-RU" smtClean="0"/>
+              <a:rPr lang="ru-RU"/>
               <a:t>Образец заголовка</a:t>
             </a:r>
-            <a:endParaRPr lang="ru-RU"/>
           </a:p>
         </p:txBody>
       </p:sp>
@@ -4218,7 +4146,7 @@
           <a:p>
             <a:pPr lvl="0"/>
             <a:r>
-              <a:rPr lang="ru-RU" smtClean="0"/>
+              <a:rPr lang="ru-RU"/>
               <a:t>Образец текста</a:t>
             </a:r>
           </a:p>
@@ -4242,7 +4170,7 @@
             <a:fld id="{050DA507-FF59-40C3-B2A1-25E414CDD2D2}" type="datetime1">
               <a:rPr lang="ru-RU" smtClean="0"/>
               <a:pPr/>
-              <a:t>13.02.2021</a:t>
+              <a:t>27.05.2024</a:t>
             </a:fld>
             <a:endParaRPr lang="ru-RU"/>
           </a:p>
@@ -4347,10 +4275,9 @@
           <a:lstStyle/>
           <a:p>
             <a:r>
-              <a:rPr lang="ru-RU" smtClean="0"/>
+              <a:rPr lang="ru-RU"/>
               <a:t>Образец заголовка</a:t>
             </a:r>
-            <a:endParaRPr lang="ru-RU"/>
           </a:p>
         </p:txBody>
       </p:sp>
@@ -4381,38 +4308,37 @@
           <a:p>
             <a:pPr lvl="0"/>
             <a:r>
-              <a:rPr lang="ru-RU" smtClean="0"/>
+              <a:rPr lang="ru-RU"/>
               <a:t>Образец текста</a:t>
             </a:r>
           </a:p>
           <a:p>
             <a:pPr lvl="1"/>
             <a:r>
-              <a:rPr lang="ru-RU" smtClean="0"/>
+              <a:rPr lang="ru-RU"/>
               <a:t>Второй уровень</a:t>
             </a:r>
           </a:p>
           <a:p>
             <a:pPr lvl="2"/>
             <a:r>
-              <a:rPr lang="ru-RU" smtClean="0"/>
+              <a:rPr lang="ru-RU"/>
               <a:t>Третий уровень</a:t>
             </a:r>
           </a:p>
           <a:p>
             <a:pPr lvl="3"/>
             <a:r>
-              <a:rPr lang="ru-RU" smtClean="0"/>
+              <a:rPr lang="ru-RU"/>
               <a:t>Четвертый уровень</a:t>
             </a:r>
           </a:p>
           <a:p>
             <a:pPr lvl="4"/>
             <a:r>
-              <a:rPr lang="ru-RU" smtClean="0"/>
+              <a:rPr lang="ru-RU"/>
               <a:t>Пятый уровень</a:t>
             </a:r>
-            <a:endParaRPr lang="ru-RU"/>
           </a:p>
         </p:txBody>
       </p:sp>
@@ -4452,7 +4378,7 @@
             <a:fld id="{CE5CAE60-101F-4998-9C62-C244BDA28961}" type="datetime1">
               <a:rPr lang="ru-RU" smtClean="0"/>
               <a:pPr/>
-              <a:t>13.02.2021</a:t>
+              <a:t>27.05.2024</a:t>
             </a:fld>
             <a:endParaRPr lang="ru-RU"/>
           </a:p>
@@ -4847,191 +4773,15 @@
           <a:lstStyle/>
           <a:p>
             <a:r>
-              <a:rPr lang="ru-RU" sz="3100" dirty="0" smtClean="0"/>
+              <a:rPr lang="ru-RU" sz="3100" dirty="0"/>
               <a:t>Выпускная квалификационная работа бакалавра</a:t>
             </a:r>
-            <a:r>
-              <a:rPr lang="ru-RU" dirty="0" smtClean="0"/>
-              <a:t/>
-            </a:r>
             <a:br>
-              <a:rPr lang="ru-RU" dirty="0" smtClean="0"/>
+              <a:rPr lang="ru-RU" dirty="0"/>
             </a:br>
             <a:r>
-              <a:rPr lang="ru-RU" sz="3600" dirty="0" smtClean="0"/>
-              <a:t>«</a:t>
-            </a:r>
-            <a:r>
-              <a:rPr lang="ru-RU" sz="3600" dirty="0" smtClean="0">
-                <a:solidFill>
-                  <a:srgbClr val="FF0000"/>
-                </a:solidFill>
-              </a:rPr>
-              <a:t>Тема по приказу … </a:t>
-            </a:r>
-            <a:r>
-              <a:rPr lang="fr-FR" sz="3600" dirty="0" err="1" smtClean="0">
-                <a:solidFill>
-                  <a:srgbClr val="FF0000"/>
-                </a:solidFill>
-              </a:rPr>
-              <a:t>Lorem</a:t>
-            </a:r>
-            <a:r>
-              <a:rPr lang="fr-FR" sz="3600" dirty="0" smtClean="0">
-                <a:solidFill>
-                  <a:srgbClr val="FF0000"/>
-                </a:solidFill>
-              </a:rPr>
-              <a:t> </a:t>
-            </a:r>
-            <a:r>
-              <a:rPr lang="fr-FR" sz="3600" dirty="0" err="1" smtClean="0">
-                <a:solidFill>
-                  <a:srgbClr val="FF0000"/>
-                </a:solidFill>
-              </a:rPr>
-              <a:t>ipsum</a:t>
-            </a:r>
-            <a:r>
-              <a:rPr lang="fr-FR" sz="3600" dirty="0" smtClean="0">
-                <a:solidFill>
-                  <a:srgbClr val="FF0000"/>
-                </a:solidFill>
-              </a:rPr>
-              <a:t> </a:t>
-            </a:r>
-            <a:r>
-              <a:rPr lang="fr-FR" sz="3600" dirty="0" err="1" smtClean="0">
-                <a:solidFill>
-                  <a:srgbClr val="FF0000"/>
-                </a:solidFill>
-              </a:rPr>
-              <a:t>dolor</a:t>
-            </a:r>
-            <a:r>
-              <a:rPr lang="fr-FR" sz="3600" dirty="0" smtClean="0">
-                <a:solidFill>
-                  <a:srgbClr val="FF0000"/>
-                </a:solidFill>
-              </a:rPr>
-              <a:t> </a:t>
-            </a:r>
-            <a:r>
-              <a:rPr lang="fr-FR" sz="3600" dirty="0" err="1" smtClean="0">
-                <a:solidFill>
-                  <a:srgbClr val="FF0000"/>
-                </a:solidFill>
-              </a:rPr>
-              <a:t>sit</a:t>
-            </a:r>
-            <a:r>
-              <a:rPr lang="fr-FR" sz="3600" dirty="0" smtClean="0">
-                <a:solidFill>
-                  <a:srgbClr val="FF0000"/>
-                </a:solidFill>
-              </a:rPr>
-              <a:t> </a:t>
-            </a:r>
-            <a:r>
-              <a:rPr lang="fr-FR" sz="3600" dirty="0" err="1" smtClean="0">
-                <a:solidFill>
-                  <a:srgbClr val="FF0000"/>
-                </a:solidFill>
-              </a:rPr>
-              <a:t>amet</a:t>
-            </a:r>
-            <a:r>
-              <a:rPr lang="fr-FR" sz="3600" dirty="0" smtClean="0">
-                <a:solidFill>
-                  <a:srgbClr val="FF0000"/>
-                </a:solidFill>
-              </a:rPr>
-              <a:t> prima </a:t>
-            </a:r>
-            <a:r>
-              <a:rPr lang="fr-FR" sz="3600" dirty="0" err="1" smtClean="0">
-                <a:solidFill>
-                  <a:srgbClr val="FF0000"/>
-                </a:solidFill>
-              </a:rPr>
-              <a:t>mentitum</a:t>
-            </a:r>
-            <a:r>
-              <a:rPr lang="fr-FR" sz="3600" dirty="0" smtClean="0">
-                <a:solidFill>
-                  <a:srgbClr val="FF0000"/>
-                </a:solidFill>
-              </a:rPr>
-              <a:t> </a:t>
-            </a:r>
-            <a:r>
-              <a:rPr lang="fr-FR" sz="3600" dirty="0" err="1" smtClean="0">
-                <a:solidFill>
-                  <a:srgbClr val="FF0000"/>
-                </a:solidFill>
-              </a:rPr>
-              <a:t>quaerendum</a:t>
-            </a:r>
-            <a:r>
-              <a:rPr lang="fr-FR" sz="3600" dirty="0" smtClean="0">
-                <a:solidFill>
-                  <a:srgbClr val="FF0000"/>
-                </a:solidFill>
-              </a:rPr>
-              <a:t> </a:t>
-            </a:r>
-            <a:r>
-              <a:rPr lang="fr-FR" sz="3600" dirty="0" err="1" smtClean="0">
-                <a:solidFill>
-                  <a:srgbClr val="FF0000"/>
-                </a:solidFill>
-              </a:rPr>
-              <a:t>usu</a:t>
-            </a:r>
-            <a:r>
-              <a:rPr lang="fr-FR" sz="3600" dirty="0" smtClean="0">
-                <a:solidFill>
-                  <a:srgbClr val="FF0000"/>
-                </a:solidFill>
-              </a:rPr>
-              <a:t> et malis </a:t>
-            </a:r>
-            <a:r>
-              <a:rPr lang="fr-FR" sz="3600" dirty="0" err="1" smtClean="0">
-                <a:solidFill>
-                  <a:srgbClr val="FF0000"/>
-                </a:solidFill>
-              </a:rPr>
-              <a:t>possim</a:t>
-            </a:r>
-            <a:r>
-              <a:rPr lang="fr-FR" sz="3600" dirty="0" smtClean="0">
-                <a:solidFill>
-                  <a:srgbClr val="FF0000"/>
-                </a:solidFill>
-              </a:rPr>
-              <a:t> </a:t>
-            </a:r>
-            <a:r>
-              <a:rPr lang="fr-FR" sz="3600" dirty="0" err="1" smtClean="0">
-                <a:solidFill>
-                  <a:srgbClr val="FF0000"/>
-                </a:solidFill>
-              </a:rPr>
-              <a:t>iuvaret</a:t>
-            </a:r>
-            <a:r>
-              <a:rPr lang="fr-FR" sz="3600" dirty="0" smtClean="0">
-                <a:solidFill>
-                  <a:srgbClr val="FF0000"/>
-                </a:solidFill>
-              </a:rPr>
-              <a:t> ne me</a:t>
-            </a:r>
-            <a:r>
-              <a:rPr lang="ru-RU" sz="3600" dirty="0" smtClean="0"/>
-              <a:t>»</a:t>
+              <a:rPr lang="ru-RU" sz="3600" dirty="0"/>
+              <a:t>«Разработка веб-сервиса для обработки данных мониторинга микроклимата и экологии территории»</a:t>
             </a:r>
             <a:endParaRPr lang="ru-RU" dirty="0"/>
           </a:p>
@@ -5061,7 +4811,7 @@
           <a:p>
             <a:pPr lvl="0"/>
             <a:r>
-              <a:rPr lang="ru-RU" sz="2400" dirty="0" smtClean="0">
+              <a:rPr lang="ru-RU" sz="2400" dirty="0">
                 <a:solidFill>
                   <a:schemeClr val="tx1"/>
                 </a:solidFill>
@@ -5069,14 +4819,14 @@
               <a:t>Волгоградский государственный</a:t>
             </a:r>
             <a:br>
-              <a:rPr lang="ru-RU" sz="2400" dirty="0" smtClean="0">
+              <a:rPr lang="ru-RU" sz="2400" dirty="0">
                 <a:solidFill>
                   <a:schemeClr val="tx1"/>
                 </a:solidFill>
               </a:rPr>
             </a:br>
             <a:r>
-              <a:rPr lang="ru-RU" sz="2400" dirty="0" smtClean="0">
+              <a:rPr lang="ru-RU" sz="2400" dirty="0">
                 <a:solidFill>
                   <a:schemeClr val="tx1"/>
                 </a:solidFill>
@@ -5087,7 +4837,7 @@
           <a:p>
             <a:pPr lvl="0"/>
             <a:r>
-              <a:rPr lang="ru-RU" sz="2400" dirty="0" smtClean="0">
+              <a:rPr lang="ru-RU" sz="2400" dirty="0">
                 <a:solidFill>
                   <a:schemeClr val="tx1"/>
                 </a:solidFill>
@@ -5095,7 +4845,7 @@
               <a:t>Кафедра </a:t>
             </a:r>
             <a:r>
-              <a:rPr lang="ru-RU" sz="2400" dirty="0" err="1" smtClean="0">
+              <a:rPr lang="ru-RU" sz="2400" dirty="0" err="1">
                 <a:solidFill>
                   <a:schemeClr val="tx1"/>
                 </a:solidFill>
@@ -5176,48 +4926,67 @@
             </a:r>
           </a:p>
           <a:p>
+            <a:pPr marL="0" marR="0" lvl="0" indent="0" algn="r" rtl="0">
+              <a:lnSpc>
+                <a:spcPct val="100000"/>
+              </a:lnSpc>
+              <a:spcBef>
+                <a:spcPts val="400"/>
+              </a:spcBef>
+              <a:spcAft>
+                <a:spcPts val="0"/>
+              </a:spcAft>
+              <a:buClr>
+                <a:srgbClr val="000000"/>
+              </a:buClr>
+              <a:buSzPts val="2000"/>
+              <a:buFont typeface="Arial"/>
+              <a:buNone/>
+            </a:pPr>
+            <a:r>
+              <a:rPr lang="ru-RU" sz="2000" dirty="0"/>
+              <a:t>студент группы </a:t>
+            </a:r>
+            <a:r>
+              <a:rPr lang="ru-RU" sz="2000" b="0" i="0" u="none" strike="noStrike" cap="none" dirty="0">
+                <a:solidFill>
+                  <a:schemeClr val="dk1"/>
+                </a:solidFill>
+                <a:latin typeface="Calibri"/>
+                <a:ea typeface="Calibri"/>
+                <a:cs typeface="Calibri"/>
+                <a:sym typeface="Calibri"/>
+              </a:rPr>
+              <a:t>ИВТ-463</a:t>
+            </a:r>
+            <a:endParaRPr lang="ru-RU" sz="2000" b="0" i="0" u="none" strike="noStrike" cap="none" dirty="0">
+              <a:solidFill>
+                <a:srgbClr val="FF0000"/>
+              </a:solidFill>
+              <a:latin typeface="Calibri"/>
+              <a:ea typeface="Calibri"/>
+              <a:cs typeface="Calibri"/>
+              <a:sym typeface="Calibri"/>
+            </a:endParaRPr>
+          </a:p>
+          <a:p>
             <a:pPr lvl="0" algn="r">
               <a:spcBef>
                 <a:spcPct val="20000"/>
               </a:spcBef>
             </a:pPr>
             <a:r>
-              <a:rPr lang="ru-RU" sz="2000" dirty="0"/>
-              <a:t>студент группы </a:t>
-            </a:r>
-            <a:r>
-              <a:rPr lang="ru-RU" sz="2000" dirty="0" smtClean="0">
+              <a:rPr lang="ru-RU" sz="2000" b="0" i="0" u="none" strike="noStrike" cap="none" dirty="0">
                 <a:solidFill>
-                  <a:srgbClr val="FF0000"/>
+                  <a:schemeClr val="dk1"/>
                 </a:solidFill>
+                <a:latin typeface="Calibri"/>
+                <a:ea typeface="Calibri"/>
+                <a:cs typeface="Calibri"/>
+                <a:sym typeface="Calibri"/>
               </a:rPr>
-              <a:t>АБВ-123</a:t>
-            </a:r>
-            <a:endParaRPr lang="ru-RU" sz="2000" dirty="0">
-              <a:solidFill>
-                <a:srgbClr val="FF0000"/>
-              </a:solidFill>
-            </a:endParaRPr>
-          </a:p>
-          <a:p>
-            <a:pPr lvl="0" algn="r">
-              <a:spcBef>
-                <a:spcPct val="20000"/>
-              </a:spcBef>
-            </a:pPr>
-            <a:r>
-              <a:rPr lang="ru-RU" sz="2000" dirty="0" smtClean="0">
-                <a:solidFill>
-                  <a:srgbClr val="FF0000"/>
-                </a:solidFill>
-              </a:rPr>
-              <a:t>Фамилия И.О.</a:t>
-            </a:r>
-            <a:endParaRPr lang="ru-RU" sz="2000" dirty="0">
-              <a:solidFill>
-                <a:srgbClr val="FF0000"/>
-              </a:solidFill>
-            </a:endParaRPr>
+              <a:t>Островская Т.С.</a:t>
+            </a:r>
           </a:p>
           <a:p>
             <a:pPr lvl="0" algn="r">
@@ -5245,44 +5014,16 @@
               </a:spcBef>
             </a:pPr>
             <a:r>
-              <a:rPr lang="ru-RU" sz="2000" dirty="0">
-                <a:solidFill>
-                  <a:srgbClr val="FF0000"/>
-                </a:solidFill>
-              </a:rPr>
+              <a:rPr lang="ru-RU" sz="2000" dirty="0"/>
               <a:t>к.т.н., доц. </a:t>
             </a:r>
             <a:r>
-              <a:rPr lang="ru-RU" sz="2000" dirty="0" err="1">
-                <a:solidFill>
-                  <a:srgbClr val="FF0000"/>
-                </a:solidFill>
-              </a:rPr>
+              <a:rPr lang="ru-RU" sz="2000" dirty="0" err="1"/>
               <a:t>Парыгин</a:t>
             </a:r>
             <a:r>
-              <a:rPr lang="ru-RU" sz="2000" dirty="0">
-                <a:solidFill>
-                  <a:srgbClr val="FF0000"/>
-                </a:solidFill>
-              </a:rPr>
-              <a:t> </a:t>
-            </a:r>
-            <a:r>
-              <a:rPr lang="ru-RU" sz="2000" dirty="0" smtClean="0">
-                <a:solidFill>
-                  <a:srgbClr val="FF0000"/>
-                </a:solidFill>
-              </a:rPr>
-              <a:t>Д.С</a:t>
-            </a:r>
-            <a:r>
-              <a:rPr lang="ru-RU" sz="2000" dirty="0">
-                <a:solidFill>
-                  <a:srgbClr val="FF0000"/>
-                </a:solidFill>
-              </a:rPr>
-              <a:t>.</a:t>
+              <a:rPr lang="ru-RU" sz="2000" dirty="0"/>
+              <a:t> Д.С.</a:t>
             </a:r>
           </a:p>
         </p:txBody>
@@ -5292,13 +5033,6 @@
   <p:clrMapOvr>
     <a:masterClrMapping/>
   </p:clrMapOvr>
-  <p:timing>
-    <p:tnLst>
-      <p:par>
-        <p:cTn id="1" dur="indefinite" restart="never" nodeType="tmRoot"/>
-      </p:par>
-    </p:tnLst>
-  </p:timing>
 </p:sld>
 </file>
 
@@ -5319,35 +5053,6 @@
           <a:chExt cx="0" cy="0"/>
         </a:xfrm>
       </p:grpSpPr>
-      <p:pic>
-        <p:nvPicPr>
-          <p:cNvPr id="7" name="Screen Shot 2017-06-18 at 9.16.59 PM.png" descr="Screen Shot 2017-06-18 at 9.16.59 PM.png"/>
-          <p:cNvPicPr>
-            <a:picLocks noChangeAspect="1"/>
-          </p:cNvPicPr>
-          <p:nvPr/>
-        </p:nvPicPr>
-        <p:blipFill>
-          <a:blip r:embed="rId3" cstate="print">
-            <a:extLst/>
-          </a:blip>
-          <a:stretch>
-            <a:fillRect/>
-          </a:stretch>
-        </p:blipFill>
-        <p:spPr>
-          <a:xfrm>
-            <a:off x="951007" y="1484784"/>
-            <a:ext cx="7241986" cy="4523762"/>
-          </a:xfrm>
-          <a:prstGeom prst="rect">
-            <a:avLst/>
-          </a:prstGeom>
-          <a:ln w="12700">
-            <a:miter lim="400000"/>
-          </a:ln>
-        </p:spPr>
-      </p:pic>
       <p:sp>
         <p:nvSpPr>
           <p:cNvPr id="2" name="Заголовок 1"/>
@@ -5367,10 +5072,9 @@
           <a:p>
             <a:pPr algn="l"/>
             <a:r>
-              <a:rPr lang="ru-RU" dirty="0" smtClean="0"/>
+              <a:rPr lang="ru-RU" dirty="0"/>
               <a:t>Структура базы данных</a:t>
             </a:r>
-            <a:endParaRPr lang="ru-RU" dirty="0"/>
           </a:p>
         </p:txBody>
       </p:sp>
@@ -5411,153 +5115,364 @@
           </a:p>
         </p:txBody>
       </p:sp>
-      <p:sp>
-        <p:nvSpPr>
-          <p:cNvPr id="6" name="Содержимое 2"/>
-          <p:cNvSpPr txBox="1">
-            <a:spLocks/>
-          </p:cNvSpPr>
+      <p:pic>
+        <p:nvPicPr>
+          <p:cNvPr id="5" name="Рисунок 4">
+            <a:extLst>
+              <a:ext uri="{FF2B5EF4-FFF2-40B4-BE49-F238E27FC236}">
+                <a16:creationId xmlns:a16="http://schemas.microsoft.com/office/drawing/2014/main" id="{B64B5472-940F-7534-96C0-D288EDA279B7}"/>
+              </a:ext>
+            </a:extLst>
+          </p:cNvPr>
+          <p:cNvPicPr>
+            <a:picLocks noChangeAspect="1"/>
+          </p:cNvPicPr>
           <p:nvPr/>
-        </p:nvSpPr>
+        </p:nvPicPr>
+        <p:blipFill>
+          <a:blip r:embed="rId3"/>
+          <a:stretch>
+            <a:fillRect/>
+          </a:stretch>
+        </p:blipFill>
         <p:spPr>
           <a:xfrm>
-            <a:off x="457200" y="6064696"/>
-            <a:ext cx="8229600" cy="460648"/>
+            <a:off x="683568" y="1417638"/>
+            <a:ext cx="2880320" cy="4474283"/>
           </a:xfrm>
           <a:prstGeom prst="rect">
             <a:avLst/>
           </a:prstGeom>
         </p:spPr>
-        <p:txBody>
-          <a:bodyPr vert="horz" lIns="91440" tIns="45720" rIns="91440" bIns="45720" rtlCol="0">
-            <a:noAutofit/>
+      </p:pic>
+      <p:sp>
+        <p:nvSpPr>
+          <p:cNvPr id="8" name="TextBox 7">
+            <a:extLst>
+              <a:ext uri="{FF2B5EF4-FFF2-40B4-BE49-F238E27FC236}">
+                <a16:creationId xmlns:a16="http://schemas.microsoft.com/office/drawing/2014/main" id="{F69A6585-AAA5-D8FC-DE1C-20852D2E0E75}"/>
+              </a:ext>
+            </a:extLst>
+          </p:cNvPr>
+          <p:cNvSpPr txBox="1"/>
+          <p:nvPr/>
+        </p:nvSpPr>
+        <p:spPr>
+          <a:xfrm>
+            <a:off x="3851920" y="1417638"/>
+            <a:ext cx="4608512" cy="4619854"/>
+          </a:xfrm>
+          <a:prstGeom prst="rect">
+            <a:avLst/>
+          </a:prstGeom>
+          <a:noFill/>
+        </p:spPr>
+        <p:txBody>
+          <a:bodyPr wrap="square" rtlCol="0">
+            <a:spAutoFit/>
           </a:bodyPr>
           <a:lstStyle/>
           <a:p>
-            <a:pPr marL="342900" marR="0" lvl="0" indent="-342900" algn="l" defTabSz="914400" rtl="0" eaLnBrk="1" fontAlgn="auto" latinLnBrk="0" hangingPunct="1">
+            <a:pPr algn="l">
               <a:lnSpc>
-                <a:spcPct val="100000"/>
+                <a:spcPct val="150000"/>
               </a:lnSpc>
-              <a:spcBef>
-                <a:spcPct val="20000"/>
-              </a:spcBef>
-              <a:spcAft>
-                <a:spcPts val="0"/>
-              </a:spcAft>
-              <a:buClrTx/>
-              <a:buSzTx/>
-              <a:buFont typeface="Arial" pitchFamily="34" charset="0"/>
-              <a:buNone/>
-              <a:tabLst/>
-              <a:defRPr/>
+              <a:buFont typeface="+mj-lt"/>
+              <a:buAutoNum type="arabicPeriod"/>
             </a:pPr>
             <a:r>
-              <a:rPr kumimoji="0" lang="en-US" b="0" i="0" u="none" strike="noStrike" kern="1200" cap="none" spc="0" normalizeH="0" baseline="0" noProof="0" dirty="0" smtClean="0">
-                <a:ln>
-                  <a:noFill/>
-                </a:ln>
+              <a:rPr lang="en-US" i="0" dirty="0" err="1">
                 <a:solidFill>
-                  <a:srgbClr val="FF0000"/>
+                  <a:srgbClr val="0D0D0D"/>
                 </a:solidFill>
                 <a:effectLst/>
-                <a:uLnTx/>
-                <a:uFillTx/>
-                <a:latin typeface="+mn-lt"/>
-                <a:ea typeface="+mn-ea"/>
-                <a:cs typeface="+mn-cs"/>
+                <a:highlight>
+                  <a:srgbClr val="FFFFFF"/>
+                </a:highlight>
               </a:rPr>
-              <a:t>[</a:t>
-            </a:r>
-            <a:r>
-              <a:rPr kumimoji="0" lang="ru-RU" b="0" i="0" u="none" strike="noStrike" kern="1200" cap="none" spc="0" normalizeH="0" baseline="0" noProof="0" dirty="0" smtClean="0">
-                <a:ln>
-                  <a:noFill/>
-                </a:ln>
+              <a:t>i</a:t>
+            </a:r>
+            <a:r>
+              <a:rPr lang="ru-RU" i="0" dirty="0">
                 <a:solidFill>
-                  <a:srgbClr val="FF0000"/>
+                  <a:srgbClr val="0D0D0D"/>
                 </a:solidFill>
                 <a:effectLst/>
-                <a:uLnTx/>
-                <a:uFillTx/>
-                <a:latin typeface="+mn-lt"/>
-                <a:ea typeface="+mn-ea"/>
-                <a:cs typeface="+mn-cs"/>
+                <a:highlight>
+                  <a:srgbClr val="FFFFFF"/>
+                </a:highlight>
               </a:rPr>
-              <a:t>это опциональный</a:t>
-            </a:r>
-            <a:r>
-              <a:rPr kumimoji="0" lang="ru-RU" b="0" i="0" u="none" strike="noStrike" kern="1200" cap="none" spc="0" normalizeH="0" noProof="0" dirty="0" smtClean="0">
-                <a:ln>
-                  <a:noFill/>
-                </a:ln>
+              <a:t>d: Уникальный идентификатор записи. </a:t>
+            </a:r>
+          </a:p>
+          <a:p>
+            <a:pPr algn="l">
+              <a:lnSpc>
+                <a:spcPct val="150000"/>
+              </a:lnSpc>
+              <a:buFont typeface="+mj-lt"/>
+              <a:buAutoNum type="arabicPeriod"/>
+            </a:pPr>
+            <a:r>
+              <a:rPr lang="en-US" i="0" dirty="0">
                 <a:solidFill>
-                  <a:srgbClr val="FF0000"/>
+                  <a:srgbClr val="0D0D0D"/>
                 </a:solidFill>
                 <a:effectLst/>
-                <a:uLnTx/>
-                <a:uFillTx/>
-                <a:latin typeface="+mn-lt"/>
-                <a:ea typeface="+mn-ea"/>
-                <a:cs typeface="+mn-cs"/>
+                <a:highlight>
+                  <a:srgbClr val="FFFFFF"/>
+                </a:highlight>
               </a:rPr>
-              <a:t> слайд, используется, если в вашем проекте предусмотрена </a:t>
-            </a:r>
-            <a:r>
-              <a:rPr kumimoji="0" lang="ru-RU" b="0" i="0" u="none" strike="noStrike" kern="1200" cap="none" spc="0" normalizeH="0" noProof="0" dirty="0" err="1" smtClean="0">
-                <a:ln>
-                  <a:noFill/>
-                </a:ln>
+              <a:t>d</a:t>
+            </a:r>
+            <a:r>
+              <a:rPr lang="ru-RU" i="0" dirty="0" err="1">
                 <a:solidFill>
-                  <a:srgbClr val="FF0000"/>
+                  <a:srgbClr val="0D0D0D"/>
                 </a:solidFill>
                 <a:effectLst/>
-                <a:uLnTx/>
-                <a:uFillTx/>
-                <a:latin typeface="+mn-lt"/>
-                <a:ea typeface="+mn-ea"/>
-                <a:cs typeface="+mn-cs"/>
+                <a:highlight>
+                  <a:srgbClr val="FFFFFF"/>
+                </a:highlight>
               </a:rPr>
-              <a:t>реализаци</a:t>
-            </a:r>
-            <a:r>
-              <a:rPr lang="ru-RU" dirty="0" smtClean="0">
+              <a:t>ate</a:t>
+            </a:r>
+            <a:r>
+              <a:rPr lang="ru-RU" i="0" dirty="0">
                 <a:solidFill>
-                  <a:srgbClr val="FF0000"/>
-                </a:solidFill>
-              </a:rPr>
-              <a:t>я базы данных (это рисунок из п.3.2 ПЗ)</a:t>
-            </a:r>
-            <a:r>
-              <a:rPr kumimoji="0" lang="en-US" b="0" i="0" u="none" strike="noStrike" kern="1200" cap="none" spc="0" normalizeH="0" baseline="0" noProof="0" dirty="0" smtClean="0">
-                <a:ln>
-                  <a:noFill/>
-                </a:ln>
-                <a:solidFill>
-                  <a:srgbClr val="FF0000"/>
+                  <a:srgbClr val="0D0D0D"/>
                 </a:solidFill>
                 <a:effectLst/>
-                <a:uLnTx/>
-                <a:uFillTx/>
-                <a:latin typeface="+mn-lt"/>
-                <a:ea typeface="+mn-ea"/>
-                <a:cs typeface="+mn-cs"/>
+                <a:highlight>
+                  <a:srgbClr val="FFFFFF"/>
+                </a:highlight>
               </a:rPr>
-              <a:t>]</a:t>
-            </a:r>
-            <a:endParaRPr kumimoji="0" lang="ru-RU" b="0" i="0" u="none" strike="noStrike" kern="1200" cap="none" spc="0" normalizeH="0" baseline="0" noProof="0" dirty="0" smtClean="0">
-              <a:ln>
-                <a:noFill/>
-              </a:ln>
-              <a:solidFill>
-                <a:srgbClr val="FF0000"/>
-              </a:solidFill>
-              <a:effectLst/>
-              <a:uLnTx/>
-              <a:uFillTx/>
-              <a:latin typeface="+mn-lt"/>
-              <a:ea typeface="+mn-ea"/>
-              <a:cs typeface="+mn-cs"/>
-            </a:endParaRPr>
+              <a:t>: Дата и время, когда были собраны данные. </a:t>
+            </a:r>
+          </a:p>
+          <a:p>
+            <a:pPr algn="l">
+              <a:lnSpc>
+                <a:spcPct val="150000"/>
+              </a:lnSpc>
+              <a:buFont typeface="+mj-lt"/>
+              <a:buAutoNum type="arabicPeriod"/>
+            </a:pPr>
+            <a:r>
+              <a:rPr lang="ru-RU" i="0" dirty="0" err="1">
+                <a:solidFill>
+                  <a:srgbClr val="0D0D0D"/>
+                </a:solidFill>
+                <a:effectLst/>
+                <a:highlight>
+                  <a:srgbClr val="FFFFFF"/>
+                </a:highlight>
+              </a:rPr>
+              <a:t>temperature</a:t>
+            </a:r>
+            <a:r>
+              <a:rPr lang="ru-RU" dirty="0">
+                <a:solidFill>
+                  <a:srgbClr val="0D0D0D"/>
+                </a:solidFill>
+                <a:highlight>
+                  <a:srgbClr val="FFFFFF"/>
+                </a:highlight>
+              </a:rPr>
+              <a:t>:</a:t>
+            </a:r>
+            <a:r>
+              <a:rPr lang="ru-RU" i="0" dirty="0">
+                <a:solidFill>
+                  <a:srgbClr val="0D0D0D"/>
+                </a:solidFill>
+                <a:effectLst/>
+                <a:highlight>
+                  <a:srgbClr val="FFFFFF"/>
+                </a:highlight>
+              </a:rPr>
+              <a:t> Значение температуры в градусах</a:t>
+            </a:r>
+          </a:p>
+          <a:p>
+            <a:pPr algn="l">
+              <a:lnSpc>
+                <a:spcPct val="150000"/>
+              </a:lnSpc>
+              <a:buFont typeface="+mj-lt"/>
+              <a:buAutoNum type="arabicPeriod"/>
+            </a:pPr>
+            <a:r>
+              <a:rPr lang="en-US" dirty="0">
+                <a:solidFill>
+                  <a:srgbClr val="0D0D0D"/>
+                </a:solidFill>
+                <a:highlight>
+                  <a:srgbClr val="FFFFFF"/>
+                </a:highlight>
+              </a:rPr>
+              <a:t>h</a:t>
+            </a:r>
+            <a:r>
+              <a:rPr lang="ru-RU" i="0" dirty="0" err="1">
+                <a:solidFill>
+                  <a:srgbClr val="0D0D0D"/>
+                </a:solidFill>
+                <a:effectLst/>
+                <a:highlight>
+                  <a:srgbClr val="FFFFFF"/>
+                </a:highlight>
+              </a:rPr>
+              <a:t>umidity</a:t>
+            </a:r>
+            <a:r>
+              <a:rPr lang="ru-RU" i="0" dirty="0">
+                <a:solidFill>
+                  <a:srgbClr val="0D0D0D"/>
+                </a:solidFill>
+                <a:effectLst/>
+                <a:highlight>
+                  <a:srgbClr val="FFFFFF"/>
+                </a:highlight>
+              </a:rPr>
+              <a:t>: Значение влажности</a:t>
+            </a:r>
+          </a:p>
+          <a:p>
+            <a:pPr algn="l">
+              <a:lnSpc>
+                <a:spcPct val="150000"/>
+              </a:lnSpc>
+              <a:buFont typeface="+mj-lt"/>
+              <a:buAutoNum type="arabicPeriod"/>
+            </a:pPr>
+            <a:r>
+              <a:rPr lang="en-US" i="0" dirty="0">
+                <a:solidFill>
+                  <a:srgbClr val="0D0D0D"/>
+                </a:solidFill>
+                <a:effectLst/>
+                <a:highlight>
+                  <a:srgbClr val="FFFFFF"/>
+                </a:highlight>
+              </a:rPr>
+              <a:t>p</a:t>
+            </a:r>
+            <a:r>
+              <a:rPr lang="ru-RU" i="0" dirty="0" err="1">
+                <a:solidFill>
+                  <a:srgbClr val="0D0D0D"/>
+                </a:solidFill>
+                <a:effectLst/>
+                <a:highlight>
+                  <a:srgbClr val="FFFFFF"/>
+                </a:highlight>
+              </a:rPr>
+              <a:t>ollution</a:t>
+            </a:r>
+            <a:r>
+              <a:rPr lang="ru-RU" i="0" dirty="0">
+                <a:solidFill>
+                  <a:srgbClr val="0D0D0D"/>
+                </a:solidFill>
+                <a:effectLst/>
+                <a:highlight>
+                  <a:srgbClr val="FFFFFF"/>
+                </a:highlight>
+              </a:rPr>
+              <a:t>: Уровень загрязнения воздуха </a:t>
+            </a:r>
+          </a:p>
+          <a:p>
+            <a:pPr algn="l">
+              <a:lnSpc>
+                <a:spcPct val="150000"/>
+              </a:lnSpc>
+              <a:buFont typeface="+mj-lt"/>
+              <a:buAutoNum type="arabicPeriod"/>
+            </a:pPr>
+            <a:r>
+              <a:rPr lang="en-US" i="0" dirty="0">
+                <a:solidFill>
+                  <a:srgbClr val="0D0D0D"/>
+                </a:solidFill>
+                <a:effectLst/>
+                <a:highlight>
+                  <a:srgbClr val="FFFFFF"/>
+                </a:highlight>
+              </a:rPr>
+              <a:t>l</a:t>
+            </a:r>
+            <a:r>
+              <a:rPr lang="ru-RU" i="0" dirty="0" err="1">
+                <a:solidFill>
+                  <a:srgbClr val="0D0D0D"/>
+                </a:solidFill>
+                <a:effectLst/>
+                <a:highlight>
+                  <a:srgbClr val="FFFFFF"/>
+                </a:highlight>
+              </a:rPr>
+              <a:t>atitude</a:t>
+            </a:r>
+            <a:r>
+              <a:rPr lang="ru-RU" i="0" dirty="0">
+                <a:solidFill>
+                  <a:srgbClr val="0D0D0D"/>
+                </a:solidFill>
+                <a:effectLst/>
+                <a:highlight>
+                  <a:srgbClr val="FFFFFF"/>
+                </a:highlight>
+              </a:rPr>
+              <a:t>: Широта места, где были собраны данные. </a:t>
+            </a:r>
+          </a:p>
+          <a:p>
+            <a:pPr algn="l">
+              <a:lnSpc>
+                <a:spcPct val="150000"/>
+              </a:lnSpc>
+              <a:buFont typeface="+mj-lt"/>
+              <a:buAutoNum type="arabicPeriod"/>
+            </a:pPr>
+            <a:r>
+              <a:rPr lang="en-US" i="0" dirty="0">
+                <a:solidFill>
+                  <a:srgbClr val="0D0D0D"/>
+                </a:solidFill>
+                <a:effectLst/>
+                <a:highlight>
+                  <a:srgbClr val="FFFFFF"/>
+                </a:highlight>
+              </a:rPr>
+              <a:t>l</a:t>
+            </a:r>
+            <a:r>
+              <a:rPr lang="ru-RU" i="0" dirty="0" err="1">
+                <a:solidFill>
+                  <a:srgbClr val="0D0D0D"/>
+                </a:solidFill>
+                <a:effectLst/>
+                <a:highlight>
+                  <a:srgbClr val="FFFFFF"/>
+                </a:highlight>
+              </a:rPr>
+              <a:t>ongitude</a:t>
+            </a:r>
+            <a:r>
+              <a:rPr lang="ru-RU" i="0" dirty="0">
+                <a:solidFill>
+                  <a:srgbClr val="0D0D0D"/>
+                </a:solidFill>
+                <a:effectLst/>
+                <a:highlight>
+                  <a:srgbClr val="FFFFFF"/>
+                </a:highlight>
+              </a:rPr>
+              <a:t>: Долгота места, где были собраны данные. </a:t>
+            </a:r>
+            <a:endParaRPr lang="ru-RU" dirty="0"/>
           </a:p>
         </p:txBody>
       </p:sp>
@@ -5566,13 +5481,6 @@
   <p:clrMapOvr>
     <a:masterClrMapping/>
   </p:clrMapOvr>
-  <p:timing>
-    <p:tnLst>
-      <p:par>
-        <p:cTn id="1" dur="indefinite" restart="never" nodeType="tmRoot"/>
-      </p:par>
-    </p:tnLst>
-  </p:timing>
 </p:sld>
 </file>
 
@@ -5595,81 +5503,155 @@
       </p:grpSpPr>
       <p:sp>
         <p:nvSpPr>
-          <p:cNvPr id="2" name="Заголовок 1"/>
-          <p:cNvSpPr>
-            <a:spLocks noGrp="1"/>
-          </p:cNvSpPr>
-          <p:nvPr>
-            <p:ph type="title"/>
-          </p:nvPr>
-        </p:nvSpPr>
-        <p:spPr/>
+          <p:cNvPr id="15" name="Содержимое 2"/>
+          <p:cNvSpPr>
+            <a:spLocks noGrp="1"/>
+          </p:cNvSpPr>
+          <p:nvPr>
+            <p:ph idx="1"/>
+          </p:nvPr>
+        </p:nvSpPr>
+        <p:spPr>
+          <a:xfrm>
+            <a:off x="457200" y="1600200"/>
+            <a:ext cx="8229600" cy="4525963"/>
+          </a:xfrm>
+        </p:spPr>
         <p:txBody>
           <a:bodyPr>
             <a:normAutofit/>
           </a:bodyPr>
           <a:lstStyle/>
           <a:p>
+            <a:pPr>
+              <a:buNone/>
+            </a:pPr>
+            <a:r>
+              <a:rPr lang="ru-RU" sz="2400" dirty="0"/>
+              <a:t>Язык программирования:	</a:t>
+            </a:r>
+            <a:r>
+              <a:rPr lang="en-US" sz="2400" dirty="0"/>
+              <a:t>Python 3.6, SQL:</a:t>
+            </a:r>
+            <a:r>
+              <a:rPr lang="ru-RU" sz="2400" dirty="0"/>
+              <a:t>2016</a:t>
+            </a:r>
+            <a:endParaRPr lang="en-US" sz="2400" dirty="0"/>
+          </a:p>
+          <a:p>
+            <a:pPr>
+              <a:buNone/>
+            </a:pPr>
+            <a:r>
+              <a:rPr lang="ru-RU" sz="2400" dirty="0"/>
+              <a:t>Фреймворки:                            </a:t>
+            </a:r>
+            <a:r>
+              <a:rPr lang="en-US" sz="2400" dirty="0"/>
+              <a:t>Vue3</a:t>
+            </a:r>
+            <a:r>
+              <a:rPr lang="ru-RU" sz="2400" dirty="0"/>
+              <a:t>, </a:t>
+            </a:r>
+            <a:r>
+              <a:rPr lang="en-US" sz="2400" dirty="0"/>
+              <a:t>Quasar</a:t>
+            </a:r>
+          </a:p>
+          <a:p>
+            <a:pPr>
+              <a:buNone/>
+            </a:pPr>
+            <a:r>
+              <a:rPr lang="ru-RU" sz="2400" dirty="0"/>
+              <a:t>Дополнительные модули:	</a:t>
+            </a:r>
+            <a:r>
+              <a:rPr lang="en-US" sz="2400" dirty="0" err="1"/>
+              <a:t>FastAPI</a:t>
+            </a:r>
+            <a:r>
+              <a:rPr lang="en-US" sz="2400" dirty="0"/>
+              <a:t>, d3.js, charts.js</a:t>
+            </a:r>
+          </a:p>
+          <a:p>
+            <a:endParaRPr lang="en-US" sz="2400" dirty="0"/>
+          </a:p>
+          <a:p>
+            <a:pPr>
+              <a:buNone/>
+            </a:pPr>
+            <a:r>
+              <a:rPr lang="ru-RU" sz="2400" dirty="0"/>
+              <a:t>СУБД:				</a:t>
+            </a:r>
+            <a:r>
+              <a:rPr lang="en-US" sz="2400" dirty="0"/>
+              <a:t>PostgreSQL 15</a:t>
+            </a:r>
+          </a:p>
+          <a:p>
+            <a:pPr>
+              <a:buNone/>
+            </a:pPr>
+            <a:r>
+              <a:rPr lang="ru-RU" sz="2400" dirty="0"/>
+              <a:t>Дополнительные модули:	</a:t>
+            </a:r>
+            <a:r>
+              <a:rPr lang="en-US" sz="2400" dirty="0" err="1"/>
+              <a:t>pgAdmin</a:t>
+            </a:r>
+            <a:r>
+              <a:rPr lang="en-US" sz="2400" dirty="0"/>
+              <a:t> 4</a:t>
+            </a:r>
+          </a:p>
+          <a:p>
+            <a:pPr>
+              <a:buNone/>
+            </a:pPr>
+            <a:endParaRPr lang="en-US" sz="2400" dirty="0"/>
+          </a:p>
+          <a:p>
+            <a:pPr>
+              <a:buNone/>
+            </a:pPr>
+            <a:r>
+              <a:rPr lang="ru-RU" sz="2400" dirty="0"/>
+              <a:t>Инструмент разработки:	</a:t>
+            </a:r>
+            <a:r>
+              <a:rPr lang="en-US" sz="2400" dirty="0"/>
+              <a:t>PyCharm Community 2017.3, 				Microsoft Visual Studio Code </a:t>
+            </a:r>
+            <a:endParaRPr lang="ru-RU" sz="2400" dirty="0"/>
+          </a:p>
+        </p:txBody>
+      </p:sp>
+      <p:sp>
+        <p:nvSpPr>
+          <p:cNvPr id="2" name="Заголовок 1"/>
+          <p:cNvSpPr>
+            <a:spLocks noGrp="1"/>
+          </p:cNvSpPr>
+          <p:nvPr>
+            <p:ph type="title"/>
+          </p:nvPr>
+        </p:nvSpPr>
+        <p:spPr/>
+        <p:txBody>
+          <a:bodyPr/>
+          <a:lstStyle/>
+          <a:p>
             <a:pPr algn="l"/>
             <a:r>
-              <a:rPr lang="ru-RU" sz="4000" dirty="0" smtClean="0"/>
-              <a:t>Алгоритм расчёта …</a:t>
-            </a:r>
-            <a:endParaRPr lang="ru-RU" sz="4000" dirty="0"/>
-          </a:p>
-        </p:txBody>
-      </p:sp>
-      <p:sp>
-        <p:nvSpPr>
-          <p:cNvPr id="3" name="Содержимое 2"/>
-          <p:cNvSpPr>
-            <a:spLocks noGrp="1"/>
-          </p:cNvSpPr>
-          <p:nvPr>
-            <p:ph idx="1"/>
-          </p:nvPr>
-        </p:nvSpPr>
-        <p:spPr>
-          <a:xfrm>
-            <a:off x="457200" y="1600200"/>
-            <a:ext cx="4690864" cy="4525963"/>
-          </a:xfrm>
-        </p:spPr>
-        <p:txBody>
-          <a:bodyPr>
-            <a:noAutofit/>
-          </a:bodyPr>
-          <a:lstStyle/>
-          <a:p>
-            <a:r>
-              <a:rPr lang="ru-RU" sz="2000" dirty="0" smtClean="0"/>
-              <a:t>Импульсно-кодовая модуляция (ИКМ) используется для оцифровки аналоговых сигналов.</a:t>
-            </a:r>
-          </a:p>
-          <a:p>
-            <a:endParaRPr lang="ru-RU" sz="2000" dirty="0" smtClean="0"/>
-          </a:p>
-          <a:p>
-            <a:r>
-              <a:rPr lang="ru-RU" sz="2000" dirty="0" smtClean="0"/>
-              <a:t>После использования ИКМ для выборки, получаем звуковой буфер.</a:t>
-            </a:r>
-          </a:p>
-          <a:p>
-            <a:endParaRPr lang="ru-RU" sz="2000" dirty="0" smtClean="0"/>
-          </a:p>
-          <a:p>
-            <a:r>
-              <a:rPr lang="ru-RU" sz="2000" dirty="0" smtClean="0"/>
-              <a:t>В приложении используется тип данных </a:t>
-            </a:r>
-            <a:r>
-              <a:rPr lang="ru-RU" sz="2000" dirty="0" err="1" smtClean="0"/>
-              <a:t>Float</a:t>
-            </a:r>
-            <a:r>
-              <a:rPr lang="ru-RU" sz="2000" dirty="0" smtClean="0"/>
-              <a:t> для записи значения буфера. Звуковой буфер представляет собой массив, содержащий числа в диапазоне [-1.0, 1.0].</a:t>
+              <a:rPr lang="ru-RU" dirty="0"/>
+              <a:t>Средства реализации</a:t>
             </a:r>
           </a:p>
         </p:txBody>
@@ -5706,93 +5688,6 @@
             <a:endParaRPr lang="ru-RU" sz="2400" dirty="0">
               <a:solidFill>
                 <a:schemeClr val="tx1"/>
-              </a:solidFill>
-            </a:endParaRPr>
-          </a:p>
-        </p:txBody>
-      </p:sp>
-      <p:pic>
-        <p:nvPicPr>
-          <p:cNvPr id="6" name="Screen Shot 2017-06-18 at 5.53.32 PM.png" descr="Screen Shot 2017-06-18 at 5.53.32 PM.png"/>
-          <p:cNvPicPr>
-            <a:picLocks noChangeAspect="1"/>
-          </p:cNvPicPr>
-          <p:nvPr/>
-        </p:nvPicPr>
-        <p:blipFill>
-          <a:blip r:embed="rId3" cstate="print">
-            <a:extLst/>
-          </a:blip>
-          <a:srcRect l="10744" r="10744"/>
-          <a:stretch>
-            <a:fillRect/>
-          </a:stretch>
-        </p:blipFill>
-        <p:spPr>
-          <a:xfrm>
-            <a:off x="5150832" y="1961554"/>
-            <a:ext cx="3525624" cy="3123630"/>
-          </a:xfrm>
-          <a:prstGeom prst="rect">
-            <a:avLst/>
-          </a:prstGeom>
-        </p:spPr>
-      </p:pic>
-      <p:sp>
-        <p:nvSpPr>
-          <p:cNvPr id="7" name="Содержимое 2"/>
-          <p:cNvSpPr txBox="1">
-            <a:spLocks/>
-          </p:cNvSpPr>
-          <p:nvPr/>
-        </p:nvSpPr>
-        <p:spPr>
-          <a:xfrm>
-            <a:off x="457200" y="6064696"/>
-            <a:ext cx="8229600" cy="460648"/>
-          </a:xfrm>
-          <a:prstGeom prst="rect">
-            <a:avLst/>
-          </a:prstGeom>
-        </p:spPr>
-        <p:txBody>
-          <a:bodyPr vert="horz" lIns="91440" tIns="45720" rIns="91440" bIns="45720" rtlCol="0">
-            <a:noAutofit/>
-          </a:bodyPr>
-          <a:lstStyle/>
-          <a:p>
-            <a:pPr marL="342900" indent="-342900">
-              <a:spcBef>
-                <a:spcPct val="20000"/>
-              </a:spcBef>
-            </a:pPr>
-            <a:r>
-              <a:rPr lang="en-US" dirty="0" smtClean="0">
-                <a:solidFill>
-                  <a:srgbClr val="FF0000"/>
-                </a:solidFill>
-              </a:rPr>
-              <a:t>[</a:t>
-            </a:r>
-            <a:r>
-              <a:rPr lang="ru-RU" dirty="0" smtClean="0">
-                <a:solidFill>
-                  <a:srgbClr val="FF0000"/>
-                </a:solidFill>
-              </a:rPr>
-              <a:t>это опциональный слайд (их может 1 и больше), который составляется, если проводилась разработка специальных алгоритмов, методов</a:t>
-            </a:r>
-            <a:r>
-              <a:rPr lang="en-US" dirty="0" smtClean="0">
-                <a:solidFill>
-                  <a:srgbClr val="FF0000"/>
-                </a:solidFill>
-              </a:rPr>
-              <a:t>]</a:t>
-            </a:r>
-            <a:endParaRPr lang="ru-RU" dirty="0" smtClean="0">
-              <a:solidFill>
-                <a:srgbClr val="FF0000"/>
               </a:solidFill>
             </a:endParaRPr>
           </a:p>
@@ -5842,150 +5737,9 @@
           <a:p>
             <a:pPr algn="l"/>
             <a:r>
-              <a:rPr lang="ru-RU" sz="4000" dirty="0" smtClean="0"/>
-              <a:t>Разработка компонента …</a:t>
-            </a:r>
-            <a:endParaRPr lang="ru-RU" sz="4000" dirty="0"/>
-          </a:p>
-        </p:txBody>
-      </p:sp>
-      <p:sp>
-        <p:nvSpPr>
-          <p:cNvPr id="3" name="Содержимое 2"/>
-          <p:cNvSpPr>
-            <a:spLocks noGrp="1"/>
-          </p:cNvSpPr>
-          <p:nvPr>
-            <p:ph idx="1"/>
-          </p:nvPr>
-        </p:nvSpPr>
-        <p:spPr/>
-        <p:txBody>
-          <a:bodyPr>
-            <a:normAutofit fontScale="70000" lnSpcReduction="20000"/>
-          </a:bodyPr>
-          <a:lstStyle/>
-          <a:p>
-            <a:pPr>
-              <a:buNone/>
-            </a:pPr>
-            <a:r>
-              <a:rPr lang="ru-RU" dirty="0" smtClean="0"/>
-              <a:t>Проблемы при сравнении данных:</a:t>
-            </a:r>
-          </a:p>
-          <a:p>
-            <a:r>
-              <a:rPr lang="ru-RU" b="1" dirty="0" smtClean="0"/>
-              <a:t>Аббревиатуры</a:t>
-            </a:r>
-            <a:r>
-              <a:rPr lang="ru-RU" dirty="0" smtClean="0"/>
-              <a:t>: «Волгоградский государственный технический университет» и «Волгоградский государственный технический университет (</a:t>
-            </a:r>
-            <a:r>
-              <a:rPr lang="ru-RU" dirty="0" err="1" smtClean="0"/>
-              <a:t>ВолгГТУ</a:t>
-            </a:r>
-            <a:r>
-              <a:rPr lang="ru-RU" dirty="0" smtClean="0"/>
-              <a:t>)»</a:t>
-            </a:r>
-          </a:p>
-          <a:p>
-            <a:r>
-              <a:rPr lang="ru-RU" b="1" dirty="0" smtClean="0"/>
-              <a:t>Вариации</a:t>
-            </a:r>
-            <a:r>
-              <a:rPr lang="ru-RU" dirty="0" smtClean="0"/>
-              <a:t>: «МНТК "Микрохирургия глаза" им. акад. С.Н. Федорова"» и «МНТК "Микрохирургия глаза"»</a:t>
-            </a:r>
-          </a:p>
-          <a:p>
-            <a:r>
-              <a:rPr lang="ru-RU" b="1" dirty="0" smtClean="0"/>
-              <a:t>Пунктуация</a:t>
-            </a:r>
-            <a:r>
-              <a:rPr lang="ru-RU" dirty="0" smtClean="0"/>
-              <a:t>: «ООО "Спектр"» и «ООО Спектр»</a:t>
-            </a:r>
-          </a:p>
-          <a:p>
-            <a:r>
-              <a:rPr lang="ru-RU" b="1" dirty="0" smtClean="0"/>
-              <a:t>Орфография</a:t>
-            </a:r>
-            <a:r>
-              <a:rPr lang="ru-RU" dirty="0" smtClean="0"/>
-              <a:t>: «ООО </a:t>
-            </a:r>
-            <a:r>
-              <a:rPr lang="ru-RU" dirty="0" err="1" smtClean="0"/>
-              <a:t>Аватек</a:t>
-            </a:r>
-            <a:r>
-              <a:rPr lang="ru-RU" dirty="0" smtClean="0"/>
-              <a:t>» и « ООО </a:t>
-            </a:r>
-            <a:r>
-              <a:rPr lang="ru-RU" dirty="0" err="1" smtClean="0"/>
-              <a:t>Авантек</a:t>
-            </a:r>
-            <a:r>
-              <a:rPr lang="ru-RU" dirty="0" smtClean="0"/>
-              <a:t>»</a:t>
-            </a:r>
-          </a:p>
-          <a:p>
-            <a:endParaRPr lang="ru-RU" dirty="0" smtClean="0"/>
-          </a:p>
-          <a:p>
-            <a:pPr>
-              <a:buNone/>
-            </a:pPr>
-            <a:r>
-              <a:rPr lang="ru-RU" dirty="0" smtClean="0"/>
-              <a:t>Частичное решение:</a:t>
-            </a:r>
-          </a:p>
-          <a:p>
-            <a:r>
-              <a:rPr lang="ru-RU" dirty="0" smtClean="0"/>
-              <a:t>«ООО </a:t>
-            </a:r>
-            <a:r>
-              <a:rPr lang="ru-RU" dirty="0" err="1" smtClean="0"/>
-              <a:t>Аудит-Кард</a:t>
-            </a:r>
-            <a:r>
-              <a:rPr lang="ru-RU" dirty="0" smtClean="0"/>
-              <a:t>» = «</a:t>
-            </a:r>
-            <a:r>
-              <a:rPr lang="ru-RU" dirty="0" err="1" smtClean="0"/>
-              <a:t>оооаудиткард</a:t>
-            </a:r>
-            <a:r>
-              <a:rPr lang="ru-RU" dirty="0" smtClean="0"/>
-              <a:t>» = «ООО "</a:t>
-            </a:r>
-            <a:r>
-              <a:rPr lang="ru-RU" dirty="0" err="1" smtClean="0"/>
-              <a:t>Аудит-КАРД</a:t>
-            </a:r>
-            <a:r>
-              <a:rPr lang="ru-RU" dirty="0" smtClean="0"/>
-              <a:t>"»</a:t>
-            </a:r>
-          </a:p>
-          <a:p>
-            <a:r>
-              <a:rPr lang="ru-RU" dirty="0" smtClean="0"/>
-              <a:t>«+7 800 700-78-78» = «78007007878» = «8 (800) 700-78-78»</a:t>
-            </a:r>
-            <a:endParaRPr lang="ru-RU" dirty="0"/>
+              <a:rPr lang="ru-RU" sz="4000" dirty="0"/>
+              <a:t>Главный экран веб-сервиса</a:t>
+            </a:r>
           </a:p>
         </p:txBody>
       </p:sp>
@@ -6026,93 +5780,43 @@
           </a:p>
         </p:txBody>
       </p:sp>
-      <p:sp>
-        <p:nvSpPr>
-          <p:cNvPr id="6" name="Содержимое 2"/>
-          <p:cNvSpPr txBox="1">
-            <a:spLocks/>
-          </p:cNvSpPr>
+      <p:pic>
+        <p:nvPicPr>
+          <p:cNvPr id="5" name="Рисунок 4">
+            <a:extLst>
+              <a:ext uri="{FF2B5EF4-FFF2-40B4-BE49-F238E27FC236}">
+                <a16:creationId xmlns:a16="http://schemas.microsoft.com/office/drawing/2014/main" id="{EB3FE317-BF40-03F6-5D73-399F6CC4DC93}"/>
+              </a:ext>
+            </a:extLst>
+          </p:cNvPr>
+          <p:cNvPicPr>
+            <a:picLocks noChangeAspect="1"/>
+          </p:cNvPicPr>
           <p:nvPr/>
-        </p:nvSpPr>
-        <p:spPr>
+        </p:nvPicPr>
+        <p:blipFill rotWithShape="1">
+          <a:blip r:embed="rId3"/>
+          <a:srcRect b="52798"/>
+          <a:stretch/>
+        </p:blipFill>
+        <p:spPr bwMode="auto">
           <a:xfrm>
-            <a:off x="457200" y="6064696"/>
-            <a:ext cx="8229600" cy="460648"/>
+            <a:off x="382040" y="1417638"/>
+            <a:ext cx="8379920" cy="2764904"/>
           </a:xfrm>
           <a:prstGeom prst="rect">
             <a:avLst/>
           </a:prstGeom>
+          <a:ln>
+            <a:noFill/>
+          </a:ln>
+          <a:extLst>
+            <a:ext uri="{53640926-AAD7-44D8-BBD7-CCE9431645EC}">
+              <a14:shadowObscured xmlns:a14="http://schemas.microsoft.com/office/drawing/2010/main"/>
+            </a:ext>
+          </a:extLst>
         </p:spPr>
-        <p:txBody>
-          <a:bodyPr vert="horz" lIns="91440" tIns="45720" rIns="91440" bIns="45720" rtlCol="0">
-            <a:noAutofit/>
-          </a:bodyPr>
-          <a:lstStyle/>
-          <a:p>
-            <a:pPr marL="342900" indent="-342900">
-              <a:spcBef>
-                <a:spcPct val="20000"/>
-              </a:spcBef>
-            </a:pPr>
-            <a:r>
-              <a:rPr kumimoji="0" lang="en-US" sz="1600" b="0" i="0" u="none" strike="noStrike" kern="1200" cap="none" spc="0" normalizeH="0" baseline="0" noProof="0" dirty="0" smtClean="0">
-                <a:ln>
-                  <a:noFill/>
-                </a:ln>
-                <a:solidFill>
-                  <a:srgbClr val="FF0000"/>
-                </a:solidFill>
-                <a:effectLst/>
-                <a:uLnTx/>
-                <a:uFillTx/>
-                <a:latin typeface="+mn-lt"/>
-                <a:ea typeface="+mn-ea"/>
-                <a:cs typeface="+mn-cs"/>
-              </a:rPr>
-              <a:t>[</a:t>
-            </a:r>
-            <a:r>
-              <a:rPr lang="ru-RU" sz="1600" dirty="0" smtClean="0">
-                <a:solidFill>
-                  <a:srgbClr val="FF0000"/>
-                </a:solidFill>
-              </a:rPr>
-              <a:t>это опциональный слайд (их может 1 и больше), который составляется, если проводилась разработка отдельных компонентов, модулей, дополнительных приложений</a:t>
-            </a:r>
-            <a:r>
-              <a:rPr kumimoji="0" lang="en-US" sz="1600" b="0" i="0" u="none" strike="noStrike" kern="1200" cap="none" spc="0" normalizeH="0" baseline="0" noProof="0" dirty="0" smtClean="0">
-                <a:ln>
-                  <a:noFill/>
-                </a:ln>
-                <a:solidFill>
-                  <a:srgbClr val="FF0000"/>
-                </a:solidFill>
-                <a:effectLst/>
-                <a:uLnTx/>
-                <a:uFillTx/>
-                <a:latin typeface="+mn-lt"/>
-                <a:ea typeface="+mn-ea"/>
-                <a:cs typeface="+mn-cs"/>
-              </a:rPr>
-              <a:t>]</a:t>
-            </a:r>
-            <a:endParaRPr kumimoji="0" lang="ru-RU" sz="1600" b="0" i="0" u="none" strike="noStrike" kern="1200" cap="none" spc="0" normalizeH="0" baseline="0" noProof="0" dirty="0" smtClean="0">
-              <a:ln>
-                <a:noFill/>
-              </a:ln>
-              <a:solidFill>
-                <a:srgbClr val="FF0000"/>
-              </a:solidFill>
-              <a:effectLst/>
-              <a:uLnTx/>
-              <a:uFillTx/>
-              <a:latin typeface="+mn-lt"/>
-              <a:ea typeface="+mn-ea"/>
-              <a:cs typeface="+mn-cs"/>
-            </a:endParaRPr>
-          </a:p>
-        </p:txBody>
-      </p:sp>
+      </p:pic>
     </p:spTree>
   </p:cSld>
   <p:clrMapOvr>
@@ -6140,136 +5844,26 @@
       </p:grpSpPr>
       <p:sp>
         <p:nvSpPr>
-          <p:cNvPr id="15" name="Содержимое 2"/>
-          <p:cNvSpPr>
-            <a:spLocks noGrp="1"/>
-          </p:cNvSpPr>
-          <p:nvPr>
-            <p:ph idx="1"/>
-          </p:nvPr>
-        </p:nvSpPr>
-        <p:spPr>
-          <a:xfrm>
-            <a:off x="457200" y="1600200"/>
-            <a:ext cx="8229600" cy="4525963"/>
-          </a:xfrm>
-        </p:spPr>
+          <p:cNvPr id="2" name="Заголовок 1"/>
+          <p:cNvSpPr>
+            <a:spLocks noGrp="1"/>
+          </p:cNvSpPr>
+          <p:nvPr>
+            <p:ph type="title"/>
+          </p:nvPr>
+        </p:nvSpPr>
+        <p:spPr/>
         <p:txBody>
           <a:bodyPr>
             <a:normAutofit/>
           </a:bodyPr>
           <a:lstStyle/>
           <a:p>
-            <a:pPr>
-              <a:buNone/>
-            </a:pPr>
-            <a:r>
-              <a:rPr lang="ru-RU" sz="2400" dirty="0" smtClean="0"/>
-              <a:t>Язык программирования:	</a:t>
-            </a:r>
-            <a:r>
-              <a:rPr lang="en-US" sz="2400" dirty="0" smtClean="0"/>
-              <a:t>Python 3.6, SQL:2008</a:t>
-            </a:r>
-          </a:p>
-          <a:p>
-            <a:pPr>
-              <a:buNone/>
-            </a:pPr>
-            <a:r>
-              <a:rPr lang="ru-RU" sz="2400" dirty="0" smtClean="0"/>
-              <a:t>Дополнительные модули:	</a:t>
-            </a:r>
-            <a:r>
-              <a:rPr lang="en-US" sz="2400" dirty="0" err="1" smtClean="0"/>
-              <a:t>postgis</a:t>
-            </a:r>
-            <a:r>
-              <a:rPr lang="en-US" sz="2400" dirty="0" smtClean="0"/>
-              <a:t>, psycopg2, requests</a:t>
-            </a:r>
-          </a:p>
-          <a:p>
-            <a:endParaRPr lang="en-US" sz="2400" dirty="0" smtClean="0"/>
-          </a:p>
-          <a:p>
-            <a:pPr>
-              <a:buNone/>
-            </a:pPr>
-            <a:r>
-              <a:rPr lang="ru-RU" sz="2400" dirty="0" smtClean="0"/>
-              <a:t>СУБД:				</a:t>
-            </a:r>
-            <a:r>
-              <a:rPr lang="en-US" sz="2400" dirty="0" err="1" smtClean="0"/>
-              <a:t>PostgreSQL</a:t>
-            </a:r>
-            <a:r>
-              <a:rPr lang="en-US" sz="2400" dirty="0" smtClean="0"/>
-              <a:t> 10.1</a:t>
-            </a:r>
-          </a:p>
-          <a:p>
-            <a:pPr>
-              <a:buNone/>
-            </a:pPr>
-            <a:r>
-              <a:rPr lang="ru-RU" sz="2400" dirty="0" smtClean="0"/>
-              <a:t>Дополнительные модули:	</a:t>
-            </a:r>
-            <a:r>
-              <a:rPr lang="en-US" sz="2400" dirty="0" err="1" smtClean="0"/>
-              <a:t>PostGIS</a:t>
-            </a:r>
-            <a:r>
-              <a:rPr lang="en-US" sz="2400" dirty="0" smtClean="0"/>
-              <a:t> 2.4</a:t>
-            </a:r>
-          </a:p>
-          <a:p>
-            <a:endParaRPr lang="en-US" sz="2400" dirty="0" smtClean="0"/>
-          </a:p>
-          <a:p>
-            <a:pPr>
-              <a:buNone/>
-            </a:pPr>
-            <a:r>
-              <a:rPr lang="ru-RU" sz="2400" dirty="0" smtClean="0"/>
-              <a:t>Инструмент разработки:	</a:t>
-            </a:r>
-            <a:r>
-              <a:rPr lang="en-US" sz="2400" dirty="0" err="1" smtClean="0"/>
-              <a:t>PyCharm</a:t>
-            </a:r>
-            <a:r>
-              <a:rPr lang="en-US" sz="2400" dirty="0" smtClean="0"/>
-              <a:t> Community 2017.3</a:t>
-            </a:r>
-            <a:endParaRPr lang="ru-RU" sz="2400" dirty="0"/>
-          </a:p>
-        </p:txBody>
-      </p:sp>
-      <p:sp>
-        <p:nvSpPr>
-          <p:cNvPr id="2" name="Заголовок 1"/>
-          <p:cNvSpPr>
-            <a:spLocks noGrp="1"/>
-          </p:cNvSpPr>
-          <p:nvPr>
-            <p:ph type="title"/>
-          </p:nvPr>
-        </p:nvSpPr>
-        <p:spPr/>
-        <p:txBody>
-          <a:bodyPr/>
-          <a:lstStyle/>
-          <a:p>
             <a:pPr algn="l"/>
             <a:r>
-              <a:rPr lang="ru-RU" dirty="0" smtClean="0"/>
-              <a:t>Средства реализации</a:t>
-            </a:r>
-            <a:endParaRPr lang="ru-RU" dirty="0"/>
+              <a:rPr lang="ru-RU" sz="4000" dirty="0"/>
+              <a:t>Форма загрузки данных</a:t>
+            </a:r>
           </a:p>
         </p:txBody>
       </p:sp>
@@ -6310,6 +5904,43 @@
           </a:p>
         </p:txBody>
       </p:sp>
+      <p:pic>
+        <p:nvPicPr>
+          <p:cNvPr id="3" name="Рисунок 2">
+            <a:extLst>
+              <a:ext uri="{FF2B5EF4-FFF2-40B4-BE49-F238E27FC236}">
+                <a16:creationId xmlns:a16="http://schemas.microsoft.com/office/drawing/2014/main" id="{994D9B05-2421-D7FB-0866-D512893DD809}"/>
+              </a:ext>
+            </a:extLst>
+          </p:cNvPr>
+          <p:cNvPicPr>
+            <a:picLocks noChangeAspect="1"/>
+          </p:cNvPicPr>
+          <p:nvPr/>
+        </p:nvPicPr>
+        <p:blipFill rotWithShape="1">
+          <a:blip r:embed="rId3"/>
+          <a:srcRect b="59448"/>
+          <a:stretch/>
+        </p:blipFill>
+        <p:spPr bwMode="auto">
+          <a:xfrm>
+            <a:off x="409028" y="1417638"/>
+            <a:ext cx="8325943" cy="2358355"/>
+          </a:xfrm>
+          <a:prstGeom prst="rect">
+            <a:avLst/>
+          </a:prstGeom>
+          <a:ln>
+            <a:noFill/>
+          </a:ln>
+          <a:extLst>
+            <a:ext uri="{53640926-AAD7-44D8-BBD7-CCE9431645EC}">
+              <a14:shadowObscured xmlns:a14="http://schemas.microsoft.com/office/drawing/2010/main"/>
+            </a:ext>
+          </a:extLst>
+        </p:spPr>
+      </p:pic>
     </p:spTree>
   </p:cSld>
   <p:clrMapOvr>
@@ -6354,10 +5985,9 @@
           <a:p>
             <a:pPr algn="l"/>
             <a:r>
-              <a:rPr lang="ru-RU" sz="4000" dirty="0" smtClean="0"/>
-              <a:t>Главный экран приложения</a:t>
-            </a:r>
-            <a:endParaRPr lang="ru-RU" sz="4000" dirty="0"/>
+              <a:rPr lang="ru-RU" sz="4000" dirty="0"/>
+              <a:t>Экран работы с графиками</a:t>
+            </a:r>
           </a:p>
         </p:txBody>
       </p:sp>
@@ -6400,176 +6030,90 @@
       </p:sp>
       <p:pic>
         <p:nvPicPr>
-          <p:cNvPr id="6" name="Picture 5"/>
-          <p:cNvPicPr>
-            <a:picLocks noGrp="1" noChangeAspect="1" noChangeArrowheads="1"/>
-          </p:cNvPicPr>
-          <p:nvPr>
-            <p:ph idx="1"/>
-          </p:nvPr>
-        </p:nvPicPr>
-        <p:blipFill>
-          <a:blip r:embed="rId3" cstate="print">
+          <p:cNvPr id="3" name="Рисунок 2">
             <a:extLst>
-              <a:ext uri="{28A0092B-C50C-407E-A947-70E740481C1C}">
-                <a14:useLocalDpi xmlns="" xmlns:a14="http://schemas.microsoft.com/office/drawing/2010/main" val="0"/>
+              <a:ext uri="{FF2B5EF4-FFF2-40B4-BE49-F238E27FC236}">
+                <a16:creationId xmlns:a16="http://schemas.microsoft.com/office/drawing/2014/main" id="{994D9B05-2421-D7FB-0866-D512893DD809}"/>
               </a:ext>
             </a:extLst>
-          </a:blip>
-          <a:srcRect/>
-          <a:stretch>
-            <a:fillRect/>
-          </a:stretch>
+          </p:cNvPr>
+          <p:cNvPicPr>
+            <a:picLocks noChangeAspect="1"/>
+          </p:cNvPicPr>
+          <p:nvPr/>
+        </p:nvPicPr>
+        <p:blipFill rotWithShape="1">
+          <a:blip r:embed="rId3"/>
+          <a:srcRect b="59448"/>
+          <a:stretch/>
         </p:blipFill>
         <p:spPr bwMode="auto">
           <a:xfrm>
-            <a:off x="432000" y="1731967"/>
-            <a:ext cx="8280000" cy="4073297"/>
+            <a:off x="409028" y="1417638"/>
+            <a:ext cx="8325943" cy="2358355"/>
           </a:xfrm>
           <a:prstGeom prst="rect">
             <a:avLst/>
           </a:prstGeom>
-          <a:noFill/>
           <a:ln>
             <a:noFill/>
           </a:ln>
           <a:extLst>
-            <a:ext uri="{909E8E84-426E-40DD-AFC4-6F175D3DCCD1}">
-              <a14:hiddenFill xmlns="" xmlns:a14="http://schemas.microsoft.com/office/drawing/2010/main">
-                <a:solidFill>
-                  <a:schemeClr val="accent1"/>
-                </a:solidFill>
-              </a14:hiddenFill>
-            </a:ext>
-            <a:ext uri="{91240B29-F687-4F45-9708-019B960494DF}">
-              <a14:hiddenLine xmlns="" xmlns:a14="http://schemas.microsoft.com/office/drawing/2010/main" w="9525">
-                <a:solidFill>
-                  <a:schemeClr val="tx1"/>
-                </a:solidFill>
-                <a:miter lim="800000"/>
-                <a:headEnd/>
-                <a:tailEnd/>
-              </a14:hiddenLine>
+            <a:ext uri="{53640926-AAD7-44D8-BBD7-CCE9431645EC}">
+              <a14:shadowObscured xmlns:a14="http://schemas.microsoft.com/office/drawing/2010/main"/>
             </a:ext>
           </a:extLst>
         </p:spPr>
       </p:pic>
-      <p:sp>
-        <p:nvSpPr>
-          <p:cNvPr id="7" name="Содержимое 2"/>
-          <p:cNvSpPr txBox="1">
-            <a:spLocks/>
-          </p:cNvSpPr>
+      <p:pic>
+        <p:nvPicPr>
+          <p:cNvPr id="5" name="Рисунок 4">
+            <a:extLst>
+              <a:ext uri="{FF2B5EF4-FFF2-40B4-BE49-F238E27FC236}">
+                <a16:creationId xmlns:a16="http://schemas.microsoft.com/office/drawing/2014/main" id="{32D2474D-9155-9007-AC06-9691ACAEF87E}"/>
+              </a:ext>
+            </a:extLst>
+          </p:cNvPr>
+          <p:cNvPicPr>
+            <a:picLocks noChangeAspect="1"/>
+          </p:cNvPicPr>
           <p:nvPr/>
-        </p:nvSpPr>
-        <p:spPr>
+        </p:nvPicPr>
+        <p:blipFill rotWithShape="1">
+          <a:blip r:embed="rId4">
+            <a:extLst>
+              <a:ext uri="{28A0092B-C50C-407E-A947-70E740481C1C}">
+                <a14:useLocalDpi xmlns:a14="http://schemas.microsoft.com/office/drawing/2010/main" val="0"/>
+              </a:ext>
+            </a:extLst>
+          </a:blip>
+          <a:srcRect b="42736"/>
+          <a:stretch/>
+        </p:blipFill>
+        <p:spPr bwMode="auto">
           <a:xfrm>
-            <a:off x="457200" y="6064696"/>
-            <a:ext cx="8229600" cy="460648"/>
+            <a:off x="423663" y="1417638"/>
+            <a:ext cx="8311307" cy="3324350"/>
           </a:xfrm>
           <a:prstGeom prst="rect">
             <a:avLst/>
           </a:prstGeom>
+          <a:ln>
+            <a:noFill/>
+          </a:ln>
+          <a:extLst>
+            <a:ext uri="{53640926-AAD7-44D8-BBD7-CCE9431645EC}">
+              <a14:shadowObscured xmlns:a14="http://schemas.microsoft.com/office/drawing/2010/main"/>
+            </a:ext>
+          </a:extLst>
         </p:spPr>
-        <p:txBody>
-          <a:bodyPr vert="horz" lIns="91440" tIns="45720" rIns="91440" bIns="45720" rtlCol="0">
-            <a:noAutofit/>
-          </a:bodyPr>
-          <a:lstStyle/>
-          <a:p>
-            <a:pPr marL="342900" marR="0" lvl="0" indent="-342900" algn="l" defTabSz="914400" rtl="0" eaLnBrk="1" fontAlgn="auto" latinLnBrk="0" hangingPunct="1">
-              <a:lnSpc>
-                <a:spcPct val="100000"/>
-              </a:lnSpc>
-              <a:spcBef>
-                <a:spcPct val="20000"/>
-              </a:spcBef>
-              <a:spcAft>
-                <a:spcPts val="0"/>
-              </a:spcAft>
-              <a:buClrTx/>
-              <a:buSzTx/>
-              <a:buFont typeface="Arial" pitchFamily="34" charset="0"/>
-              <a:buNone/>
-              <a:tabLst/>
-              <a:defRPr/>
-            </a:pPr>
-            <a:r>
-              <a:rPr kumimoji="0" lang="en-US" sz="1200" b="0" i="0" u="none" strike="noStrike" kern="1200" cap="none" spc="0" normalizeH="0" baseline="0" noProof="0" dirty="0" smtClean="0">
-                <a:ln>
-                  <a:noFill/>
-                </a:ln>
-                <a:solidFill>
-                  <a:srgbClr val="FF0000"/>
-                </a:solidFill>
-                <a:effectLst/>
-                <a:uLnTx/>
-                <a:uFillTx/>
-                <a:latin typeface="+mn-lt"/>
-                <a:ea typeface="+mn-ea"/>
-                <a:cs typeface="+mn-cs"/>
-              </a:rPr>
-              <a:t>[</a:t>
-            </a:r>
-            <a:r>
-              <a:rPr lang="ru-RU" sz="1200" dirty="0" smtClean="0">
-                <a:solidFill>
-                  <a:srgbClr val="FF0000"/>
-                </a:solidFill>
-              </a:rPr>
-              <a:t>этот и следующие два слайда добавляются, если у вас предусмотрена разработка интерфейса, однако вместо них могут приводится </a:t>
-            </a:r>
-            <a:r>
-              <a:rPr lang="ru-RU" sz="1200" dirty="0" err="1" smtClean="0">
-                <a:solidFill>
-                  <a:srgbClr val="FF0000"/>
-                </a:solidFill>
-              </a:rPr>
-              <a:t>скриншоты</a:t>
-            </a:r>
-            <a:r>
-              <a:rPr lang="ru-RU" sz="1200" dirty="0" smtClean="0">
-                <a:solidFill>
-                  <a:srgbClr val="FF0000"/>
-                </a:solidFill>
-              </a:rPr>
-              <a:t> консольного выводы, тесты разработанного ПО или иные результаты работы разработанного программного решения в визуальной форме</a:t>
-            </a:r>
-            <a:r>
-              <a:rPr kumimoji="0" lang="en-US" sz="1200" b="0" i="0" u="none" strike="noStrike" kern="1200" cap="none" spc="0" normalizeH="0" baseline="0" noProof="0" dirty="0" smtClean="0">
-                <a:ln>
-                  <a:noFill/>
-                </a:ln>
-                <a:solidFill>
-                  <a:srgbClr val="FF0000"/>
-                </a:solidFill>
-                <a:effectLst/>
-                <a:uLnTx/>
-                <a:uFillTx/>
-                <a:latin typeface="+mn-lt"/>
-                <a:ea typeface="+mn-ea"/>
-                <a:cs typeface="+mn-cs"/>
-              </a:rPr>
-              <a:t>]</a:t>
-            </a:r>
-            <a:endParaRPr kumimoji="0" lang="ru-RU" sz="1200" b="0" i="0" u="none" strike="noStrike" kern="1200" cap="none" spc="0" normalizeH="0" baseline="0" noProof="0" dirty="0" smtClean="0">
-              <a:ln>
-                <a:noFill/>
-              </a:ln>
-              <a:solidFill>
-                <a:srgbClr val="FF0000"/>
-              </a:solidFill>
-              <a:effectLst/>
-              <a:uLnTx/>
-              <a:uFillTx/>
-              <a:latin typeface="+mn-lt"/>
-              <a:ea typeface="+mn-ea"/>
-              <a:cs typeface="+mn-cs"/>
-            </a:endParaRPr>
-          </a:p>
-        </p:txBody>
-      </p:sp>
+      </p:pic>
     </p:spTree>
+    <p:extLst>
+      <p:ext uri="{BB962C8B-B14F-4D97-AF65-F5344CB8AC3E}">
+        <p14:creationId xmlns:p14="http://schemas.microsoft.com/office/powerpoint/2010/main" val="1799543086"/>
+      </p:ext>
+    </p:extLst>
   </p:cSld>
   <p:clrMapOvr>
     <a:masterClrMapping/>
@@ -6613,10 +6157,9 @@
           <a:p>
             <a:pPr algn="l"/>
             <a:r>
-              <a:rPr lang="ru-RU" sz="4000" dirty="0" smtClean="0"/>
-              <a:t>Форма анализа данных …</a:t>
-            </a:r>
-            <a:endParaRPr lang="ru-RU" sz="4000" dirty="0"/>
+              <a:rPr lang="ru-RU" sz="4000" dirty="0"/>
+              <a:t>Экран работы с диаграммами</a:t>
+            </a:r>
           </a:p>
         </p:txBody>
       </p:sp>
@@ -6659,29 +6202,127 @@
       </p:sp>
       <p:pic>
         <p:nvPicPr>
-          <p:cNvPr id="6" name="Рисунок 5"/>
+          <p:cNvPr id="3" name="Рисунок 2">
+            <a:extLst>
+              <a:ext uri="{FF2B5EF4-FFF2-40B4-BE49-F238E27FC236}">
+                <a16:creationId xmlns:a16="http://schemas.microsoft.com/office/drawing/2014/main" id="{994D9B05-2421-D7FB-0866-D512893DD809}"/>
+              </a:ext>
+            </a:extLst>
+          </p:cNvPr>
           <p:cNvPicPr>
             <a:picLocks noChangeAspect="1"/>
           </p:cNvPicPr>
           <p:nvPr/>
         </p:nvPicPr>
-        <p:blipFill>
-          <a:blip r:embed="rId3" cstate="print"/>
-          <a:stretch>
-            <a:fillRect/>
-          </a:stretch>
+        <p:blipFill rotWithShape="1">
+          <a:blip r:embed="rId3"/>
+          <a:srcRect b="59448"/>
+          <a:stretch/>
         </p:blipFill>
-        <p:spPr>
+        <p:spPr bwMode="auto">
           <a:xfrm>
-            <a:off x="432000" y="1801733"/>
-            <a:ext cx="8280000" cy="4075539"/>
+            <a:off x="409028" y="1417638"/>
+            <a:ext cx="8325943" cy="2358355"/>
           </a:xfrm>
           <a:prstGeom prst="rect">
             <a:avLst/>
           </a:prstGeom>
+          <a:ln>
+            <a:noFill/>
+          </a:ln>
+          <a:extLst>
+            <a:ext uri="{53640926-AAD7-44D8-BBD7-CCE9431645EC}">
+              <a14:shadowObscured xmlns:a14="http://schemas.microsoft.com/office/drawing/2010/main"/>
+            </a:ext>
+          </a:extLst>
+        </p:spPr>
+      </p:pic>
+      <p:pic>
+        <p:nvPicPr>
+          <p:cNvPr id="5" name="Рисунок 4">
+            <a:extLst>
+              <a:ext uri="{FF2B5EF4-FFF2-40B4-BE49-F238E27FC236}">
+                <a16:creationId xmlns:a16="http://schemas.microsoft.com/office/drawing/2014/main" id="{32D2474D-9155-9007-AC06-9691ACAEF87E}"/>
+              </a:ext>
+            </a:extLst>
+          </p:cNvPr>
+          <p:cNvPicPr>
+            <a:picLocks noChangeAspect="1"/>
+          </p:cNvPicPr>
+          <p:nvPr/>
+        </p:nvPicPr>
+        <p:blipFill rotWithShape="1">
+          <a:blip r:embed="rId4">
+            <a:extLst>
+              <a:ext uri="{28A0092B-C50C-407E-A947-70E740481C1C}">
+                <a14:useLocalDpi xmlns:a14="http://schemas.microsoft.com/office/drawing/2010/main" val="0"/>
+              </a:ext>
+            </a:extLst>
+          </a:blip>
+          <a:srcRect b="42736"/>
+          <a:stretch/>
+        </p:blipFill>
+        <p:spPr bwMode="auto">
+          <a:xfrm>
+            <a:off x="423663" y="1417638"/>
+            <a:ext cx="8311307" cy="3324350"/>
+          </a:xfrm>
+          <a:prstGeom prst="rect">
+            <a:avLst/>
+          </a:prstGeom>
+          <a:ln>
+            <a:noFill/>
+          </a:ln>
+          <a:extLst>
+            <a:ext uri="{53640926-AAD7-44D8-BBD7-CCE9431645EC}">
+              <a14:shadowObscured xmlns:a14="http://schemas.microsoft.com/office/drawing/2010/main"/>
+            </a:ext>
+          </a:extLst>
+        </p:spPr>
+      </p:pic>
+      <p:pic>
+        <p:nvPicPr>
+          <p:cNvPr id="6" name="Рисунок 5">
+            <a:extLst>
+              <a:ext uri="{FF2B5EF4-FFF2-40B4-BE49-F238E27FC236}">
+                <a16:creationId xmlns:a16="http://schemas.microsoft.com/office/drawing/2014/main" id="{DA28FB3E-76B0-16AB-C383-FB6283C369EC}"/>
+              </a:ext>
+            </a:extLst>
+          </p:cNvPr>
+          <p:cNvPicPr>
+            <a:picLocks noChangeAspect="1"/>
+          </p:cNvPicPr>
+          <p:nvPr/>
+        </p:nvPicPr>
+        <p:blipFill rotWithShape="1">
+          <a:blip r:embed="rId5"/>
+          <a:srcRect b="42265"/>
+          <a:stretch/>
+        </p:blipFill>
+        <p:spPr bwMode="auto">
+          <a:xfrm>
+            <a:off x="423661" y="1417638"/>
+            <a:ext cx="8296675" cy="3344323"/>
+          </a:xfrm>
+          <a:prstGeom prst="rect">
+            <a:avLst/>
+          </a:prstGeom>
+          <a:ln>
+            <a:noFill/>
+          </a:ln>
+          <a:extLst>
+            <a:ext uri="{53640926-AAD7-44D8-BBD7-CCE9431645EC}">
+              <a14:shadowObscured xmlns:a14="http://schemas.microsoft.com/office/drawing/2010/main"/>
+            </a:ext>
+          </a:extLst>
         </p:spPr>
       </p:pic>
     </p:spTree>
+    <p:extLst>
+      <p:ext uri="{BB962C8B-B14F-4D97-AF65-F5344CB8AC3E}">
+        <p14:creationId xmlns:p14="http://schemas.microsoft.com/office/powerpoint/2010/main" val="1672710826"/>
+      </p:ext>
+    </p:extLst>
   </p:cSld>
   <p:clrMapOvr>
     <a:masterClrMapping/>
@@ -6706,36 +6347,6 @@
           <a:chExt cx="0" cy="0"/>
         </a:xfrm>
       </p:grpSpPr>
-      <p:pic>
-        <p:nvPicPr>
-          <p:cNvPr id="11" name="Рисунок 10"/>
-          <p:cNvPicPr>
-            <a:picLocks noChangeAspect="1"/>
-          </p:cNvPicPr>
-          <p:nvPr/>
-        </p:nvPicPr>
-        <p:blipFill>
-          <a:blip r:embed="rId3" cstate="print">
-            <a:extLst>
-              <a:ext uri="{28A0092B-C50C-407E-A947-70E740481C1C}">
-                <a14:useLocalDpi xmlns="" xmlns:a14="http://schemas.microsoft.com/office/drawing/2010/main" val="0"/>
-              </a:ext>
-            </a:extLst>
-          </a:blip>
-          <a:stretch>
-            <a:fillRect/>
-          </a:stretch>
-        </p:blipFill>
-        <p:spPr>
-          <a:xfrm>
-            <a:off x="5856381" y="1365594"/>
-            <a:ext cx="2532043" cy="5210636"/>
-          </a:xfrm>
-          <a:prstGeom prst="rect">
-            <a:avLst/>
-          </a:prstGeom>
-        </p:spPr>
-      </p:pic>
       <p:sp>
         <p:nvSpPr>
           <p:cNvPr id="2" name="Заголовок 1"/>
@@ -6755,10 +6366,9 @@
           <a:p>
             <a:pPr algn="l"/>
             <a:r>
-              <a:rPr lang="ru-RU" sz="4000" dirty="0" smtClean="0"/>
-              <a:t>Экран выполнения …</a:t>
-            </a:r>
-            <a:endParaRPr lang="ru-RU" sz="4000" dirty="0"/>
+              <a:rPr lang="ru-RU" sz="4000" dirty="0"/>
+              <a:t>Экран работы с тепловой картой</a:t>
+            </a:r>
           </a:p>
         </p:txBody>
       </p:sp>
@@ -6799,567 +6409,49 @@
           </a:p>
         </p:txBody>
       </p:sp>
-      <p:sp>
-        <p:nvSpPr>
-          <p:cNvPr id="6" name="TextBox 5"/>
-          <p:cNvSpPr txBox="1"/>
-          <p:nvPr/>
-        </p:nvSpPr>
-        <p:spPr>
-          <a:xfrm>
-            <a:off x="586648" y="5623823"/>
-            <a:ext cx="1931670" cy="646331"/>
-          </a:xfrm>
-          <a:prstGeom prst="rect">
-            <a:avLst/>
-          </a:prstGeom>
-        </p:spPr>
-        <p:style>
-          <a:lnRef idx="2">
-            <a:schemeClr val="accent1"/>
-          </a:lnRef>
-          <a:fillRef idx="1">
-            <a:schemeClr val="lt1"/>
-          </a:fillRef>
-          <a:effectRef idx="0">
-            <a:schemeClr val="accent1"/>
-          </a:effectRef>
-          <a:fontRef idx="minor">
-            <a:schemeClr val="dk1"/>
-          </a:fontRef>
-        </p:style>
-        <p:txBody>
-          <a:bodyPr wrap="square" rtlCol="0">
-            <a:spAutoFit/>
-          </a:bodyPr>
-          <a:lstStyle/>
-          <a:p>
-            <a:pPr algn="ctr"/>
-            <a:r>
-              <a:rPr lang="ru-RU" dirty="0" smtClean="0"/>
-              <a:t>Перейти в режим </a:t>
-            </a:r>
-            <a:r>
-              <a:rPr lang="ru-RU" dirty="0" err="1" smtClean="0"/>
-              <a:t>предпросмотра</a:t>
-            </a:r>
-            <a:endParaRPr lang="ru-RU" dirty="0"/>
-          </a:p>
-        </p:txBody>
-      </p:sp>
-      <p:sp>
-        <p:nvSpPr>
-          <p:cNvPr id="7" name="TextBox 6"/>
-          <p:cNvSpPr txBox="1"/>
-          <p:nvPr/>
-        </p:nvSpPr>
-        <p:spPr>
-          <a:xfrm>
-            <a:off x="586648" y="1703756"/>
-            <a:ext cx="1931670" cy="646331"/>
-          </a:xfrm>
-          <a:prstGeom prst="rect">
-            <a:avLst/>
-          </a:prstGeom>
-        </p:spPr>
-        <p:style>
-          <a:lnRef idx="2">
-            <a:schemeClr val="accent1"/>
-          </a:lnRef>
-          <a:fillRef idx="1">
-            <a:schemeClr val="lt1"/>
-          </a:fillRef>
-          <a:effectRef idx="0">
-            <a:schemeClr val="accent1"/>
-          </a:effectRef>
-          <a:fontRef idx="minor">
-            <a:schemeClr val="dk1"/>
-          </a:fontRef>
-        </p:style>
-        <p:txBody>
-          <a:bodyPr wrap="square" rtlCol="0">
-            <a:spAutoFit/>
-          </a:bodyPr>
-          <a:lstStyle/>
-          <a:p>
-            <a:pPr algn="ctr"/>
-            <a:r>
-              <a:rPr lang="ru-RU" dirty="0" smtClean="0"/>
-              <a:t>Выбранная фотография</a:t>
-            </a:r>
-            <a:endParaRPr lang="ru-RU" dirty="0"/>
-          </a:p>
-        </p:txBody>
-      </p:sp>
-      <p:sp>
-        <p:nvSpPr>
-          <p:cNvPr id="8" name="TextBox 7"/>
-          <p:cNvSpPr txBox="1"/>
-          <p:nvPr/>
-        </p:nvSpPr>
-        <p:spPr>
-          <a:xfrm>
-            <a:off x="5392448" y="5723655"/>
-            <a:ext cx="1931670" cy="646331"/>
-          </a:xfrm>
-          <a:prstGeom prst="rect">
-            <a:avLst/>
-          </a:prstGeom>
-        </p:spPr>
-        <p:style>
-          <a:lnRef idx="2">
-            <a:schemeClr val="accent1"/>
-          </a:lnRef>
-          <a:fillRef idx="1">
-            <a:schemeClr val="lt1"/>
-          </a:fillRef>
-          <a:effectRef idx="0">
-            <a:schemeClr val="accent1"/>
-          </a:effectRef>
-          <a:fontRef idx="minor">
-            <a:schemeClr val="dk1"/>
-          </a:fontRef>
-        </p:style>
-        <p:txBody>
-          <a:bodyPr wrap="square" rtlCol="0">
-            <a:spAutoFit/>
-          </a:bodyPr>
-          <a:lstStyle/>
-          <a:p>
-            <a:pPr algn="ctr"/>
-            <a:r>
-              <a:rPr lang="ru-RU" dirty="0" smtClean="0"/>
-              <a:t>Зафиксировать выбор</a:t>
-            </a:r>
-            <a:endParaRPr lang="ru-RU" dirty="0"/>
-          </a:p>
-        </p:txBody>
-      </p:sp>
-      <p:sp>
-        <p:nvSpPr>
-          <p:cNvPr id="9" name="TextBox 8"/>
-          <p:cNvSpPr txBox="1"/>
-          <p:nvPr/>
-        </p:nvSpPr>
-        <p:spPr>
-          <a:xfrm>
-            <a:off x="5460383" y="2523382"/>
-            <a:ext cx="1931670" cy="646331"/>
-          </a:xfrm>
-          <a:prstGeom prst="rect">
-            <a:avLst/>
-          </a:prstGeom>
-        </p:spPr>
-        <p:style>
-          <a:lnRef idx="2">
-            <a:schemeClr val="accent1"/>
-          </a:lnRef>
-          <a:fillRef idx="1">
-            <a:schemeClr val="lt1"/>
-          </a:fillRef>
-          <a:effectRef idx="0">
-            <a:schemeClr val="accent1"/>
-          </a:effectRef>
-          <a:fontRef idx="minor">
-            <a:schemeClr val="dk1"/>
-          </a:fontRef>
-        </p:style>
-        <p:txBody>
-          <a:bodyPr wrap="square" rtlCol="0">
-            <a:spAutoFit/>
-          </a:bodyPr>
-          <a:lstStyle/>
-          <a:p>
-            <a:pPr algn="ctr"/>
-            <a:r>
-              <a:rPr lang="ru-RU" dirty="0" smtClean="0"/>
-              <a:t>Выбрать фотографию</a:t>
-            </a:r>
-            <a:endParaRPr lang="ru-RU" dirty="0"/>
-          </a:p>
-        </p:txBody>
-      </p:sp>
       <p:pic>
         <p:nvPicPr>
-          <p:cNvPr id="10" name="Рисунок 9"/>
+          <p:cNvPr id="7" name="Рисунок 6">
+            <a:extLst>
+              <a:ext uri="{FF2B5EF4-FFF2-40B4-BE49-F238E27FC236}">
+                <a16:creationId xmlns:a16="http://schemas.microsoft.com/office/drawing/2014/main" id="{39A3243A-C961-CC4C-F508-74FA7F5778FE}"/>
+              </a:ext>
+            </a:extLst>
+          </p:cNvPr>
           <p:cNvPicPr>
             <a:picLocks noChangeAspect="1"/>
           </p:cNvPicPr>
           <p:nvPr/>
         </p:nvPicPr>
-        <p:blipFill>
-          <a:blip r:embed="rId4" cstate="print">
-            <a:extLst>
-              <a:ext uri="{28A0092B-C50C-407E-A947-70E740481C1C}">
-                <a14:useLocalDpi xmlns="" xmlns:a14="http://schemas.microsoft.com/office/drawing/2010/main" val="0"/>
-              </a:ext>
-            </a:extLst>
-          </a:blip>
-          <a:stretch>
-            <a:fillRect/>
-          </a:stretch>
+        <p:blipFill rotWithShape="1">
+          <a:blip r:embed="rId3"/>
+          <a:srcRect b="11503"/>
+          <a:stretch/>
         </p:blipFill>
-        <p:spPr>
+        <p:spPr bwMode="auto">
           <a:xfrm>
-            <a:off x="2681844" y="1355776"/>
-            <a:ext cx="2547078" cy="5241576"/>
+            <a:off x="510293" y="1377400"/>
+            <a:ext cx="8123413" cy="5019188"/>
           </a:xfrm>
           <a:prstGeom prst="rect">
             <a:avLst/>
           </a:prstGeom>
+          <a:ln>
+            <a:noFill/>
+          </a:ln>
+          <a:extLst>
+            <a:ext uri="{53640926-AAD7-44D8-BBD7-CCE9431645EC}">
+              <a14:shadowObscured xmlns:a14="http://schemas.microsoft.com/office/drawing/2010/main"/>
+            </a:ext>
+          </a:extLst>
         </p:spPr>
       </p:pic>
-      <p:cxnSp>
-        <p:nvCxnSpPr>
-          <p:cNvPr id="12" name="Прямая со стрелкой 11"/>
-          <p:cNvCxnSpPr>
-            <a:stCxn id="9" idx="1"/>
-          </p:cNvCxnSpPr>
-          <p:nvPr/>
-        </p:nvCxnSpPr>
-        <p:spPr>
-          <a:xfrm flipH="1">
-            <a:off x="5066585" y="2846548"/>
-            <a:ext cx="393798" cy="165918"/>
-          </a:xfrm>
-          <a:prstGeom prst="straightConnector1">
-            <a:avLst/>
-          </a:prstGeom>
-          <a:ln>
-            <a:tailEnd type="triangle"/>
-          </a:ln>
-        </p:spPr>
-        <p:style>
-          <a:lnRef idx="1">
-            <a:schemeClr val="accent1"/>
-          </a:lnRef>
-          <a:fillRef idx="0">
-            <a:schemeClr val="accent1"/>
-          </a:fillRef>
-          <a:effectRef idx="0">
-            <a:schemeClr val="accent1"/>
-          </a:effectRef>
-          <a:fontRef idx="minor">
-            <a:schemeClr val="tx1"/>
-          </a:fontRef>
-        </p:style>
-      </p:cxnSp>
-      <p:cxnSp>
-        <p:nvCxnSpPr>
-          <p:cNvPr id="13" name="Прямая со стрелкой 12"/>
-          <p:cNvCxnSpPr>
-            <a:stCxn id="9" idx="1"/>
-          </p:cNvCxnSpPr>
-          <p:nvPr/>
-        </p:nvCxnSpPr>
-        <p:spPr>
-          <a:xfrm flipH="1">
-            <a:off x="4255055" y="2846548"/>
-            <a:ext cx="1205328" cy="101639"/>
-          </a:xfrm>
-          <a:prstGeom prst="straightConnector1">
-            <a:avLst/>
-          </a:prstGeom>
-          <a:ln>
-            <a:tailEnd type="triangle"/>
-          </a:ln>
-        </p:spPr>
-        <p:style>
-          <a:lnRef idx="1">
-            <a:schemeClr val="accent1"/>
-          </a:lnRef>
-          <a:fillRef idx="0">
-            <a:schemeClr val="accent1"/>
-          </a:fillRef>
-          <a:effectRef idx="0">
-            <a:schemeClr val="accent1"/>
-          </a:effectRef>
-          <a:fontRef idx="minor">
-            <a:schemeClr val="tx1"/>
-          </a:fontRef>
-        </p:style>
-      </p:cxnSp>
-      <p:cxnSp>
-        <p:nvCxnSpPr>
-          <p:cNvPr id="14" name="Прямая со стрелкой 13"/>
-          <p:cNvCxnSpPr>
-            <a:stCxn id="9" idx="1"/>
-          </p:cNvCxnSpPr>
-          <p:nvPr/>
-        </p:nvCxnSpPr>
-        <p:spPr>
-          <a:xfrm flipH="1">
-            <a:off x="3397805" y="2846548"/>
-            <a:ext cx="2062578" cy="82734"/>
-          </a:xfrm>
-          <a:prstGeom prst="straightConnector1">
-            <a:avLst/>
-          </a:prstGeom>
-          <a:ln>
-            <a:tailEnd type="triangle"/>
-          </a:ln>
-        </p:spPr>
-        <p:style>
-          <a:lnRef idx="1">
-            <a:schemeClr val="accent1"/>
-          </a:lnRef>
-          <a:fillRef idx="0">
-            <a:schemeClr val="accent1"/>
-          </a:fillRef>
-          <a:effectRef idx="0">
-            <a:schemeClr val="accent1"/>
-          </a:effectRef>
-          <a:fontRef idx="minor">
-            <a:schemeClr val="tx1"/>
-          </a:fontRef>
-        </p:style>
-      </p:cxnSp>
-      <p:cxnSp>
-        <p:nvCxnSpPr>
-          <p:cNvPr id="15" name="Прямая со стрелкой 14"/>
-          <p:cNvCxnSpPr>
-            <a:stCxn id="9" idx="3"/>
-          </p:cNvCxnSpPr>
-          <p:nvPr/>
-        </p:nvCxnSpPr>
-        <p:spPr>
-          <a:xfrm flipV="1">
-            <a:off x="7392053" y="1775764"/>
-            <a:ext cx="696576" cy="1070784"/>
-          </a:xfrm>
-          <a:prstGeom prst="straightConnector1">
-            <a:avLst/>
-          </a:prstGeom>
-          <a:ln>
-            <a:tailEnd type="triangle"/>
-          </a:ln>
-        </p:spPr>
-        <p:style>
-          <a:lnRef idx="1">
-            <a:schemeClr val="accent1"/>
-          </a:lnRef>
-          <a:fillRef idx="0">
-            <a:schemeClr val="accent1"/>
-          </a:fillRef>
-          <a:effectRef idx="0">
-            <a:schemeClr val="accent1"/>
-          </a:effectRef>
-          <a:fontRef idx="minor">
-            <a:schemeClr val="tx1"/>
-          </a:fontRef>
-        </p:style>
-      </p:cxnSp>
-      <p:cxnSp>
-        <p:nvCxnSpPr>
-          <p:cNvPr id="16" name="Прямая со стрелкой 15"/>
-          <p:cNvCxnSpPr>
-            <a:stCxn id="8" idx="1"/>
-          </p:cNvCxnSpPr>
-          <p:nvPr/>
-        </p:nvCxnSpPr>
-        <p:spPr>
-          <a:xfrm flipH="1" flipV="1">
-            <a:off x="4757975" y="6046820"/>
-            <a:ext cx="634473" cy="1"/>
-          </a:xfrm>
-          <a:prstGeom prst="straightConnector1">
-            <a:avLst/>
-          </a:prstGeom>
-          <a:ln>
-            <a:tailEnd type="triangle"/>
-          </a:ln>
-        </p:spPr>
-        <p:style>
-          <a:lnRef idx="1">
-            <a:schemeClr val="accent1"/>
-          </a:lnRef>
-          <a:fillRef idx="0">
-            <a:schemeClr val="accent1"/>
-          </a:fillRef>
-          <a:effectRef idx="0">
-            <a:schemeClr val="accent1"/>
-          </a:effectRef>
-          <a:fontRef idx="minor">
-            <a:schemeClr val="tx1"/>
-          </a:fontRef>
-        </p:style>
-      </p:cxnSp>
-      <p:cxnSp>
-        <p:nvCxnSpPr>
-          <p:cNvPr id="17" name="Прямая со стрелкой 16"/>
-          <p:cNvCxnSpPr>
-            <a:stCxn id="8" idx="3"/>
-          </p:cNvCxnSpPr>
-          <p:nvPr/>
-        </p:nvCxnSpPr>
-        <p:spPr>
-          <a:xfrm flipV="1">
-            <a:off x="7324118" y="6024236"/>
-            <a:ext cx="188447" cy="22585"/>
-          </a:xfrm>
-          <a:prstGeom prst="straightConnector1">
-            <a:avLst/>
-          </a:prstGeom>
-          <a:ln>
-            <a:tailEnd type="triangle"/>
-          </a:ln>
-        </p:spPr>
-        <p:style>
-          <a:lnRef idx="1">
-            <a:schemeClr val="accent1"/>
-          </a:lnRef>
-          <a:fillRef idx="0">
-            <a:schemeClr val="accent1"/>
-          </a:fillRef>
-          <a:effectRef idx="0">
-            <a:schemeClr val="accent1"/>
-          </a:effectRef>
-          <a:fontRef idx="minor">
-            <a:schemeClr val="tx1"/>
-          </a:fontRef>
-        </p:style>
-      </p:cxnSp>
-      <p:cxnSp>
-        <p:nvCxnSpPr>
-          <p:cNvPr id="18" name="Прямая со стрелкой 17"/>
-          <p:cNvCxnSpPr>
-            <a:stCxn id="7" idx="3"/>
-          </p:cNvCxnSpPr>
-          <p:nvPr/>
-        </p:nvCxnSpPr>
-        <p:spPr>
-          <a:xfrm>
-            <a:off x="2518318" y="2026922"/>
-            <a:ext cx="776617" cy="82684"/>
-          </a:xfrm>
-          <a:prstGeom prst="straightConnector1">
-            <a:avLst/>
-          </a:prstGeom>
-          <a:ln>
-            <a:tailEnd type="triangle"/>
-          </a:ln>
-        </p:spPr>
-        <p:style>
-          <a:lnRef idx="1">
-            <a:schemeClr val="accent1"/>
-          </a:lnRef>
-          <a:fillRef idx="0">
-            <a:schemeClr val="accent1"/>
-          </a:fillRef>
-          <a:effectRef idx="0">
-            <a:schemeClr val="accent1"/>
-          </a:effectRef>
-          <a:fontRef idx="minor">
-            <a:schemeClr val="tx1"/>
-          </a:fontRef>
-        </p:style>
-      </p:cxnSp>
-      <p:cxnSp>
-        <p:nvCxnSpPr>
-          <p:cNvPr id="19" name="Прямая со стрелкой 18"/>
-          <p:cNvCxnSpPr>
-            <a:stCxn id="7" idx="3"/>
-          </p:cNvCxnSpPr>
-          <p:nvPr/>
-        </p:nvCxnSpPr>
-        <p:spPr>
-          <a:xfrm>
-            <a:off x="2518318" y="2026922"/>
-            <a:ext cx="1656727" cy="83780"/>
-          </a:xfrm>
-          <a:prstGeom prst="straightConnector1">
-            <a:avLst/>
-          </a:prstGeom>
-          <a:ln>
-            <a:tailEnd type="triangle"/>
-          </a:ln>
-        </p:spPr>
-        <p:style>
-          <a:lnRef idx="1">
-            <a:schemeClr val="accent1"/>
-          </a:lnRef>
-          <a:fillRef idx="0">
-            <a:schemeClr val="accent1"/>
-          </a:fillRef>
-          <a:effectRef idx="0">
-            <a:schemeClr val="accent1"/>
-          </a:effectRef>
-          <a:fontRef idx="minor">
-            <a:schemeClr val="tx1"/>
-          </a:fontRef>
-        </p:style>
-      </p:cxnSp>
-      <p:cxnSp>
-        <p:nvCxnSpPr>
-          <p:cNvPr id="20" name="Прямая со стрелкой 19"/>
-          <p:cNvCxnSpPr>
-            <a:stCxn id="7" idx="3"/>
-          </p:cNvCxnSpPr>
-          <p:nvPr/>
-        </p:nvCxnSpPr>
-        <p:spPr>
-          <a:xfrm>
-            <a:off x="2518318" y="2026922"/>
-            <a:ext cx="2511485" cy="41342"/>
-          </a:xfrm>
-          <a:prstGeom prst="straightConnector1">
-            <a:avLst/>
-          </a:prstGeom>
-          <a:ln>
-            <a:tailEnd type="triangle"/>
-          </a:ln>
-        </p:spPr>
-        <p:style>
-          <a:lnRef idx="1">
-            <a:schemeClr val="accent1"/>
-          </a:lnRef>
-          <a:fillRef idx="0">
-            <a:schemeClr val="accent1"/>
-          </a:fillRef>
-          <a:effectRef idx="0">
-            <a:schemeClr val="accent1"/>
-          </a:effectRef>
-          <a:fontRef idx="minor">
-            <a:schemeClr val="tx1"/>
-          </a:fontRef>
-        </p:style>
-      </p:cxnSp>
-      <p:cxnSp>
-        <p:nvCxnSpPr>
-          <p:cNvPr id="21" name="Прямая со стрелкой 20"/>
-          <p:cNvCxnSpPr>
-            <a:stCxn id="6" idx="3"/>
-          </p:cNvCxnSpPr>
-          <p:nvPr/>
-        </p:nvCxnSpPr>
-        <p:spPr>
-          <a:xfrm>
-            <a:off x="2518318" y="5946989"/>
-            <a:ext cx="662317" cy="140003"/>
-          </a:xfrm>
-          <a:prstGeom prst="straightConnector1">
-            <a:avLst/>
-          </a:prstGeom>
-          <a:ln>
-            <a:tailEnd type="triangle"/>
-          </a:ln>
-        </p:spPr>
-        <p:style>
-          <a:lnRef idx="1">
-            <a:schemeClr val="accent1"/>
-          </a:lnRef>
-          <a:fillRef idx="0">
-            <a:schemeClr val="accent1"/>
-          </a:fillRef>
-          <a:effectRef idx="0">
-            <a:schemeClr val="accent1"/>
-          </a:effectRef>
-          <a:fontRef idx="minor">
-            <a:schemeClr val="tx1"/>
-          </a:fontRef>
-        </p:style>
-      </p:cxnSp>
     </p:spTree>
+    <p:extLst>
+      <p:ext uri="{BB962C8B-B14F-4D97-AF65-F5344CB8AC3E}">
+        <p14:creationId xmlns:p14="http://schemas.microsoft.com/office/powerpoint/2010/main" val="3535056635"/>
+      </p:ext>
+    </p:extLst>
   </p:cSld>
   <p:clrMapOvr>
     <a:masterClrMapping/>
@@ -7401,10 +6493,9 @@
           <a:p>
             <a:pPr algn="l"/>
             <a:r>
-              <a:rPr lang="ru-RU" dirty="0" smtClean="0"/>
+              <a:rPr lang="ru-RU" dirty="0"/>
               <a:t>Выводы</a:t>
             </a:r>
-            <a:endParaRPr lang="ru-RU" dirty="0"/>
           </a:p>
         </p:txBody>
       </p:sp>
@@ -7430,8 +6521,8 @@
               <a:buAutoNum type="arabicPeriod"/>
             </a:pPr>
             <a:r>
-              <a:rPr lang="ru-RU" sz="2800" dirty="0" smtClean="0"/>
-              <a:t>Рассмотрены  подходы к организации бронирования столиков в ресторанах.</a:t>
+              <a:rPr lang="ru-RU" sz="2800" dirty="0"/>
+              <a:t>Рассмотрены методы визуализации данных мониторинга микроклимата.</a:t>
             </a:r>
           </a:p>
           <a:p>
@@ -7440,8 +6531,8 @@
               <a:buAutoNum type="arabicPeriod"/>
             </a:pPr>
             <a:r>
-              <a:rPr lang="ru-RU" sz="2800" dirty="0" smtClean="0"/>
-              <a:t>Выполнен анализ существующих систем для бронирования мест в ресторанах.</a:t>
+              <a:rPr lang="ru-RU" sz="2800" dirty="0"/>
+              <a:t>Выполнен анализ существующих систем для мониторинга микроклимата.</a:t>
             </a:r>
           </a:p>
           <a:p>
@@ -7450,8 +6541,8 @@
               <a:buAutoNum type="arabicPeriod"/>
             </a:pPr>
             <a:r>
-              <a:rPr lang="ru-RU" sz="2800" dirty="0" smtClean="0"/>
-              <a:t>Спроектирован сервис резервирования мест.</a:t>
+              <a:rPr lang="ru-RU" sz="2800" dirty="0"/>
+              <a:t>Спроектирован веб-сервис для визуализации данных.</a:t>
             </a:r>
           </a:p>
           <a:p>
@@ -7460,16 +6551,8 @@
               <a:buAutoNum type="arabicPeriod"/>
             </a:pPr>
             <a:r>
-              <a:rPr lang="ru-RU" sz="2800" dirty="0" smtClean="0"/>
-              <a:t>Разработан и протестирован </a:t>
-            </a:r>
-            <a:r>
-              <a:rPr lang="ru-RU" sz="2800" dirty="0" err="1" smtClean="0"/>
-              <a:t>веб-сайт</a:t>
-            </a:r>
-            <a:r>
-              <a:rPr lang="ru-RU" sz="2800" dirty="0" smtClean="0"/>
-              <a:t> предварительного резервирования мест в кафе.</a:t>
+              <a:rPr lang="ru-RU" sz="2800" dirty="0"/>
+              <a:t>Разработан и протестирован веб-сервис для визуализации данных мониторинга микроклимата.</a:t>
             </a:r>
           </a:p>
         </p:txBody>
@@ -7507,139 +6590,6 @@
               <a:solidFill>
                 <a:schemeClr val="tx1"/>
               </a:solidFill>
-            </a:endParaRPr>
-          </a:p>
-        </p:txBody>
-      </p:sp>
-      <p:sp>
-        <p:nvSpPr>
-          <p:cNvPr id="6" name="Содержимое 2"/>
-          <p:cNvSpPr txBox="1">
-            <a:spLocks/>
-          </p:cNvSpPr>
-          <p:nvPr/>
-        </p:nvSpPr>
-        <p:spPr>
-          <a:xfrm>
-            <a:off x="457200" y="6064696"/>
-            <a:ext cx="8229600" cy="460648"/>
-          </a:xfrm>
-          <a:prstGeom prst="rect">
-            <a:avLst/>
-          </a:prstGeom>
-        </p:spPr>
-        <p:txBody>
-          <a:bodyPr vert="horz" lIns="91440" tIns="45720" rIns="91440" bIns="45720" rtlCol="0">
-            <a:noAutofit/>
-          </a:bodyPr>
-          <a:lstStyle/>
-          <a:p>
-            <a:pPr marL="342900" marR="0" lvl="0" indent="-342900" algn="l" defTabSz="914400" rtl="0" eaLnBrk="1" fontAlgn="auto" latinLnBrk="0" hangingPunct="1">
-              <a:lnSpc>
-                <a:spcPct val="100000"/>
-              </a:lnSpc>
-              <a:spcBef>
-                <a:spcPct val="20000"/>
-              </a:spcBef>
-              <a:spcAft>
-                <a:spcPts val="0"/>
-              </a:spcAft>
-              <a:buClrTx/>
-              <a:buSzTx/>
-              <a:buFont typeface="Arial" pitchFamily="34" charset="0"/>
-              <a:buNone/>
-              <a:tabLst/>
-              <a:defRPr/>
-            </a:pPr>
-            <a:r>
-              <a:rPr kumimoji="0" lang="en-US" sz="1200" b="0" i="0" u="none" strike="noStrike" kern="1200" cap="none" spc="0" normalizeH="0" baseline="0" noProof="0" dirty="0" smtClean="0">
-                <a:ln>
-                  <a:noFill/>
-                </a:ln>
-                <a:solidFill>
-                  <a:srgbClr val="FF0000"/>
-                </a:solidFill>
-                <a:effectLst/>
-                <a:uLnTx/>
-                <a:uFillTx/>
-                <a:latin typeface="+mn-lt"/>
-                <a:ea typeface="+mn-ea"/>
-                <a:cs typeface="+mn-cs"/>
-              </a:rPr>
-              <a:t>[</a:t>
-            </a:r>
-            <a:r>
-              <a:rPr kumimoji="0" lang="ru-RU" sz="1200" b="0" i="0" u="none" strike="noStrike" kern="1200" cap="none" spc="0" normalizeH="0" baseline="0" noProof="0" dirty="0" smtClean="0">
-                <a:ln>
-                  <a:noFill/>
-                </a:ln>
-                <a:solidFill>
-                  <a:srgbClr val="FF0000"/>
-                </a:solidFill>
-                <a:effectLst/>
-                <a:uLnTx/>
-                <a:uFillTx/>
-                <a:latin typeface="+mn-lt"/>
-                <a:ea typeface="+mn-ea"/>
-                <a:cs typeface="+mn-cs"/>
-              </a:rPr>
-              <a:t>здесь могут быть представлены оригинальные</a:t>
-            </a:r>
-            <a:r>
-              <a:rPr kumimoji="0" lang="ru-RU" sz="1200" b="0" i="0" u="none" strike="noStrike" kern="1200" cap="none" spc="0" normalizeH="0" noProof="0" dirty="0" smtClean="0">
-                <a:ln>
-                  <a:noFill/>
-                </a:ln>
-                <a:solidFill>
-                  <a:srgbClr val="FF0000"/>
-                </a:solidFill>
-                <a:effectLst/>
-                <a:uLnTx/>
-                <a:uFillTx/>
-                <a:latin typeface="+mn-lt"/>
-                <a:ea typeface="+mn-ea"/>
-                <a:cs typeface="+mn-cs"/>
-              </a:rPr>
-              <a:t> вывод по итогом реализации и тестирования, перспективы развития проекта, или можно просто </a:t>
-            </a:r>
-            <a:r>
-              <a:rPr lang="ru-RU" sz="1200" dirty="0" smtClean="0">
-                <a:solidFill>
-                  <a:srgbClr val="FF0000"/>
-                </a:solidFill>
-              </a:rPr>
-              <a:t>написать исходные задача в прошедшей форме (проанализировано, спроектировано, реализовано, протестировано и т.п.)</a:t>
-            </a:r>
-            <a:r>
-              <a:rPr kumimoji="0" lang="en-US" sz="1200" b="0" i="0" u="none" strike="noStrike" kern="1200" cap="none" spc="0" normalizeH="0" baseline="0" noProof="0" dirty="0" smtClean="0">
-                <a:ln>
-                  <a:noFill/>
-                </a:ln>
-                <a:solidFill>
-                  <a:srgbClr val="FF0000"/>
-                </a:solidFill>
-                <a:effectLst/>
-                <a:uLnTx/>
-                <a:uFillTx/>
-                <a:latin typeface="+mn-lt"/>
-                <a:ea typeface="+mn-ea"/>
-                <a:cs typeface="+mn-cs"/>
-              </a:rPr>
-              <a:t>]</a:t>
-            </a:r>
-            <a:endParaRPr kumimoji="0" lang="ru-RU" sz="1200" b="0" i="0" u="none" strike="noStrike" kern="1200" cap="none" spc="0" normalizeH="0" baseline="0" noProof="0" dirty="0" smtClean="0">
-              <a:ln>
-                <a:noFill/>
-              </a:ln>
-              <a:solidFill>
-                <a:srgbClr val="FF0000"/>
-              </a:solidFill>
-              <a:effectLst/>
-              <a:uLnTx/>
-              <a:uFillTx/>
-              <a:latin typeface="+mn-lt"/>
-              <a:ea typeface="+mn-ea"/>
-              <a:cs typeface="+mn-cs"/>
             </a:endParaRPr>
           </a:p>
         </p:txBody>
@@ -7676,493 +6626,6 @@
             <a:spLocks noGrp="1"/>
           </p:cNvSpPr>
           <p:nvPr>
-            <p:ph type="title"/>
-          </p:nvPr>
-        </p:nvSpPr>
-        <p:spPr/>
-        <p:txBody>
-          <a:bodyPr/>
-          <a:lstStyle/>
-          <a:p>
-            <a:pPr algn="l"/>
-            <a:r>
-              <a:rPr lang="ru-RU" dirty="0" smtClean="0"/>
-              <a:t>Апробация</a:t>
-            </a:r>
-            <a:endParaRPr lang="ru-RU" dirty="0"/>
-          </a:p>
-        </p:txBody>
-      </p:sp>
-      <p:sp>
-        <p:nvSpPr>
-          <p:cNvPr id="3" name="Содержимое 2"/>
-          <p:cNvSpPr>
-            <a:spLocks noGrp="1"/>
-          </p:cNvSpPr>
-          <p:nvPr>
-            <p:ph idx="1"/>
-          </p:nvPr>
-        </p:nvSpPr>
-        <p:spPr/>
-        <p:txBody>
-          <a:bodyPr>
-            <a:normAutofit fontScale="47500" lnSpcReduction="20000"/>
-          </a:bodyPr>
-          <a:lstStyle/>
-          <a:p>
-            <a:pPr marL="0" indent="360000" algn="just">
-              <a:lnSpc>
-                <a:spcPct val="120000"/>
-              </a:lnSpc>
-              <a:spcBef>
-                <a:spcPts val="0"/>
-              </a:spcBef>
-              <a:buNone/>
-            </a:pPr>
-            <a:r>
-              <a:rPr lang="ru-RU" dirty="0" smtClean="0"/>
-              <a:t>В Роспатент направлено заявление на получение свидетельства о государственной регистрации программы для ЭВМ «</a:t>
-            </a:r>
-            <a:r>
-              <a:rPr lang="ru-RU" dirty="0" smtClean="0">
-                <a:solidFill>
-                  <a:srgbClr val="FF0000"/>
-                </a:solidFill>
-              </a:rPr>
-              <a:t>Инфраструктура наземного пассажирского транспорта города Волжский</a:t>
-            </a:r>
-            <a:r>
-              <a:rPr lang="ru-RU" dirty="0" smtClean="0"/>
-              <a:t>».</a:t>
-            </a:r>
-          </a:p>
-          <a:p>
-            <a:pPr marL="0" indent="360000" algn="just">
-              <a:lnSpc>
-                <a:spcPct val="120000"/>
-              </a:lnSpc>
-              <a:spcBef>
-                <a:spcPts val="0"/>
-              </a:spcBef>
-              <a:buNone/>
-            </a:pPr>
-            <a:r>
-              <a:rPr lang="ru-RU" b="1" dirty="0" smtClean="0"/>
-              <a:t>или</a:t>
-            </a:r>
-          </a:p>
-          <a:p>
-            <a:pPr marL="0" indent="360000" algn="just">
-              <a:lnSpc>
-                <a:spcPct val="120000"/>
-              </a:lnSpc>
-              <a:spcBef>
-                <a:spcPts val="0"/>
-              </a:spcBef>
-              <a:buNone/>
-            </a:pPr>
-            <a:r>
-              <a:rPr lang="ru-RU" dirty="0" smtClean="0"/>
-              <a:t>Получено свидетельство о государственной регистрации программы для ЭВМ №</a:t>
-            </a:r>
-            <a:r>
-              <a:rPr lang="ru-RU" dirty="0" smtClean="0">
-                <a:solidFill>
-                  <a:srgbClr val="FF0000"/>
-                </a:solidFill>
-              </a:rPr>
-              <a:t>2018662441</a:t>
-            </a:r>
-            <a:r>
-              <a:rPr lang="ru-RU" dirty="0" smtClean="0"/>
-              <a:t> «</a:t>
-            </a:r>
-            <a:r>
-              <a:rPr lang="ru-RU" dirty="0" smtClean="0">
-                <a:solidFill>
-                  <a:srgbClr val="FF0000"/>
-                </a:solidFill>
-              </a:rPr>
-              <a:t>Программный модуль для сравнения данных об объектах инфраструктуры города из открытых источников</a:t>
-            </a:r>
-            <a:r>
-              <a:rPr lang="ru-RU" dirty="0" smtClean="0"/>
-              <a:t>».</a:t>
-            </a:r>
-          </a:p>
-          <a:p>
-            <a:pPr marL="0" indent="360000" algn="just">
-              <a:lnSpc>
-                <a:spcPct val="120000"/>
-              </a:lnSpc>
-              <a:spcBef>
-                <a:spcPts val="0"/>
-              </a:spcBef>
-              <a:buNone/>
-            </a:pPr>
-            <a:endParaRPr lang="ru-RU" dirty="0" smtClean="0"/>
-          </a:p>
-          <a:p>
-            <a:pPr marL="0" indent="360000" algn="just">
-              <a:lnSpc>
-                <a:spcPct val="120000"/>
-              </a:lnSpc>
-              <a:spcBef>
-                <a:spcPts val="0"/>
-              </a:spcBef>
-              <a:buNone/>
-            </a:pPr>
-            <a:r>
-              <a:rPr lang="ru-RU" u="sng" dirty="0" smtClean="0"/>
-              <a:t>В процессе выполнения проектных работ подготовлены публикации</a:t>
-            </a:r>
-            <a:r>
-              <a:rPr lang="ru-RU" dirty="0" smtClean="0"/>
-              <a:t>:</a:t>
-            </a:r>
-            <a:endParaRPr lang="en-US" dirty="0" smtClean="0"/>
-          </a:p>
-          <a:p>
-            <a:pPr marL="0" indent="360000" algn="just">
-              <a:lnSpc>
-                <a:spcPct val="120000"/>
-              </a:lnSpc>
-              <a:spcBef>
-                <a:spcPts val="0"/>
-              </a:spcBef>
-              <a:buNone/>
-            </a:pPr>
-            <a:r>
-              <a:rPr lang="en-US" dirty="0" smtClean="0"/>
-              <a:t>1. </a:t>
-            </a:r>
-            <a:r>
-              <a:rPr lang="ru-RU" dirty="0" err="1" smtClean="0"/>
-              <a:t>Ложеницина</a:t>
-            </a:r>
-            <a:r>
-              <a:rPr lang="ru-RU" dirty="0" smtClean="0"/>
-              <a:t>, А. В. Трехмерное моделирование городской застройки / А. В. </a:t>
-            </a:r>
-            <a:r>
-              <a:rPr lang="ru-RU" dirty="0" err="1" smtClean="0"/>
-              <a:t>Ложеницина</a:t>
-            </a:r>
-            <a:r>
-              <a:rPr lang="ru-RU" dirty="0" smtClean="0"/>
-              <a:t>, Д. С. </a:t>
-            </a:r>
-            <a:r>
-              <a:rPr lang="ru-RU" dirty="0" err="1" smtClean="0"/>
-              <a:t>Парыгин</a:t>
-            </a:r>
-            <a:r>
-              <a:rPr lang="ru-RU" dirty="0" smtClean="0"/>
-              <a:t> // Информационные технологии в науке, управлении, социальной сфере и медицине : сб. </a:t>
-            </a:r>
-            <a:r>
-              <a:rPr lang="ru-RU" dirty="0" err="1" smtClean="0"/>
-              <a:t>науч</a:t>
-            </a:r>
-            <a:r>
-              <a:rPr lang="ru-RU" dirty="0" smtClean="0"/>
-              <a:t>. тр. </a:t>
-            </a:r>
-            <a:r>
-              <a:rPr lang="en-US" dirty="0" smtClean="0"/>
-              <a:t>V </a:t>
-            </a:r>
-            <a:r>
-              <a:rPr lang="ru-RU" dirty="0" err="1" smtClean="0"/>
-              <a:t>междунар</a:t>
-            </a:r>
-            <a:r>
-              <a:rPr lang="ru-RU" dirty="0" smtClean="0"/>
-              <a:t>. </a:t>
-            </a:r>
-            <a:r>
-              <a:rPr lang="ru-RU" dirty="0" err="1" smtClean="0"/>
-              <a:t>науч</a:t>
-            </a:r>
-            <a:r>
-              <a:rPr lang="ru-RU" dirty="0" smtClean="0"/>
-              <a:t>. </a:t>
-            </a:r>
-            <a:r>
-              <a:rPr lang="ru-RU" dirty="0" err="1" smtClean="0"/>
-              <a:t>конф</a:t>
-            </a:r>
-            <a:r>
-              <a:rPr lang="ru-RU" dirty="0" smtClean="0"/>
-              <a:t>., Томск, 17–21 дек. 2018 г. / Томский политехнический университет. – Томск : Изд-во Томского </a:t>
-            </a:r>
-            <a:r>
-              <a:rPr lang="ru-RU" dirty="0" err="1" smtClean="0"/>
-              <a:t>политехн</a:t>
-            </a:r>
-            <a:r>
-              <a:rPr lang="ru-RU" dirty="0" smtClean="0"/>
-              <a:t>. </a:t>
-            </a:r>
-            <a:r>
-              <a:rPr lang="ru-RU" dirty="0" err="1" smtClean="0"/>
-              <a:t>ун‒та</a:t>
-            </a:r>
-            <a:r>
-              <a:rPr lang="ru-RU" dirty="0" smtClean="0"/>
-              <a:t>, 2018. – Ч. 1. – С. 314–316.</a:t>
-            </a:r>
-          </a:p>
-          <a:p>
-            <a:pPr marL="0" indent="360000" algn="just">
-              <a:lnSpc>
-                <a:spcPct val="120000"/>
-              </a:lnSpc>
-              <a:spcBef>
-                <a:spcPts val="0"/>
-              </a:spcBef>
-              <a:buNone/>
-            </a:pPr>
-            <a:r>
-              <a:rPr lang="en-US" dirty="0" smtClean="0"/>
-              <a:t>2</a:t>
-            </a:r>
-            <a:r>
-              <a:rPr lang="ru-RU" dirty="0" smtClean="0"/>
-              <a:t>. Статья к публикации в журнале «Известия Волгоградского государственного технического университета», принято в печать.</a:t>
-            </a:r>
-          </a:p>
-          <a:p>
-            <a:pPr marL="0" indent="360000" algn="just">
-              <a:lnSpc>
-                <a:spcPct val="120000"/>
-              </a:lnSpc>
-              <a:spcBef>
-                <a:spcPts val="0"/>
-              </a:spcBef>
-              <a:buNone/>
-            </a:pPr>
-            <a:endParaRPr lang="ru-RU" dirty="0" smtClean="0"/>
-          </a:p>
-          <a:p>
-            <a:pPr marL="0" indent="360000" algn="just">
-              <a:lnSpc>
-                <a:spcPct val="120000"/>
-              </a:lnSpc>
-              <a:spcBef>
-                <a:spcPts val="0"/>
-              </a:spcBef>
-              <a:buNone/>
-            </a:pPr>
-            <a:r>
-              <a:rPr lang="ru-RU" dirty="0" smtClean="0"/>
-              <a:t>Исследование выполнено в рамках научно-технического проекта лаборатории городских исследований </a:t>
-            </a:r>
-            <a:r>
-              <a:rPr lang="ru-RU" dirty="0" err="1" smtClean="0"/>
-              <a:t>UCLab</a:t>
-            </a:r>
-            <a:r>
-              <a:rPr lang="ru-RU" dirty="0" smtClean="0"/>
-              <a:t> и РФФИ № 18-37-20066_мол_а_вед.</a:t>
-            </a:r>
-          </a:p>
-        </p:txBody>
-      </p:sp>
-      <p:sp>
-        <p:nvSpPr>
-          <p:cNvPr id="4" name="Номер слайда 3"/>
-          <p:cNvSpPr>
-            <a:spLocks noGrp="1"/>
-          </p:cNvSpPr>
-          <p:nvPr>
-            <p:ph type="sldNum" sz="quarter" idx="12"/>
-          </p:nvPr>
-        </p:nvSpPr>
-        <p:spPr>
-          <a:xfrm>
-            <a:off x="8378080" y="6356350"/>
-            <a:ext cx="586408" cy="365125"/>
-          </a:xfrm>
-        </p:spPr>
-        <p:txBody>
-          <a:bodyPr/>
-          <a:lstStyle/>
-          <a:p>
-            <a:fld id="{9C7809D5-FB6B-406A-8E38-A52600843BEE}" type="slidenum">
-              <a:rPr lang="ru-RU" sz="2400" smtClean="0">
-                <a:solidFill>
-                  <a:schemeClr val="tx1"/>
-                </a:solidFill>
-              </a:rPr>
-              <a:pPr/>
-              <a:t>18</a:t>
-            </a:fld>
-            <a:endParaRPr lang="ru-RU" sz="2400" dirty="0">
-              <a:solidFill>
-                <a:schemeClr val="tx1"/>
-              </a:solidFill>
-            </a:endParaRPr>
-          </a:p>
-        </p:txBody>
-      </p:sp>
-      <p:sp>
-        <p:nvSpPr>
-          <p:cNvPr id="6" name="Содержимое 2"/>
-          <p:cNvSpPr txBox="1">
-            <a:spLocks/>
-          </p:cNvSpPr>
-          <p:nvPr/>
-        </p:nvSpPr>
-        <p:spPr>
-          <a:xfrm>
-            <a:off x="457200" y="6064696"/>
-            <a:ext cx="8229600" cy="460648"/>
-          </a:xfrm>
-          <a:prstGeom prst="rect">
-            <a:avLst/>
-          </a:prstGeom>
-        </p:spPr>
-        <p:txBody>
-          <a:bodyPr vert="horz" lIns="91440" tIns="45720" rIns="91440" bIns="45720" rtlCol="0">
-            <a:normAutofit fontScale="85000" lnSpcReduction="20000"/>
-          </a:bodyPr>
-          <a:lstStyle/>
-          <a:p>
-            <a:pPr marL="342900" marR="0" lvl="0" indent="-342900" algn="l" defTabSz="914400" rtl="0" eaLnBrk="1" fontAlgn="auto" latinLnBrk="0" hangingPunct="1">
-              <a:lnSpc>
-                <a:spcPct val="100000"/>
-              </a:lnSpc>
-              <a:spcBef>
-                <a:spcPct val="20000"/>
-              </a:spcBef>
-              <a:spcAft>
-                <a:spcPts val="0"/>
-              </a:spcAft>
-              <a:buClrTx/>
-              <a:buSzTx/>
-              <a:buFont typeface="Arial" pitchFamily="34" charset="0"/>
-              <a:buNone/>
-              <a:tabLst/>
-              <a:defRPr/>
-            </a:pPr>
-            <a:r>
-              <a:rPr kumimoji="0" lang="en-US" sz="3200" b="0" i="0" u="none" strike="noStrike" kern="1200" cap="none" spc="0" normalizeH="0" baseline="0" noProof="0" dirty="0" smtClean="0">
-                <a:ln>
-                  <a:noFill/>
-                </a:ln>
-                <a:solidFill>
-                  <a:srgbClr val="FF0000"/>
-                </a:solidFill>
-                <a:effectLst/>
-                <a:uLnTx/>
-                <a:uFillTx/>
-                <a:latin typeface="+mn-lt"/>
-                <a:ea typeface="+mn-ea"/>
-                <a:cs typeface="+mn-cs"/>
-              </a:rPr>
-              <a:t>[</a:t>
-            </a:r>
-            <a:r>
-              <a:rPr kumimoji="0" lang="ru-RU" sz="3200" b="0" i="0" u="none" strike="noStrike" kern="1200" cap="none" spc="0" normalizeH="0" baseline="0" noProof="0" dirty="0" smtClean="0">
-                <a:ln>
-                  <a:noFill/>
-                </a:ln>
-                <a:solidFill>
-                  <a:srgbClr val="FF0000"/>
-                </a:solidFill>
-                <a:effectLst/>
-                <a:uLnTx/>
-                <a:uFillTx/>
-                <a:latin typeface="+mn-lt"/>
-                <a:ea typeface="+mn-ea"/>
-                <a:cs typeface="+mn-cs"/>
-              </a:rPr>
-              <a:t>это опциональный</a:t>
-            </a:r>
-            <a:r>
-              <a:rPr kumimoji="0" lang="ru-RU" sz="3200" b="0" i="0" u="none" strike="noStrike" kern="1200" cap="none" spc="0" normalizeH="0" noProof="0" dirty="0" smtClean="0">
-                <a:ln>
-                  <a:noFill/>
-                </a:ln>
-                <a:solidFill>
-                  <a:srgbClr val="FF0000"/>
-                </a:solidFill>
-                <a:effectLst/>
-                <a:uLnTx/>
-                <a:uFillTx/>
-                <a:latin typeface="+mn-lt"/>
-                <a:ea typeface="+mn-ea"/>
-                <a:cs typeface="+mn-cs"/>
-              </a:rPr>
-              <a:t> слайд, если есть что показать</a:t>
-            </a:r>
-            <a:r>
-              <a:rPr kumimoji="0" lang="en-US" sz="3200" b="0" i="0" u="none" strike="noStrike" kern="1200" cap="none" spc="0" normalizeH="0" baseline="0" noProof="0" dirty="0" smtClean="0">
-                <a:ln>
-                  <a:noFill/>
-                </a:ln>
-                <a:solidFill>
-                  <a:srgbClr val="FF0000"/>
-                </a:solidFill>
-                <a:effectLst/>
-                <a:uLnTx/>
-                <a:uFillTx/>
-                <a:latin typeface="+mn-lt"/>
-                <a:ea typeface="+mn-ea"/>
-                <a:cs typeface="+mn-cs"/>
-              </a:rPr>
-              <a:t>]</a:t>
-            </a:r>
-            <a:endParaRPr kumimoji="0" lang="ru-RU" sz="3200" b="0" i="0" u="none" strike="noStrike" kern="1200" cap="none" spc="0" normalizeH="0" baseline="0" noProof="0" dirty="0" smtClean="0">
-              <a:ln>
-                <a:noFill/>
-              </a:ln>
-              <a:solidFill>
-                <a:srgbClr val="FF0000"/>
-              </a:solidFill>
-              <a:effectLst/>
-              <a:uLnTx/>
-              <a:uFillTx/>
-              <a:latin typeface="+mn-lt"/>
-              <a:ea typeface="+mn-ea"/>
-              <a:cs typeface="+mn-cs"/>
-            </a:endParaRPr>
-          </a:p>
-        </p:txBody>
-      </p:sp>
-    </p:spTree>
-  </p:cSld>
-  <p:clrMapOvr>
-    <a:masterClrMapping/>
-  </p:clrMapOvr>
-</p:sld>
-</file>
-
-<file path=ppt/slides/slide19.xml><?xml version="1.0" encoding="utf-8"?>
-<p:sld xmlns:a="http://schemas.openxmlformats.org/drawingml/2006/main" xmlns:r="http://schemas.openxmlformats.org/officeDocument/2006/relationships" xmlns:p="http://schemas.openxmlformats.org/presentationml/2006/main">
-  <p:cSld>
-    <p:spTree>
-      <p:nvGrpSpPr>
-        <p:cNvPr id="1" name=""/>
-        <p:cNvGrpSpPr/>
-        <p:nvPr/>
-      </p:nvGrpSpPr>
-      <p:grpSpPr>
-        <a:xfrm>
-          <a:off x="0" y="0"/>
-          <a:ext cx="0" cy="0"/>
-          <a:chOff x="0" y="0"/>
-          <a:chExt cx="0" cy="0"/>
-        </a:xfrm>
-      </p:grpSpPr>
-      <p:sp>
-        <p:nvSpPr>
-          <p:cNvPr id="2" name="Заголовок 1"/>
-          <p:cNvSpPr>
-            <a:spLocks noGrp="1"/>
-          </p:cNvSpPr>
-          <p:nvPr>
             <p:ph type="ctrTitle"/>
           </p:nvPr>
         </p:nvSpPr>
@@ -8179,191 +6642,15 @@
           <a:lstStyle/>
           <a:p>
             <a:r>
-              <a:rPr lang="ru-RU" sz="2400" dirty="0" smtClean="0"/>
+              <a:rPr lang="ru-RU" sz="2400" dirty="0"/>
               <a:t>Выпускная квалификационная работа бакалавра</a:t>
             </a:r>
-            <a:r>
-              <a:rPr lang="ru-RU" dirty="0" smtClean="0"/>
-              <a:t/>
-            </a:r>
             <a:br>
-              <a:rPr lang="ru-RU" dirty="0" smtClean="0"/>
+              <a:rPr lang="ru-RU" dirty="0"/>
             </a:br>
             <a:r>
-              <a:rPr lang="ru-RU" sz="2800" dirty="0" smtClean="0"/>
-              <a:t>«</a:t>
-            </a:r>
-            <a:r>
-              <a:rPr lang="ru-RU" sz="2800" dirty="0" smtClean="0">
-                <a:solidFill>
-                  <a:srgbClr val="FF0000"/>
-                </a:solidFill>
-              </a:rPr>
-              <a:t>Тема по приказу … </a:t>
-            </a:r>
-            <a:r>
-              <a:rPr lang="fr-FR" sz="2800" dirty="0" err="1" smtClean="0">
-                <a:solidFill>
-                  <a:srgbClr val="FF0000"/>
-                </a:solidFill>
-              </a:rPr>
-              <a:t>Lorem</a:t>
-            </a:r>
-            <a:r>
-              <a:rPr lang="fr-FR" sz="2800" dirty="0" smtClean="0">
-                <a:solidFill>
-                  <a:srgbClr val="FF0000"/>
-                </a:solidFill>
-              </a:rPr>
-              <a:t> </a:t>
-            </a:r>
-            <a:r>
-              <a:rPr lang="fr-FR" sz="2800" dirty="0" err="1" smtClean="0">
-                <a:solidFill>
-                  <a:srgbClr val="FF0000"/>
-                </a:solidFill>
-              </a:rPr>
-              <a:t>ipsum</a:t>
-            </a:r>
-            <a:r>
-              <a:rPr lang="fr-FR" sz="2800" dirty="0" smtClean="0">
-                <a:solidFill>
-                  <a:srgbClr val="FF0000"/>
-                </a:solidFill>
-              </a:rPr>
-              <a:t> </a:t>
-            </a:r>
-            <a:r>
-              <a:rPr lang="fr-FR" sz="2800" dirty="0" err="1" smtClean="0">
-                <a:solidFill>
-                  <a:srgbClr val="FF0000"/>
-                </a:solidFill>
-              </a:rPr>
-              <a:t>dolor</a:t>
-            </a:r>
-            <a:r>
-              <a:rPr lang="fr-FR" sz="2800" dirty="0" smtClean="0">
-                <a:solidFill>
-                  <a:srgbClr val="FF0000"/>
-                </a:solidFill>
-              </a:rPr>
-              <a:t> </a:t>
-            </a:r>
-            <a:r>
-              <a:rPr lang="fr-FR" sz="2800" dirty="0" err="1" smtClean="0">
-                <a:solidFill>
-                  <a:srgbClr val="FF0000"/>
-                </a:solidFill>
-              </a:rPr>
-              <a:t>sit</a:t>
-            </a:r>
-            <a:r>
-              <a:rPr lang="fr-FR" sz="2800" dirty="0" smtClean="0">
-                <a:solidFill>
-                  <a:srgbClr val="FF0000"/>
-                </a:solidFill>
-              </a:rPr>
-              <a:t> </a:t>
-            </a:r>
-            <a:r>
-              <a:rPr lang="fr-FR" sz="2800" dirty="0" err="1" smtClean="0">
-                <a:solidFill>
-                  <a:srgbClr val="FF0000"/>
-                </a:solidFill>
-              </a:rPr>
-              <a:t>amet</a:t>
-            </a:r>
-            <a:r>
-              <a:rPr lang="fr-FR" sz="2800" dirty="0" smtClean="0">
-                <a:solidFill>
-                  <a:srgbClr val="FF0000"/>
-                </a:solidFill>
-              </a:rPr>
-              <a:t> prima </a:t>
-            </a:r>
-            <a:r>
-              <a:rPr lang="fr-FR" sz="2800" dirty="0" err="1" smtClean="0">
-                <a:solidFill>
-                  <a:srgbClr val="FF0000"/>
-                </a:solidFill>
-              </a:rPr>
-              <a:t>mentitum</a:t>
-            </a:r>
-            <a:r>
-              <a:rPr lang="fr-FR" sz="2800" dirty="0" smtClean="0">
-                <a:solidFill>
-                  <a:srgbClr val="FF0000"/>
-                </a:solidFill>
-              </a:rPr>
-              <a:t> </a:t>
-            </a:r>
-            <a:r>
-              <a:rPr lang="fr-FR" sz="2800" dirty="0" err="1" smtClean="0">
-                <a:solidFill>
-                  <a:srgbClr val="FF0000"/>
-                </a:solidFill>
-              </a:rPr>
-              <a:t>quaerendum</a:t>
-            </a:r>
-            <a:r>
-              <a:rPr lang="fr-FR" sz="2800" dirty="0" smtClean="0">
-                <a:solidFill>
-                  <a:srgbClr val="FF0000"/>
-                </a:solidFill>
-              </a:rPr>
-              <a:t> </a:t>
-            </a:r>
-            <a:r>
-              <a:rPr lang="fr-FR" sz="2800" dirty="0" err="1" smtClean="0">
-                <a:solidFill>
-                  <a:srgbClr val="FF0000"/>
-                </a:solidFill>
-              </a:rPr>
-              <a:t>usu</a:t>
-            </a:r>
-            <a:r>
-              <a:rPr lang="fr-FR" sz="2800" dirty="0" smtClean="0">
-                <a:solidFill>
-                  <a:srgbClr val="FF0000"/>
-                </a:solidFill>
-              </a:rPr>
-              <a:t> et malis </a:t>
-            </a:r>
-            <a:r>
-              <a:rPr lang="fr-FR" sz="2800" dirty="0" err="1" smtClean="0">
-                <a:solidFill>
-                  <a:srgbClr val="FF0000"/>
-                </a:solidFill>
-              </a:rPr>
-              <a:t>possim</a:t>
-            </a:r>
-            <a:r>
-              <a:rPr lang="fr-FR" sz="2800" dirty="0" smtClean="0">
-                <a:solidFill>
-                  <a:srgbClr val="FF0000"/>
-                </a:solidFill>
-              </a:rPr>
-              <a:t> </a:t>
-            </a:r>
-            <a:r>
-              <a:rPr lang="fr-FR" sz="2800" dirty="0" err="1" smtClean="0">
-                <a:solidFill>
-                  <a:srgbClr val="FF0000"/>
-                </a:solidFill>
-              </a:rPr>
-              <a:t>iuvaret</a:t>
-            </a:r>
-            <a:r>
-              <a:rPr lang="fr-FR" sz="2800" dirty="0" smtClean="0">
-                <a:solidFill>
-                  <a:srgbClr val="FF0000"/>
-                </a:solidFill>
-              </a:rPr>
-              <a:t> ne me</a:t>
-            </a:r>
-            <a:r>
-              <a:rPr lang="ru-RU" sz="2800" dirty="0" smtClean="0"/>
-              <a:t>»</a:t>
+              <a:rPr lang="ru-RU" sz="2800" dirty="0"/>
+              <a:t>«Разработка веб-сервиса для обработки данных мониторинга микроклимата и экологии территории»</a:t>
             </a:r>
             <a:endParaRPr lang="ru-RU" dirty="0"/>
           </a:p>
@@ -8393,7 +6680,7 @@
           <a:p>
             <a:pPr lvl="0"/>
             <a:r>
-              <a:rPr lang="ru-RU" sz="2400" dirty="0" smtClean="0">
+              <a:rPr lang="ru-RU" sz="2400" dirty="0">
                 <a:solidFill>
                   <a:schemeClr val="tx1"/>
                 </a:solidFill>
@@ -8401,14 +6688,14 @@
               <a:t>Волгоградский государственный</a:t>
             </a:r>
             <a:br>
-              <a:rPr lang="ru-RU" sz="2400" dirty="0" smtClean="0">
+              <a:rPr lang="ru-RU" sz="2400" dirty="0">
                 <a:solidFill>
                   <a:schemeClr val="tx1"/>
                 </a:solidFill>
               </a:rPr>
             </a:br>
             <a:r>
-              <a:rPr lang="ru-RU" sz="2400" dirty="0" smtClean="0">
+              <a:rPr lang="ru-RU" sz="2400" dirty="0">
                 <a:solidFill>
                   <a:schemeClr val="tx1"/>
                 </a:solidFill>
@@ -8419,7 +6706,7 @@
           <a:p>
             <a:pPr lvl="0"/>
             <a:r>
-              <a:rPr lang="ru-RU" sz="2400" dirty="0" smtClean="0">
+              <a:rPr lang="ru-RU" sz="2400" dirty="0">
                 <a:solidFill>
                   <a:schemeClr val="tx1"/>
                 </a:solidFill>
@@ -8427,7 +6714,7 @@
               <a:t>Кафедра </a:t>
             </a:r>
             <a:r>
-              <a:rPr lang="ru-RU" sz="2400" dirty="0" err="1" smtClean="0">
+              <a:rPr lang="ru-RU" sz="2400" dirty="0" err="1">
                 <a:solidFill>
                   <a:schemeClr val="tx1"/>
                 </a:solidFill>
@@ -8508,48 +6795,67 @@
             </a:r>
           </a:p>
           <a:p>
-            <a:pPr lvl="0" algn="r">
+            <a:pPr marL="0" marR="0" lvl="0" indent="0" algn="r" rtl="0">
+              <a:lnSpc>
+                <a:spcPct val="100000"/>
+              </a:lnSpc>
+              <a:spcBef>
+                <a:spcPts val="400"/>
+              </a:spcBef>
+              <a:spcAft>
+                <a:spcPts val="0"/>
+              </a:spcAft>
+              <a:buClr>
+                <a:schemeClr val="dk1"/>
+              </a:buClr>
+              <a:buSzPts val="2000"/>
+              <a:buFont typeface="Arial"/>
+              <a:buNone/>
+            </a:pPr>
+            <a:r>
+              <a:rPr lang="ru-RU" sz="2000" dirty="0"/>
+              <a:t>студент группы </a:t>
+            </a:r>
+            <a:r>
+              <a:rPr lang="ru-RU" sz="2000" b="0" i="0" u="none" strike="noStrike" cap="none" dirty="0">
+                <a:solidFill>
+                  <a:schemeClr val="dk1"/>
+                </a:solidFill>
+                <a:latin typeface="Calibri"/>
+                <a:ea typeface="Calibri"/>
+                <a:cs typeface="Calibri"/>
+                <a:sym typeface="Calibri"/>
+              </a:rPr>
+              <a:t>ИВТ-463</a:t>
+            </a:r>
+            <a:endParaRPr lang="ru-RU" sz="2000" b="0" i="0" u="none" strike="noStrike" cap="none" dirty="0">
+              <a:solidFill>
+                <a:srgbClr val="FF0000"/>
+              </a:solidFill>
+              <a:latin typeface="Calibri"/>
+              <a:ea typeface="Calibri"/>
+              <a:cs typeface="Calibri"/>
+              <a:sym typeface="Calibri"/>
+            </a:endParaRPr>
+          </a:p>
+          <a:p>
+            <a:pPr algn="r">
               <a:spcBef>
                 <a:spcPct val="20000"/>
               </a:spcBef>
             </a:pPr>
             <a:r>
-              <a:rPr lang="ru-RU" sz="2000" dirty="0"/>
-              <a:t>студент группы </a:t>
-            </a:r>
-            <a:r>
-              <a:rPr lang="ru-RU" sz="2000" dirty="0" smtClean="0">
+              <a:rPr lang="ru-RU" sz="2000" b="0" i="0" u="none" strike="noStrike" cap="none" dirty="0">
                 <a:solidFill>
-                  <a:srgbClr val="FF0000"/>
+                  <a:schemeClr val="dk1"/>
                 </a:solidFill>
+                <a:latin typeface="Calibri"/>
+                <a:ea typeface="Calibri"/>
+                <a:cs typeface="Calibri"/>
+                <a:sym typeface="Calibri"/>
               </a:rPr>
-              <a:t>АБВ-123</a:t>
-            </a:r>
-            <a:endParaRPr lang="ru-RU" sz="2000" dirty="0">
-              <a:solidFill>
-                <a:srgbClr val="FF0000"/>
-              </a:solidFill>
-            </a:endParaRPr>
-          </a:p>
-          <a:p>
-            <a:pPr lvl="0" algn="r">
-              <a:spcBef>
-                <a:spcPct val="20000"/>
-              </a:spcBef>
-            </a:pPr>
-            <a:r>
-              <a:rPr lang="ru-RU" sz="2000" dirty="0" smtClean="0">
-                <a:solidFill>
-                  <a:srgbClr val="FF0000"/>
-                </a:solidFill>
-              </a:rPr>
-              <a:t>Фамилия И.О.</a:t>
-            </a:r>
-            <a:endParaRPr lang="ru-RU" sz="2000" dirty="0">
-              <a:solidFill>
-                <a:srgbClr val="FF0000"/>
-              </a:solidFill>
-            </a:endParaRPr>
+              <a:t>Островская Т.С.</a:t>
+            </a:r>
           </a:p>
         </p:txBody>
       </p:sp>
@@ -8585,7 +6891,7 @@
               <a:rPr lang="ru-RU" sz="4000" dirty="0"/>
               <a:t>Спасибо за внимание!</a:t>
             </a:r>
-            <a:endParaRPr kumimoji="0" lang="ru-RU" sz="4000" b="0" i="0" u="none" strike="noStrike" kern="1200" cap="none" spc="0" normalizeH="0" baseline="0" noProof="0" dirty="0" smtClean="0">
+            <a:endParaRPr kumimoji="0" lang="ru-RU" sz="4000" b="0" i="0" u="none" strike="noStrike" kern="1200" cap="none" spc="0" normalizeH="0" baseline="0" noProof="0" dirty="0">
               <a:ln>
                 <a:noFill/>
               </a:ln>
@@ -8607,13 +6913,6 @@
   <p:clrMapOvr>
     <a:masterClrMapping/>
   </p:clrMapOvr>
-  <p:timing>
-    <p:tnLst>
-      <p:par>
-        <p:cTn id="1" dur="indefinite" restart="never" nodeType="tmRoot"/>
-      </p:par>
-    </p:tnLst>
-  </p:timing>
 </p:sld>
 </file>
 
@@ -8651,10 +6950,9 @@
           <a:p>
             <a:pPr algn="l"/>
             <a:r>
-              <a:rPr lang="ru-RU" dirty="0" smtClean="0"/>
+              <a:rPr lang="ru-RU" dirty="0"/>
               <a:t>Актуальность</a:t>
             </a:r>
-            <a:endParaRPr lang="ru-RU" dirty="0"/>
           </a:p>
         </p:txBody>
       </p:sp>
@@ -8695,44 +6993,6 @@
           </a:p>
         </p:txBody>
       </p:sp>
-      <p:pic>
-        <p:nvPicPr>
-          <p:cNvPr id="6" name="Объект 4"/>
-          <p:cNvPicPr>
-            <a:picLocks noGrp="1" noChangeAspect="1"/>
-          </p:cNvPicPr>
-          <p:nvPr>
-            <p:ph idx="1"/>
-          </p:nvPr>
-        </p:nvPicPr>
-        <p:blipFill rotWithShape="1">
-          <a:blip r:embed="rId3" cstate="print">
-            <a:clrChange>
-              <a:clrFrom>
-                <a:srgbClr val="FFFFFF"/>
-              </a:clrFrom>
-              <a:clrTo>
-                <a:srgbClr val="FFFFFF">
-                  <a:alpha val="0"/>
-                </a:srgbClr>
-              </a:clrTo>
-            </a:clrChange>
-            <a:extLst>
-              <a:ext uri="{28A0092B-C50C-407E-A947-70E740481C1C}">
-                <a14:useLocalDpi xmlns="" xmlns:a14="http://schemas.microsoft.com/office/drawing/2010/main" val="0"/>
-              </a:ext>
-            </a:extLst>
-          </a:blip>
-          <a:srcRect t="7051"/>
-          <a:stretch/>
-        </p:blipFill>
-        <p:spPr>
-          <a:xfrm>
-            <a:off x="432000" y="2274159"/>
-            <a:ext cx="8280000" cy="3363644"/>
-          </a:xfrm>
-        </p:spPr>
-      </p:pic>
       <p:sp>
         <p:nvSpPr>
           <p:cNvPr id="7" name="Содержимое 2"/>
@@ -8773,66 +7033,7 @@
               <a:tabLst/>
               <a:defRPr/>
             </a:pPr>
-            <a:r>
-              <a:rPr kumimoji="0" lang="en-US" sz="1400" b="0" i="0" u="none" strike="noStrike" kern="1200" cap="none" spc="0" normalizeH="0" baseline="0" noProof="0" dirty="0" smtClean="0">
-                <a:ln>
-                  <a:noFill/>
-                </a:ln>
-                <a:solidFill>
-                  <a:srgbClr val="FF0000"/>
-                </a:solidFill>
-                <a:effectLst/>
-                <a:uLnTx/>
-                <a:uFillTx/>
-                <a:latin typeface="+mn-lt"/>
-                <a:ea typeface="+mn-ea"/>
-                <a:cs typeface="+mn-cs"/>
-              </a:rPr>
-              <a:t>[</a:t>
-            </a:r>
-            <a:r>
-              <a:rPr kumimoji="0" lang="ru-RU" sz="1400" b="0" i="0" u="none" strike="noStrike" kern="1200" cap="none" spc="0" normalizeH="0" baseline="0" noProof="0" dirty="0" smtClean="0">
-                <a:ln>
-                  <a:noFill/>
-                </a:ln>
-                <a:solidFill>
-                  <a:srgbClr val="FF0000"/>
-                </a:solidFill>
-                <a:effectLst/>
-                <a:uLnTx/>
-                <a:uFillTx/>
-                <a:latin typeface="+mn-lt"/>
-                <a:ea typeface="+mn-ea"/>
-                <a:cs typeface="+mn-cs"/>
-              </a:rPr>
-              <a:t>здесь может быть картинка, схема, график или иные материалы, на фоне которых </a:t>
-            </a:r>
-            <a:r>
-              <a:rPr lang="ru-RU" sz="1400" dirty="0" smtClean="0">
-                <a:solidFill>
-                  <a:srgbClr val="FF0000"/>
-                </a:solidFill>
-              </a:rPr>
-              <a:t>можно будет пояснить, что реализация программного продукта в рамках вашей темы значима и актуальна для определенной группы пользователей</a:t>
-            </a:r>
-            <a:r>
-              <a:rPr kumimoji="0" lang="en-US" sz="1400" b="0" i="0" u="none" strike="noStrike" kern="1200" cap="none" spc="0" normalizeH="0" baseline="0" noProof="0" dirty="0" smtClean="0">
-                <a:ln>
-                  <a:noFill/>
-                </a:ln>
-                <a:solidFill>
-                  <a:srgbClr val="FF0000"/>
-                </a:solidFill>
-                <a:effectLst/>
-                <a:uLnTx/>
-                <a:uFillTx/>
-                <a:latin typeface="+mn-lt"/>
-                <a:ea typeface="+mn-ea"/>
-                <a:cs typeface="+mn-cs"/>
-              </a:rPr>
-              <a:t>]</a:t>
-            </a:r>
-            <a:endParaRPr kumimoji="0" lang="ru-RU" sz="1400" b="0" i="0" u="none" strike="noStrike" kern="1200" cap="none" spc="0" normalizeH="0" baseline="0" noProof="0" dirty="0" smtClean="0">
+            <a:endParaRPr kumimoji="0" lang="ru-RU" sz="1400" b="0" i="0" u="none" strike="noStrike" kern="1200" cap="none" spc="0" normalizeH="0" baseline="0" noProof="0" dirty="0">
               <a:ln>
                 <a:noFill/>
               </a:ln>
@@ -8849,6 +7050,41 @@
           </a:p>
         </p:txBody>
       </p:sp>
+      <p:pic>
+        <p:nvPicPr>
+          <p:cNvPr id="9" name="Объект 8">
+            <a:extLst>
+              <a:ext uri="{FF2B5EF4-FFF2-40B4-BE49-F238E27FC236}">
+                <a16:creationId xmlns:a16="http://schemas.microsoft.com/office/drawing/2014/main" id="{E9CA94E8-281B-785A-7D4B-F4118188001C}"/>
+              </a:ext>
+            </a:extLst>
+          </p:cNvPr>
+          <p:cNvPicPr>
+            <a:picLocks noGrp="1" noChangeAspect="1"/>
+          </p:cNvPicPr>
+          <p:nvPr>
+            <p:ph idx="1"/>
+          </p:nvPr>
+        </p:nvPicPr>
+        <p:blipFill>
+          <a:blip r:embed="rId3">
+            <a:extLst>
+              <a:ext uri="{28A0092B-C50C-407E-A947-70E740481C1C}">
+                <a14:useLocalDpi xmlns:a14="http://schemas.microsoft.com/office/drawing/2010/main" val="0"/>
+              </a:ext>
+            </a:extLst>
+          </a:blip>
+          <a:stretch>
+            <a:fillRect/>
+          </a:stretch>
+        </p:blipFill>
+        <p:spPr>
+          <a:xfrm>
+            <a:off x="457200" y="1873654"/>
+            <a:ext cx="8229600" cy="3979054"/>
+          </a:xfrm>
+        </p:spPr>
+      </p:pic>
     </p:spTree>
   </p:cSld>
   <p:clrMapOvr>
@@ -8891,18 +7127,9 @@
           <a:p>
             <a:pPr algn="l"/>
             <a:r>
-              <a:rPr lang="ru-RU" dirty="0" smtClean="0"/>
-              <a:t>Цель и задачи</a:t>
-            </a:r>
-            <a:r>
               <a:rPr lang="ru-RU" dirty="0"/>
-              <a:t> </a:t>
-            </a:r>
-            <a:r>
-              <a:rPr lang="ru-RU" dirty="0" smtClean="0"/>
-              <a:t>работы</a:t>
-            </a:r>
-            <a:endParaRPr lang="ru-RU" dirty="0"/>
+              <a:t>Цель и задачи работы</a:t>
+            </a:r>
           </a:p>
         </p:txBody>
       </p:sp>
@@ -8919,147 +7146,145 @@
         <p:spPr/>
         <p:txBody>
           <a:bodyPr>
-            <a:normAutofit fontScale="77500" lnSpcReduction="20000"/>
+            <a:normAutofit fontScale="70000" lnSpcReduction="20000"/>
           </a:bodyPr>
           <a:lstStyle/>
+          <a:p>
+            <a:pPr marL="893763" lvl="0" indent="-893763" algn="l" rtl="0">
+              <a:lnSpc>
+                <a:spcPct val="100000"/>
+              </a:lnSpc>
+              <a:spcBef>
+                <a:spcPts val="0"/>
+              </a:spcBef>
+              <a:spcAft>
+                <a:spcPts val="0"/>
+              </a:spcAft>
+              <a:buClr>
+                <a:schemeClr val="dk1"/>
+              </a:buClr>
+              <a:buSzPct val="100000"/>
+              <a:buNone/>
+            </a:pPr>
+            <a:r>
+              <a:rPr lang="ru-RU" b="1" dirty="0"/>
+              <a:t>Цель:</a:t>
+            </a:r>
+            <a:r>
+              <a:rPr lang="en-US" dirty="0"/>
+              <a:t>	</a:t>
+            </a:r>
+            <a:r>
+              <a:rPr lang="ru-RU" dirty="0"/>
+              <a:t>разработать и внедрить веб-сервис для мониторинга и визуализации данных о микроклимате и экологии территории, обеспечивая пользователей возможность загрузки, хранения и анализа данных с аппаратного комплекса.</a:t>
+            </a:r>
+          </a:p>
           <a:p>
             <a:pPr marL="893763" indent="-893763">
               <a:buNone/>
             </a:pPr>
-            <a:r>
-              <a:rPr lang="ru-RU" b="1" dirty="0" smtClean="0"/>
-              <a:t>Цель:</a:t>
-            </a:r>
-            <a:r>
-              <a:rPr lang="en-US" dirty="0" smtClean="0"/>
-              <a:t>	</a:t>
-            </a:r>
-            <a:r>
-              <a:rPr lang="ru-RU" dirty="0" smtClean="0">
-                <a:solidFill>
-                  <a:srgbClr val="FF0000"/>
-                </a:solidFill>
-              </a:rPr>
-              <a:t>разработать сайт предварительного резервирования мест в кафе для сокращения затрат времени посетителей на бронирование</a:t>
-            </a:r>
-            <a:r>
-              <a:rPr lang="en-US" dirty="0" smtClean="0"/>
-              <a:t>.</a:t>
-            </a:r>
-          </a:p>
-          <a:p>
-            <a:pPr marL="893763" indent="-893763">
-              <a:buNone/>
-            </a:pPr>
-            <a:endParaRPr lang="ru-RU" dirty="0" smtClean="0"/>
+            <a:endParaRPr lang="ru-RU" dirty="0"/>
           </a:p>
           <a:p>
             <a:pPr>
               <a:buNone/>
             </a:pPr>
             <a:r>
-              <a:rPr lang="ru-RU" b="1" dirty="0" smtClean="0"/>
+              <a:rPr lang="ru-RU" b="1" dirty="0"/>
               <a:t>Задачи:</a:t>
             </a:r>
           </a:p>
           <a:p>
-            <a:pPr marL="893763" indent="-514350">
-              <a:buFont typeface="+mj-lt"/>
+            <a:pPr marL="893763" lvl="0" indent="-499110" algn="l" rtl="0">
+              <a:lnSpc>
+                <a:spcPct val="100000"/>
+              </a:lnSpc>
+              <a:spcBef>
+                <a:spcPts val="496"/>
+              </a:spcBef>
+              <a:spcAft>
+                <a:spcPts val="0"/>
+              </a:spcAft>
+              <a:buClr>
+                <a:schemeClr val="dk1"/>
+              </a:buClr>
+              <a:buSzPct val="100000"/>
+              <a:buFont typeface="Calibri"/>
               <a:buAutoNum type="arabicPeriod"/>
             </a:pPr>
             <a:r>
-              <a:rPr lang="ru-RU" dirty="0" smtClean="0"/>
-              <a:t>Изучение подходов к </a:t>
-            </a:r>
-            <a:r>
-              <a:rPr lang="ru-RU" dirty="0" smtClean="0">
-                <a:solidFill>
-                  <a:srgbClr val="FF0000"/>
-                </a:solidFill>
-              </a:rPr>
-              <a:t>организации бронирования столиков в ресторанах</a:t>
-            </a:r>
-            <a:r>
-              <a:rPr lang="ru-RU" dirty="0" smtClean="0"/>
-              <a:t>.</a:t>
-            </a:r>
-          </a:p>
-          <a:p>
-            <a:pPr marL="893763" indent="-514350">
-              <a:buFont typeface="+mj-lt"/>
+              <a:rPr lang="ru-RU" dirty="0"/>
+              <a:t>Изучение подходов к мониторингу микроклимата и экологии территории.</a:t>
+            </a:r>
+          </a:p>
+          <a:p>
+            <a:pPr marL="893762" lvl="0" indent="-499110" algn="l" rtl="0">
+              <a:lnSpc>
+                <a:spcPct val="100000"/>
+              </a:lnSpc>
+              <a:spcBef>
+                <a:spcPts val="496"/>
+              </a:spcBef>
+              <a:spcAft>
+                <a:spcPts val="0"/>
+              </a:spcAft>
+              <a:buClr>
+                <a:schemeClr val="dk1"/>
+              </a:buClr>
+              <a:buSzPct val="100000"/>
+              <a:buFont typeface="Calibri"/>
               <a:buAutoNum type="arabicPeriod"/>
             </a:pPr>
             <a:r>
-              <a:rPr lang="ru-RU" dirty="0" smtClean="0"/>
-              <a:t>Анализ существующих систем для </a:t>
-            </a:r>
-            <a:r>
-              <a:rPr lang="ru-RU" dirty="0" smtClean="0">
-                <a:solidFill>
-                  <a:srgbClr val="FF0000"/>
-                </a:solidFill>
-              </a:rPr>
-              <a:t>бронирования мест в ресторанах</a:t>
-            </a:r>
-            <a:r>
-              <a:rPr lang="ru-RU" dirty="0" smtClean="0"/>
-              <a:t>.</a:t>
-            </a:r>
-          </a:p>
-          <a:p>
-            <a:pPr marL="893763" indent="-514350">
-              <a:buFont typeface="+mj-lt"/>
+              <a:rPr lang="ru-RU" dirty="0"/>
+              <a:t>Анализ существующих систем аналогов.</a:t>
+            </a:r>
+          </a:p>
+          <a:p>
+            <a:pPr marL="893762" lvl="0" indent="-499110" algn="l" rtl="0">
+              <a:lnSpc>
+                <a:spcPct val="100000"/>
+              </a:lnSpc>
+              <a:spcBef>
+                <a:spcPts val="496"/>
+              </a:spcBef>
+              <a:spcAft>
+                <a:spcPts val="0"/>
+              </a:spcAft>
+              <a:buClr>
+                <a:schemeClr val="dk1"/>
+              </a:buClr>
+              <a:buSzPct val="100000"/>
+              <a:buFont typeface="Calibri"/>
               <a:buAutoNum type="arabicPeriod"/>
             </a:pPr>
             <a:r>
-              <a:rPr lang="ru-RU" dirty="0" smtClean="0"/>
-              <a:t>Проектирование </a:t>
-            </a:r>
-            <a:r>
-              <a:rPr lang="ru-RU" dirty="0" smtClean="0">
-                <a:solidFill>
-                  <a:srgbClr val="FF0000"/>
-                </a:solidFill>
-              </a:rPr>
-              <a:t>сервиса резервирования мест</a:t>
-            </a:r>
-            <a:r>
-              <a:rPr lang="ru-RU" dirty="0" smtClean="0"/>
-              <a:t>.</a:t>
-            </a:r>
-          </a:p>
-          <a:p>
-            <a:pPr marL="893763" indent="-514350">
-              <a:buFont typeface="+mj-lt"/>
+              <a:rPr lang="ru-RU" dirty="0"/>
+              <a:t>Проектирование сервиса мониторинга микроклимата.</a:t>
+            </a:r>
+          </a:p>
+          <a:p>
+            <a:pPr marL="893763" lvl="0" indent="-499110" algn="l" rtl="0">
+              <a:lnSpc>
+                <a:spcPct val="100000"/>
+              </a:lnSpc>
+              <a:spcBef>
+                <a:spcPts val="496"/>
+              </a:spcBef>
+              <a:spcAft>
+                <a:spcPts val="0"/>
+              </a:spcAft>
+              <a:buClr>
+                <a:schemeClr val="dk1"/>
+              </a:buClr>
+              <a:buSzPct val="100000"/>
+              <a:buFont typeface="Calibri"/>
               <a:buAutoNum type="arabicPeriod"/>
             </a:pPr>
             <a:r>
-              <a:rPr lang="ru-RU" dirty="0" smtClean="0"/>
-              <a:t>Разработка и тестирование </a:t>
-            </a:r>
-            <a:r>
-              <a:rPr lang="ru-RU" dirty="0" err="1" smtClean="0">
-                <a:solidFill>
-                  <a:srgbClr val="FF0000"/>
-                </a:solidFill>
-              </a:rPr>
-              <a:t>веб-сайта</a:t>
-            </a:r>
-            <a:r>
-              <a:rPr lang="ru-RU" dirty="0" smtClean="0">
-                <a:solidFill>
-                  <a:srgbClr val="FF0000"/>
-                </a:solidFill>
-              </a:rPr>
-              <a:t> предварительного резервирования мест в кафе</a:t>
-            </a:r>
-            <a:r>
-              <a:rPr lang="ru-RU" dirty="0" smtClean="0"/>
-              <a:t>.</a:t>
-            </a:r>
-          </a:p>
-          <a:p>
-            <a:endParaRPr lang="ru-RU" dirty="0"/>
+              <a:rPr lang="ru-RU" dirty="0"/>
+              <a:t>Разработка и тестирование веб-сервиса мониторинга микроклимата и экологии территории.</a:t>
+            </a:r>
           </a:p>
         </p:txBody>
       </p:sp>
@@ -9142,10 +7367,9 @@
           <a:p>
             <a:pPr algn="l"/>
             <a:r>
-              <a:rPr lang="ru-RU" dirty="0" smtClean="0"/>
+              <a:rPr lang="ru-RU" dirty="0"/>
               <a:t>Существующий процесс</a:t>
             </a:r>
-            <a:endParaRPr lang="ru-RU" dirty="0"/>
           </a:p>
         </p:txBody>
       </p:sp>
@@ -9188,100 +7412,40 @@
       </p:sp>
       <p:pic>
         <p:nvPicPr>
-          <p:cNvPr id="7" name="Picture 2" descr="C:\Users\Testinghall\Desktop\полигон_главна\Сессия+ диплом\диплом\as is.png"/>
+          <p:cNvPr id="10" name="Рисунок 9">
+            <a:extLst>
+              <a:ext uri="{FF2B5EF4-FFF2-40B4-BE49-F238E27FC236}">
+                <a16:creationId xmlns:a16="http://schemas.microsoft.com/office/drawing/2014/main" id="{A7500238-104D-EF9F-28BD-4BAEF3EB4BC8}"/>
+              </a:ext>
+            </a:extLst>
+          </p:cNvPr>
           <p:cNvPicPr>
-            <a:picLocks noChangeAspect="1" noChangeArrowheads="1"/>
+            <a:picLocks noChangeAspect="1"/>
           </p:cNvPicPr>
           <p:nvPr/>
         </p:nvPicPr>
-        <p:blipFill rotWithShape="1">
-          <a:blip r:embed="rId3" cstate="print">
+        <p:blipFill>
+          <a:blip r:embed="rId3">
             <a:extLst>
               <a:ext uri="{28A0092B-C50C-407E-A947-70E740481C1C}">
-                <a14:useLocalDpi xmlns="" xmlns:a14="http://schemas.microsoft.com/office/drawing/2010/main" val="0"/>
+                <a14:useLocalDpi xmlns:a14="http://schemas.microsoft.com/office/drawing/2010/main" val="0"/>
               </a:ext>
             </a:extLst>
           </a:blip>
-          <a:srcRect t="13126" r="33541" b="7223"/>
-          <a:stretch/>
+          <a:stretch>
+            <a:fillRect/>
+          </a:stretch>
         </p:blipFill>
-        <p:spPr bwMode="auto">
+        <p:spPr>
           <a:xfrm>
-            <a:off x="432000" y="1844824"/>
-            <a:ext cx="8280000" cy="3969373"/>
+            <a:off x="107504" y="1417638"/>
+            <a:ext cx="8928992" cy="3153103"/>
           </a:xfrm>
           <a:prstGeom prst="rect">
             <a:avLst/>
           </a:prstGeom>
-          <a:noFill/>
-          <a:extLst>
-            <a:ext uri="{909E8E84-426E-40DD-AFC4-6F175D3DCCD1}">
-              <a14:hiddenFill xmlns="" xmlns:a14="http://schemas.microsoft.com/office/drawing/2010/main">
-                <a:solidFill>
-                  <a:srgbClr val="FFFFFF"/>
-                </a:solidFill>
-              </a14:hiddenFill>
-            </a:ext>
-          </a:extLst>
         </p:spPr>
       </p:pic>
-      <p:sp>
-        <p:nvSpPr>
-          <p:cNvPr id="6" name="Содержимое 2"/>
-          <p:cNvSpPr>
-            <a:spLocks noGrp="1"/>
-          </p:cNvSpPr>
-          <p:nvPr>
-            <p:ph idx="1"/>
-          </p:nvPr>
-        </p:nvSpPr>
-        <p:spPr>
-          <a:xfrm>
-            <a:off x="457200" y="6064696"/>
-            <a:ext cx="8229600" cy="460648"/>
-          </a:xfrm>
-        </p:spPr>
-        <p:txBody>
-          <a:bodyPr>
-            <a:normAutofit fontScale="47500" lnSpcReduction="20000"/>
-          </a:bodyPr>
-          <a:lstStyle/>
-          <a:p>
-            <a:pPr>
-              <a:buNone/>
-            </a:pPr>
-            <a:r>
-              <a:rPr lang="en-US" dirty="0" smtClean="0">
-                <a:solidFill>
-                  <a:srgbClr val="FF0000"/>
-                </a:solidFill>
-              </a:rPr>
-              <a:t>[</a:t>
-            </a:r>
-            <a:r>
-              <a:rPr lang="ru-RU" dirty="0" smtClean="0">
-                <a:solidFill>
-                  <a:srgbClr val="FF0000"/>
-                </a:solidFill>
-              </a:rPr>
-              <a:t>это опциональный слайд, который составляется, если был исходный процесс, автоматизация/модернизация которого проводилась</a:t>
-            </a:r>
-            <a:r>
-              <a:rPr lang="en-US" dirty="0" smtClean="0">
-                <a:solidFill>
-                  <a:srgbClr val="FF0000"/>
-                </a:solidFill>
-              </a:rPr>
-              <a:t>]</a:t>
-            </a:r>
-            <a:endParaRPr lang="ru-RU" dirty="0" smtClean="0">
-              <a:solidFill>
-                <a:srgbClr val="FF0000"/>
-              </a:solidFill>
-            </a:endParaRPr>
-          </a:p>
-        </p:txBody>
-      </p:sp>
     </p:spTree>
   </p:cSld>
   <p:clrMapOvr>
@@ -9326,10 +7490,9 @@
           <a:p>
             <a:pPr algn="l"/>
             <a:r>
-              <a:rPr lang="ru-RU" sz="4000" dirty="0" smtClean="0"/>
+              <a:rPr lang="ru-RU" sz="4000" dirty="0"/>
               <a:t>Автоматизированный процесс</a:t>
             </a:r>
-            <a:endParaRPr lang="ru-RU" sz="4000" dirty="0"/>
           </a:p>
         </p:txBody>
       </p:sp>
@@ -9372,100 +7535,40 @@
       </p:sp>
       <p:pic>
         <p:nvPicPr>
-          <p:cNvPr id="6" name="Picture 2" descr="C:\Users\Testinghall\Desktop\полигон_главна\Сессия+ диплом\диплом\to do.png"/>
+          <p:cNvPr id="9" name="Рисунок 8">
+            <a:extLst>
+              <a:ext uri="{FF2B5EF4-FFF2-40B4-BE49-F238E27FC236}">
+                <a16:creationId xmlns:a16="http://schemas.microsoft.com/office/drawing/2014/main" id="{C6C59607-21A6-9790-26DA-185C1587921B}"/>
+              </a:ext>
+            </a:extLst>
+          </p:cNvPr>
           <p:cNvPicPr>
-            <a:picLocks noChangeAspect="1" noChangeArrowheads="1"/>
+            <a:picLocks noChangeAspect="1"/>
           </p:cNvPicPr>
           <p:nvPr/>
         </p:nvPicPr>
-        <p:blipFill rotWithShape="1">
-          <a:blip r:embed="rId3" cstate="print">
+        <p:blipFill>
+          <a:blip r:embed="rId3">
             <a:extLst>
               <a:ext uri="{28A0092B-C50C-407E-A947-70E740481C1C}">
-                <a14:useLocalDpi xmlns="" xmlns:a14="http://schemas.microsoft.com/office/drawing/2010/main" val="0"/>
+                <a14:useLocalDpi xmlns:a14="http://schemas.microsoft.com/office/drawing/2010/main" val="0"/>
               </a:ext>
             </a:extLst>
           </a:blip>
-          <a:srcRect t="5777" r="29534" b="5222"/>
-          <a:stretch/>
+          <a:stretch>
+            <a:fillRect/>
+          </a:stretch>
         </p:blipFill>
-        <p:spPr bwMode="auto">
+        <p:spPr>
           <a:xfrm>
-            <a:off x="432000" y="1772816"/>
-            <a:ext cx="8280000" cy="4183089"/>
+            <a:off x="107504" y="1269757"/>
+            <a:ext cx="8928992" cy="4318486"/>
           </a:xfrm>
           <a:prstGeom prst="rect">
             <a:avLst/>
           </a:prstGeom>
-          <a:noFill/>
-          <a:extLst>
-            <a:ext uri="{909E8E84-426E-40DD-AFC4-6F175D3DCCD1}">
-              <a14:hiddenFill xmlns="" xmlns:a14="http://schemas.microsoft.com/office/drawing/2010/main">
-                <a:solidFill>
-                  <a:srgbClr val="FFFFFF"/>
-                </a:solidFill>
-              </a14:hiddenFill>
-            </a:ext>
-          </a:extLst>
         </p:spPr>
       </p:pic>
-      <p:sp>
-        <p:nvSpPr>
-          <p:cNvPr id="7" name="Содержимое 2"/>
-          <p:cNvSpPr>
-            <a:spLocks noGrp="1"/>
-          </p:cNvSpPr>
-          <p:nvPr>
-            <p:ph idx="1"/>
-          </p:nvPr>
-        </p:nvSpPr>
-        <p:spPr>
-          <a:xfrm>
-            <a:off x="457200" y="6064696"/>
-            <a:ext cx="8229600" cy="460648"/>
-          </a:xfrm>
-        </p:spPr>
-        <p:txBody>
-          <a:bodyPr>
-            <a:normAutofit fontScale="47500" lnSpcReduction="20000"/>
-          </a:bodyPr>
-          <a:lstStyle/>
-          <a:p>
-            <a:pPr>
-              <a:buNone/>
-            </a:pPr>
-            <a:r>
-              <a:rPr lang="en-US" dirty="0" smtClean="0">
-                <a:solidFill>
-                  <a:srgbClr val="FF0000"/>
-                </a:solidFill>
-              </a:rPr>
-              <a:t>[</a:t>
-            </a:r>
-            <a:r>
-              <a:rPr lang="ru-RU" dirty="0" smtClean="0">
-                <a:solidFill>
-                  <a:srgbClr val="FF0000"/>
-                </a:solidFill>
-              </a:rPr>
-              <a:t>это опциональный слайд, который составляется, если по результатам разработки должен быть сформирован автоматизированный/модернизированный процесс</a:t>
-            </a:r>
-            <a:r>
-              <a:rPr lang="en-US" dirty="0" smtClean="0">
-                <a:solidFill>
-                  <a:srgbClr val="FF0000"/>
-                </a:solidFill>
-              </a:rPr>
-              <a:t>]</a:t>
-            </a:r>
-            <a:endParaRPr lang="ru-RU" dirty="0" smtClean="0">
-              <a:solidFill>
-                <a:srgbClr val="FF0000"/>
-              </a:solidFill>
-            </a:endParaRPr>
-          </a:p>
-        </p:txBody>
-      </p:sp>
     </p:spTree>
   </p:cSld>
   <p:clrMapOvr>
@@ -9510,10 +7613,9 @@
           <a:p>
             <a:pPr algn="l"/>
             <a:r>
-              <a:rPr lang="ru-RU" sz="3800" dirty="0" smtClean="0"/>
+              <a:rPr lang="ru-RU" sz="3800" dirty="0"/>
               <a:t>Анализ существующих решений</a:t>
             </a:r>
-            <a:endParaRPr lang="ru-RU" sz="3800" dirty="0"/>
           </a:p>
         </p:txBody>
       </p:sp>
@@ -9564,14 +7666,14 @@
             <p:ph idx="1"/>
             <p:extLst>
               <p:ext uri="{D42A27DB-BD31-4B8C-83A1-F6EECF244321}">
-                <p14:modId xmlns="" xmlns:p14="http://schemas.microsoft.com/office/powerpoint/2010/main" val="1134720040"/>
+                <p14:modId xmlns:p14="http://schemas.microsoft.com/office/powerpoint/2010/main" val="602936374"/>
               </p:ext>
             </p:extLst>
           </p:nvPr>
         </p:nvGraphicFramePr>
         <p:xfrm>
-          <a:off x="632108" y="1775193"/>
-          <a:ext cx="7920879" cy="4174087"/>
+          <a:off x="441685" y="1618742"/>
+          <a:ext cx="8229599" cy="4536504"/>
         </p:xfrm>
         <a:graphic>
           <a:graphicData uri="http://schemas.openxmlformats.org/drawingml/2006/table">
@@ -9580,36 +7682,36 @@
                 <a:tableStyleId>{5940675A-B579-460E-94D1-54222C63F5DA}</a:tableStyleId>
               </a:tblPr>
               <a:tblGrid>
-                <a:gridCol w="2040841">
+                <a:gridCol w="2120384">
                   <a:extLst>
                     <a:ext uri="{9D8B030D-6E8A-4147-A177-3AD203B41FA5}">
-                      <a16:colId xmlns="" xmlns:a16="http://schemas.microsoft.com/office/drawing/2014/main" val="20000"/>
+                      <a16:colId xmlns:a16="http://schemas.microsoft.com/office/drawing/2014/main" val="20000"/>
                     </a:ext>
                   </a:extLst>
                 </a:gridCol>
-                <a:gridCol w="1961391">
+                <a:gridCol w="2037837">
                   <a:extLst>
                     <a:ext uri="{9D8B030D-6E8A-4147-A177-3AD203B41FA5}">
-                      <a16:colId xmlns="" xmlns:a16="http://schemas.microsoft.com/office/drawing/2014/main" val="20001"/>
+                      <a16:colId xmlns:a16="http://schemas.microsoft.com/office/drawing/2014/main" val="20001"/>
                     </a:ext>
                   </a:extLst>
                 </a:gridCol>
-                <a:gridCol w="1958082">
+                <a:gridCol w="2034399">
                   <a:extLst>
                     <a:ext uri="{9D8B030D-6E8A-4147-A177-3AD203B41FA5}">
-                      <a16:colId xmlns="" xmlns:a16="http://schemas.microsoft.com/office/drawing/2014/main" val="20002"/>
+                      <a16:colId xmlns:a16="http://schemas.microsoft.com/office/drawing/2014/main" val="20002"/>
                     </a:ext>
                   </a:extLst>
                 </a:gridCol>
-                <a:gridCol w="1960565">
+                <a:gridCol w="2036979">
                   <a:extLst>
                     <a:ext uri="{9D8B030D-6E8A-4147-A177-3AD203B41FA5}">
-                      <a16:colId xmlns="" xmlns:a16="http://schemas.microsoft.com/office/drawing/2014/main" val="20003"/>
+                      <a16:colId xmlns:a16="http://schemas.microsoft.com/office/drawing/2014/main" val="20003"/>
                     </a:ext>
                   </a:extLst>
                 </a:gridCol>
               </a:tblGrid>
-              <a:tr h="336037">
+              <a:tr h="504056">
                 <a:tc>
                   <a:txBody>
                     <a:bodyPr/>
@@ -9624,7 +7726,7 @@
                         </a:spcAft>
                       </a:pPr>
                       <a:r>
-                        <a:rPr lang="ru-RU" sz="1300" b="1" dirty="0" err="1" smtClean="0">
+                        <a:rPr lang="ru-RU" sz="1300" b="1" dirty="0" err="1">
                           <a:effectLst/>
                           <a:latin typeface="Times New Roman" panose="02020603050405020304" pitchFamily="18" charset="0"/>
                           <a:cs typeface="Times New Roman" panose="02020603050405020304" pitchFamily="18" charset="0"/>
@@ -9656,13 +7758,14 @@
                         <a:buNone/>
                       </a:pPr>
                       <a:r>
-                        <a:rPr lang="en-US" sz="1300" b="1" i="0" u="none" strike="noStrike" noProof="0" dirty="0" smtClean="0">
+                        <a:rPr lang="en-US" sz="1300" b="1" i="0" u="none" strike="noStrike" noProof="0" dirty="0">
                           <a:solidFill>
                             <a:srgbClr val="000000"/>
                           </a:solidFill>
+                          <a:effectLst/>
                           <a:latin typeface="Times New Roman"/>
                         </a:rPr>
-                        <a:t>Local</a:t>
+                        <a:t>ArcGIS Online</a:t>
                       </a:r>
                       <a:endParaRPr lang="ru-RU" b="1" dirty="0" err="1">
                         <a:effectLst/>
@@ -9685,11 +7788,11 @@
                         </a:spcAft>
                       </a:pPr>
                       <a:r>
-                        <a:rPr lang="en-US" sz="1300" b="1" dirty="0" smtClean="0">
+                        <a:rPr lang="en-US" sz="1300" b="1" dirty="0" err="1">
                           <a:latin typeface="Times New Roman"/>
                           <a:cs typeface="Times New Roman"/>
                         </a:rPr>
-                        <a:t>Way</a:t>
+                        <a:t>SmartCitizen</a:t>
                       </a:r>
                       <a:endParaRPr lang="ru-RU" sz="1000" b="1" dirty="0" err="1">
                         <a:effectLst/>
@@ -9716,13 +7819,13 @@
                         <a:buNone/>
                       </a:pPr>
                       <a:r>
-                        <a:rPr lang="en-US" sz="1300" b="1" i="0" u="none" strike="noStrike" noProof="0" dirty="0">
+                        <a:rPr lang="ru-RU" sz="1300" b="1" i="0" u="none" strike="noStrike" noProof="0" dirty="0" err="1">
                           <a:solidFill>
                             <a:srgbClr val="000000"/>
                           </a:solidFill>
                           <a:latin typeface="Times New Roman"/>
                         </a:rPr>
-                        <a:t>Gettable</a:t>
+                        <a:t>ЭкоАтлас</a:t>
                       </a:r>
                       <a:endParaRPr lang="en-US" sz="1300" b="1" dirty="0" err="1">
                         <a:effectLst/>
@@ -9735,11 +7838,11 @@
                 </a:tc>
                 <a:extLst>
                   <a:ext uri="{0D108BD9-81ED-4DB2-BD59-A6C34878D82A}">
-                    <a16:rowId xmlns="" xmlns:a16="http://schemas.microsoft.com/office/drawing/2014/main" val="10000"/>
+                    <a16:rowId xmlns:a16="http://schemas.microsoft.com/office/drawing/2014/main" val="10000"/>
                   </a:ext>
                 </a:extLst>
               </a:tr>
-              <a:tr h="1029738">
+              <a:tr h="576064">
                 <a:tc>
                   <a:txBody>
                     <a:bodyPr/>
@@ -9761,7 +7864,7 @@
                           </a:solidFill>
                           <a:latin typeface="Times New Roman"/>
                         </a:rPr>
-                        <a:t>Система отзывов с верификацией пользователя</a:t>
+                        <a:t>Интерфейс пользователя</a:t>
                       </a:r>
                       <a:endParaRPr lang="ru-RU" b="1" dirty="0">
                         <a:effectLst/>
@@ -9785,16 +7888,17 @@
                         <a:buNone/>
                       </a:pPr>
                       <a:r>
-                        <a:rPr lang="ru-RU" sz="1600" b="0" i="0" u="none" strike="noStrike" noProof="0" dirty="0">
-                          <a:solidFill>
-                            <a:srgbClr val="000000"/>
-                          </a:solidFill>
-                          <a:latin typeface="Times New Roman"/>
+                        <a:rPr lang="en-US" sz="2000" b="1" dirty="0">
+                          <a:effectLst/>
+                          <a:latin typeface="Times New Roman" panose="02020603050405020304" pitchFamily="18" charset="0"/>
+                          <a:cs typeface="Times New Roman" panose="02020603050405020304" pitchFamily="18" charset="0"/>
                         </a:rPr>
-                        <a:t>Нет</a:t>
+                        <a:t>+</a:t>
                       </a:r>
-                      <a:endParaRPr lang="ru-RU" sz="2400" dirty="0">
+                      <a:endParaRPr lang="ru-RU" sz="2000" b="1" dirty="0">
                         <a:effectLst/>
+                        <a:latin typeface="Times New Roman" panose="02020603050405020304" pitchFamily="18" charset="0"/>
+                        <a:cs typeface="Times New Roman" panose="02020603050405020304" pitchFamily="18" charset="0"/>
                       </a:endParaRPr>
                     </a:p>
                   </a:txBody>
@@ -9815,16 +7919,17 @@
                         <a:buNone/>
                       </a:pPr>
                       <a:r>
-                        <a:rPr lang="ru-RU" sz="1600" b="0" i="0" u="none" strike="noStrike" noProof="0" dirty="0">
-                          <a:solidFill>
-                            <a:srgbClr val="000000"/>
-                          </a:solidFill>
-                          <a:latin typeface="Times New Roman"/>
+                        <a:rPr lang="en-US" sz="2000" b="1" dirty="0">
+                          <a:effectLst/>
+                          <a:latin typeface="Times New Roman" panose="02020603050405020304" pitchFamily="18" charset="0"/>
+                          <a:cs typeface="Times New Roman" panose="02020603050405020304" pitchFamily="18" charset="0"/>
                         </a:rPr>
-                        <a:t>Да</a:t>
+                        <a:t>+</a:t>
                       </a:r>
-                      <a:endParaRPr lang="ru-RU" sz="2400" dirty="0">
+                      <a:endParaRPr lang="ru-RU" sz="2000" b="1" dirty="0">
                         <a:effectLst/>
+                        <a:latin typeface="Times New Roman" panose="02020603050405020304" pitchFamily="18" charset="0"/>
+                        <a:cs typeface="Times New Roman" panose="02020603050405020304" pitchFamily="18" charset="0"/>
                       </a:endParaRPr>
                     </a:p>
                   </a:txBody>
@@ -9845,16 +7950,17 @@
                         <a:buNone/>
                       </a:pPr>
                       <a:r>
-                        <a:rPr lang="ru-RU" sz="1600" b="0" i="0" u="none" strike="noStrike" noProof="0" dirty="0">
-                          <a:solidFill>
-                            <a:srgbClr val="000000"/>
-                          </a:solidFill>
-                          <a:latin typeface="Times New Roman"/>
+                        <a:rPr lang="en-US" sz="2000" b="1" dirty="0">
+                          <a:effectLst/>
+                          <a:latin typeface="Times New Roman" panose="02020603050405020304" pitchFamily="18" charset="0"/>
+                          <a:cs typeface="Times New Roman" panose="02020603050405020304" pitchFamily="18" charset="0"/>
                         </a:rPr>
-                        <a:t>Нет</a:t>
+                        <a:t>+</a:t>
                       </a:r>
-                      <a:endParaRPr lang="ru-RU" sz="2400" dirty="0">
+                      <a:endParaRPr lang="ru-RU" sz="2000" b="1" dirty="0">
                         <a:effectLst/>
+                        <a:latin typeface="Times New Roman" panose="02020603050405020304" pitchFamily="18" charset="0"/>
+                        <a:cs typeface="Times New Roman" panose="02020603050405020304" pitchFamily="18" charset="0"/>
                       </a:endParaRPr>
                     </a:p>
                   </a:txBody>
@@ -9862,11 +7968,11 @@
                 </a:tc>
                 <a:extLst>
                   <a:ext uri="{0D108BD9-81ED-4DB2-BD59-A6C34878D82A}">
-                    <a16:rowId xmlns="" xmlns:a16="http://schemas.microsoft.com/office/drawing/2014/main" val="10001"/>
+                    <a16:rowId xmlns:a16="http://schemas.microsoft.com/office/drawing/2014/main" val="10001"/>
                   </a:ext>
                 </a:extLst>
               </a:tr>
-              <a:tr h="792088">
+              <a:tr h="432048">
                 <a:tc>
                   <a:txBody>
                     <a:bodyPr/>
@@ -9888,7 +7994,7 @@
                           </a:solidFill>
                           <a:latin typeface="Times New Roman"/>
                         </a:rPr>
-                        <a:t>Автоматизированное бронирование</a:t>
+                        <a:t>Аналитические возможности</a:t>
                       </a:r>
                       <a:endParaRPr lang="ru-RU" b="1" dirty="0">
                         <a:effectLst/>
@@ -9912,16 +8018,17 @@
                         <a:buNone/>
                       </a:pPr>
                       <a:r>
-                        <a:rPr lang="ru-RU" sz="1600" b="0" i="0" u="none" strike="noStrike" noProof="0" dirty="0">
-                          <a:solidFill>
-                            <a:srgbClr val="000000"/>
-                          </a:solidFill>
-                          <a:latin typeface="Times New Roman"/>
+                        <a:rPr lang="en-US" sz="2000" b="1" dirty="0">
+                          <a:effectLst/>
+                          <a:latin typeface="Times New Roman" panose="02020603050405020304" pitchFamily="18" charset="0"/>
+                          <a:cs typeface="Times New Roman" panose="02020603050405020304" pitchFamily="18" charset="0"/>
                         </a:rPr>
-                        <a:t>Нет</a:t>
+                        <a:t>+</a:t>
                       </a:r>
-                      <a:endParaRPr lang="ru-RU" sz="2400" dirty="0">
+                      <a:endParaRPr lang="ru-RU" sz="2000" b="1" dirty="0">
                         <a:effectLst/>
+                        <a:latin typeface="Times New Roman" panose="02020603050405020304" pitchFamily="18" charset="0"/>
+                        <a:cs typeface="Times New Roman" panose="02020603050405020304" pitchFamily="18" charset="0"/>
                       </a:endParaRPr>
                     </a:p>
                   </a:txBody>
@@ -9942,16 +8049,17 @@
                         <a:buNone/>
                       </a:pPr>
                       <a:r>
-                        <a:rPr lang="ru-RU" sz="1600" b="0" i="0" u="none" strike="noStrike" noProof="0" dirty="0">
-                          <a:solidFill>
-                            <a:srgbClr val="000000"/>
-                          </a:solidFill>
-                          <a:latin typeface="Times New Roman"/>
+                        <a:rPr lang="en-US" sz="2400" b="1" dirty="0">
+                          <a:effectLst/>
+                          <a:latin typeface="Times New Roman" panose="02020603050405020304" pitchFamily="18" charset="0"/>
+                          <a:cs typeface="Times New Roman" panose="02020603050405020304" pitchFamily="18" charset="0"/>
                         </a:rPr>
-                        <a:t>Нет</a:t>
+                        <a:t>-</a:t>
                       </a:r>
-                      <a:endParaRPr lang="ru-RU" sz="2400" dirty="0">
+                      <a:endParaRPr lang="ru-RU" sz="2400" b="1" dirty="0">
                         <a:effectLst/>
+                        <a:latin typeface="Times New Roman" panose="02020603050405020304" pitchFamily="18" charset="0"/>
+                        <a:cs typeface="Times New Roman" panose="02020603050405020304" pitchFamily="18" charset="0"/>
                       </a:endParaRPr>
                     </a:p>
                   </a:txBody>
@@ -9972,16 +8080,17 @@
                         <a:buNone/>
                       </a:pPr>
                       <a:r>
-                        <a:rPr lang="ru-RU" sz="1600" b="0" i="0" u="none" strike="noStrike" noProof="0" dirty="0">
-                          <a:solidFill>
-                            <a:srgbClr val="000000"/>
-                          </a:solidFill>
-                          <a:latin typeface="Times New Roman"/>
+                        <a:rPr lang="en-US" sz="2000" b="1" dirty="0">
+                          <a:effectLst/>
+                          <a:latin typeface="Times New Roman" panose="02020603050405020304" pitchFamily="18" charset="0"/>
+                          <a:cs typeface="Times New Roman" panose="02020603050405020304" pitchFamily="18" charset="0"/>
                         </a:rPr>
-                        <a:t>Да</a:t>
+                        <a:t>+</a:t>
                       </a:r>
-                      <a:endParaRPr lang="ru-RU" sz="2400" dirty="0">
+                      <a:endParaRPr lang="ru-RU" sz="2000" b="1" dirty="0">
                         <a:effectLst/>
+                        <a:latin typeface="Times New Roman" panose="02020603050405020304" pitchFamily="18" charset="0"/>
+                        <a:cs typeface="Times New Roman" panose="02020603050405020304" pitchFamily="18" charset="0"/>
                       </a:endParaRPr>
                     </a:p>
                   </a:txBody>
@@ -9989,11 +8098,11 @@
                 </a:tc>
                 <a:extLst>
                   <a:ext uri="{0D108BD9-81ED-4DB2-BD59-A6C34878D82A}">
-                    <a16:rowId xmlns="" xmlns:a16="http://schemas.microsoft.com/office/drawing/2014/main" val="10002"/>
+                    <a16:rowId xmlns:a16="http://schemas.microsoft.com/office/drawing/2014/main" val="10002"/>
                   </a:ext>
                 </a:extLst>
               </a:tr>
-              <a:tr h="1008112">
+              <a:tr h="589581">
                 <a:tc>
                   <a:txBody>
                     <a:bodyPr/>
@@ -10009,67 +8118,13 @@
                         <a:buNone/>
                       </a:pPr>
                       <a:r>
-                        <a:rPr lang="en-US" sz="1300" b="1" i="0" u="none" strike="noStrike" baseline="0" noProof="0" dirty="0" err="1">
+                        <a:rPr lang="ru-RU" sz="1300" b="1" i="0" u="none" strike="noStrike" baseline="0" noProof="0" dirty="0">
                           <a:solidFill>
                             <a:srgbClr val="000000"/>
                           </a:solidFill>
                           <a:latin typeface="Times New Roman"/>
                         </a:rPr>
-                        <a:t>Валидация</a:t>
-                      </a:r>
-                      <a:r>
-                        <a:rPr lang="en-US" sz="1300" b="1" i="0" u="none" strike="noStrike" baseline="0" noProof="0" dirty="0">
-                          <a:solidFill>
-                            <a:srgbClr val="000000"/>
-                          </a:solidFill>
-                          <a:latin typeface="Times New Roman"/>
-                        </a:rPr>
-                        <a:t> </a:t>
-                      </a:r>
-                      <a:r>
-                        <a:rPr lang="en-US" sz="1300" b="1" i="0" u="none" strike="noStrike" baseline="0" noProof="0" dirty="0" err="1">
-                          <a:solidFill>
-                            <a:srgbClr val="000000"/>
-                          </a:solidFill>
-                          <a:latin typeface="Times New Roman"/>
-                        </a:rPr>
-                        <a:t>места</a:t>
-                      </a:r>
-                      <a:r>
-                        <a:rPr lang="en-US" sz="1300" b="1" i="0" u="none" strike="noStrike" baseline="0" noProof="0" dirty="0">
-                          <a:solidFill>
-                            <a:srgbClr val="000000"/>
-                          </a:solidFill>
-                          <a:latin typeface="Times New Roman"/>
-                        </a:rPr>
-                        <a:t> и </a:t>
-                      </a:r>
-                      <a:r>
-                        <a:rPr lang="en-US" sz="1300" b="1" i="0" u="none" strike="noStrike" baseline="0" noProof="0" dirty="0" err="1">
-                          <a:solidFill>
-                            <a:srgbClr val="000000"/>
-                          </a:solidFill>
-                          <a:latin typeface="Times New Roman"/>
-                        </a:rPr>
-                        <a:t>времени</a:t>
-                      </a:r>
-                      <a:r>
-                        <a:rPr lang="en-US" sz="1300" b="1" i="0" u="none" strike="noStrike" baseline="0" noProof="0" dirty="0">
-                          <a:solidFill>
-                            <a:srgbClr val="000000"/>
-                          </a:solidFill>
-                          <a:latin typeface="Times New Roman"/>
-                        </a:rPr>
-                        <a:t> </a:t>
-                      </a:r>
-                      <a:r>
-                        <a:rPr lang="en-US" sz="1300" b="1" i="0" u="none" strike="noStrike" baseline="0" noProof="0" dirty="0" err="1">
-                          <a:solidFill>
-                            <a:srgbClr val="000000"/>
-                          </a:solidFill>
-                          <a:latin typeface="Times New Roman"/>
-                        </a:rPr>
-                        <a:t>бронирования</a:t>
+                        <a:t>Возможность интеграции</a:t>
                       </a:r>
                       <a:endParaRPr lang="ru-RU" b="1" dirty="0" err="1">
                         <a:effectLst/>
@@ -10093,16 +8148,17 @@
                         <a:buNone/>
                       </a:pPr>
                       <a:r>
-                        <a:rPr lang="en-US" sz="1600" b="0" i="0" u="none" strike="noStrike" noProof="0" dirty="0" err="1">
-                          <a:solidFill>
-                            <a:srgbClr val="000000"/>
-                          </a:solidFill>
-                          <a:latin typeface="Times New Roman"/>
+                        <a:rPr lang="en-US" sz="2000" b="1" dirty="0">
+                          <a:effectLst/>
+                          <a:latin typeface="Times New Roman" panose="02020603050405020304" pitchFamily="18" charset="0"/>
+                          <a:cs typeface="Times New Roman" panose="02020603050405020304" pitchFamily="18" charset="0"/>
                         </a:rPr>
-                        <a:t>Нет</a:t>
+                        <a:t>+</a:t>
                       </a:r>
-                      <a:endParaRPr lang="ru-RU" sz="2400" dirty="0" err="1">
+                      <a:endParaRPr lang="ru-RU" sz="2000" b="1" dirty="0" err="1">
                         <a:effectLst/>
+                        <a:latin typeface="Times New Roman" panose="02020603050405020304" pitchFamily="18" charset="0"/>
+                        <a:cs typeface="Times New Roman" panose="02020603050405020304" pitchFamily="18" charset="0"/>
                       </a:endParaRPr>
                     </a:p>
                   </a:txBody>
@@ -10123,16 +8179,17 @@
                         <a:buNone/>
                       </a:pPr>
                       <a:r>
-                        <a:rPr lang="en-US" sz="1600" b="0" i="0" u="none" strike="noStrike" noProof="0" dirty="0" err="1">
-                          <a:solidFill>
-                            <a:srgbClr val="000000"/>
-                          </a:solidFill>
-                          <a:latin typeface="Times New Roman"/>
+                        <a:rPr lang="en-US" sz="2400" b="1" dirty="0">
+                          <a:effectLst/>
+                          <a:latin typeface="Times New Roman" panose="02020603050405020304" pitchFamily="18" charset="0"/>
+                          <a:cs typeface="Times New Roman" panose="02020603050405020304" pitchFamily="18" charset="0"/>
                         </a:rPr>
-                        <a:t>Нет</a:t>
+                        <a:t>-</a:t>
                       </a:r>
-                      <a:endParaRPr lang="ru-RU" sz="2400" dirty="0" err="1">
+                      <a:endParaRPr lang="ru-RU" sz="2400" b="1" dirty="0" err="1">
                         <a:effectLst/>
+                        <a:latin typeface="Times New Roman" panose="02020603050405020304" pitchFamily="18" charset="0"/>
+                        <a:cs typeface="Times New Roman" panose="02020603050405020304" pitchFamily="18" charset="0"/>
                       </a:endParaRPr>
                     </a:p>
                   </a:txBody>
@@ -10153,16 +8210,17 @@
                         <a:buNone/>
                       </a:pPr>
                       <a:r>
-                        <a:rPr lang="en-US" sz="1600" b="0" i="0" u="none" strike="noStrike" noProof="0" dirty="0" err="1">
-                          <a:solidFill>
-                            <a:srgbClr val="000000"/>
-                          </a:solidFill>
-                          <a:latin typeface="Times New Roman"/>
+                        <a:rPr lang="en-US" sz="2000" b="1" dirty="0">
+                          <a:effectLst/>
+                          <a:latin typeface="Times New Roman" panose="02020603050405020304" pitchFamily="18" charset="0"/>
+                          <a:cs typeface="Times New Roman" panose="02020603050405020304" pitchFamily="18" charset="0"/>
                         </a:rPr>
-                        <a:t>Нет</a:t>
+                        <a:t>+</a:t>
                       </a:r>
-                      <a:endParaRPr lang="ru-RU" sz="2400" dirty="0" err="1">
+                      <a:endParaRPr lang="ru-RU" sz="2000" b="1" dirty="0" err="1">
                         <a:effectLst/>
+                        <a:latin typeface="Times New Roman" panose="02020603050405020304" pitchFamily="18" charset="0"/>
+                        <a:cs typeface="Times New Roman" panose="02020603050405020304" pitchFamily="18" charset="0"/>
                       </a:endParaRPr>
                     </a:p>
                   </a:txBody>
@@ -10170,11 +8228,11 @@
                 </a:tc>
                 <a:extLst>
                   <a:ext uri="{0D108BD9-81ED-4DB2-BD59-A6C34878D82A}">
-                    <a16:rowId xmlns="" xmlns:a16="http://schemas.microsoft.com/office/drawing/2014/main" val="10003"/>
+                    <a16:rowId xmlns:a16="http://schemas.microsoft.com/office/drawing/2014/main" val="10003"/>
                   </a:ext>
                 </a:extLst>
               </a:tr>
-              <a:tr h="1008112">
+              <a:tr h="576064">
                 <a:tc>
                   <a:txBody>
                     <a:bodyPr/>
@@ -10196,7 +8254,7 @@
                           </a:solidFill>
                           <a:latin typeface="Times New Roman"/>
                         </a:rPr>
-                        <a:t>Меню блюд для ознакомления</a:t>
+                        <a:t>Количественные показатели данных</a:t>
                       </a:r>
                       <a:endParaRPr lang="ru-RU" b="1" dirty="0">
                         <a:effectLst/>
@@ -10220,16 +8278,17 @@
                         <a:buNone/>
                       </a:pPr>
                       <a:r>
-                        <a:rPr lang="ru-RU" sz="1600" b="0" i="0" u="none" strike="noStrike" noProof="0" dirty="0">
-                          <a:solidFill>
-                            <a:srgbClr val="000000"/>
-                          </a:solidFill>
-                          <a:latin typeface="Times New Roman"/>
+                        <a:rPr lang="en-US" sz="2000" b="1" dirty="0">
+                          <a:effectLst/>
+                          <a:latin typeface="Times New Roman" panose="02020603050405020304" pitchFamily="18" charset="0"/>
+                          <a:cs typeface="Times New Roman" panose="02020603050405020304" pitchFamily="18" charset="0"/>
                         </a:rPr>
-                        <a:t>Нет</a:t>
+                        <a:t>+</a:t>
                       </a:r>
-                      <a:endParaRPr lang="ru-RU" sz="2400" dirty="0">
+                      <a:endParaRPr lang="ru-RU" sz="2000" b="1" dirty="0">
                         <a:effectLst/>
+                        <a:latin typeface="Times New Roman" panose="02020603050405020304" pitchFamily="18" charset="0"/>
+                        <a:cs typeface="Times New Roman" panose="02020603050405020304" pitchFamily="18" charset="0"/>
                       </a:endParaRPr>
                     </a:p>
                   </a:txBody>
@@ -10250,16 +8309,17 @@
                         <a:buNone/>
                       </a:pPr>
                       <a:r>
-                        <a:rPr lang="ru-RU" sz="1600" b="0" i="0" u="none" strike="noStrike" noProof="0" dirty="0">
-                          <a:solidFill>
-                            <a:srgbClr val="000000"/>
-                          </a:solidFill>
-                          <a:latin typeface="Times New Roman"/>
+                        <a:rPr lang="en-US" sz="2000" b="1" dirty="0">
+                          <a:effectLst/>
+                          <a:latin typeface="Times New Roman" panose="02020603050405020304" pitchFamily="18" charset="0"/>
+                          <a:cs typeface="Times New Roman" panose="02020603050405020304" pitchFamily="18" charset="0"/>
                         </a:rPr>
-                        <a:t>Да</a:t>
+                        <a:t>+</a:t>
                       </a:r>
-                      <a:endParaRPr lang="ru-RU" sz="2400" dirty="0">
+                      <a:endParaRPr lang="ru-RU" sz="2000" b="1" dirty="0">
                         <a:effectLst/>
+                        <a:latin typeface="Times New Roman" panose="02020603050405020304" pitchFamily="18" charset="0"/>
+                        <a:cs typeface="Times New Roman" panose="02020603050405020304" pitchFamily="18" charset="0"/>
                       </a:endParaRPr>
                     </a:p>
                   </a:txBody>
@@ -10280,16 +8340,17 @@
                         <a:buNone/>
                       </a:pPr>
                       <a:r>
-                        <a:rPr lang="ru-RU" sz="1600" b="0" i="0" u="none" strike="noStrike" noProof="0" dirty="0">
-                          <a:solidFill>
-                            <a:srgbClr val="000000"/>
-                          </a:solidFill>
-                          <a:latin typeface="Times New Roman"/>
+                        <a:rPr lang="en-US" sz="2000" b="1" dirty="0">
+                          <a:effectLst/>
+                          <a:latin typeface="Times New Roman" panose="02020603050405020304" pitchFamily="18" charset="0"/>
+                          <a:cs typeface="Times New Roman" panose="02020603050405020304" pitchFamily="18" charset="0"/>
                         </a:rPr>
-                        <a:t>Да</a:t>
+                        <a:t>+</a:t>
                       </a:r>
-                      <a:endParaRPr lang="ru-RU" sz="2400" dirty="0">
+                      <a:endParaRPr lang="ru-RU" sz="2000" b="1" dirty="0">
                         <a:effectLst/>
+                        <a:latin typeface="Times New Roman" panose="02020603050405020304" pitchFamily="18" charset="0"/>
+                        <a:cs typeface="Times New Roman" panose="02020603050405020304" pitchFamily="18" charset="0"/>
                       </a:endParaRPr>
                     </a:p>
                   </a:txBody>
@@ -10297,7 +8358,398 @@
                 </a:tc>
                 <a:extLst>
                   <a:ext uri="{0D108BD9-81ED-4DB2-BD59-A6C34878D82A}">
-                    <a16:rowId xmlns="" xmlns:a16="http://schemas.microsoft.com/office/drawing/2014/main" val="10004"/>
+                    <a16:rowId xmlns:a16="http://schemas.microsoft.com/office/drawing/2014/main" val="10004"/>
+                  </a:ext>
+                </a:extLst>
+              </a:tr>
+              <a:tr h="576064">
+                <a:tc>
+                  <a:txBody>
+                    <a:bodyPr/>
+                    <a:lstStyle/>
+                    <a:p>
+                      <a:pPr lvl="0" algn="ctr">
+                        <a:lnSpc>
+                          <a:spcPct val="150000"/>
+                        </a:lnSpc>
+                        <a:spcAft>
+                          <a:spcPts val="0"/>
+                        </a:spcAft>
+                        <a:buNone/>
+                      </a:pPr>
+                      <a:r>
+                        <a:rPr lang="ru-RU" sz="1300" b="1" dirty="0">
+                          <a:effectLst/>
+                          <a:latin typeface="Times New Roman" panose="02020603050405020304" pitchFamily="18" charset="0"/>
+                          <a:cs typeface="Times New Roman" panose="02020603050405020304" pitchFamily="18" charset="0"/>
+                        </a:rPr>
+                        <a:t>Качество визуализации данных</a:t>
+                      </a:r>
+                    </a:p>
+                  </a:txBody>
+                  <a:tcPr marL="64657" marR="64657" marT="0" marB="0" anchor="ctr"/>
+                </a:tc>
+                <a:tc>
+                  <a:txBody>
+                    <a:bodyPr/>
+                    <a:lstStyle/>
+                    <a:p>
+                      <a:pPr lvl="0" algn="ctr">
+                        <a:lnSpc>
+                          <a:spcPct val="150000"/>
+                        </a:lnSpc>
+                        <a:spcAft>
+                          <a:spcPts val="0"/>
+                        </a:spcAft>
+                        <a:buNone/>
+                      </a:pPr>
+                      <a:r>
+                        <a:rPr lang="en-US" sz="2000" b="1" dirty="0">
+                          <a:effectLst/>
+                          <a:latin typeface="Times New Roman" panose="02020603050405020304" pitchFamily="18" charset="0"/>
+                          <a:cs typeface="Times New Roman" panose="02020603050405020304" pitchFamily="18" charset="0"/>
+                        </a:rPr>
+                        <a:t>+</a:t>
+                      </a:r>
+                      <a:endParaRPr lang="ru-RU" sz="2000" b="1" dirty="0">
+                        <a:effectLst/>
+                        <a:latin typeface="Times New Roman" panose="02020603050405020304" pitchFamily="18" charset="0"/>
+                        <a:cs typeface="Times New Roman" panose="02020603050405020304" pitchFamily="18" charset="0"/>
+                      </a:endParaRPr>
+                    </a:p>
+                  </a:txBody>
+                  <a:tcPr marL="64657" marR="64657" marT="0" marB="0" anchor="ctr"/>
+                </a:tc>
+                <a:tc>
+                  <a:txBody>
+                    <a:bodyPr/>
+                    <a:lstStyle/>
+                    <a:p>
+                      <a:pPr lvl="0" algn="ctr">
+                        <a:lnSpc>
+                          <a:spcPct val="150000"/>
+                        </a:lnSpc>
+                        <a:spcAft>
+                          <a:spcPts val="0"/>
+                        </a:spcAft>
+                        <a:buNone/>
+                      </a:pPr>
+                      <a:r>
+                        <a:rPr lang="en-US" sz="2000" b="1" dirty="0">
+                          <a:effectLst/>
+                          <a:latin typeface="Times New Roman" panose="02020603050405020304" pitchFamily="18" charset="0"/>
+                          <a:cs typeface="Times New Roman" panose="02020603050405020304" pitchFamily="18" charset="0"/>
+                        </a:rPr>
+                        <a:t>+</a:t>
+                      </a:r>
+                      <a:endParaRPr lang="ru-RU" sz="2000" b="1" dirty="0">
+                        <a:effectLst/>
+                        <a:latin typeface="Times New Roman" panose="02020603050405020304" pitchFamily="18" charset="0"/>
+                        <a:cs typeface="Times New Roman" panose="02020603050405020304" pitchFamily="18" charset="0"/>
+                      </a:endParaRPr>
+                    </a:p>
+                  </a:txBody>
+                  <a:tcPr marL="64657" marR="64657" marT="0" marB="0" anchor="ctr"/>
+                </a:tc>
+                <a:tc>
+                  <a:txBody>
+                    <a:bodyPr/>
+                    <a:lstStyle/>
+                    <a:p>
+                      <a:pPr lvl="0" algn="ctr">
+                        <a:lnSpc>
+                          <a:spcPct val="150000"/>
+                        </a:lnSpc>
+                        <a:spcAft>
+                          <a:spcPts val="0"/>
+                        </a:spcAft>
+                        <a:buNone/>
+                      </a:pPr>
+                      <a:r>
+                        <a:rPr lang="en-US" sz="2000" b="1" dirty="0">
+                          <a:effectLst/>
+                          <a:latin typeface="Times New Roman" panose="02020603050405020304" pitchFamily="18" charset="0"/>
+                          <a:cs typeface="Times New Roman" panose="02020603050405020304" pitchFamily="18" charset="0"/>
+                        </a:rPr>
+                        <a:t>+</a:t>
+                      </a:r>
+                      <a:endParaRPr lang="ru-RU" sz="2000" b="1" dirty="0">
+                        <a:effectLst/>
+                        <a:latin typeface="Times New Roman" panose="02020603050405020304" pitchFamily="18" charset="0"/>
+                        <a:cs typeface="Times New Roman" panose="02020603050405020304" pitchFamily="18" charset="0"/>
+                      </a:endParaRPr>
+                    </a:p>
+                  </a:txBody>
+                  <a:tcPr marL="64657" marR="64657" marT="0" marB="0" anchor="ctr"/>
+                </a:tc>
+                <a:extLst>
+                  <a:ext uri="{0D108BD9-81ED-4DB2-BD59-A6C34878D82A}">
+                    <a16:rowId xmlns:a16="http://schemas.microsoft.com/office/drawing/2014/main" val="1468870138"/>
+                  </a:ext>
+                </a:extLst>
+              </a:tr>
+              <a:tr h="576064">
+                <a:tc>
+                  <a:txBody>
+                    <a:bodyPr/>
+                    <a:lstStyle/>
+                    <a:p>
+                      <a:pPr lvl="0" algn="ctr">
+                        <a:lnSpc>
+                          <a:spcPct val="150000"/>
+                        </a:lnSpc>
+                        <a:spcAft>
+                          <a:spcPts val="0"/>
+                        </a:spcAft>
+                        <a:buNone/>
+                      </a:pPr>
+                      <a:r>
+                        <a:rPr lang="ru-RU" sz="1300" b="1" dirty="0">
+                          <a:effectLst/>
+                          <a:latin typeface="Times New Roman" panose="02020603050405020304" pitchFamily="18" charset="0"/>
+                          <a:cs typeface="Times New Roman" panose="02020603050405020304" pitchFamily="18" charset="0"/>
+                        </a:rPr>
+                        <a:t>Географическое покрытие</a:t>
+                      </a:r>
+                    </a:p>
+                  </a:txBody>
+                  <a:tcPr marL="64657" marR="64657" marT="0" marB="0" anchor="ctr"/>
+                </a:tc>
+                <a:tc>
+                  <a:txBody>
+                    <a:bodyPr/>
+                    <a:lstStyle/>
+                    <a:p>
+                      <a:pPr lvl="0" algn="ctr">
+                        <a:lnSpc>
+                          <a:spcPct val="150000"/>
+                        </a:lnSpc>
+                        <a:spcAft>
+                          <a:spcPts val="0"/>
+                        </a:spcAft>
+                        <a:buNone/>
+                      </a:pPr>
+                      <a:r>
+                        <a:rPr lang="en-US" sz="2000" b="1" dirty="0">
+                          <a:effectLst/>
+                          <a:latin typeface="Times New Roman" panose="02020603050405020304" pitchFamily="18" charset="0"/>
+                          <a:cs typeface="Times New Roman" panose="02020603050405020304" pitchFamily="18" charset="0"/>
+                        </a:rPr>
+                        <a:t>+</a:t>
+                      </a:r>
+                      <a:endParaRPr lang="ru-RU" sz="2000" b="1" dirty="0" err="1">
+                        <a:effectLst/>
+                        <a:latin typeface="Times New Roman" panose="02020603050405020304" pitchFamily="18" charset="0"/>
+                        <a:cs typeface="Times New Roman" panose="02020603050405020304" pitchFamily="18" charset="0"/>
+                      </a:endParaRPr>
+                    </a:p>
+                  </a:txBody>
+                  <a:tcPr marL="64657" marR="64657" marT="0" marB="0" anchor="ctr"/>
+                </a:tc>
+                <a:tc>
+                  <a:txBody>
+                    <a:bodyPr/>
+                    <a:lstStyle/>
+                    <a:p>
+                      <a:pPr lvl="0" algn="ctr">
+                        <a:lnSpc>
+                          <a:spcPct val="150000"/>
+                        </a:lnSpc>
+                        <a:spcAft>
+                          <a:spcPts val="0"/>
+                        </a:spcAft>
+                        <a:buNone/>
+                      </a:pPr>
+                      <a:r>
+                        <a:rPr lang="en-US" sz="2000" b="1" dirty="0">
+                          <a:effectLst/>
+                          <a:latin typeface="Times New Roman" panose="02020603050405020304" pitchFamily="18" charset="0"/>
+                          <a:cs typeface="Times New Roman" panose="02020603050405020304" pitchFamily="18" charset="0"/>
+                        </a:rPr>
+                        <a:t>+</a:t>
+                      </a:r>
+                      <a:endParaRPr lang="ru-RU" sz="2000" b="1" dirty="0" err="1">
+                        <a:effectLst/>
+                        <a:latin typeface="Times New Roman" panose="02020603050405020304" pitchFamily="18" charset="0"/>
+                        <a:cs typeface="Times New Roman" panose="02020603050405020304" pitchFamily="18" charset="0"/>
+                      </a:endParaRPr>
+                    </a:p>
+                  </a:txBody>
+                  <a:tcPr marL="64657" marR="64657" marT="0" marB="0" anchor="ctr"/>
+                </a:tc>
+                <a:tc>
+                  <a:txBody>
+                    <a:bodyPr/>
+                    <a:lstStyle/>
+                    <a:p>
+                      <a:pPr lvl="0" algn="ctr">
+                        <a:lnSpc>
+                          <a:spcPct val="150000"/>
+                        </a:lnSpc>
+                        <a:spcAft>
+                          <a:spcPts val="0"/>
+                        </a:spcAft>
+                        <a:buNone/>
+                      </a:pPr>
+                      <a:r>
+                        <a:rPr lang="en-US" sz="2000" b="1" dirty="0">
+                          <a:effectLst/>
+                          <a:latin typeface="Times New Roman" panose="02020603050405020304" pitchFamily="18" charset="0"/>
+                          <a:cs typeface="Times New Roman" panose="02020603050405020304" pitchFamily="18" charset="0"/>
+                        </a:rPr>
+                        <a:t>+</a:t>
+                      </a:r>
+                      <a:endParaRPr lang="ru-RU" sz="2000" b="1" dirty="0" err="1">
+                        <a:effectLst/>
+                        <a:latin typeface="Times New Roman" panose="02020603050405020304" pitchFamily="18" charset="0"/>
+                        <a:cs typeface="Times New Roman" panose="02020603050405020304" pitchFamily="18" charset="0"/>
+                      </a:endParaRPr>
+                    </a:p>
+                  </a:txBody>
+                  <a:tcPr marL="64657" marR="64657" marT="0" marB="0" anchor="ctr"/>
+                </a:tc>
+                <a:extLst>
+                  <a:ext uri="{0D108BD9-81ED-4DB2-BD59-A6C34878D82A}">
+                    <a16:rowId xmlns:a16="http://schemas.microsoft.com/office/drawing/2014/main" val="3965511667"/>
+                  </a:ext>
+                </a:extLst>
+              </a:tr>
+              <a:tr h="576064">
+                <a:tc>
+                  <a:txBody>
+                    <a:bodyPr/>
+                    <a:lstStyle/>
+                    <a:p>
+                      <a:pPr lvl="0" algn="ctr">
+                        <a:lnSpc>
+                          <a:spcPct val="150000"/>
+                        </a:lnSpc>
+                        <a:spcAft>
+                          <a:spcPts val="0"/>
+                        </a:spcAft>
+                        <a:buNone/>
+                      </a:pPr>
+                      <a:r>
+                        <a:rPr lang="ru-RU" sz="1300" b="1" dirty="0">
+                          <a:effectLst/>
+                          <a:latin typeface="Times New Roman" panose="02020603050405020304" pitchFamily="18" charset="0"/>
+                          <a:cs typeface="Times New Roman" panose="02020603050405020304" pitchFamily="18" charset="0"/>
+                        </a:rPr>
+                        <a:t>Доступность </a:t>
+                      </a:r>
+                      <a:r>
+                        <a:rPr lang="en-US" sz="1300" b="1" dirty="0">
+                          <a:effectLst/>
+                          <a:latin typeface="Times New Roman" panose="02020603050405020304" pitchFamily="18" charset="0"/>
+                          <a:cs typeface="Times New Roman" panose="02020603050405020304" pitchFamily="18" charset="0"/>
+                        </a:rPr>
+                        <a:t>API</a:t>
+                      </a:r>
+                      <a:endParaRPr lang="ru-RU" sz="1300" b="1" dirty="0">
+                        <a:effectLst/>
+                        <a:latin typeface="Times New Roman" panose="02020603050405020304" pitchFamily="18" charset="0"/>
+                        <a:cs typeface="Times New Roman" panose="02020603050405020304" pitchFamily="18" charset="0"/>
+                      </a:endParaRPr>
+                    </a:p>
+                  </a:txBody>
+                  <a:tcPr marL="64657" marR="64657" marT="0" marB="0" anchor="ctr"/>
+                </a:tc>
+                <a:tc>
+                  <a:txBody>
+                    <a:bodyPr/>
+                    <a:lstStyle/>
+                    <a:p>
+                      <a:pPr lvl="0" algn="ctr">
+                        <a:lnSpc>
+                          <a:spcPct val="150000"/>
+                        </a:lnSpc>
+                        <a:spcAft>
+                          <a:spcPts val="0"/>
+                        </a:spcAft>
+                        <a:buNone/>
+                      </a:pPr>
+                      <a:r>
+                        <a:rPr lang="en-US" sz="2000" b="1" dirty="0">
+                          <a:effectLst/>
+                          <a:latin typeface="Times New Roman" panose="02020603050405020304" pitchFamily="18" charset="0"/>
+                          <a:cs typeface="Times New Roman" panose="02020603050405020304" pitchFamily="18" charset="0"/>
+                        </a:rPr>
+                        <a:t>+</a:t>
+                      </a:r>
+                      <a:endParaRPr lang="ru-RU" sz="2000" b="1" dirty="0">
+                        <a:effectLst/>
+                        <a:latin typeface="Times New Roman" panose="02020603050405020304" pitchFamily="18" charset="0"/>
+                        <a:cs typeface="Times New Roman" panose="02020603050405020304" pitchFamily="18" charset="0"/>
+                      </a:endParaRPr>
+                    </a:p>
+                  </a:txBody>
+                  <a:tcPr marL="64657" marR="64657" marT="0" marB="0" anchor="ctr"/>
+                </a:tc>
+                <a:tc>
+                  <a:txBody>
+                    <a:bodyPr/>
+                    <a:lstStyle/>
+                    <a:p>
+                      <a:pPr lvl="0" algn="ctr">
+                        <a:lnSpc>
+                          <a:spcPct val="150000"/>
+                        </a:lnSpc>
+                        <a:spcAft>
+                          <a:spcPts val="0"/>
+                        </a:spcAft>
+                        <a:buNone/>
+                      </a:pPr>
+                      <a:r>
+                        <a:rPr lang="en-US" sz="2400" b="1" dirty="0">
+                          <a:effectLst/>
+                          <a:latin typeface="Times New Roman" panose="02020603050405020304" pitchFamily="18" charset="0"/>
+                          <a:cs typeface="Times New Roman" panose="02020603050405020304" pitchFamily="18" charset="0"/>
+                        </a:rPr>
+                        <a:t>-</a:t>
+                      </a:r>
+                      <a:endParaRPr lang="ru-RU" sz="2400" b="1" dirty="0">
+                        <a:effectLst/>
+                        <a:latin typeface="Times New Roman" panose="02020603050405020304" pitchFamily="18" charset="0"/>
+                        <a:cs typeface="Times New Roman" panose="02020603050405020304" pitchFamily="18" charset="0"/>
+                      </a:endParaRPr>
+                    </a:p>
+                  </a:txBody>
+                  <a:tcPr marL="64657" marR="64657" marT="0" marB="0" anchor="ctr"/>
+                </a:tc>
+                <a:tc>
+                  <a:txBody>
+                    <a:bodyPr/>
+                    <a:lstStyle/>
+                    <a:p>
+                      <a:pPr lvl="0" algn="ctr">
+                        <a:lnSpc>
+                          <a:spcPct val="150000"/>
+                        </a:lnSpc>
+                        <a:spcAft>
+                          <a:spcPts val="0"/>
+                        </a:spcAft>
+                        <a:buNone/>
+                      </a:pPr>
+                      <a:r>
+                        <a:rPr lang="en-US" sz="2000" b="1" dirty="0">
+                          <a:effectLst/>
+                          <a:latin typeface="Times New Roman" panose="02020603050405020304" pitchFamily="18" charset="0"/>
+                          <a:cs typeface="Times New Roman" panose="02020603050405020304" pitchFamily="18" charset="0"/>
+                        </a:rPr>
+                        <a:t>+</a:t>
+                      </a:r>
+                      <a:endParaRPr lang="ru-RU" sz="2000" b="1" dirty="0">
+                        <a:effectLst/>
+                        <a:latin typeface="Times New Roman" panose="02020603050405020304" pitchFamily="18" charset="0"/>
+                        <a:cs typeface="Times New Roman" panose="02020603050405020304" pitchFamily="18" charset="0"/>
+                      </a:endParaRPr>
+                    </a:p>
+                  </a:txBody>
+                  <a:tcPr marL="64657" marR="64657" marT="0" marB="0" anchor="ctr"/>
+                </a:tc>
+                <a:extLst>
+                  <a:ext uri="{0D108BD9-81ED-4DB2-BD59-A6C34878D82A}">
+                    <a16:rowId xmlns:a16="http://schemas.microsoft.com/office/drawing/2014/main" val="3418006857"/>
                   </a:ext>
                 </a:extLst>
               </a:tr>
@@ -10305,105 +8757,6 @@
           </a:graphicData>
         </a:graphic>
       </p:graphicFrame>
-      <p:sp>
-        <p:nvSpPr>
-          <p:cNvPr id="7" name="Содержимое 2"/>
-          <p:cNvSpPr txBox="1">
-            <a:spLocks/>
-          </p:cNvSpPr>
-          <p:nvPr/>
-        </p:nvSpPr>
-        <p:spPr>
-          <a:xfrm>
-            <a:off x="457200" y="6064696"/>
-            <a:ext cx="8229600" cy="460648"/>
-          </a:xfrm>
-          <a:prstGeom prst="rect">
-            <a:avLst/>
-          </a:prstGeom>
-        </p:spPr>
-        <p:txBody>
-          <a:bodyPr vert="horz" lIns="91440" tIns="45720" rIns="91440" bIns="45720" rtlCol="0">
-            <a:noAutofit/>
-          </a:bodyPr>
-          <a:lstStyle/>
-          <a:p>
-            <a:pPr marL="342900" marR="0" lvl="0" indent="-342900" algn="l" defTabSz="914400" rtl="0" eaLnBrk="1" fontAlgn="auto" latinLnBrk="0" hangingPunct="1">
-              <a:lnSpc>
-                <a:spcPct val="100000"/>
-              </a:lnSpc>
-              <a:spcBef>
-                <a:spcPct val="20000"/>
-              </a:spcBef>
-              <a:spcAft>
-                <a:spcPts val="0"/>
-              </a:spcAft>
-              <a:buClrTx/>
-              <a:buSzTx/>
-              <a:buFont typeface="Arial" pitchFamily="34" charset="0"/>
-              <a:buNone/>
-              <a:tabLst/>
-              <a:defRPr/>
-            </a:pPr>
-            <a:r>
-              <a:rPr kumimoji="0" lang="en-US" sz="1700" b="0" i="0" u="none" strike="noStrike" kern="1200" cap="none" spc="0" normalizeH="0" baseline="0" noProof="0" dirty="0" smtClean="0">
-                <a:ln>
-                  <a:noFill/>
-                </a:ln>
-                <a:solidFill>
-                  <a:srgbClr val="FF0000"/>
-                </a:solidFill>
-                <a:effectLst/>
-                <a:uLnTx/>
-                <a:uFillTx/>
-                <a:latin typeface="+mn-lt"/>
-                <a:ea typeface="+mn-ea"/>
-                <a:cs typeface="+mn-cs"/>
-              </a:rPr>
-              <a:t>[</a:t>
-            </a:r>
-            <a:r>
-              <a:rPr lang="ru-RU" sz="1700" dirty="0" smtClean="0">
-                <a:solidFill>
-                  <a:srgbClr val="FF0000"/>
-                </a:solidFill>
-              </a:rPr>
-              <a:t>в ячейках могут быть +/–, да/нет, баллы или прочие способы сравнения существующих решений по выбранным критериям (это таблица из п.1.2.4 ПЗ)</a:t>
-            </a:r>
-            <a:r>
-              <a:rPr kumimoji="0" lang="en-US" sz="1700" b="0" i="0" u="none" strike="noStrike" kern="1200" cap="none" spc="0" normalizeH="0" baseline="0" noProof="0" dirty="0" smtClean="0">
-                <a:ln>
-                  <a:noFill/>
-                </a:ln>
-                <a:solidFill>
-                  <a:srgbClr val="FF0000"/>
-                </a:solidFill>
-                <a:effectLst/>
-                <a:uLnTx/>
-                <a:uFillTx/>
-                <a:latin typeface="+mn-lt"/>
-                <a:ea typeface="+mn-ea"/>
-                <a:cs typeface="+mn-cs"/>
-              </a:rPr>
-              <a:t>]</a:t>
-            </a:r>
-            <a:endParaRPr kumimoji="0" lang="ru-RU" sz="1700" b="0" i="0" u="none" strike="noStrike" kern="1200" cap="none" spc="0" normalizeH="0" baseline="0" noProof="0" dirty="0" smtClean="0">
-              <a:ln>
-                <a:noFill/>
-              </a:ln>
-              <a:solidFill>
-                <a:srgbClr val="FF0000"/>
-              </a:solidFill>
-              <a:effectLst/>
-              <a:uLnTx/>
-              <a:uFillTx/>
-              <a:latin typeface="+mn-lt"/>
-              <a:ea typeface="+mn-ea"/>
-              <a:cs typeface="+mn-cs"/>
-            </a:endParaRPr>
-          </a:p>
-        </p:txBody>
-      </p:sp>
     </p:spTree>
   </p:cSld>
   <p:clrMapOvr>
@@ -10446,10 +8799,9 @@
           <a:p>
             <a:pPr algn="l"/>
             <a:r>
-              <a:rPr lang="ru-RU" dirty="0" smtClean="0"/>
+              <a:rPr lang="ru-RU" dirty="0"/>
               <a:t>Требования</a:t>
             </a:r>
-            <a:endParaRPr lang="ru-RU" dirty="0"/>
           </a:p>
         </p:txBody>
       </p:sp>
@@ -10466,51 +8818,59 @@
         <p:spPr/>
         <p:txBody>
           <a:bodyPr>
-            <a:normAutofit fontScale="77500" lnSpcReduction="20000"/>
+            <a:normAutofit fontScale="55000" lnSpcReduction="20000"/>
           </a:bodyPr>
           <a:lstStyle/>
           <a:p>
-            <a:r>
-              <a:rPr lang="ru-RU" dirty="0" smtClean="0"/>
-              <a:t>обмен запросами с сервисом в формате JSON;</a:t>
-            </a:r>
-          </a:p>
-          <a:p>
-            <a:r>
-              <a:rPr lang="ru-RU" dirty="0" smtClean="0"/>
-              <a:t>поиск аналогов объекта по базе данных и фильтрация по заранее определенным параметрам;</a:t>
-            </a:r>
-          </a:p>
-          <a:p>
-            <a:r>
-              <a:rPr lang="ru-RU" dirty="0" smtClean="0"/>
-              <a:t>расчет диапазона цен (минимальной, максимальной, средней и медианной), а также выбросов значений цены;</a:t>
-            </a:r>
-          </a:p>
-          <a:p>
-            <a:r>
-              <a:rPr lang="ru-RU" dirty="0" smtClean="0"/>
-              <a:t>вывод объектов на карту </a:t>
-            </a:r>
-            <a:r>
-              <a:rPr lang="ru-RU" dirty="0" err="1" smtClean="0"/>
-              <a:t>OpenStreetMap</a:t>
-            </a:r>
-            <a:r>
-              <a:rPr lang="ru-RU" dirty="0" smtClean="0"/>
-              <a:t>, в соответствии с их географической привязкой;</a:t>
-            </a:r>
-          </a:p>
-          <a:p>
-            <a:r>
-              <a:rPr lang="ru-RU" dirty="0" smtClean="0"/>
-              <a:t>отображение уровня значения характеристик путем изменения градации цвета метки;</a:t>
-            </a:r>
-          </a:p>
-          <a:p>
-            <a:r>
-              <a:rPr lang="ru-RU" dirty="0" smtClean="0"/>
-              <a:t>расчет стоимости объекта по заданным характеристикам с учетом географического положения.</a:t>
+            <a:pPr>
+              <a:lnSpc>
+                <a:spcPct val="170000"/>
+              </a:lnSpc>
+            </a:pPr>
+            <a:r>
+              <a:rPr lang="ru-RU" dirty="0"/>
+              <a:t>веб-сервис должен позволять осуществлять загрузку данных из аппаратного комплекса и их визуализацию на сетевом ресурсе;</a:t>
+            </a:r>
+          </a:p>
+          <a:p>
+            <a:pPr>
+              <a:lnSpc>
+                <a:spcPct val="170000"/>
+              </a:lnSpc>
+            </a:pPr>
+            <a:r>
+              <a:rPr lang="ru-RU" dirty="0"/>
+              <a:t>должна быть реализована база для хранения всех загружаемых данных;</a:t>
+            </a:r>
+          </a:p>
+          <a:p>
+            <a:pPr>
+              <a:lnSpc>
+                <a:spcPct val="170000"/>
+              </a:lnSpc>
+            </a:pPr>
+            <a:r>
+              <a:rPr lang="ru-RU" dirty="0"/>
+              <a:t>визуализация данных выполняется в виде графиков, позволяющих просмотр показателей микроклимата и экологии за настраиваемые промежутки времени;</a:t>
+            </a:r>
+          </a:p>
+          <a:p>
+            <a:pPr>
+              <a:lnSpc>
+                <a:spcPct val="170000"/>
+              </a:lnSpc>
+            </a:pPr>
+            <a:r>
+              <a:rPr lang="ru-RU" dirty="0"/>
+              <a:t>при использовании параметров </a:t>
+            </a:r>
+            <a:r>
+              <a:rPr lang="ru-RU" dirty="0" err="1"/>
+              <a:t>геопозиционирования</a:t>
+            </a:r>
+            <a:r>
+              <a:rPr lang="ru-RU" dirty="0"/>
+              <a:t> собираемых показателей должна быть реализована возможность их отображения на карте в виде трека, цвето-габаритные характеристики которого отражают свойства визуализируемых данных (величину показателя в точке).</a:t>
             </a:r>
           </a:p>
         </p:txBody>
@@ -10548,122 +8908,6 @@
               <a:solidFill>
                 <a:schemeClr val="tx1"/>
               </a:solidFill>
-            </a:endParaRPr>
-          </a:p>
-        </p:txBody>
-      </p:sp>
-      <p:sp>
-        <p:nvSpPr>
-          <p:cNvPr id="6" name="Содержимое 2"/>
-          <p:cNvSpPr txBox="1">
-            <a:spLocks/>
-          </p:cNvSpPr>
-          <p:nvPr/>
-        </p:nvSpPr>
-        <p:spPr>
-          <a:xfrm>
-            <a:off x="457200" y="6064696"/>
-            <a:ext cx="8229600" cy="460648"/>
-          </a:xfrm>
-          <a:prstGeom prst="rect">
-            <a:avLst/>
-          </a:prstGeom>
-        </p:spPr>
-        <p:txBody>
-          <a:bodyPr vert="horz" lIns="91440" tIns="45720" rIns="91440" bIns="45720" rtlCol="0">
-            <a:noAutofit/>
-          </a:bodyPr>
-          <a:lstStyle/>
-          <a:p>
-            <a:pPr marL="342900" marR="0" lvl="0" indent="-342900" algn="l" defTabSz="914400" rtl="0" eaLnBrk="1" fontAlgn="auto" latinLnBrk="0" hangingPunct="1">
-              <a:lnSpc>
-                <a:spcPct val="100000"/>
-              </a:lnSpc>
-              <a:spcBef>
-                <a:spcPct val="20000"/>
-              </a:spcBef>
-              <a:spcAft>
-                <a:spcPts val="0"/>
-              </a:spcAft>
-              <a:buClrTx/>
-              <a:buSzTx/>
-              <a:buFont typeface="Arial" pitchFamily="34" charset="0"/>
-              <a:buNone/>
-              <a:tabLst/>
-              <a:defRPr/>
-            </a:pPr>
-            <a:r>
-              <a:rPr kumimoji="0" lang="en-US" sz="1400" b="0" i="0" u="none" strike="noStrike" kern="1200" cap="none" spc="0" normalizeH="0" baseline="0" noProof="0" dirty="0" smtClean="0">
-                <a:ln>
-                  <a:noFill/>
-                </a:ln>
-                <a:solidFill>
-                  <a:srgbClr val="FF0000"/>
-                </a:solidFill>
-                <a:effectLst/>
-                <a:uLnTx/>
-                <a:uFillTx/>
-                <a:latin typeface="+mn-lt"/>
-                <a:ea typeface="+mn-ea"/>
-                <a:cs typeface="+mn-cs"/>
-              </a:rPr>
-              <a:t>[</a:t>
-            </a:r>
-            <a:r>
-              <a:rPr kumimoji="0" lang="ru-RU" sz="1400" b="0" i="0" u="none" strike="noStrike" kern="1200" cap="none" spc="0" normalizeH="0" baseline="0" noProof="0" dirty="0" smtClean="0">
-                <a:ln>
-                  <a:noFill/>
-                </a:ln>
-                <a:solidFill>
-                  <a:srgbClr val="FF0000"/>
-                </a:solidFill>
-                <a:effectLst/>
-                <a:uLnTx/>
-                <a:uFillTx/>
-                <a:latin typeface="+mn-lt"/>
-                <a:ea typeface="+mn-ea"/>
-                <a:cs typeface="+mn-cs"/>
-              </a:rPr>
-              <a:t>перечень </a:t>
-            </a:r>
-            <a:r>
-              <a:rPr lang="ru-RU" sz="1400" dirty="0" smtClean="0">
-                <a:solidFill>
-                  <a:srgbClr val="FF0000"/>
-                </a:solidFill>
-              </a:rPr>
-              <a:t>требований к разрабатываемой программе, выданных руководителем или сформированных самостоятельно в результате анализа предметной области (это перечень из п.2.4 ПЗ)</a:t>
-            </a:r>
-            <a:r>
-              <a:rPr kumimoji="0" lang="en-US" sz="1400" b="0" i="0" u="none" strike="noStrike" kern="1200" cap="none" spc="0" normalizeH="0" baseline="0" noProof="0" dirty="0" smtClean="0">
-                <a:ln>
-                  <a:noFill/>
-                </a:ln>
-                <a:solidFill>
-                  <a:srgbClr val="FF0000"/>
-                </a:solidFill>
-                <a:effectLst/>
-                <a:uLnTx/>
-                <a:uFillTx/>
-                <a:latin typeface="+mn-lt"/>
-                <a:ea typeface="+mn-ea"/>
-                <a:cs typeface="+mn-cs"/>
-              </a:rPr>
-              <a:t>]</a:t>
-            </a:r>
-            <a:endParaRPr kumimoji="0" lang="ru-RU" sz="1400" b="0" i="0" u="none" strike="noStrike" kern="1200" cap="none" spc="0" normalizeH="0" baseline="0" noProof="0" dirty="0" smtClean="0">
-              <a:ln>
-                <a:noFill/>
-              </a:ln>
-              <a:solidFill>
-                <a:srgbClr val="FF0000"/>
-              </a:solidFill>
-              <a:effectLst/>
-              <a:uLnTx/>
-              <a:uFillTx/>
-              <a:latin typeface="+mn-lt"/>
-              <a:ea typeface="+mn-ea"/>
-              <a:cs typeface="+mn-cs"/>
             </a:endParaRPr>
           </a:p>
         </p:txBody>
@@ -10712,10 +8956,9 @@
           <a:p>
             <a:pPr algn="l"/>
             <a:r>
-              <a:rPr lang="ru-RU" sz="3400" dirty="0" smtClean="0"/>
+              <a:rPr lang="ru-RU" sz="3400" dirty="0"/>
               <a:t>Диаграмма вариантов использования</a:t>
             </a:r>
-            <a:endParaRPr lang="ru-RU" sz="3400" dirty="0"/>
           </a:p>
         </p:txBody>
       </p:sp>
@@ -10756,70 +8999,6 @@
           </a:p>
         </p:txBody>
       </p:sp>
-      <p:pic>
-        <p:nvPicPr>
-          <p:cNvPr id="6" name="Picture 2"/>
-          <p:cNvPicPr>
-            <a:picLocks noChangeAspect="1" noChangeArrowheads="1"/>
-          </p:cNvPicPr>
-          <p:nvPr/>
-        </p:nvPicPr>
-        <p:blipFill>
-          <a:blip r:embed="rId3" cstate="print">
-            <a:extLst>
-              <a:ext uri="{28A0092B-C50C-407E-A947-70E740481C1C}">
-                <a14:useLocalDpi xmlns:a14="http://schemas.microsoft.com/office/drawing/2010/main" xmlns="" val="0"/>
-              </a:ext>
-            </a:extLst>
-          </a:blip>
-          <a:srcRect t="1480" b="6744"/>
-          <a:stretch>
-            <a:fillRect/>
-          </a:stretch>
-        </p:blipFill>
-        <p:spPr bwMode="auto">
-          <a:xfrm>
-            <a:off x="432000" y="1556792"/>
-            <a:ext cx="8280000" cy="4464496"/>
-          </a:xfrm>
-          <a:prstGeom prst="rect">
-            <a:avLst/>
-          </a:prstGeom>
-          <a:noFill/>
-          <a:ln>
-            <a:noFill/>
-          </a:ln>
-          <a:effectLst/>
-          <a:extLst>
-            <a:ext uri="{909E8E84-426E-40DD-AFC4-6F175D3DCCD1}">
-              <a14:hiddenFill xmlns:a14="http://schemas.microsoft.com/office/drawing/2010/main" xmlns="">
-                <a:solidFill>
-                  <a:schemeClr val="accent1"/>
-                </a:solidFill>
-              </a14:hiddenFill>
-            </a:ext>
-            <a:ext uri="{91240B29-F687-4F45-9708-019B960494DF}">
-              <a14:hiddenLine xmlns:a14="http://schemas.microsoft.com/office/drawing/2010/main" xmlns="" w="9525">
-                <a:solidFill>
-                  <a:schemeClr val="tx1"/>
-                </a:solidFill>
-                <a:miter lim="800000"/>
-                <a:headEnd/>
-                <a:tailEnd/>
-              </a14:hiddenLine>
-            </a:ext>
-            <a:ext uri="{AF507438-7753-43E0-B8FC-AC1667EBCBE1}">
-              <a14:hiddenEffects xmlns:a14="http://schemas.microsoft.com/office/drawing/2010/main" xmlns="">
-                <a:effectLst>
-                  <a:outerShdw dist="35921" dir="2700000" algn="ctr" rotWithShape="0">
-                    <a:schemeClr val="bg2"/>
-                  </a:outerShdw>
-                </a:effectLst>
-              </a14:hiddenEffects>
-            </a:ext>
-          </a:extLst>
-        </p:spPr>
-      </p:pic>
       <p:sp>
         <p:nvSpPr>
           <p:cNvPr id="7" name="Содержимое 2"/>
@@ -10860,66 +9039,7 @@
               <a:tabLst/>
               <a:defRPr/>
             </a:pPr>
-            <a:r>
-              <a:rPr kumimoji="0" lang="en-US" b="0" i="0" u="none" strike="noStrike" kern="1200" cap="none" spc="0" normalizeH="0" baseline="0" noProof="0" dirty="0" smtClean="0">
-                <a:ln>
-                  <a:noFill/>
-                </a:ln>
-                <a:solidFill>
-                  <a:srgbClr val="FF0000"/>
-                </a:solidFill>
-                <a:effectLst/>
-                <a:uLnTx/>
-                <a:uFillTx/>
-                <a:latin typeface="+mn-lt"/>
-                <a:ea typeface="+mn-ea"/>
-                <a:cs typeface="+mn-cs"/>
-              </a:rPr>
-              <a:t>[use</a:t>
-            </a:r>
-            <a:r>
-              <a:rPr kumimoji="0" lang="en-US" b="0" i="0" u="none" strike="noStrike" kern="1200" cap="none" spc="0" normalizeH="0" noProof="0" dirty="0" smtClean="0">
-                <a:ln>
-                  <a:noFill/>
-                </a:ln>
-                <a:solidFill>
-                  <a:srgbClr val="FF0000"/>
-                </a:solidFill>
-                <a:effectLst/>
-                <a:uLnTx/>
-                <a:uFillTx/>
-                <a:latin typeface="+mn-lt"/>
-                <a:ea typeface="+mn-ea"/>
-                <a:cs typeface="+mn-cs"/>
-              </a:rPr>
-              <a:t> case</a:t>
-            </a:r>
-            <a:r>
-              <a:rPr lang="ru-RU" dirty="0" smtClean="0">
-                <a:solidFill>
-                  <a:srgbClr val="FF0000"/>
-                </a:solidFill>
-              </a:rPr>
-              <a:t>/диаграмма прецедентов (это рисунок из п.2.5 ПЗ)</a:t>
-            </a:r>
-            <a:r>
-              <a:rPr kumimoji="0" lang="en-US" b="0" i="0" u="none" strike="noStrike" kern="1200" cap="none" spc="0" normalizeH="0" baseline="0" noProof="0" dirty="0" smtClean="0">
-                <a:ln>
-                  <a:noFill/>
-                </a:ln>
-                <a:solidFill>
-                  <a:srgbClr val="FF0000"/>
-                </a:solidFill>
-                <a:effectLst/>
-                <a:uLnTx/>
-                <a:uFillTx/>
-                <a:latin typeface="+mn-lt"/>
-                <a:ea typeface="+mn-ea"/>
-                <a:cs typeface="+mn-cs"/>
-              </a:rPr>
-              <a:t>]</a:t>
-            </a:r>
-            <a:endParaRPr kumimoji="0" lang="ru-RU" b="0" i="0" u="none" strike="noStrike" kern="1200" cap="none" spc="0" normalizeH="0" baseline="0" noProof="0" dirty="0" smtClean="0">
+            <a:endParaRPr kumimoji="0" lang="ru-RU" b="0" i="0" u="none" strike="noStrike" kern="1200" cap="none" spc="0" normalizeH="0" baseline="0" noProof="0" dirty="0">
               <a:ln>
                 <a:noFill/>
               </a:ln>
@@ -10936,6 +9056,42 @@
           </a:p>
         </p:txBody>
       </p:sp>
+      <p:pic>
+        <p:nvPicPr>
+          <p:cNvPr id="5" name="Рисунок 4">
+            <a:extLst>
+              <a:ext uri="{FF2B5EF4-FFF2-40B4-BE49-F238E27FC236}">
+                <a16:creationId xmlns:a16="http://schemas.microsoft.com/office/drawing/2014/main" id="{DD06BB2C-2815-4504-3CED-22D02BE56381}"/>
+              </a:ext>
+            </a:extLst>
+          </p:cNvPr>
+          <p:cNvPicPr>
+            <a:picLocks noChangeAspect="1"/>
+          </p:cNvPicPr>
+          <p:nvPr/>
+        </p:nvPicPr>
+        <p:blipFill>
+          <a:blip r:embed="rId3">
+            <a:extLst>
+              <a:ext uri="{28A0092B-C50C-407E-A947-70E740481C1C}">
+                <a14:useLocalDpi xmlns:a14="http://schemas.microsoft.com/office/drawing/2010/main" val="0"/>
+              </a:ext>
+            </a:extLst>
+          </a:blip>
+          <a:stretch>
+            <a:fillRect/>
+          </a:stretch>
+        </p:blipFill>
+        <p:spPr>
+          <a:xfrm>
+            <a:off x="1311244" y="1417638"/>
+            <a:ext cx="6521511" cy="4826607"/>
+          </a:xfrm>
+          <a:prstGeom prst="rect">
+            <a:avLst/>
+          </a:prstGeom>
+        </p:spPr>
+      </p:pic>
     </p:spTree>
   </p:cSld>
   <p:clrMapOvr>
@@ -10980,10 +9136,9 @@
           <a:p>
             <a:pPr algn="l"/>
             <a:r>
-              <a:rPr lang="ru-RU" sz="3600" dirty="0" smtClean="0"/>
+              <a:rPr lang="ru-RU" sz="3600" dirty="0"/>
               <a:t>Архитектура разрабатываемого ПО</a:t>
             </a:r>
-            <a:endParaRPr lang="ru-RU" sz="3600" dirty="0"/>
           </a:p>
         </p:txBody>
       </p:sp>
@@ -11026,17 +9181,23 @@
       </p:sp>
       <p:pic>
         <p:nvPicPr>
-          <p:cNvPr id="6" name="Рисунок 5"/>
+          <p:cNvPr id="5" name="Рисунок 4">
+            <a:extLst>
+              <a:ext uri="{FF2B5EF4-FFF2-40B4-BE49-F238E27FC236}">
+                <a16:creationId xmlns:a16="http://schemas.microsoft.com/office/drawing/2014/main" id="{2251436D-DBF3-5051-7A14-B6A40227B042}"/>
+              </a:ext>
+            </a:extLst>
+          </p:cNvPr>
           <p:cNvPicPr>
             <a:picLocks noChangeAspect="1"/>
           </p:cNvPicPr>
           <p:nvPr/>
         </p:nvPicPr>
         <p:blipFill>
-          <a:blip r:embed="rId3" cstate="print">
+          <a:blip r:embed="rId3">
             <a:extLst>
               <a:ext uri="{28A0092B-C50C-407E-A947-70E740481C1C}">
-                <a14:useLocalDpi xmlns="" xmlns:a14="http://schemas.microsoft.com/office/drawing/2010/main" val="0"/>
+                <a14:useLocalDpi xmlns:a14="http://schemas.microsoft.com/office/drawing/2010/main" val="0"/>
               </a:ext>
             </a:extLst>
           </a:blip>
@@ -11046,142 +9207,19 @@
         </p:blipFill>
         <p:spPr>
           <a:xfrm>
-            <a:off x="432000" y="2420296"/>
-            <a:ext cx="8280000" cy="2086529"/>
+            <a:off x="457200" y="2622240"/>
+            <a:ext cx="8229600" cy="1594663"/>
           </a:xfrm>
           <a:prstGeom prst="rect">
             <a:avLst/>
           </a:prstGeom>
         </p:spPr>
       </p:pic>
-      <p:sp>
-        <p:nvSpPr>
-          <p:cNvPr id="7" name="Содержимое 2"/>
-          <p:cNvSpPr txBox="1">
-            <a:spLocks/>
-          </p:cNvSpPr>
-          <p:nvPr/>
-        </p:nvSpPr>
-        <p:spPr>
-          <a:xfrm>
-            <a:off x="457200" y="6064696"/>
-            <a:ext cx="8229600" cy="460648"/>
-          </a:xfrm>
-          <a:prstGeom prst="rect">
-            <a:avLst/>
-          </a:prstGeom>
-        </p:spPr>
-        <p:txBody>
-          <a:bodyPr vert="horz" lIns="91440" tIns="45720" rIns="91440" bIns="45720" rtlCol="0">
-            <a:noAutofit/>
-          </a:bodyPr>
-          <a:lstStyle/>
-          <a:p>
-            <a:pPr marL="342900" marR="0" lvl="0" indent="-342900" algn="l" defTabSz="914400" rtl="0" eaLnBrk="1" fontAlgn="auto" latinLnBrk="0" hangingPunct="1">
-              <a:lnSpc>
-                <a:spcPct val="100000"/>
-              </a:lnSpc>
-              <a:spcBef>
-                <a:spcPct val="20000"/>
-              </a:spcBef>
-              <a:spcAft>
-                <a:spcPts val="0"/>
-              </a:spcAft>
-              <a:buClrTx/>
-              <a:buSzTx/>
-              <a:buFont typeface="Arial" pitchFamily="34" charset="0"/>
-              <a:buNone/>
-              <a:tabLst/>
-              <a:defRPr/>
-            </a:pPr>
-            <a:r>
-              <a:rPr kumimoji="0" lang="en-US" b="0" i="0" u="none" strike="noStrike" kern="1200" cap="none" spc="0" normalizeH="0" baseline="0" noProof="0" dirty="0" smtClean="0">
-                <a:ln>
-                  <a:noFill/>
-                </a:ln>
-                <a:solidFill>
-                  <a:srgbClr val="FF0000"/>
-                </a:solidFill>
-                <a:effectLst/>
-                <a:uLnTx/>
-                <a:uFillTx/>
-                <a:latin typeface="+mn-lt"/>
-                <a:ea typeface="+mn-ea"/>
-                <a:cs typeface="+mn-cs"/>
-              </a:rPr>
-              <a:t>[</a:t>
-            </a:r>
-            <a:r>
-              <a:rPr kumimoji="0" lang="ru-RU" b="0" i="0" u="none" strike="noStrike" kern="1200" cap="none" spc="0" normalizeH="0" baseline="0" noProof="0" dirty="0" smtClean="0">
-                <a:ln>
-                  <a:noFill/>
-                </a:ln>
-                <a:solidFill>
-                  <a:srgbClr val="FF0000"/>
-                </a:solidFill>
-                <a:effectLst/>
-                <a:uLnTx/>
-                <a:uFillTx/>
-                <a:latin typeface="+mn-lt"/>
-                <a:ea typeface="+mn-ea"/>
-                <a:cs typeface="+mn-cs"/>
-              </a:rPr>
-              <a:t>общая архитектура разрабатываемой программы</a:t>
-            </a:r>
-            <a:r>
-              <a:rPr lang="ru-RU" dirty="0" smtClean="0">
-                <a:solidFill>
-                  <a:srgbClr val="FF0000"/>
-                </a:solidFill>
-              </a:rPr>
-              <a:t> (это рисунок из п.2.6 ПЗ)</a:t>
-            </a:r>
-            <a:r>
-              <a:rPr kumimoji="0" lang="en-US" b="0" i="0" u="none" strike="noStrike" kern="1200" cap="none" spc="0" normalizeH="0" baseline="0" noProof="0" dirty="0" smtClean="0">
-                <a:ln>
-                  <a:noFill/>
-                </a:ln>
-                <a:solidFill>
-                  <a:srgbClr val="FF0000"/>
-                </a:solidFill>
-                <a:effectLst/>
-                <a:uLnTx/>
-                <a:uFillTx/>
-                <a:latin typeface="+mn-lt"/>
-                <a:ea typeface="+mn-ea"/>
-                <a:cs typeface="+mn-cs"/>
-              </a:rPr>
-              <a:t>]</a:t>
-            </a:r>
-            <a:endParaRPr kumimoji="0" lang="ru-RU" b="0" i="0" u="none" strike="noStrike" kern="1200" cap="none" spc="0" normalizeH="0" baseline="0" noProof="0" dirty="0" smtClean="0">
-              <a:ln>
-                <a:noFill/>
-              </a:ln>
-              <a:solidFill>
-                <a:srgbClr val="FF0000"/>
-              </a:solidFill>
-              <a:effectLst/>
-              <a:uLnTx/>
-              <a:uFillTx/>
-              <a:latin typeface="+mn-lt"/>
-              <a:ea typeface="+mn-ea"/>
-              <a:cs typeface="+mn-cs"/>
-            </a:endParaRPr>
-          </a:p>
-        </p:txBody>
-      </p:sp>
     </p:spTree>
   </p:cSld>
   <p:clrMapOvr>
     <a:masterClrMapping/>
   </p:clrMapOvr>
-  <p:timing>
-    <p:tnLst>
-      <p:par>
-        <p:cTn id="1" dur="indefinite" restart="never" nodeType="tmRoot"/>
-      </p:par>
-    </p:tnLst>
-  </p:timing>
 </p:sld>
 </file>
 

--- a/3 [Презентация].pptx
+++ b/3 [Презентация].pptx
@@ -226,7 +226,7 @@
             <a:fld id="{CEC6415A-6C3A-4577-9457-0CB38DCD01A0}" type="datetimeFigureOut">
               <a:rPr lang="ru-RU" smtClean="0"/>
               <a:pPr/>
-              <a:t>27.05.2024</a:t>
+              <a:t>29.05.2024</a:t>
             </a:fld>
             <a:endParaRPr lang="ru-RU"/>
           </a:p>
@@ -537,7 +537,18 @@
           </a:bodyPr>
           <a:lstStyle/>
           <a:p>
-            <a:endParaRPr lang="ru-RU"/>
+            <a:r>
+              <a:rPr lang="ru-RU" sz="1800" dirty="0">
+                <a:solidFill>
+                  <a:srgbClr val="000000"/>
+                </a:solidFill>
+                <a:effectLst/>
+                <a:latin typeface="Times New Roman" panose="02020603050405020304" pitchFamily="18" charset="0"/>
+                <a:ea typeface="Times New Roman" panose="02020603050405020304" pitchFamily="18" charset="0"/>
+              </a:rPr>
+              <a:t>В современном мире вопросы жилищного строительства и благоустройства территорий становятся все более актуальными и важными для обеспечения комфортного проживания граждан. Согласно статистике Росстата, за 2023 год в России было введено жилья общей площадью 110,44 миллиона квадратных метров, что является рекордным показателем и превышает результаты предыдущего года на 7,4% [1]. Этот значительный рост отражает стремление к улучшению жилищных условий и расширению доступного жилья для населения. Одним из ключевых факторов, влияющих на качество застройки, является оценка микроклимата территории. </a:t>
+            </a:r>
+            <a:endParaRPr lang="ru-RU" dirty="0"/>
           </a:p>
         </p:txBody>
       </p:sp>
@@ -1998,7 +2009,7 @@
             <a:fld id="{A7A3692E-1950-4113-9C0C-0EC073B87FA0}" type="datetime1">
               <a:rPr lang="ru-RU" smtClean="0"/>
               <a:pPr/>
-              <a:t>27.05.2024</a:t>
+              <a:t>29.05.2024</a:t>
             </a:fld>
             <a:endParaRPr lang="ru-RU"/>
           </a:p>
@@ -2163,7 +2174,7 @@
             <a:fld id="{92AB6819-74B3-4A06-B801-F2598759B652}" type="datetime1">
               <a:rPr lang="ru-RU" smtClean="0"/>
               <a:pPr/>
-              <a:t>27.05.2024</a:t>
+              <a:t>29.05.2024</a:t>
             </a:fld>
             <a:endParaRPr lang="ru-RU"/>
           </a:p>
@@ -2338,7 +2349,7 @@
             <a:fld id="{57F96B17-23E3-44FE-BE3B-697682870CC6}" type="datetime1">
               <a:rPr lang="ru-RU" smtClean="0"/>
               <a:pPr/>
-              <a:t>27.05.2024</a:t>
+              <a:t>29.05.2024</a:t>
             </a:fld>
             <a:endParaRPr lang="ru-RU"/>
           </a:p>
@@ -2503,7 +2514,7 @@
             <a:fld id="{15D93C3C-3F11-4BF4-BC5D-F7B42F0D889E}" type="datetime1">
               <a:rPr lang="ru-RU" smtClean="0"/>
               <a:pPr/>
-              <a:t>27.05.2024</a:t>
+              <a:t>29.05.2024</a:t>
             </a:fld>
             <a:endParaRPr lang="ru-RU"/>
           </a:p>
@@ -2745,7 +2756,7 @@
             <a:fld id="{CF149CE9-D90E-4535-9B67-4763FB5E87DB}" type="datetime1">
               <a:rPr lang="ru-RU" smtClean="0"/>
               <a:pPr/>
-              <a:t>27.05.2024</a:t>
+              <a:t>29.05.2024</a:t>
             </a:fld>
             <a:endParaRPr lang="ru-RU"/>
           </a:p>
@@ -3027,7 +3038,7 @@
             <a:fld id="{0EB409AB-40AF-4D36-9A83-43415E69474C}" type="datetime1">
               <a:rPr lang="ru-RU" smtClean="0"/>
               <a:pPr/>
-              <a:t>27.05.2024</a:t>
+              <a:t>29.05.2024</a:t>
             </a:fld>
             <a:endParaRPr lang="ru-RU"/>
           </a:p>
@@ -3443,7 +3454,7 @@
             <a:fld id="{C634B6C0-FFC6-42E2-B431-EAD10005DC96}" type="datetime1">
               <a:rPr lang="ru-RU" smtClean="0"/>
               <a:pPr/>
-              <a:t>27.05.2024</a:t>
+              <a:t>29.05.2024</a:t>
             </a:fld>
             <a:endParaRPr lang="ru-RU"/>
           </a:p>
@@ -3557,7 +3568,7 @@
             <a:fld id="{8DC8E482-CDA1-4125-9360-B4B564BD4D91}" type="datetime1">
               <a:rPr lang="ru-RU" smtClean="0"/>
               <a:pPr/>
-              <a:t>27.05.2024</a:t>
+              <a:t>29.05.2024</a:t>
             </a:fld>
             <a:endParaRPr lang="ru-RU"/>
           </a:p>
@@ -3649,7 +3660,7 @@
             <a:fld id="{9438820B-7F92-4EF9-80F6-186C3CFA23B0}" type="datetime1">
               <a:rPr lang="ru-RU" smtClean="0"/>
               <a:pPr/>
-              <a:t>27.05.2024</a:t>
+              <a:t>29.05.2024</a:t>
             </a:fld>
             <a:endParaRPr lang="ru-RU"/>
           </a:p>
@@ -3921,7 +3932,7 @@
             <a:fld id="{E8B8DB84-8C08-4980-8732-11D0873A1EA6}" type="datetime1">
               <a:rPr lang="ru-RU" smtClean="0"/>
               <a:pPr/>
-              <a:t>27.05.2024</a:t>
+              <a:t>29.05.2024</a:t>
             </a:fld>
             <a:endParaRPr lang="ru-RU"/>
           </a:p>
@@ -4170,7 +4181,7 @@
             <a:fld id="{050DA507-FF59-40C3-B2A1-25E414CDD2D2}" type="datetime1">
               <a:rPr lang="ru-RU" smtClean="0"/>
               <a:pPr/>
-              <a:t>27.05.2024</a:t>
+              <a:t>29.05.2024</a:t>
             </a:fld>
             <a:endParaRPr lang="ru-RU"/>
           </a:p>
@@ -4378,7 +4389,7 @@
             <a:fld id="{CE5CAE60-101F-4998-9C62-C244BDA28961}" type="datetime1">
               <a:rPr lang="ru-RU" smtClean="0"/>
               <a:pPr/>
-              <a:t>27.05.2024</a:t>
+              <a:t>29.05.2024</a:t>
             </a:fld>
             <a:endParaRPr lang="ru-RU"/>
           </a:p>
@@ -5532,13 +5543,8 @@
             </a:r>
             <a:r>
               <a:rPr lang="en-US" sz="2400" dirty="0"/>
-              <a:t>Python 3.6, SQL:</a:t>
-            </a:r>
-            <a:r>
-              <a:rPr lang="ru-RU" sz="2400" dirty="0"/>
-              <a:t>2016</a:t>
-            </a:r>
-            <a:endParaRPr lang="en-US" sz="2400" dirty="0"/>
+              <a:t>Python 3.6</a:t>
+            </a:r>
           </a:p>
           <a:p>
             <a:pPr>
@@ -5693,6 +5699,427 @@
           </a:p>
         </p:txBody>
       </p:sp>
+      <p:pic>
+        <p:nvPicPr>
+          <p:cNvPr id="1026" name="Picture 2" descr="Почему стоит выбрать Python, как первый язык программирования?">
+            <a:extLst>
+              <a:ext uri="{FF2B5EF4-FFF2-40B4-BE49-F238E27FC236}">
+                <a16:creationId xmlns:a16="http://schemas.microsoft.com/office/drawing/2014/main" id="{54699793-B1C8-AD4A-19A8-4071556781C8}"/>
+              </a:ext>
+            </a:extLst>
+          </p:cNvPr>
+          <p:cNvPicPr>
+            <a:picLocks noChangeAspect="1" noChangeArrowheads="1"/>
+          </p:cNvPicPr>
+          <p:nvPr/>
+        </p:nvPicPr>
+        <p:blipFill>
+          <a:blip r:embed="rId3" cstate="print">
+            <a:extLst>
+              <a:ext uri="{28A0092B-C50C-407E-A947-70E740481C1C}">
+                <a14:useLocalDpi xmlns:a14="http://schemas.microsoft.com/office/drawing/2010/main" val="0"/>
+              </a:ext>
+            </a:extLst>
+          </a:blip>
+          <a:srcRect/>
+          <a:stretch>
+            <a:fillRect/>
+          </a:stretch>
+        </p:blipFill>
+        <p:spPr bwMode="auto">
+          <a:xfrm>
+            <a:off x="5794885" y="1259999"/>
+            <a:ext cx="725390" cy="718136"/>
+          </a:xfrm>
+          <a:prstGeom prst="rect">
+            <a:avLst/>
+          </a:prstGeom>
+          <a:noFill/>
+          <a:extLst>
+            <a:ext uri="{909E8E84-426E-40DD-AFC4-6F175D3DCCD1}">
+              <a14:hiddenFill xmlns:a14="http://schemas.microsoft.com/office/drawing/2010/main">
+                <a:solidFill>
+                  <a:srgbClr val="FFFFFF"/>
+                </a:solidFill>
+              </a14:hiddenFill>
+            </a:ext>
+          </a:extLst>
+        </p:spPr>
+      </p:pic>
+      <p:pic>
+        <p:nvPicPr>
+          <p:cNvPr id="1028" name="Picture 4" descr="Vue.js">
+            <a:extLst>
+              <a:ext uri="{FF2B5EF4-FFF2-40B4-BE49-F238E27FC236}">
+                <a16:creationId xmlns:a16="http://schemas.microsoft.com/office/drawing/2014/main" id="{88A295B1-4693-EDE2-F395-1D6AF52EA47D}"/>
+              </a:ext>
+            </a:extLst>
+          </p:cNvPr>
+          <p:cNvPicPr>
+            <a:picLocks noChangeAspect="1" noChangeArrowheads="1"/>
+          </p:cNvPicPr>
+          <p:nvPr/>
+        </p:nvPicPr>
+        <p:blipFill>
+          <a:blip r:embed="rId4" cstate="print">
+            <a:extLst>
+              <a:ext uri="{28A0092B-C50C-407E-A947-70E740481C1C}">
+                <a14:useLocalDpi xmlns:a14="http://schemas.microsoft.com/office/drawing/2010/main" val="0"/>
+              </a:ext>
+            </a:extLst>
+          </a:blip>
+          <a:srcRect/>
+          <a:stretch>
+            <a:fillRect/>
+          </a:stretch>
+        </p:blipFill>
+        <p:spPr bwMode="auto">
+          <a:xfrm>
+            <a:off x="6506987" y="1859598"/>
+            <a:ext cx="725390" cy="725390"/>
+          </a:xfrm>
+          <a:prstGeom prst="rect">
+            <a:avLst/>
+          </a:prstGeom>
+          <a:noFill/>
+          <a:extLst>
+            <a:ext uri="{909E8E84-426E-40DD-AFC4-6F175D3DCCD1}">
+              <a14:hiddenFill xmlns:a14="http://schemas.microsoft.com/office/drawing/2010/main">
+                <a:solidFill>
+                  <a:srgbClr val="FFFFFF"/>
+                </a:solidFill>
+              </a14:hiddenFill>
+            </a:ext>
+          </a:extLst>
+        </p:spPr>
+      </p:pic>
+      <p:pic>
+        <p:nvPicPr>
+          <p:cNvPr id="1030" name="Picture 6" descr="Icon | Quasar Framework">
+            <a:extLst>
+              <a:ext uri="{FF2B5EF4-FFF2-40B4-BE49-F238E27FC236}">
+                <a16:creationId xmlns:a16="http://schemas.microsoft.com/office/drawing/2014/main" id="{0399DC5C-63B9-D127-BE6A-079A9660CDE2}"/>
+              </a:ext>
+            </a:extLst>
+          </p:cNvPr>
+          <p:cNvPicPr>
+            <a:picLocks noChangeAspect="1" noChangeArrowheads="1"/>
+          </p:cNvPicPr>
+          <p:nvPr/>
+        </p:nvPicPr>
+        <p:blipFill>
+          <a:blip r:embed="rId5" cstate="print">
+            <a:extLst>
+              <a:ext uri="{28A0092B-C50C-407E-A947-70E740481C1C}">
+                <a14:useLocalDpi xmlns:a14="http://schemas.microsoft.com/office/drawing/2010/main" val="0"/>
+              </a:ext>
+            </a:extLst>
+          </a:blip>
+          <a:srcRect/>
+          <a:stretch>
+            <a:fillRect/>
+          </a:stretch>
+        </p:blipFill>
+        <p:spPr bwMode="auto">
+          <a:xfrm>
+            <a:off x="7304010" y="1863851"/>
+            <a:ext cx="725390" cy="725390"/>
+          </a:xfrm>
+          <a:prstGeom prst="rect">
+            <a:avLst/>
+          </a:prstGeom>
+          <a:noFill/>
+          <a:extLst>
+            <a:ext uri="{909E8E84-426E-40DD-AFC4-6F175D3DCCD1}">
+              <a14:hiddenFill xmlns:a14="http://schemas.microsoft.com/office/drawing/2010/main">
+                <a:solidFill>
+                  <a:srgbClr val="FFFFFF"/>
+                </a:solidFill>
+              </a14:hiddenFill>
+            </a:ext>
+          </a:extLst>
+        </p:spPr>
+      </p:pic>
+      <p:pic>
+        <p:nvPicPr>
+          <p:cNvPr id="1032" name="Picture 8" descr="Почему Вы должны попробовать FastAPI? / Хабр">
+            <a:extLst>
+              <a:ext uri="{FF2B5EF4-FFF2-40B4-BE49-F238E27FC236}">
+                <a16:creationId xmlns:a16="http://schemas.microsoft.com/office/drawing/2014/main" id="{C9667FBC-E193-5BBA-C512-C7C43D341C27}"/>
+              </a:ext>
+            </a:extLst>
+          </p:cNvPr>
+          <p:cNvPicPr>
+            <a:picLocks noChangeAspect="1" noChangeArrowheads="1"/>
+          </p:cNvPicPr>
+          <p:nvPr/>
+        </p:nvPicPr>
+        <p:blipFill>
+          <a:blip r:embed="rId6" cstate="print">
+            <a:extLst>
+              <a:ext uri="{28A0092B-C50C-407E-A947-70E740481C1C}">
+                <a14:useLocalDpi xmlns:a14="http://schemas.microsoft.com/office/drawing/2010/main" val="0"/>
+              </a:ext>
+            </a:extLst>
+          </a:blip>
+          <a:srcRect/>
+          <a:stretch>
+            <a:fillRect/>
+          </a:stretch>
+        </p:blipFill>
+        <p:spPr bwMode="auto">
+          <a:xfrm>
+            <a:off x="6371010" y="1249578"/>
+            <a:ext cx="2007070" cy="724078"/>
+          </a:xfrm>
+          <a:prstGeom prst="rect">
+            <a:avLst/>
+          </a:prstGeom>
+          <a:noFill/>
+          <a:extLst>
+            <a:ext uri="{909E8E84-426E-40DD-AFC4-6F175D3DCCD1}">
+              <a14:hiddenFill xmlns:a14="http://schemas.microsoft.com/office/drawing/2010/main">
+                <a:solidFill>
+                  <a:srgbClr val="FFFFFF"/>
+                </a:solidFill>
+              </a14:hiddenFill>
+            </a:ext>
+          </a:extLst>
+        </p:spPr>
+      </p:pic>
+      <p:pic>
+        <p:nvPicPr>
+          <p:cNvPr id="1034" name="Picture 10" descr="D3 JS icon PNG and SVG Vector Free Download">
+            <a:extLst>
+              <a:ext uri="{FF2B5EF4-FFF2-40B4-BE49-F238E27FC236}">
+                <a16:creationId xmlns:a16="http://schemas.microsoft.com/office/drawing/2014/main" id="{4BF774B5-C243-A635-8640-E865A3587206}"/>
+              </a:ext>
+            </a:extLst>
+          </p:cNvPr>
+          <p:cNvPicPr>
+            <a:picLocks noChangeAspect="1" noChangeArrowheads="1"/>
+          </p:cNvPicPr>
+          <p:nvPr/>
+        </p:nvPicPr>
+        <p:blipFill>
+          <a:blip r:embed="rId7" cstate="print">
+            <a:extLst>
+              <a:ext uri="{28A0092B-C50C-407E-A947-70E740481C1C}">
+                <a14:useLocalDpi xmlns:a14="http://schemas.microsoft.com/office/drawing/2010/main" val="0"/>
+              </a:ext>
+            </a:extLst>
+          </a:blip>
+          <a:srcRect/>
+          <a:stretch>
+            <a:fillRect/>
+          </a:stretch>
+        </p:blipFill>
+        <p:spPr bwMode="auto">
+          <a:xfrm>
+            <a:off x="7304010" y="2656642"/>
+            <a:ext cx="725391" cy="684568"/>
+          </a:xfrm>
+          <a:prstGeom prst="rect">
+            <a:avLst/>
+          </a:prstGeom>
+          <a:noFill/>
+          <a:extLst>
+            <a:ext uri="{909E8E84-426E-40DD-AFC4-6F175D3DCCD1}">
+              <a14:hiddenFill xmlns:a14="http://schemas.microsoft.com/office/drawing/2010/main">
+                <a:solidFill>
+                  <a:srgbClr val="FFFFFF"/>
+                </a:solidFill>
+              </a14:hiddenFill>
+            </a:ext>
+          </a:extLst>
+        </p:spPr>
+      </p:pic>
+      <p:pic>
+        <p:nvPicPr>
+          <p:cNvPr id="1036" name="Picture 12" descr="Chart.js Logo PNG Vector (SVG) Free Download">
+            <a:extLst>
+              <a:ext uri="{FF2B5EF4-FFF2-40B4-BE49-F238E27FC236}">
+                <a16:creationId xmlns:a16="http://schemas.microsoft.com/office/drawing/2014/main" id="{8D466EA4-B989-56C5-ACBE-4E69E6C7E21F}"/>
+              </a:ext>
+            </a:extLst>
+          </p:cNvPr>
+          <p:cNvPicPr>
+            <a:picLocks noChangeAspect="1" noChangeArrowheads="1"/>
+          </p:cNvPicPr>
+          <p:nvPr/>
+        </p:nvPicPr>
+        <p:blipFill>
+          <a:blip r:embed="rId8" cstate="print">
+            <a:extLst>
+              <a:ext uri="{28A0092B-C50C-407E-A947-70E740481C1C}">
+                <a14:useLocalDpi xmlns:a14="http://schemas.microsoft.com/office/drawing/2010/main" val="0"/>
+              </a:ext>
+            </a:extLst>
+          </a:blip>
+          <a:srcRect/>
+          <a:stretch>
+            <a:fillRect/>
+          </a:stretch>
+        </p:blipFill>
+        <p:spPr bwMode="auto">
+          <a:xfrm>
+            <a:off x="8239097" y="2568853"/>
+            <a:ext cx="725391" cy="860147"/>
+          </a:xfrm>
+          <a:prstGeom prst="rect">
+            <a:avLst/>
+          </a:prstGeom>
+          <a:noFill/>
+          <a:extLst>
+            <a:ext uri="{909E8E84-426E-40DD-AFC4-6F175D3DCCD1}">
+              <a14:hiddenFill xmlns:a14="http://schemas.microsoft.com/office/drawing/2010/main">
+                <a:solidFill>
+                  <a:srgbClr val="FFFFFF"/>
+                </a:solidFill>
+              </a14:hiddenFill>
+            </a:ext>
+          </a:extLst>
+        </p:spPr>
+      </p:pic>
+      <p:pic>
+        <p:nvPicPr>
+          <p:cNvPr id="1038" name="Picture 14">
+            <a:extLst>
+              <a:ext uri="{FF2B5EF4-FFF2-40B4-BE49-F238E27FC236}">
+                <a16:creationId xmlns:a16="http://schemas.microsoft.com/office/drawing/2014/main" id="{63A8CF0E-33BA-4812-8E5D-90441A2C0524}"/>
+              </a:ext>
+            </a:extLst>
+          </p:cNvPr>
+          <p:cNvPicPr>
+            <a:picLocks noChangeAspect="1" noChangeArrowheads="1"/>
+          </p:cNvPicPr>
+          <p:nvPr/>
+        </p:nvPicPr>
+        <p:blipFill>
+          <a:blip r:embed="rId9" cstate="print">
+            <a:extLst>
+              <a:ext uri="{28A0092B-C50C-407E-A947-70E740481C1C}">
+                <a14:useLocalDpi xmlns:a14="http://schemas.microsoft.com/office/drawing/2010/main" val="0"/>
+              </a:ext>
+            </a:extLst>
+          </a:blip>
+          <a:srcRect/>
+          <a:stretch>
+            <a:fillRect/>
+          </a:stretch>
+        </p:blipFill>
+        <p:spPr bwMode="auto">
+          <a:xfrm>
+            <a:off x="7304009" y="3489143"/>
+            <a:ext cx="725391" cy="748075"/>
+          </a:xfrm>
+          <a:prstGeom prst="rect">
+            <a:avLst/>
+          </a:prstGeom>
+          <a:noFill/>
+          <a:extLst>
+            <a:ext uri="{909E8E84-426E-40DD-AFC4-6F175D3DCCD1}">
+              <a14:hiddenFill xmlns:a14="http://schemas.microsoft.com/office/drawing/2010/main">
+                <a:solidFill>
+                  <a:srgbClr val="FFFFFF"/>
+                </a:solidFill>
+              </a14:hiddenFill>
+            </a:ext>
+          </a:extLst>
+        </p:spPr>
+      </p:pic>
+      <p:pic>
+        <p:nvPicPr>
+          <p:cNvPr id="1040" name="Picture 16">
+            <a:extLst>
+              <a:ext uri="{FF2B5EF4-FFF2-40B4-BE49-F238E27FC236}">
+                <a16:creationId xmlns:a16="http://schemas.microsoft.com/office/drawing/2014/main" id="{2F3E25FA-B2B7-597B-56A1-CB4749818488}"/>
+              </a:ext>
+            </a:extLst>
+          </p:cNvPr>
+          <p:cNvPicPr>
+            <a:picLocks noChangeAspect="1" noChangeArrowheads="1"/>
+          </p:cNvPicPr>
+          <p:nvPr/>
+        </p:nvPicPr>
+        <p:blipFill>
+          <a:blip r:embed="rId10" cstate="print">
+            <a:extLst>
+              <a:ext uri="{28A0092B-C50C-407E-A947-70E740481C1C}">
+                <a14:useLocalDpi xmlns:a14="http://schemas.microsoft.com/office/drawing/2010/main" val="0"/>
+              </a:ext>
+            </a:extLst>
+          </a:blip>
+          <a:srcRect/>
+          <a:stretch>
+            <a:fillRect/>
+          </a:stretch>
+        </p:blipFill>
+        <p:spPr bwMode="auto">
+          <a:xfrm>
+            <a:off x="4206081" y="5509419"/>
+            <a:ext cx="731837" cy="731837"/>
+          </a:xfrm>
+          <a:prstGeom prst="rect">
+            <a:avLst/>
+          </a:prstGeom>
+          <a:noFill/>
+          <a:extLst>
+            <a:ext uri="{909E8E84-426E-40DD-AFC4-6F175D3DCCD1}">
+              <a14:hiddenFill xmlns:a14="http://schemas.microsoft.com/office/drawing/2010/main">
+                <a:solidFill>
+                  <a:srgbClr val="FFFFFF"/>
+                </a:solidFill>
+              </a14:hiddenFill>
+            </a:ext>
+          </a:extLst>
+        </p:spPr>
+      </p:pic>
+      <p:pic>
+        <p:nvPicPr>
+          <p:cNvPr id="1044" name="Picture 20" descr="Visual Studio Code Logo PNG vector in SVG, PDF, AI, CDR format">
+            <a:extLst>
+              <a:ext uri="{FF2B5EF4-FFF2-40B4-BE49-F238E27FC236}">
+                <a16:creationId xmlns:a16="http://schemas.microsoft.com/office/drawing/2014/main" id="{F6CE745A-6560-066C-8E0B-CDB377DC09BA}"/>
+              </a:ext>
+            </a:extLst>
+          </p:cNvPr>
+          <p:cNvPicPr>
+            <a:picLocks noChangeAspect="1" noChangeArrowheads="1"/>
+          </p:cNvPicPr>
+          <p:nvPr/>
+        </p:nvPicPr>
+        <p:blipFill rotWithShape="1">
+          <a:blip r:embed="rId11" cstate="print">
+            <a:extLst>
+              <a:ext uri="{28A0092B-C50C-407E-A947-70E740481C1C}">
+                <a14:useLocalDpi xmlns:a14="http://schemas.microsoft.com/office/drawing/2010/main" val="0"/>
+              </a:ext>
+            </a:extLst>
+          </a:blip>
+          <a:srcRect l="15640" r="11367"/>
+          <a:stretch/>
+        </p:blipFill>
+        <p:spPr bwMode="auto">
+          <a:xfrm>
+            <a:off x="5036615" y="5477160"/>
+            <a:ext cx="743070" cy="764096"/>
+          </a:xfrm>
+          <a:prstGeom prst="rect">
+            <a:avLst/>
+          </a:prstGeom>
+          <a:noFill/>
+          <a:extLst>
+            <a:ext uri="{909E8E84-426E-40DD-AFC4-6F175D3DCCD1}">
+              <a14:hiddenFill xmlns:a14="http://schemas.microsoft.com/office/drawing/2010/main">
+                <a:solidFill>
+                  <a:srgbClr val="FFFFFF"/>
+                </a:solidFill>
+              </a14:hiddenFill>
+            </a:ext>
+          </a:extLst>
+        </p:spPr>
+      </p:pic>
     </p:spTree>
   </p:cSld>
   <p:clrMapOvr>
@@ -7666,14 +8093,14 @@
             <p:ph idx="1"/>
             <p:extLst>
               <p:ext uri="{D42A27DB-BD31-4B8C-83A1-F6EECF244321}">
-                <p14:modId xmlns:p14="http://schemas.microsoft.com/office/powerpoint/2010/main" val="602936374"/>
+                <p14:modId xmlns:p14="http://schemas.microsoft.com/office/powerpoint/2010/main" val="3994259214"/>
               </p:ext>
             </p:extLst>
           </p:nvPr>
         </p:nvGraphicFramePr>
         <p:xfrm>
           <a:off x="441685" y="1618742"/>
-          <a:ext cx="8229599" cy="4536504"/>
+          <a:ext cx="8229599" cy="4284869"/>
         </p:xfrm>
         <a:graphic>
           <a:graphicData uri="http://schemas.openxmlformats.org/drawingml/2006/table">
@@ -7717,124 +8144,148 @@
                     <a:bodyPr/>
                     <a:lstStyle/>
                     <a:p>
-                      <a:pPr algn="ctr" fontAlgn="base">
-                        <a:lnSpc>
-                          <a:spcPct val="150000"/>
-                        </a:lnSpc>
-                        <a:spcAft>
-                          <a:spcPts val="0"/>
-                        </a:spcAft>
-                      </a:pPr>
+                      <a:pPr indent="-1905" algn="ctr"/>
                       <a:r>
-                        <a:rPr lang="ru-RU" sz="1300" b="1" dirty="0" err="1">
+                        <a:rPr lang="ru-RU" sz="1600" dirty="0">
+                          <a:solidFill>
+                            <a:srgbClr val="000000"/>
+                          </a:solidFill>
                           <a:effectLst/>
                           <a:latin typeface="Times New Roman" panose="02020603050405020304" pitchFamily="18" charset="0"/>
-                          <a:cs typeface="Times New Roman" panose="02020603050405020304" pitchFamily="18" charset="0"/>
+                          <a:ea typeface="Times New Roman" panose="02020603050405020304" pitchFamily="18" charset="0"/>
                         </a:rPr>
-                        <a:t>Критерий\Система</a:t>
+                        <a:t>Критерий\решение</a:t>
                       </a:r>
-                      <a:endParaRPr lang="ru-RU" sz="1000" b="1" dirty="0">
+                      <a:endParaRPr lang="ru-RU" sz="1600" dirty="0">
                         <a:effectLst/>
                         <a:latin typeface="Times New Roman" panose="02020603050405020304" pitchFamily="18" charset="0"/>
-                        <a:ea typeface="Times New Roman"/>
-                        <a:cs typeface="Times New Roman" panose="02020603050405020304" pitchFamily="18" charset="0"/>
+                        <a:ea typeface="Times New Roman" panose="02020603050405020304" pitchFamily="18" charset="0"/>
                       </a:endParaRPr>
                     </a:p>
                   </a:txBody>
-                  <a:tcPr marL="64657" marR="64657" marT="0" marB="0" anchor="ctr"/>
+                  <a:tcPr marL="68580" marR="68580" marT="0" marB="0" anchor="ctr"/>
                 </a:tc>
                 <a:tc>
                   <a:txBody>
                     <a:bodyPr/>
                     <a:lstStyle/>
                     <a:p>
-                      <a:pPr lvl="0" algn="ctr" fontAlgn="base">
-                        <a:lnSpc>
-                          <a:spcPct val="150000"/>
-                        </a:lnSpc>
-                        <a:spcAft>
-                          <a:spcPts val="0"/>
-                        </a:spcAft>
-                        <a:buNone/>
-                      </a:pPr>
+                      <a:pPr indent="-1905" algn="ctr"/>
                       <a:r>
-                        <a:rPr lang="en-US" sz="1300" b="1" i="0" u="none" strike="noStrike" noProof="0" dirty="0">
+                        <a:rPr lang="ru-RU" sz="1600" dirty="0" err="1">
                           <a:solidFill>
                             <a:srgbClr val="000000"/>
                           </a:solidFill>
                           <a:effectLst/>
-                          <a:latin typeface="Times New Roman"/>
+                          <a:latin typeface="Times New Roman" panose="02020603050405020304" pitchFamily="18" charset="0"/>
+                          <a:ea typeface="Times New Roman" panose="02020603050405020304" pitchFamily="18" charset="0"/>
                         </a:rPr>
-                        <a:t>ArcGIS Online</a:t>
+                        <a:t>ArcGIS</a:t>
                       </a:r>
-                      <a:endParaRPr lang="ru-RU" b="1" dirty="0" err="1">
+                      <a:r>
+                        <a:rPr lang="ru-RU" sz="1600" dirty="0">
+                          <a:solidFill>
+                            <a:srgbClr val="000000"/>
+                          </a:solidFill>
+                          <a:effectLst/>
+                          <a:latin typeface="Times New Roman" panose="02020603050405020304" pitchFamily="18" charset="0"/>
+                          <a:ea typeface="Times New Roman" panose="02020603050405020304" pitchFamily="18" charset="0"/>
+                        </a:rPr>
+                        <a:t> Online</a:t>
+                      </a:r>
+                      <a:endParaRPr lang="ru-RU" sz="1600" dirty="0">
                         <a:effectLst/>
+                        <a:latin typeface="Times New Roman" panose="02020603050405020304" pitchFamily="18" charset="0"/>
+                        <a:ea typeface="Times New Roman" panose="02020603050405020304" pitchFamily="18" charset="0"/>
                       </a:endParaRPr>
                     </a:p>
                   </a:txBody>
-                  <a:tcPr marL="64657" marR="64657" marT="0" marB="0" anchor="ctr"/>
+                  <a:tcPr marL="68580" marR="68580" marT="0" marB="0" anchor="ctr"/>
                 </a:tc>
                 <a:tc>
                   <a:txBody>
                     <a:bodyPr/>
                     <a:lstStyle/>
                     <a:p>
-                      <a:pPr algn="ctr" fontAlgn="base">
-                        <a:lnSpc>
-                          <a:spcPct val="150000"/>
-                        </a:lnSpc>
-                        <a:spcAft>
-                          <a:spcPts val="0"/>
-                        </a:spcAft>
-                      </a:pPr>
+                      <a:pPr indent="-1905" algn="ctr"/>
                       <a:r>
-                        <a:rPr lang="en-US" sz="1300" b="1" dirty="0" err="1">
-                          <a:latin typeface="Times New Roman"/>
-                          <a:cs typeface="Times New Roman"/>
+                        <a:rPr lang="en-US" sz="1600" dirty="0">
+                          <a:solidFill>
+                            <a:srgbClr val="000000"/>
+                          </a:solidFill>
+                          <a:effectLst/>
+                          <a:latin typeface="Times New Roman" panose="02020603050405020304" pitchFamily="18" charset="0"/>
+                          <a:ea typeface="Times New Roman" panose="02020603050405020304" pitchFamily="18" charset="0"/>
                         </a:rPr>
-                        <a:t>SmartCitizen</a:t>
+                        <a:t>S</a:t>
                       </a:r>
-                      <a:endParaRPr lang="ru-RU" sz="1000" b="1" dirty="0" err="1">
+                      <a:r>
+                        <a:rPr lang="ru-RU" sz="1600" dirty="0" err="1">
+                          <a:solidFill>
+                            <a:srgbClr val="000000"/>
+                          </a:solidFill>
+                          <a:effectLst/>
+                          <a:latin typeface="Times New Roman" panose="02020603050405020304" pitchFamily="18" charset="0"/>
+                          <a:ea typeface="Times New Roman" panose="02020603050405020304" pitchFamily="18" charset="0"/>
+                        </a:rPr>
+                        <a:t>mart</a:t>
+                      </a:r>
+                      <a:r>
+                        <a:rPr lang="en-US" sz="1600" dirty="0">
+                          <a:solidFill>
+                            <a:srgbClr val="000000"/>
+                          </a:solidFill>
+                          <a:effectLst/>
+                          <a:latin typeface="Times New Roman" panose="02020603050405020304" pitchFamily="18" charset="0"/>
+                          <a:ea typeface="Times New Roman" panose="02020603050405020304" pitchFamily="18" charset="0"/>
+                        </a:rPr>
+                        <a:t>C</a:t>
+                      </a:r>
+                      <a:r>
+                        <a:rPr lang="ru-RU" sz="1600" dirty="0" err="1">
+                          <a:solidFill>
+                            <a:srgbClr val="000000"/>
+                          </a:solidFill>
+                          <a:effectLst/>
+                          <a:latin typeface="Times New Roman" panose="02020603050405020304" pitchFamily="18" charset="0"/>
+                          <a:ea typeface="Times New Roman" panose="02020603050405020304" pitchFamily="18" charset="0"/>
+                        </a:rPr>
+                        <a:t>itizen</a:t>
+                      </a:r>
+                      <a:endParaRPr lang="ru-RU" sz="1600" dirty="0">
                         <a:effectLst/>
                         <a:latin typeface="Times New Roman" panose="02020603050405020304" pitchFamily="18" charset="0"/>
-                        <a:ea typeface="Times New Roman"/>
-                        <a:cs typeface="Times New Roman" panose="02020603050405020304" pitchFamily="18" charset="0"/>
+                        <a:ea typeface="Times New Roman" panose="02020603050405020304" pitchFamily="18" charset="0"/>
                       </a:endParaRPr>
                     </a:p>
                   </a:txBody>
-                  <a:tcPr marL="64657" marR="64657" marT="0" marB="0" anchor="ctr"/>
+                  <a:tcPr marL="68580" marR="68580" marT="0" marB="0" anchor="ctr"/>
                 </a:tc>
                 <a:tc>
                   <a:txBody>
                     <a:bodyPr/>
                     <a:lstStyle/>
                     <a:p>
-                      <a:pPr lvl="0" algn="ctr">
-                        <a:lnSpc>
-                          <a:spcPct val="150000"/>
-                        </a:lnSpc>
-                        <a:spcAft>
-                          <a:spcPts val="0"/>
-                        </a:spcAft>
-                        <a:buNone/>
-                      </a:pPr>
+                      <a:pPr indent="-1905" algn="ctr"/>
                       <a:r>
-                        <a:rPr lang="ru-RU" sz="1300" b="1" i="0" u="none" strike="noStrike" noProof="0" dirty="0" err="1">
+                        <a:rPr lang="ru-RU" sz="1600" dirty="0" err="1">
                           <a:solidFill>
                             <a:srgbClr val="000000"/>
                           </a:solidFill>
-                          <a:latin typeface="Times New Roman"/>
+                          <a:effectLst/>
+                          <a:latin typeface="Times New Roman" panose="02020603050405020304" pitchFamily="18" charset="0"/>
+                          <a:ea typeface="Times New Roman" panose="02020603050405020304" pitchFamily="18" charset="0"/>
                         </a:rPr>
                         <a:t>ЭкоАтлас</a:t>
                       </a:r>
-                      <a:endParaRPr lang="en-US" sz="1300" b="1" dirty="0" err="1">
+                      <a:endParaRPr lang="ru-RU" sz="1600" dirty="0">
                         <a:effectLst/>
-                        <a:latin typeface="Times New Roman"/>
-                        <a:cs typeface="Times New Roman"/>
+                        <a:latin typeface="Times New Roman" panose="02020603050405020304" pitchFamily="18" charset="0"/>
+                        <a:ea typeface="Times New Roman" panose="02020603050405020304" pitchFamily="18" charset="0"/>
                       </a:endParaRPr>
                     </a:p>
                   </a:txBody>
-                  <a:tcPr marL="64657" marR="64657" marT="0" marB="0" anchor="ctr"/>
+                  <a:tcPr marL="68580" marR="68580" marT="0" marB="0" anchor="ctr"/>
                 </a:tc>
                 <a:extLst>
                   <a:ext uri="{0D108BD9-81ED-4DB2-BD59-A6C34878D82A}">
@@ -7848,123 +8299,104 @@
                     <a:bodyPr/>
                     <a:lstStyle/>
                     <a:p>
-                      <a:pPr lvl="0" algn="ctr">
-                        <a:lnSpc>
-                          <a:spcPct val="150000"/>
-                        </a:lnSpc>
-                        <a:spcAft>
-                          <a:spcPts val="0"/>
-                        </a:spcAft>
-                        <a:buNone/>
-                      </a:pPr>
+                      <a:pPr indent="-1905"/>
                       <a:r>
-                        <a:rPr lang="ru-RU" sz="1300" b="1" i="0" u="none" strike="noStrike" noProof="0" dirty="0">
+                        <a:rPr lang="ru-RU" sz="1600">
                           <a:solidFill>
                             <a:srgbClr val="000000"/>
                           </a:solidFill>
-                          <a:latin typeface="Times New Roman"/>
+                          <a:effectLst/>
+                          <a:latin typeface="Times New Roman" panose="02020603050405020304" pitchFamily="18" charset="0"/>
+                          <a:ea typeface="Times New Roman" panose="02020603050405020304" pitchFamily="18" charset="0"/>
                         </a:rPr>
-                        <a:t>Интерфейс пользователя</a:t>
+                        <a:t>Возможность загрузки своих данных</a:t>
                       </a:r>
-                      <a:endParaRPr lang="ru-RU" b="1" dirty="0">
+                      <a:endParaRPr lang="ru-RU" sz="1600">
                         <a:effectLst/>
+                        <a:latin typeface="Times New Roman" panose="02020603050405020304" pitchFamily="18" charset="0"/>
+                        <a:ea typeface="Times New Roman" panose="02020603050405020304" pitchFamily="18" charset="0"/>
                       </a:endParaRPr>
                     </a:p>
                   </a:txBody>
-                  <a:tcPr marL="64657" marR="64657" marT="0" marB="0" anchor="ctr"/>
+                  <a:tcPr marL="68580" marR="68580" marT="0" marB="0" anchor="ctr"/>
                 </a:tc>
                 <a:tc>
                   <a:txBody>
                     <a:bodyPr/>
                     <a:lstStyle/>
                     <a:p>
-                      <a:pPr lvl="0" algn="ctr">
-                        <a:lnSpc>
-                          <a:spcPct val="150000"/>
-                        </a:lnSpc>
-                        <a:spcAft>
-                          <a:spcPts val="0"/>
-                        </a:spcAft>
-                        <a:buNone/>
-                      </a:pPr>
+                      <a:pPr indent="-1905" algn="ctr"/>
                       <a:r>
-                        <a:rPr lang="en-US" sz="2000" b="1" dirty="0">
+                        <a:rPr lang="ru-RU" sz="1600">
+                          <a:solidFill>
+                            <a:srgbClr val="000000"/>
+                          </a:solidFill>
                           <a:effectLst/>
                           <a:latin typeface="Times New Roman" panose="02020603050405020304" pitchFamily="18" charset="0"/>
-                          <a:cs typeface="Times New Roman" panose="02020603050405020304" pitchFamily="18" charset="0"/>
+                          <a:ea typeface="Times New Roman" panose="02020603050405020304" pitchFamily="18" charset="0"/>
                         </a:rPr>
                         <a:t>+</a:t>
                       </a:r>
-                      <a:endParaRPr lang="ru-RU" sz="2000" b="1" dirty="0">
+                      <a:endParaRPr lang="ru-RU" sz="1600">
                         <a:effectLst/>
                         <a:latin typeface="Times New Roman" panose="02020603050405020304" pitchFamily="18" charset="0"/>
-                        <a:cs typeface="Times New Roman" panose="02020603050405020304" pitchFamily="18" charset="0"/>
+                        <a:ea typeface="Times New Roman" panose="02020603050405020304" pitchFamily="18" charset="0"/>
                       </a:endParaRPr>
                     </a:p>
                   </a:txBody>
-                  <a:tcPr marL="64657" marR="64657" marT="0" marB="0" anchor="ctr"/>
+                  <a:tcPr marL="68580" marR="68580" marT="0" marB="0" anchor="ctr"/>
                 </a:tc>
                 <a:tc>
                   <a:txBody>
                     <a:bodyPr/>
                     <a:lstStyle/>
                     <a:p>
-                      <a:pPr lvl="0" algn="ctr">
-                        <a:lnSpc>
-                          <a:spcPct val="150000"/>
-                        </a:lnSpc>
-                        <a:spcAft>
-                          <a:spcPts val="0"/>
-                        </a:spcAft>
-                        <a:buNone/>
-                      </a:pPr>
+                      <a:pPr indent="-1905" algn="ctr"/>
                       <a:r>
-                        <a:rPr lang="en-US" sz="2000" b="1" dirty="0">
+                        <a:rPr lang="ru-RU" sz="1600">
+                          <a:solidFill>
+                            <a:srgbClr val="000000"/>
+                          </a:solidFill>
                           <a:effectLst/>
                           <a:latin typeface="Times New Roman" panose="02020603050405020304" pitchFamily="18" charset="0"/>
-                          <a:cs typeface="Times New Roman" panose="02020603050405020304" pitchFamily="18" charset="0"/>
+                          <a:ea typeface="Times New Roman" panose="02020603050405020304" pitchFamily="18" charset="0"/>
                         </a:rPr>
-                        <a:t>+</a:t>
+                        <a:t>–</a:t>
                       </a:r>
-                      <a:endParaRPr lang="ru-RU" sz="2000" b="1" dirty="0">
+                      <a:endParaRPr lang="ru-RU" sz="1600">
                         <a:effectLst/>
                         <a:latin typeface="Times New Roman" panose="02020603050405020304" pitchFamily="18" charset="0"/>
-                        <a:cs typeface="Times New Roman" panose="02020603050405020304" pitchFamily="18" charset="0"/>
+                        <a:ea typeface="Times New Roman" panose="02020603050405020304" pitchFamily="18" charset="0"/>
                       </a:endParaRPr>
                     </a:p>
                   </a:txBody>
-                  <a:tcPr marL="64657" marR="64657" marT="0" marB="0" anchor="ctr"/>
+                  <a:tcPr marL="68580" marR="68580" marT="0" marB="0" anchor="ctr"/>
                 </a:tc>
                 <a:tc>
                   <a:txBody>
                     <a:bodyPr/>
                     <a:lstStyle/>
                     <a:p>
-                      <a:pPr lvl="0" algn="ctr">
-                        <a:lnSpc>
-                          <a:spcPct val="150000"/>
-                        </a:lnSpc>
-                        <a:spcAft>
-                          <a:spcPts val="0"/>
-                        </a:spcAft>
-                        <a:buNone/>
-                      </a:pPr>
+                      <a:pPr indent="-1905" algn="ctr"/>
                       <a:r>
-                        <a:rPr lang="en-US" sz="2000" b="1" dirty="0">
+                        <a:rPr lang="ru-RU" sz="1600">
+                          <a:solidFill>
+                            <a:srgbClr val="000000"/>
+                          </a:solidFill>
                           <a:effectLst/>
                           <a:latin typeface="Times New Roman" panose="02020603050405020304" pitchFamily="18" charset="0"/>
-                          <a:cs typeface="Times New Roman" panose="02020603050405020304" pitchFamily="18" charset="0"/>
+                          <a:ea typeface="Times New Roman" panose="02020603050405020304" pitchFamily="18" charset="0"/>
                         </a:rPr>
                         <a:t>+</a:t>
                       </a:r>
-                      <a:endParaRPr lang="ru-RU" sz="2000" b="1" dirty="0">
+                      <a:endParaRPr lang="ru-RU" sz="1600">
                         <a:effectLst/>
                         <a:latin typeface="Times New Roman" panose="02020603050405020304" pitchFamily="18" charset="0"/>
-                        <a:cs typeface="Times New Roman" panose="02020603050405020304" pitchFamily="18" charset="0"/>
+                        <a:ea typeface="Times New Roman" panose="02020603050405020304" pitchFamily="18" charset="0"/>
                       </a:endParaRPr>
                     </a:p>
                   </a:txBody>
-                  <a:tcPr marL="64657" marR="64657" marT="0" marB="0" anchor="ctr"/>
+                  <a:tcPr marL="68580" marR="68580" marT="0" marB="0" anchor="ctr"/>
                 </a:tc>
                 <a:extLst>
                   <a:ext uri="{0D108BD9-81ED-4DB2-BD59-A6C34878D82A}">
@@ -7978,123 +8410,104 @@
                     <a:bodyPr/>
                     <a:lstStyle/>
                     <a:p>
-                      <a:pPr lvl="0" algn="ctr">
-                        <a:lnSpc>
-                          <a:spcPct val="150000"/>
-                        </a:lnSpc>
-                        <a:spcAft>
-                          <a:spcPts val="0"/>
-                        </a:spcAft>
-                        <a:buNone/>
-                      </a:pPr>
+                      <a:pPr indent="-1905"/>
                       <a:r>
-                        <a:rPr lang="ru-RU" sz="1300" b="1" i="0" u="none" strike="noStrike" noProof="0" dirty="0">
+                        <a:rPr lang="ru-RU" sz="1600">
                           <a:solidFill>
                             <a:srgbClr val="000000"/>
                           </a:solidFill>
-                          <a:latin typeface="Times New Roman"/>
+                          <a:effectLst/>
+                          <a:latin typeface="Times New Roman" panose="02020603050405020304" pitchFamily="18" charset="0"/>
+                          <a:ea typeface="Times New Roman" panose="02020603050405020304" pitchFamily="18" charset="0"/>
                         </a:rPr>
-                        <a:t>Аналитические возможности</a:t>
+                        <a:t>Возможность генерации тепловой карты</a:t>
                       </a:r>
-                      <a:endParaRPr lang="ru-RU" b="1" dirty="0">
+                      <a:endParaRPr lang="ru-RU" sz="1600">
                         <a:effectLst/>
+                        <a:latin typeface="Times New Roman" panose="02020603050405020304" pitchFamily="18" charset="0"/>
+                        <a:ea typeface="Times New Roman" panose="02020603050405020304" pitchFamily="18" charset="0"/>
                       </a:endParaRPr>
                     </a:p>
                   </a:txBody>
-                  <a:tcPr marL="64657" marR="64657" marT="0" marB="0" anchor="ctr"/>
+                  <a:tcPr marL="68580" marR="68580" marT="0" marB="0" anchor="ctr"/>
                 </a:tc>
                 <a:tc>
                   <a:txBody>
                     <a:bodyPr/>
                     <a:lstStyle/>
                     <a:p>
-                      <a:pPr lvl="0" algn="ctr">
-                        <a:lnSpc>
-                          <a:spcPct val="150000"/>
-                        </a:lnSpc>
-                        <a:spcAft>
-                          <a:spcPts val="0"/>
-                        </a:spcAft>
-                        <a:buNone/>
-                      </a:pPr>
+                      <a:pPr indent="-1905" algn="ctr"/>
                       <a:r>
-                        <a:rPr lang="en-US" sz="2000" b="1" dirty="0">
+                        <a:rPr lang="ru-RU" sz="1600">
+                          <a:solidFill>
+                            <a:srgbClr val="000000"/>
+                          </a:solidFill>
                           <a:effectLst/>
                           <a:latin typeface="Times New Roman" panose="02020603050405020304" pitchFamily="18" charset="0"/>
-                          <a:cs typeface="Times New Roman" panose="02020603050405020304" pitchFamily="18" charset="0"/>
+                          <a:ea typeface="Times New Roman" panose="02020603050405020304" pitchFamily="18" charset="0"/>
                         </a:rPr>
                         <a:t>+</a:t>
                       </a:r>
-                      <a:endParaRPr lang="ru-RU" sz="2000" b="1" dirty="0">
+                      <a:endParaRPr lang="ru-RU" sz="1600">
                         <a:effectLst/>
                         <a:latin typeface="Times New Roman" panose="02020603050405020304" pitchFamily="18" charset="0"/>
-                        <a:cs typeface="Times New Roman" panose="02020603050405020304" pitchFamily="18" charset="0"/>
+                        <a:ea typeface="Times New Roman" panose="02020603050405020304" pitchFamily="18" charset="0"/>
                       </a:endParaRPr>
                     </a:p>
                   </a:txBody>
-                  <a:tcPr marL="64657" marR="64657" marT="0" marB="0" anchor="ctr"/>
+                  <a:tcPr marL="68580" marR="68580" marT="0" marB="0" anchor="ctr"/>
                 </a:tc>
                 <a:tc>
                   <a:txBody>
                     <a:bodyPr/>
                     <a:lstStyle/>
                     <a:p>
-                      <a:pPr lvl="0" algn="ctr">
-                        <a:lnSpc>
-                          <a:spcPct val="150000"/>
-                        </a:lnSpc>
-                        <a:spcAft>
-                          <a:spcPts val="0"/>
-                        </a:spcAft>
-                        <a:buNone/>
-                      </a:pPr>
+                      <a:pPr indent="-1905" algn="ctr"/>
                       <a:r>
-                        <a:rPr lang="en-US" sz="2400" b="1" dirty="0">
+                        <a:rPr lang="ru-RU" sz="1600">
+                          <a:solidFill>
+                            <a:srgbClr val="000000"/>
+                          </a:solidFill>
                           <a:effectLst/>
                           <a:latin typeface="Times New Roman" panose="02020603050405020304" pitchFamily="18" charset="0"/>
-                          <a:cs typeface="Times New Roman" panose="02020603050405020304" pitchFamily="18" charset="0"/>
+                          <a:ea typeface="Times New Roman" panose="02020603050405020304" pitchFamily="18" charset="0"/>
                         </a:rPr>
-                        <a:t>-</a:t>
+                        <a:t>+</a:t>
                       </a:r>
-                      <a:endParaRPr lang="ru-RU" sz="2400" b="1" dirty="0">
+                      <a:endParaRPr lang="ru-RU" sz="1600">
                         <a:effectLst/>
                         <a:latin typeface="Times New Roman" panose="02020603050405020304" pitchFamily="18" charset="0"/>
-                        <a:cs typeface="Times New Roman" panose="02020603050405020304" pitchFamily="18" charset="0"/>
+                        <a:ea typeface="Times New Roman" panose="02020603050405020304" pitchFamily="18" charset="0"/>
                       </a:endParaRPr>
                     </a:p>
                   </a:txBody>
-                  <a:tcPr marL="64657" marR="64657" marT="0" marB="0" anchor="ctr"/>
+                  <a:tcPr marL="68580" marR="68580" marT="0" marB="0" anchor="ctr"/>
                 </a:tc>
                 <a:tc>
                   <a:txBody>
                     <a:bodyPr/>
                     <a:lstStyle/>
                     <a:p>
-                      <a:pPr lvl="0" algn="ctr">
-                        <a:lnSpc>
-                          <a:spcPct val="150000"/>
-                        </a:lnSpc>
-                        <a:spcAft>
-                          <a:spcPts val="0"/>
-                        </a:spcAft>
-                        <a:buNone/>
-                      </a:pPr>
+                      <a:pPr indent="-1905" algn="ctr"/>
                       <a:r>
-                        <a:rPr lang="en-US" sz="2000" b="1" dirty="0">
+                        <a:rPr lang="ru-RU" sz="1600">
+                          <a:solidFill>
+                            <a:srgbClr val="000000"/>
+                          </a:solidFill>
                           <a:effectLst/>
                           <a:latin typeface="Times New Roman" panose="02020603050405020304" pitchFamily="18" charset="0"/>
-                          <a:cs typeface="Times New Roman" panose="02020603050405020304" pitchFamily="18" charset="0"/>
+                          <a:ea typeface="Times New Roman" panose="02020603050405020304" pitchFamily="18" charset="0"/>
                         </a:rPr>
                         <a:t>+</a:t>
                       </a:r>
-                      <a:endParaRPr lang="ru-RU" sz="2000" b="1" dirty="0">
+                      <a:endParaRPr lang="ru-RU" sz="1600">
                         <a:effectLst/>
                         <a:latin typeface="Times New Roman" panose="02020603050405020304" pitchFamily="18" charset="0"/>
-                        <a:cs typeface="Times New Roman" panose="02020603050405020304" pitchFamily="18" charset="0"/>
+                        <a:ea typeface="Times New Roman" panose="02020603050405020304" pitchFamily="18" charset="0"/>
                       </a:endParaRPr>
                     </a:p>
                   </a:txBody>
-                  <a:tcPr marL="64657" marR="64657" marT="0" marB="0" anchor="ctr"/>
+                  <a:tcPr marL="68580" marR="68580" marT="0" marB="0" anchor="ctr"/>
                 </a:tc>
                 <a:extLst>
                   <a:ext uri="{0D108BD9-81ED-4DB2-BD59-A6C34878D82A}">
@@ -8108,123 +8521,104 @@
                     <a:bodyPr/>
                     <a:lstStyle/>
                     <a:p>
-                      <a:pPr lvl="0" algn="ctr">
-                        <a:lnSpc>
-                          <a:spcPct val="150000"/>
-                        </a:lnSpc>
-                        <a:spcAft>
-                          <a:spcPts val="0"/>
-                        </a:spcAft>
-                        <a:buNone/>
-                      </a:pPr>
+                      <a:pPr indent="-1905"/>
                       <a:r>
-                        <a:rPr lang="ru-RU" sz="1300" b="1" i="0" u="none" strike="noStrike" baseline="0" noProof="0" dirty="0">
+                        <a:rPr lang="ru-RU" sz="1600">
                           <a:solidFill>
                             <a:srgbClr val="000000"/>
                           </a:solidFill>
-                          <a:latin typeface="Times New Roman"/>
+                          <a:effectLst/>
+                          <a:latin typeface="Times New Roman" panose="02020603050405020304" pitchFamily="18" charset="0"/>
+                          <a:ea typeface="Times New Roman" panose="02020603050405020304" pitchFamily="18" charset="0"/>
                         </a:rPr>
-                        <a:t>Возможность интеграции</a:t>
+                        <a:t>Выявление аномалий</a:t>
                       </a:r>
-                      <a:endParaRPr lang="ru-RU" b="1" dirty="0" err="1">
+                      <a:endParaRPr lang="ru-RU" sz="1600">
                         <a:effectLst/>
+                        <a:latin typeface="Times New Roman" panose="02020603050405020304" pitchFamily="18" charset="0"/>
+                        <a:ea typeface="Times New Roman" panose="02020603050405020304" pitchFamily="18" charset="0"/>
                       </a:endParaRPr>
                     </a:p>
                   </a:txBody>
-                  <a:tcPr marL="64657" marR="64657" marT="0" marB="0" anchor="ctr"/>
+                  <a:tcPr marL="68580" marR="68580" marT="0" marB="0" anchor="ctr"/>
                 </a:tc>
                 <a:tc>
                   <a:txBody>
                     <a:bodyPr/>
                     <a:lstStyle/>
                     <a:p>
-                      <a:pPr lvl="0" algn="ctr">
-                        <a:lnSpc>
-                          <a:spcPct val="150000"/>
-                        </a:lnSpc>
-                        <a:spcAft>
-                          <a:spcPts val="0"/>
-                        </a:spcAft>
-                        <a:buNone/>
-                      </a:pPr>
+                      <a:pPr indent="-1905" algn="ctr"/>
                       <a:r>
-                        <a:rPr lang="en-US" sz="2000" b="1" dirty="0">
+                        <a:rPr lang="ru-RU" sz="1600">
+                          <a:solidFill>
+                            <a:srgbClr val="000000"/>
+                          </a:solidFill>
                           <a:effectLst/>
                           <a:latin typeface="Times New Roman" panose="02020603050405020304" pitchFamily="18" charset="0"/>
-                          <a:cs typeface="Times New Roman" panose="02020603050405020304" pitchFamily="18" charset="0"/>
+                          <a:ea typeface="Times New Roman" panose="02020603050405020304" pitchFamily="18" charset="0"/>
                         </a:rPr>
                         <a:t>+</a:t>
                       </a:r>
-                      <a:endParaRPr lang="ru-RU" sz="2000" b="1" dirty="0" err="1">
+                      <a:endParaRPr lang="ru-RU" sz="1600">
                         <a:effectLst/>
                         <a:latin typeface="Times New Roman" panose="02020603050405020304" pitchFamily="18" charset="0"/>
-                        <a:cs typeface="Times New Roman" panose="02020603050405020304" pitchFamily="18" charset="0"/>
+                        <a:ea typeface="Times New Roman" panose="02020603050405020304" pitchFamily="18" charset="0"/>
                       </a:endParaRPr>
                     </a:p>
                   </a:txBody>
-                  <a:tcPr marL="64657" marR="64657" marT="0" marB="0" anchor="ctr"/>
+                  <a:tcPr marL="68580" marR="68580" marT="0" marB="0" anchor="ctr"/>
                 </a:tc>
                 <a:tc>
                   <a:txBody>
                     <a:bodyPr/>
                     <a:lstStyle/>
                     <a:p>
-                      <a:pPr lvl="0" algn="ctr">
-                        <a:lnSpc>
-                          <a:spcPct val="150000"/>
-                        </a:lnSpc>
-                        <a:spcAft>
-                          <a:spcPts val="0"/>
-                        </a:spcAft>
-                        <a:buNone/>
-                      </a:pPr>
+                      <a:pPr indent="-1905" algn="ctr"/>
                       <a:r>
-                        <a:rPr lang="en-US" sz="2400" b="1" dirty="0">
+                        <a:rPr lang="ru-RU" sz="1600">
+                          <a:solidFill>
+                            <a:srgbClr val="000000"/>
+                          </a:solidFill>
                           <a:effectLst/>
                           <a:latin typeface="Times New Roman" panose="02020603050405020304" pitchFamily="18" charset="0"/>
-                          <a:cs typeface="Times New Roman" panose="02020603050405020304" pitchFamily="18" charset="0"/>
+                          <a:ea typeface="Times New Roman" panose="02020603050405020304" pitchFamily="18" charset="0"/>
                         </a:rPr>
-                        <a:t>-</a:t>
+                        <a:t>–</a:t>
                       </a:r>
-                      <a:endParaRPr lang="ru-RU" sz="2400" b="1" dirty="0" err="1">
+                      <a:endParaRPr lang="ru-RU" sz="1600">
                         <a:effectLst/>
                         <a:latin typeface="Times New Roman" panose="02020603050405020304" pitchFamily="18" charset="0"/>
-                        <a:cs typeface="Times New Roman" panose="02020603050405020304" pitchFamily="18" charset="0"/>
+                        <a:ea typeface="Times New Roman" panose="02020603050405020304" pitchFamily="18" charset="0"/>
                       </a:endParaRPr>
                     </a:p>
                   </a:txBody>
-                  <a:tcPr marL="64657" marR="64657" marT="0" marB="0" anchor="ctr"/>
+                  <a:tcPr marL="68580" marR="68580" marT="0" marB="0" anchor="ctr"/>
                 </a:tc>
                 <a:tc>
                   <a:txBody>
                     <a:bodyPr/>
                     <a:lstStyle/>
                     <a:p>
-                      <a:pPr lvl="0" algn="ctr">
-                        <a:lnSpc>
-                          <a:spcPct val="150000"/>
-                        </a:lnSpc>
-                        <a:spcAft>
-                          <a:spcPts val="0"/>
-                        </a:spcAft>
-                        <a:buNone/>
-                      </a:pPr>
+                      <a:pPr indent="-1905" algn="ctr"/>
                       <a:r>
-                        <a:rPr lang="en-US" sz="2000" b="1" dirty="0">
+                        <a:rPr lang="ru-RU" sz="1600">
+                          <a:solidFill>
+                            <a:srgbClr val="000000"/>
+                          </a:solidFill>
                           <a:effectLst/>
                           <a:latin typeface="Times New Roman" panose="02020603050405020304" pitchFamily="18" charset="0"/>
-                          <a:cs typeface="Times New Roman" panose="02020603050405020304" pitchFamily="18" charset="0"/>
+                          <a:ea typeface="Times New Roman" panose="02020603050405020304" pitchFamily="18" charset="0"/>
                         </a:rPr>
                         <a:t>+</a:t>
                       </a:r>
-                      <a:endParaRPr lang="ru-RU" sz="2000" b="1" dirty="0" err="1">
+                      <a:endParaRPr lang="ru-RU" sz="1600">
                         <a:effectLst/>
                         <a:latin typeface="Times New Roman" panose="02020603050405020304" pitchFamily="18" charset="0"/>
-                        <a:cs typeface="Times New Roman" panose="02020603050405020304" pitchFamily="18" charset="0"/>
+                        <a:ea typeface="Times New Roman" panose="02020603050405020304" pitchFamily="18" charset="0"/>
                       </a:endParaRPr>
                     </a:p>
                   </a:txBody>
-                  <a:tcPr marL="64657" marR="64657" marT="0" marB="0" anchor="ctr"/>
+                  <a:tcPr marL="68580" marR="68580" marT="0" marB="0" anchor="ctr"/>
                 </a:tc>
                 <a:extLst>
                   <a:ext uri="{0D108BD9-81ED-4DB2-BD59-A6C34878D82A}">
@@ -8238,123 +8632,104 @@
                     <a:bodyPr/>
                     <a:lstStyle/>
                     <a:p>
-                      <a:pPr lvl="0" algn="ctr">
-                        <a:lnSpc>
-                          <a:spcPct val="150000"/>
-                        </a:lnSpc>
-                        <a:spcAft>
-                          <a:spcPts val="0"/>
-                        </a:spcAft>
-                        <a:buNone/>
-                      </a:pPr>
+                      <a:pPr indent="-1905"/>
                       <a:r>
-                        <a:rPr lang="ru-RU" sz="1300" b="1" i="0" u="none" strike="noStrike" noProof="0" dirty="0">
+                        <a:rPr lang="ru-RU" sz="1600">
                           <a:solidFill>
                             <a:srgbClr val="000000"/>
                           </a:solidFill>
-                          <a:latin typeface="Times New Roman"/>
+                          <a:effectLst/>
+                          <a:latin typeface="Times New Roman" panose="02020603050405020304" pitchFamily="18" charset="0"/>
+                          <a:ea typeface="Times New Roman" panose="02020603050405020304" pitchFamily="18" charset="0"/>
                         </a:rPr>
-                        <a:t>Количественные показатели данных</a:t>
+                        <a:t>Возможность интеграции с другими сервисами</a:t>
                       </a:r>
-                      <a:endParaRPr lang="ru-RU" b="1" dirty="0">
+                      <a:endParaRPr lang="ru-RU" sz="1600">
                         <a:effectLst/>
+                        <a:latin typeface="Times New Roman" panose="02020603050405020304" pitchFamily="18" charset="0"/>
+                        <a:ea typeface="Times New Roman" panose="02020603050405020304" pitchFamily="18" charset="0"/>
                       </a:endParaRPr>
                     </a:p>
                   </a:txBody>
-                  <a:tcPr marL="64657" marR="64657" marT="0" marB="0" anchor="ctr"/>
+                  <a:tcPr marL="68580" marR="68580" marT="0" marB="0" anchor="ctr"/>
                 </a:tc>
                 <a:tc>
                   <a:txBody>
                     <a:bodyPr/>
                     <a:lstStyle/>
                     <a:p>
-                      <a:pPr lvl="0" algn="ctr">
-                        <a:lnSpc>
-                          <a:spcPct val="150000"/>
-                        </a:lnSpc>
-                        <a:spcAft>
-                          <a:spcPts val="0"/>
-                        </a:spcAft>
-                        <a:buNone/>
-                      </a:pPr>
+                      <a:pPr indent="-1905" algn="ctr"/>
                       <a:r>
-                        <a:rPr lang="en-US" sz="2000" b="1" dirty="0">
+                        <a:rPr lang="ru-RU" sz="1600" dirty="0">
+                          <a:solidFill>
+                            <a:srgbClr val="000000"/>
+                          </a:solidFill>
                           <a:effectLst/>
                           <a:latin typeface="Times New Roman" panose="02020603050405020304" pitchFamily="18" charset="0"/>
-                          <a:cs typeface="Times New Roman" panose="02020603050405020304" pitchFamily="18" charset="0"/>
+                          <a:ea typeface="Times New Roman" panose="02020603050405020304" pitchFamily="18" charset="0"/>
                         </a:rPr>
                         <a:t>+</a:t>
                       </a:r>
-                      <a:endParaRPr lang="ru-RU" sz="2000" b="1" dirty="0">
+                      <a:endParaRPr lang="ru-RU" sz="1600" dirty="0">
                         <a:effectLst/>
                         <a:latin typeface="Times New Roman" panose="02020603050405020304" pitchFamily="18" charset="0"/>
-                        <a:cs typeface="Times New Roman" panose="02020603050405020304" pitchFamily="18" charset="0"/>
+                        <a:ea typeface="Times New Roman" panose="02020603050405020304" pitchFamily="18" charset="0"/>
                       </a:endParaRPr>
                     </a:p>
                   </a:txBody>
-                  <a:tcPr marL="64657" marR="64657" marT="0" marB="0" anchor="ctr"/>
+                  <a:tcPr marL="68580" marR="68580" marT="0" marB="0" anchor="ctr"/>
                 </a:tc>
                 <a:tc>
                   <a:txBody>
                     <a:bodyPr/>
                     <a:lstStyle/>
                     <a:p>
-                      <a:pPr lvl="0" algn="ctr">
-                        <a:lnSpc>
-                          <a:spcPct val="150000"/>
-                        </a:lnSpc>
-                        <a:spcAft>
-                          <a:spcPts val="0"/>
-                        </a:spcAft>
-                        <a:buNone/>
-                      </a:pPr>
+                      <a:pPr indent="-1905" algn="ctr"/>
                       <a:r>
-                        <a:rPr lang="en-US" sz="2000" b="1" dirty="0">
+                        <a:rPr lang="ru-RU" sz="1600">
+                          <a:solidFill>
+                            <a:srgbClr val="000000"/>
+                          </a:solidFill>
                           <a:effectLst/>
                           <a:latin typeface="Times New Roman" panose="02020603050405020304" pitchFamily="18" charset="0"/>
-                          <a:cs typeface="Times New Roman" panose="02020603050405020304" pitchFamily="18" charset="0"/>
+                          <a:ea typeface="Times New Roman" panose="02020603050405020304" pitchFamily="18" charset="0"/>
                         </a:rPr>
                         <a:t>+</a:t>
                       </a:r>
-                      <a:endParaRPr lang="ru-RU" sz="2000" b="1" dirty="0">
+                      <a:endParaRPr lang="ru-RU" sz="1600">
                         <a:effectLst/>
                         <a:latin typeface="Times New Roman" panose="02020603050405020304" pitchFamily="18" charset="0"/>
-                        <a:cs typeface="Times New Roman" panose="02020603050405020304" pitchFamily="18" charset="0"/>
+                        <a:ea typeface="Times New Roman" panose="02020603050405020304" pitchFamily="18" charset="0"/>
                       </a:endParaRPr>
                     </a:p>
                   </a:txBody>
-                  <a:tcPr marL="64657" marR="64657" marT="0" marB="0" anchor="ctr"/>
+                  <a:tcPr marL="68580" marR="68580" marT="0" marB="0" anchor="ctr"/>
                 </a:tc>
                 <a:tc>
                   <a:txBody>
                     <a:bodyPr/>
                     <a:lstStyle/>
                     <a:p>
-                      <a:pPr lvl="0" algn="ctr">
-                        <a:lnSpc>
-                          <a:spcPct val="150000"/>
-                        </a:lnSpc>
-                        <a:spcAft>
-                          <a:spcPts val="0"/>
-                        </a:spcAft>
-                        <a:buNone/>
-                      </a:pPr>
+                      <a:pPr indent="-1905" algn="ctr"/>
                       <a:r>
-                        <a:rPr lang="en-US" sz="2000" b="1" dirty="0">
+                        <a:rPr lang="ru-RU" sz="1600">
+                          <a:solidFill>
+                            <a:srgbClr val="000000"/>
+                          </a:solidFill>
                           <a:effectLst/>
                           <a:latin typeface="Times New Roman" panose="02020603050405020304" pitchFamily="18" charset="0"/>
-                          <a:cs typeface="Times New Roman" panose="02020603050405020304" pitchFamily="18" charset="0"/>
+                          <a:ea typeface="Times New Roman" panose="02020603050405020304" pitchFamily="18" charset="0"/>
                         </a:rPr>
                         <a:t>+</a:t>
                       </a:r>
-                      <a:endParaRPr lang="ru-RU" sz="2000" b="1" dirty="0">
+                      <a:endParaRPr lang="ru-RU" sz="1600">
                         <a:effectLst/>
                         <a:latin typeface="Times New Roman" panose="02020603050405020304" pitchFamily="18" charset="0"/>
-                        <a:cs typeface="Times New Roman" panose="02020603050405020304" pitchFamily="18" charset="0"/>
+                        <a:ea typeface="Times New Roman" panose="02020603050405020304" pitchFamily="18" charset="0"/>
                       </a:endParaRPr>
                     </a:p>
                   </a:txBody>
-                  <a:tcPr marL="64657" marR="64657" marT="0" marB="0" anchor="ctr"/>
+                  <a:tcPr marL="68580" marR="68580" marT="0" marB="0" anchor="ctr"/>
                 </a:tc>
                 <a:extLst>
                   <a:ext uri="{0D108BD9-81ED-4DB2-BD59-A6C34878D82A}">
@@ -8368,119 +8743,104 @@
                     <a:bodyPr/>
                     <a:lstStyle/>
                     <a:p>
-                      <a:pPr lvl="0" algn="ctr">
-                        <a:lnSpc>
-                          <a:spcPct val="150000"/>
-                        </a:lnSpc>
-                        <a:spcAft>
-                          <a:spcPts val="0"/>
-                        </a:spcAft>
-                        <a:buNone/>
-                      </a:pPr>
+                      <a:pPr indent="-1905"/>
                       <a:r>
-                        <a:rPr lang="ru-RU" sz="1300" b="1" dirty="0">
+                        <a:rPr lang="ru-RU" sz="1600">
+                          <a:solidFill>
+                            <a:srgbClr val="000000"/>
+                          </a:solidFill>
                           <a:effectLst/>
                           <a:latin typeface="Times New Roman" panose="02020603050405020304" pitchFamily="18" charset="0"/>
-                          <a:cs typeface="Times New Roman" panose="02020603050405020304" pitchFamily="18" charset="0"/>
+                          <a:ea typeface="Times New Roman" panose="02020603050405020304" pitchFamily="18" charset="0"/>
                         </a:rPr>
-                        <a:t>Качество визуализации данных</a:t>
+                        <a:t>Возможность построения прогнозов</a:t>
                       </a:r>
+                      <a:endParaRPr lang="ru-RU" sz="1600">
+                        <a:effectLst/>
+                        <a:latin typeface="Times New Roman" panose="02020603050405020304" pitchFamily="18" charset="0"/>
+                        <a:ea typeface="Times New Roman" panose="02020603050405020304" pitchFamily="18" charset="0"/>
+                      </a:endParaRPr>
                     </a:p>
                   </a:txBody>
-                  <a:tcPr marL="64657" marR="64657" marT="0" marB="0" anchor="ctr"/>
+                  <a:tcPr marL="68580" marR="68580" marT="0" marB="0" anchor="ctr"/>
                 </a:tc>
                 <a:tc>
                   <a:txBody>
                     <a:bodyPr/>
                     <a:lstStyle/>
                     <a:p>
-                      <a:pPr lvl="0" algn="ctr">
-                        <a:lnSpc>
-                          <a:spcPct val="150000"/>
-                        </a:lnSpc>
-                        <a:spcAft>
-                          <a:spcPts val="0"/>
-                        </a:spcAft>
-                        <a:buNone/>
-                      </a:pPr>
+                      <a:pPr indent="-1905" algn="ctr"/>
                       <a:r>
-                        <a:rPr lang="en-US" sz="2000" b="1" dirty="0">
+                        <a:rPr lang="ru-RU" sz="1600">
+                          <a:solidFill>
+                            <a:srgbClr val="000000"/>
+                          </a:solidFill>
                           <a:effectLst/>
                           <a:latin typeface="Times New Roman" panose="02020603050405020304" pitchFamily="18" charset="0"/>
-                          <a:cs typeface="Times New Roman" panose="02020603050405020304" pitchFamily="18" charset="0"/>
+                          <a:ea typeface="Times New Roman" panose="02020603050405020304" pitchFamily="18" charset="0"/>
                         </a:rPr>
                         <a:t>+</a:t>
                       </a:r>
-                      <a:endParaRPr lang="ru-RU" sz="2000" b="1" dirty="0">
+                      <a:endParaRPr lang="ru-RU" sz="1600">
                         <a:effectLst/>
                         <a:latin typeface="Times New Roman" panose="02020603050405020304" pitchFamily="18" charset="0"/>
-                        <a:cs typeface="Times New Roman" panose="02020603050405020304" pitchFamily="18" charset="0"/>
+                        <a:ea typeface="Times New Roman" panose="02020603050405020304" pitchFamily="18" charset="0"/>
                       </a:endParaRPr>
                     </a:p>
                   </a:txBody>
-                  <a:tcPr marL="64657" marR="64657" marT="0" marB="0" anchor="ctr"/>
+                  <a:tcPr marL="68580" marR="68580" marT="0" marB="0" anchor="ctr"/>
                 </a:tc>
                 <a:tc>
                   <a:txBody>
                     <a:bodyPr/>
                     <a:lstStyle/>
                     <a:p>
-                      <a:pPr lvl="0" algn="ctr">
-                        <a:lnSpc>
-                          <a:spcPct val="150000"/>
-                        </a:lnSpc>
-                        <a:spcAft>
-                          <a:spcPts val="0"/>
-                        </a:spcAft>
-                        <a:buNone/>
-                      </a:pPr>
+                      <a:pPr indent="-1905" algn="ctr"/>
                       <a:r>
-                        <a:rPr lang="en-US" sz="2000" b="1" dirty="0">
+                        <a:rPr lang="ru-RU" sz="1600">
+                          <a:solidFill>
+                            <a:srgbClr val="000000"/>
+                          </a:solidFill>
                           <a:effectLst/>
                           <a:latin typeface="Times New Roman" panose="02020603050405020304" pitchFamily="18" charset="0"/>
-                          <a:cs typeface="Times New Roman" panose="02020603050405020304" pitchFamily="18" charset="0"/>
+                          <a:ea typeface="Times New Roman" panose="02020603050405020304" pitchFamily="18" charset="0"/>
                         </a:rPr>
-                        <a:t>+</a:t>
+                        <a:t>–</a:t>
                       </a:r>
-                      <a:endParaRPr lang="ru-RU" sz="2000" b="1" dirty="0">
+                      <a:endParaRPr lang="ru-RU" sz="1600">
                         <a:effectLst/>
                         <a:latin typeface="Times New Roman" panose="02020603050405020304" pitchFamily="18" charset="0"/>
-                        <a:cs typeface="Times New Roman" panose="02020603050405020304" pitchFamily="18" charset="0"/>
+                        <a:ea typeface="Times New Roman" panose="02020603050405020304" pitchFamily="18" charset="0"/>
                       </a:endParaRPr>
                     </a:p>
                   </a:txBody>
-                  <a:tcPr marL="64657" marR="64657" marT="0" marB="0" anchor="ctr"/>
+                  <a:tcPr marL="68580" marR="68580" marT="0" marB="0" anchor="ctr"/>
                 </a:tc>
                 <a:tc>
                   <a:txBody>
                     <a:bodyPr/>
                     <a:lstStyle/>
                     <a:p>
-                      <a:pPr lvl="0" algn="ctr">
-                        <a:lnSpc>
-                          <a:spcPct val="150000"/>
-                        </a:lnSpc>
-                        <a:spcAft>
-                          <a:spcPts val="0"/>
-                        </a:spcAft>
-                        <a:buNone/>
-                      </a:pPr>
+                      <a:pPr indent="-1905" algn="ctr"/>
                       <a:r>
-                        <a:rPr lang="en-US" sz="2000" b="1" dirty="0">
+                        <a:rPr lang="ru-RU" sz="1600">
+                          <a:solidFill>
+                            <a:srgbClr val="000000"/>
+                          </a:solidFill>
                           <a:effectLst/>
                           <a:latin typeface="Times New Roman" panose="02020603050405020304" pitchFamily="18" charset="0"/>
-                          <a:cs typeface="Times New Roman" panose="02020603050405020304" pitchFamily="18" charset="0"/>
+                          <a:ea typeface="Times New Roman" panose="02020603050405020304" pitchFamily="18" charset="0"/>
                         </a:rPr>
-                        <a:t>+</a:t>
+                        <a:t>–</a:t>
                       </a:r>
-                      <a:endParaRPr lang="ru-RU" sz="2000" b="1" dirty="0">
+                      <a:endParaRPr lang="ru-RU" sz="1600">
                         <a:effectLst/>
                         <a:latin typeface="Times New Roman" panose="02020603050405020304" pitchFamily="18" charset="0"/>
-                        <a:cs typeface="Times New Roman" panose="02020603050405020304" pitchFamily="18" charset="0"/>
+                        <a:ea typeface="Times New Roman" panose="02020603050405020304" pitchFamily="18" charset="0"/>
                       </a:endParaRPr>
                     </a:p>
                   </a:txBody>
-                  <a:tcPr marL="64657" marR="64657" marT="0" marB="0" anchor="ctr"/>
+                  <a:tcPr marL="68580" marR="68580" marT="0" marB="0" anchor="ctr"/>
                 </a:tc>
                 <a:extLst>
                   <a:ext uri="{0D108BD9-81ED-4DB2-BD59-A6C34878D82A}">
@@ -8494,262 +8854,108 @@
                     <a:bodyPr/>
                     <a:lstStyle/>
                     <a:p>
-                      <a:pPr lvl="0" algn="ctr">
-                        <a:lnSpc>
-                          <a:spcPct val="150000"/>
-                        </a:lnSpc>
-                        <a:spcAft>
-                          <a:spcPts val="0"/>
-                        </a:spcAft>
-                        <a:buNone/>
-                      </a:pPr>
+                      <a:pPr indent="-1905"/>
                       <a:r>
-                        <a:rPr lang="ru-RU" sz="1300" b="1" dirty="0">
+                        <a:rPr lang="ru-RU" sz="1600" dirty="0">
+                          <a:solidFill>
+                            <a:srgbClr val="000000"/>
+                          </a:solidFill>
                           <a:effectLst/>
                           <a:latin typeface="Times New Roman" panose="02020603050405020304" pitchFamily="18" charset="0"/>
-                          <a:cs typeface="Times New Roman" panose="02020603050405020304" pitchFamily="18" charset="0"/>
+                          <a:ea typeface="Times New Roman" panose="02020603050405020304" pitchFamily="18" charset="0"/>
                         </a:rPr>
-                        <a:t>Географическое покрытие</a:t>
+                        <a:t>Просмотр статистики и аналитики</a:t>
                       </a:r>
+                      <a:endParaRPr lang="ru-RU" sz="1600" dirty="0">
+                        <a:effectLst/>
+                        <a:latin typeface="Times New Roman" panose="02020603050405020304" pitchFamily="18" charset="0"/>
+                        <a:ea typeface="Times New Roman" panose="02020603050405020304" pitchFamily="18" charset="0"/>
+                      </a:endParaRPr>
                     </a:p>
                   </a:txBody>
-                  <a:tcPr marL="64657" marR="64657" marT="0" marB="0" anchor="ctr"/>
+                  <a:tcPr marL="68580" marR="68580" marT="0" marB="0" anchor="ctr"/>
                 </a:tc>
                 <a:tc>
                   <a:txBody>
                     <a:bodyPr/>
                     <a:lstStyle/>
                     <a:p>
-                      <a:pPr lvl="0" algn="ctr">
-                        <a:lnSpc>
-                          <a:spcPct val="150000"/>
-                        </a:lnSpc>
-                        <a:spcAft>
-                          <a:spcPts val="0"/>
-                        </a:spcAft>
-                        <a:buNone/>
-                      </a:pPr>
+                      <a:pPr indent="-1905" algn="ctr"/>
                       <a:r>
-                        <a:rPr lang="en-US" sz="2000" b="1" dirty="0">
+                        <a:rPr lang="ru-RU" sz="1600">
+                          <a:solidFill>
+                            <a:srgbClr val="000000"/>
+                          </a:solidFill>
                           <a:effectLst/>
                           <a:latin typeface="Times New Roman" panose="02020603050405020304" pitchFamily="18" charset="0"/>
-                          <a:cs typeface="Times New Roman" panose="02020603050405020304" pitchFamily="18" charset="0"/>
+                          <a:ea typeface="Times New Roman" panose="02020603050405020304" pitchFamily="18" charset="0"/>
                         </a:rPr>
                         <a:t>+</a:t>
                       </a:r>
-                      <a:endParaRPr lang="ru-RU" sz="2000" b="1" dirty="0" err="1">
+                      <a:endParaRPr lang="ru-RU" sz="1600">
                         <a:effectLst/>
                         <a:latin typeface="Times New Roman" panose="02020603050405020304" pitchFamily="18" charset="0"/>
-                        <a:cs typeface="Times New Roman" panose="02020603050405020304" pitchFamily="18" charset="0"/>
+                        <a:ea typeface="Times New Roman" panose="02020603050405020304" pitchFamily="18" charset="0"/>
                       </a:endParaRPr>
                     </a:p>
                   </a:txBody>
-                  <a:tcPr marL="64657" marR="64657" marT="0" marB="0" anchor="ctr"/>
+                  <a:tcPr marL="68580" marR="68580" marT="0" marB="0" anchor="ctr"/>
                 </a:tc>
                 <a:tc>
                   <a:txBody>
                     <a:bodyPr/>
                     <a:lstStyle/>
                     <a:p>
-                      <a:pPr lvl="0" algn="ctr">
-                        <a:lnSpc>
-                          <a:spcPct val="150000"/>
-                        </a:lnSpc>
-                        <a:spcAft>
-                          <a:spcPts val="0"/>
-                        </a:spcAft>
-                        <a:buNone/>
-                      </a:pPr>
+                      <a:pPr indent="-1905" algn="ctr"/>
                       <a:r>
-                        <a:rPr lang="en-US" sz="2000" b="1" dirty="0">
+                        <a:rPr lang="ru-RU" sz="1600">
+                          <a:solidFill>
+                            <a:srgbClr val="000000"/>
+                          </a:solidFill>
                           <a:effectLst/>
                           <a:latin typeface="Times New Roman" panose="02020603050405020304" pitchFamily="18" charset="0"/>
-                          <a:cs typeface="Times New Roman" panose="02020603050405020304" pitchFamily="18" charset="0"/>
+                          <a:ea typeface="Times New Roman" panose="02020603050405020304" pitchFamily="18" charset="0"/>
                         </a:rPr>
                         <a:t>+</a:t>
                       </a:r>
-                      <a:endParaRPr lang="ru-RU" sz="2000" b="1" dirty="0" err="1">
+                      <a:endParaRPr lang="ru-RU" sz="1600">
                         <a:effectLst/>
                         <a:latin typeface="Times New Roman" panose="02020603050405020304" pitchFamily="18" charset="0"/>
-                        <a:cs typeface="Times New Roman" panose="02020603050405020304" pitchFamily="18" charset="0"/>
+                        <a:ea typeface="Times New Roman" panose="02020603050405020304" pitchFamily="18" charset="0"/>
                       </a:endParaRPr>
                     </a:p>
                   </a:txBody>
-                  <a:tcPr marL="64657" marR="64657" marT="0" marB="0" anchor="ctr"/>
+                  <a:tcPr marL="68580" marR="68580" marT="0" marB="0" anchor="ctr"/>
                 </a:tc>
                 <a:tc>
                   <a:txBody>
                     <a:bodyPr/>
                     <a:lstStyle/>
                     <a:p>
-                      <a:pPr lvl="0" algn="ctr">
-                        <a:lnSpc>
-                          <a:spcPct val="150000"/>
-                        </a:lnSpc>
-                        <a:spcAft>
-                          <a:spcPts val="0"/>
-                        </a:spcAft>
-                        <a:buNone/>
-                      </a:pPr>
+                      <a:pPr indent="-1905" algn="ctr"/>
                       <a:r>
-                        <a:rPr lang="en-US" sz="2000" b="1" dirty="0">
+                        <a:rPr lang="ru-RU" sz="1600" dirty="0">
+                          <a:solidFill>
+                            <a:srgbClr val="000000"/>
+                          </a:solidFill>
                           <a:effectLst/>
                           <a:latin typeface="Times New Roman" panose="02020603050405020304" pitchFamily="18" charset="0"/>
-                          <a:cs typeface="Times New Roman" panose="02020603050405020304" pitchFamily="18" charset="0"/>
+                          <a:ea typeface="Times New Roman" panose="02020603050405020304" pitchFamily="18" charset="0"/>
                         </a:rPr>
                         <a:t>+</a:t>
                       </a:r>
-                      <a:endParaRPr lang="ru-RU" sz="2000" b="1" dirty="0" err="1">
+                      <a:endParaRPr lang="ru-RU" sz="1600" dirty="0">
                         <a:effectLst/>
                         <a:latin typeface="Times New Roman" panose="02020603050405020304" pitchFamily="18" charset="0"/>
-                        <a:cs typeface="Times New Roman" panose="02020603050405020304" pitchFamily="18" charset="0"/>
+                        <a:ea typeface="Times New Roman" panose="02020603050405020304" pitchFamily="18" charset="0"/>
                       </a:endParaRPr>
                     </a:p>
                   </a:txBody>
-                  <a:tcPr marL="64657" marR="64657" marT="0" marB="0" anchor="ctr"/>
+                  <a:tcPr marL="68580" marR="68580" marT="0" marB="0" anchor="ctr"/>
                 </a:tc>
                 <a:extLst>
                   <a:ext uri="{0D108BD9-81ED-4DB2-BD59-A6C34878D82A}">
                     <a16:rowId xmlns:a16="http://schemas.microsoft.com/office/drawing/2014/main" val="3965511667"/>
-                  </a:ext>
-                </a:extLst>
-              </a:tr>
-              <a:tr h="576064">
-                <a:tc>
-                  <a:txBody>
-                    <a:bodyPr/>
-                    <a:lstStyle/>
-                    <a:p>
-                      <a:pPr lvl="0" algn="ctr">
-                        <a:lnSpc>
-                          <a:spcPct val="150000"/>
-                        </a:lnSpc>
-                        <a:spcAft>
-                          <a:spcPts val="0"/>
-                        </a:spcAft>
-                        <a:buNone/>
-                      </a:pPr>
-                      <a:r>
-                        <a:rPr lang="ru-RU" sz="1300" b="1" dirty="0">
-                          <a:effectLst/>
-                          <a:latin typeface="Times New Roman" panose="02020603050405020304" pitchFamily="18" charset="0"/>
-                          <a:cs typeface="Times New Roman" panose="02020603050405020304" pitchFamily="18" charset="0"/>
-                        </a:rPr>
-                        <a:t>Доступность </a:t>
-                      </a:r>
-                      <a:r>
-                        <a:rPr lang="en-US" sz="1300" b="1" dirty="0">
-                          <a:effectLst/>
-                          <a:latin typeface="Times New Roman" panose="02020603050405020304" pitchFamily="18" charset="0"/>
-                          <a:cs typeface="Times New Roman" panose="02020603050405020304" pitchFamily="18" charset="0"/>
-                        </a:rPr>
-                        <a:t>API</a:t>
-                      </a:r>
-                      <a:endParaRPr lang="ru-RU" sz="1300" b="1" dirty="0">
-                        <a:effectLst/>
-                        <a:latin typeface="Times New Roman" panose="02020603050405020304" pitchFamily="18" charset="0"/>
-                        <a:cs typeface="Times New Roman" panose="02020603050405020304" pitchFamily="18" charset="0"/>
-                      </a:endParaRPr>
-                    </a:p>
-                  </a:txBody>
-                  <a:tcPr marL="64657" marR="64657" marT="0" marB="0" anchor="ctr"/>
-                </a:tc>
-                <a:tc>
-                  <a:txBody>
-                    <a:bodyPr/>
-                    <a:lstStyle/>
-                    <a:p>
-                      <a:pPr lvl="0" algn="ctr">
-                        <a:lnSpc>
-                          <a:spcPct val="150000"/>
-                        </a:lnSpc>
-                        <a:spcAft>
-                          <a:spcPts val="0"/>
-                        </a:spcAft>
-                        <a:buNone/>
-                      </a:pPr>
-                      <a:r>
-                        <a:rPr lang="en-US" sz="2000" b="1" dirty="0">
-                          <a:effectLst/>
-                          <a:latin typeface="Times New Roman" panose="02020603050405020304" pitchFamily="18" charset="0"/>
-                          <a:cs typeface="Times New Roman" panose="02020603050405020304" pitchFamily="18" charset="0"/>
-                        </a:rPr>
-                        <a:t>+</a:t>
-                      </a:r>
-                      <a:endParaRPr lang="ru-RU" sz="2000" b="1" dirty="0">
-                        <a:effectLst/>
-                        <a:latin typeface="Times New Roman" panose="02020603050405020304" pitchFamily="18" charset="0"/>
-                        <a:cs typeface="Times New Roman" panose="02020603050405020304" pitchFamily="18" charset="0"/>
-                      </a:endParaRPr>
-                    </a:p>
-                  </a:txBody>
-                  <a:tcPr marL="64657" marR="64657" marT="0" marB="0" anchor="ctr"/>
-                </a:tc>
-                <a:tc>
-                  <a:txBody>
-                    <a:bodyPr/>
-                    <a:lstStyle/>
-                    <a:p>
-                      <a:pPr lvl="0" algn="ctr">
-                        <a:lnSpc>
-                          <a:spcPct val="150000"/>
-                        </a:lnSpc>
-                        <a:spcAft>
-                          <a:spcPts val="0"/>
-                        </a:spcAft>
-                        <a:buNone/>
-                      </a:pPr>
-                      <a:r>
-                        <a:rPr lang="en-US" sz="2400" b="1" dirty="0">
-                          <a:effectLst/>
-                          <a:latin typeface="Times New Roman" panose="02020603050405020304" pitchFamily="18" charset="0"/>
-                          <a:cs typeface="Times New Roman" panose="02020603050405020304" pitchFamily="18" charset="0"/>
-                        </a:rPr>
-                        <a:t>-</a:t>
-                      </a:r>
-                      <a:endParaRPr lang="ru-RU" sz="2400" b="1" dirty="0">
-                        <a:effectLst/>
-                        <a:latin typeface="Times New Roman" panose="02020603050405020304" pitchFamily="18" charset="0"/>
-                        <a:cs typeface="Times New Roman" panose="02020603050405020304" pitchFamily="18" charset="0"/>
-                      </a:endParaRPr>
-                    </a:p>
-                  </a:txBody>
-                  <a:tcPr marL="64657" marR="64657" marT="0" marB="0" anchor="ctr"/>
-                </a:tc>
-                <a:tc>
-                  <a:txBody>
-                    <a:bodyPr/>
-                    <a:lstStyle/>
-                    <a:p>
-                      <a:pPr lvl="0" algn="ctr">
-                        <a:lnSpc>
-                          <a:spcPct val="150000"/>
-                        </a:lnSpc>
-                        <a:spcAft>
-                          <a:spcPts val="0"/>
-                        </a:spcAft>
-                        <a:buNone/>
-                      </a:pPr>
-                      <a:r>
-                        <a:rPr lang="en-US" sz="2000" b="1" dirty="0">
-                          <a:effectLst/>
-                          <a:latin typeface="Times New Roman" panose="02020603050405020304" pitchFamily="18" charset="0"/>
-                          <a:cs typeface="Times New Roman" panose="02020603050405020304" pitchFamily="18" charset="0"/>
-                        </a:rPr>
-                        <a:t>+</a:t>
-                      </a:r>
-                      <a:endParaRPr lang="ru-RU" sz="2000" b="1" dirty="0">
-                        <a:effectLst/>
-                        <a:latin typeface="Times New Roman" panose="02020603050405020304" pitchFamily="18" charset="0"/>
-                        <a:cs typeface="Times New Roman" panose="02020603050405020304" pitchFamily="18" charset="0"/>
-                      </a:endParaRPr>
-                    </a:p>
-                  </a:txBody>
-                  <a:tcPr marL="64657" marR="64657" marT="0" marB="0" anchor="ctr"/>
-                </a:tc>
-                <a:extLst>
-                  <a:ext uri="{0D108BD9-81ED-4DB2-BD59-A6C34878D82A}">
-                    <a16:rowId xmlns:a16="http://schemas.microsoft.com/office/drawing/2014/main" val="3418006857"/>
                   </a:ext>
                 </a:extLst>
               </a:tr>
@@ -9058,10 +9264,10 @@
       </p:sp>
       <p:pic>
         <p:nvPicPr>
-          <p:cNvPr id="5" name="Рисунок 4">
+          <p:cNvPr id="6" name="Рисунок 5">
             <a:extLst>
               <a:ext uri="{FF2B5EF4-FFF2-40B4-BE49-F238E27FC236}">
-                <a16:creationId xmlns:a16="http://schemas.microsoft.com/office/drawing/2014/main" id="{DD06BB2C-2815-4504-3CED-22D02BE56381}"/>
+                <a16:creationId xmlns:a16="http://schemas.microsoft.com/office/drawing/2014/main" id="{A36E1968-1C57-040F-986A-10C2B4044E9E}"/>
               </a:ext>
             </a:extLst>
           </p:cNvPr>
@@ -9084,8 +9290,8 @@
         </p:blipFill>
         <p:spPr>
           <a:xfrm>
-            <a:off x="1311244" y="1417638"/>
-            <a:ext cx="6521511" cy="4826607"/>
+            <a:off x="962025" y="1267083"/>
+            <a:ext cx="7138367" cy="5283145"/>
           </a:xfrm>
           <a:prstGeom prst="rect">
             <a:avLst/>

--- a/3 [Презентация].pptx
+++ b/3 [Презентация].pptx
@@ -226,7 +226,7 @@
             <a:fld id="{CEC6415A-6C3A-4577-9457-0CB38DCD01A0}" type="datetimeFigureOut">
               <a:rPr lang="ru-RU" smtClean="0"/>
               <a:pPr/>
-              <a:t>29.05.2024</a:t>
+              <a:t>30.05.2024</a:t>
             </a:fld>
             <a:endParaRPr lang="ru-RU"/>
           </a:p>
@@ -2009,7 +2009,7 @@
             <a:fld id="{A7A3692E-1950-4113-9C0C-0EC073B87FA0}" type="datetime1">
               <a:rPr lang="ru-RU" smtClean="0"/>
               <a:pPr/>
-              <a:t>29.05.2024</a:t>
+              <a:t>30.05.2024</a:t>
             </a:fld>
             <a:endParaRPr lang="ru-RU"/>
           </a:p>
@@ -2174,7 +2174,7 @@
             <a:fld id="{92AB6819-74B3-4A06-B801-F2598759B652}" type="datetime1">
               <a:rPr lang="ru-RU" smtClean="0"/>
               <a:pPr/>
-              <a:t>29.05.2024</a:t>
+              <a:t>30.05.2024</a:t>
             </a:fld>
             <a:endParaRPr lang="ru-RU"/>
           </a:p>
@@ -2349,7 +2349,7 @@
             <a:fld id="{57F96B17-23E3-44FE-BE3B-697682870CC6}" type="datetime1">
               <a:rPr lang="ru-RU" smtClean="0"/>
               <a:pPr/>
-              <a:t>29.05.2024</a:t>
+              <a:t>30.05.2024</a:t>
             </a:fld>
             <a:endParaRPr lang="ru-RU"/>
           </a:p>
@@ -2514,7 +2514,7 @@
             <a:fld id="{15D93C3C-3F11-4BF4-BC5D-F7B42F0D889E}" type="datetime1">
               <a:rPr lang="ru-RU" smtClean="0"/>
               <a:pPr/>
-              <a:t>29.05.2024</a:t>
+              <a:t>30.05.2024</a:t>
             </a:fld>
             <a:endParaRPr lang="ru-RU"/>
           </a:p>
@@ -2756,7 +2756,7 @@
             <a:fld id="{CF149CE9-D90E-4535-9B67-4763FB5E87DB}" type="datetime1">
               <a:rPr lang="ru-RU" smtClean="0"/>
               <a:pPr/>
-              <a:t>29.05.2024</a:t>
+              <a:t>30.05.2024</a:t>
             </a:fld>
             <a:endParaRPr lang="ru-RU"/>
           </a:p>
@@ -3038,7 +3038,7 @@
             <a:fld id="{0EB409AB-40AF-4D36-9A83-43415E69474C}" type="datetime1">
               <a:rPr lang="ru-RU" smtClean="0"/>
               <a:pPr/>
-              <a:t>29.05.2024</a:t>
+              <a:t>30.05.2024</a:t>
             </a:fld>
             <a:endParaRPr lang="ru-RU"/>
           </a:p>
@@ -3454,7 +3454,7 @@
             <a:fld id="{C634B6C0-FFC6-42E2-B431-EAD10005DC96}" type="datetime1">
               <a:rPr lang="ru-RU" smtClean="0"/>
               <a:pPr/>
-              <a:t>29.05.2024</a:t>
+              <a:t>30.05.2024</a:t>
             </a:fld>
             <a:endParaRPr lang="ru-RU"/>
           </a:p>
@@ -3568,7 +3568,7 @@
             <a:fld id="{8DC8E482-CDA1-4125-9360-B4B564BD4D91}" type="datetime1">
               <a:rPr lang="ru-RU" smtClean="0"/>
               <a:pPr/>
-              <a:t>29.05.2024</a:t>
+              <a:t>30.05.2024</a:t>
             </a:fld>
             <a:endParaRPr lang="ru-RU"/>
           </a:p>
@@ -3660,7 +3660,7 @@
             <a:fld id="{9438820B-7F92-4EF9-80F6-186C3CFA23B0}" type="datetime1">
               <a:rPr lang="ru-RU" smtClean="0"/>
               <a:pPr/>
-              <a:t>29.05.2024</a:t>
+              <a:t>30.05.2024</a:t>
             </a:fld>
             <a:endParaRPr lang="ru-RU"/>
           </a:p>
@@ -3932,7 +3932,7 @@
             <a:fld id="{E8B8DB84-8C08-4980-8732-11D0873A1EA6}" type="datetime1">
               <a:rPr lang="ru-RU" smtClean="0"/>
               <a:pPr/>
-              <a:t>29.05.2024</a:t>
+              <a:t>30.05.2024</a:t>
             </a:fld>
             <a:endParaRPr lang="ru-RU"/>
           </a:p>
@@ -4181,7 +4181,7 @@
             <a:fld id="{050DA507-FF59-40C3-B2A1-25E414CDD2D2}" type="datetime1">
               <a:rPr lang="ru-RU" smtClean="0"/>
               <a:pPr/>
-              <a:t>29.05.2024</a:t>
+              <a:t>30.05.2024</a:t>
             </a:fld>
             <a:endParaRPr lang="ru-RU"/>
           </a:p>
@@ -4389,7 +4389,7 @@
             <a:fld id="{CE5CAE60-101F-4998-9C62-C244BDA28961}" type="datetime1">
               <a:rPr lang="ru-RU" smtClean="0"/>
               <a:pPr/>
-              <a:t>29.05.2024</a:t>
+              <a:t>30.05.2024</a:t>
             </a:fld>
             <a:endParaRPr lang="ru-RU"/>
           </a:p>
@@ -5633,7 +5633,20 @@
             </a:r>
             <a:r>
               <a:rPr lang="en-US" sz="2400" dirty="0"/>
-              <a:t>PyCharm Community 2017.3, 				Microsoft Visual Studio Code </a:t>
+              <a:t>PyCharm Community 2017.3, 				Microsoft Visual Studio Code</a:t>
+            </a:r>
+          </a:p>
+          <a:p>
+            <a:pPr>
+              <a:buNone/>
+            </a:pPr>
+            <a:r>
+              <a:rPr lang="ru-RU" sz="2400" dirty="0"/>
+              <a:t>Тестирование:		</a:t>
+            </a:r>
+            <a:r>
+              <a:rPr lang="en-US" sz="2400" dirty="0"/>
+              <a:t>Postman </a:t>
             </a:r>
             <a:endParaRPr lang="ru-RU" sz="2400" dirty="0"/>
           </a:p>
@@ -6057,7 +6070,7 @@
         </p:blipFill>
         <p:spPr bwMode="auto">
           <a:xfrm>
-            <a:off x="4206081" y="5509419"/>
+            <a:off x="8002336" y="4455558"/>
             <a:ext cx="731837" cy="731837"/>
           </a:xfrm>
           <a:prstGeom prst="rect">
@@ -6102,8 +6115,53 @@
         </p:blipFill>
         <p:spPr bwMode="auto">
           <a:xfrm>
-            <a:off x="5036615" y="5477160"/>
+            <a:off x="7996719" y="5276782"/>
             <a:ext cx="743070" cy="764096"/>
+          </a:xfrm>
+          <a:prstGeom prst="rect">
+            <a:avLst/>
+          </a:prstGeom>
+          <a:noFill/>
+          <a:extLst>
+            <a:ext uri="{909E8E84-426E-40DD-AFC4-6F175D3DCCD1}">
+              <a14:hiddenFill xmlns:a14="http://schemas.microsoft.com/office/drawing/2010/main">
+                <a:solidFill>
+                  <a:srgbClr val="FFFFFF"/>
+                </a:solidFill>
+              </a14:hiddenFill>
+            </a:ext>
+          </a:extLst>
+        </p:spPr>
+      </p:pic>
+      <p:pic>
+        <p:nvPicPr>
+          <p:cNvPr id="6" name="Picture 6" descr="Postman — каталог программного обеспечения Postman, купить ...">
+            <a:extLst>
+              <a:ext uri="{FF2B5EF4-FFF2-40B4-BE49-F238E27FC236}">
+                <a16:creationId xmlns:a16="http://schemas.microsoft.com/office/drawing/2014/main" id="{A18FBDFB-C338-0550-36B4-B68CCC4713BF}"/>
+              </a:ext>
+            </a:extLst>
+          </p:cNvPr>
+          <p:cNvPicPr>
+            <a:picLocks noChangeAspect="1" noChangeArrowheads="1"/>
+          </p:cNvPicPr>
+          <p:nvPr/>
+        </p:nvPicPr>
+        <p:blipFill rotWithShape="1">
+          <a:blip r:embed="rId12" cstate="print">
+            <a:extLst>
+              <a:ext uri="{28A0092B-C50C-407E-A947-70E740481C1C}">
+                <a14:useLocalDpi xmlns:a14="http://schemas.microsoft.com/office/drawing/2010/main" val="0"/>
+              </a:ext>
+            </a:extLst>
+          </a:blip>
+          <a:srcRect l="15573" r="17094" b="29675"/>
+          <a:stretch/>
+        </p:blipFill>
+        <p:spPr bwMode="auto">
+          <a:xfrm>
+            <a:off x="7130005" y="5436034"/>
+            <a:ext cx="813725" cy="764096"/>
           </a:xfrm>
           <a:prstGeom prst="rect">
             <a:avLst/>
@@ -9024,7 +9082,7 @@
         <p:spPr/>
         <p:txBody>
           <a:bodyPr>
-            <a:normAutofit fontScale="55000" lnSpcReduction="20000"/>
+            <a:normAutofit fontScale="47500" lnSpcReduction="20000"/>
           </a:bodyPr>
           <a:lstStyle/>
           <a:p>
@@ -9048,6 +9106,23 @@
               <a:rPr lang="ru-RU" dirty="0"/>
               <a:t>должна быть реализована база для хранения всех загружаемых данных;</a:t>
             </a:r>
+            <a:endParaRPr lang="en-US" dirty="0"/>
+          </a:p>
+          <a:p>
+            <a:pPr>
+              <a:lnSpc>
+                <a:spcPct val="170000"/>
+              </a:lnSpc>
+            </a:pPr>
+            <a:r>
+              <a:rPr lang="ru-RU" dirty="0">
+                <a:effectLst/>
+                <a:ea typeface="Noto Sans Symbols"/>
+                <a:cs typeface="Noto Sans Symbols"/>
+              </a:rPr>
+              <a:t>загруженные в сервис данные должны подготавливаться для визуализации;</a:t>
+            </a:r>
+            <a:endParaRPr lang="ru-RU" dirty="0"/>
           </a:p>
           <a:p>
             <a:pPr>

--- a/3 [Презентация].pptx
+++ b/3 [Презентация].pptx
@@ -5,7 +5,7 @@
     <p:sldMasterId id="2147483648" r:id="rId1"/>
   </p:sldMasterIdLst>
   <p:notesMasterIdLst>
-    <p:notesMasterId r:id="rId20"/>
+    <p:notesMasterId r:id="rId25"/>
   </p:notesMasterIdLst>
   <p:sldIdLst>
     <p:sldId id="256" r:id="rId2"/>
@@ -16,16 +16,21 @@
     <p:sldId id="262" r:id="rId7"/>
     <p:sldId id="263" r:id="rId8"/>
     <p:sldId id="265" r:id="rId9"/>
-    <p:sldId id="264" r:id="rId10"/>
-    <p:sldId id="266" r:id="rId11"/>
-    <p:sldId id="267" r:id="rId12"/>
-    <p:sldId id="268" r:id="rId13"/>
-    <p:sldId id="269" r:id="rId14"/>
-    <p:sldId id="272" r:id="rId15"/>
-    <p:sldId id="273" r:id="rId16"/>
-    <p:sldId id="274" r:id="rId17"/>
-    <p:sldId id="271" r:id="rId18"/>
-    <p:sldId id="258" r:id="rId19"/>
+    <p:sldId id="275" r:id="rId10"/>
+    <p:sldId id="277" r:id="rId11"/>
+    <p:sldId id="280" r:id="rId12"/>
+    <p:sldId id="278" r:id="rId13"/>
+    <p:sldId id="279" r:id="rId14"/>
+    <p:sldId id="264" r:id="rId15"/>
+    <p:sldId id="266" r:id="rId16"/>
+    <p:sldId id="267" r:id="rId17"/>
+    <p:sldId id="268" r:id="rId18"/>
+    <p:sldId id="269" r:id="rId19"/>
+    <p:sldId id="272" r:id="rId20"/>
+    <p:sldId id="273" r:id="rId21"/>
+    <p:sldId id="274" r:id="rId22"/>
+    <p:sldId id="271" r:id="rId23"/>
+    <p:sldId id="258" r:id="rId24"/>
   </p:sldIdLst>
   <p:sldSz cx="9144000" cy="6858000" type="screen4x3"/>
   <p:notesSz cx="6858000" cy="9144000"/>
@@ -126,7 +131,7 @@
   </p:defaultTextStyle>
   <p:extLst>
     <p:ext uri="{EFAFB233-063F-42B5-8137-9DF3F51BA10A}">
-      <p15:sldGuideLst xmlns:p15="http://schemas.microsoft.com/office/powerpoint/2012/main">
+      <p15:sldGuideLst xmlns:p15="http://schemas.microsoft.com/office/powerpoint/2012/main" xmlns="">
         <p15:guide id="1" orient="horz" pos="2160">
           <p15:clr>
             <a:srgbClr val="A4A3A4"/>
@@ -394,6 +399,11 @@
         </p:txBody>
       </p:sp>
     </p:spTree>
+    <p:extLst>
+      <p:ext uri="{BB962C8B-B14F-4D97-AF65-F5344CB8AC3E}">
+        <p14:creationId xmlns:p14="http://schemas.microsoft.com/office/powerpoint/2010/main" val="2814923952"/>
+      </p:ext>
+    </p:extLst>
   </p:cSld>
   <p:clrMap bg1="lt1" tx1="dk1" bg2="lt2" tx2="dk2" accent1="accent1" accent2="accent2" accent3="accent3" accent4="accent4" accent5="accent5" accent6="accent6" hlink="hlink" folHlink="folHlink"/>
   <p:notesStyle>
@@ -905,11 +915,6 @@
         </p:txBody>
       </p:sp>
     </p:spTree>
-    <p:extLst>
-      <p:ext uri="{BB962C8B-B14F-4D97-AF65-F5344CB8AC3E}">
-        <p14:creationId xmlns:p14="http://schemas.microsoft.com/office/powerpoint/2010/main" val="440803295"/>
-      </p:ext>
-    </p:extLst>
   </p:cSld>
   <p:clrMapOvr>
     <a:masterClrMapping/>
@@ -992,11 +997,6 @@
         </p:txBody>
       </p:sp>
     </p:spTree>
-    <p:extLst>
-      <p:ext uri="{BB962C8B-B14F-4D97-AF65-F5344CB8AC3E}">
-        <p14:creationId xmlns:p14="http://schemas.microsoft.com/office/powerpoint/2010/main" val="2108736343"/>
-      </p:ext>
-    </p:extLst>
   </p:cSld>
   <p:clrMapOvr>
     <a:masterClrMapping/>
@@ -1079,11 +1079,6 @@
         </p:txBody>
       </p:sp>
     </p:spTree>
-    <p:extLst>
-      <p:ext uri="{BB962C8B-B14F-4D97-AF65-F5344CB8AC3E}">
-        <p14:creationId xmlns:p14="http://schemas.microsoft.com/office/powerpoint/2010/main" val="3945301547"/>
-      </p:ext>
-    </p:extLst>
   </p:cSld>
   <p:clrMapOvr>
     <a:masterClrMapping/>
@@ -1173,6 +1168,262 @@
 </p:notes>
 </file>
 
+<file path=ppt/notesSlides/notesSlide17.xml><?xml version="1.0" encoding="utf-8"?>
+<p:notes xmlns:a="http://schemas.openxmlformats.org/drawingml/2006/main" xmlns:r="http://schemas.openxmlformats.org/officeDocument/2006/relationships" xmlns:p="http://schemas.openxmlformats.org/presentationml/2006/main">
+  <p:cSld>
+    <p:spTree>
+      <p:nvGrpSpPr>
+        <p:cNvPr id="1" name=""/>
+        <p:cNvGrpSpPr/>
+        <p:nvPr/>
+      </p:nvGrpSpPr>
+      <p:grpSpPr>
+        <a:xfrm>
+          <a:off x="0" y="0"/>
+          <a:ext cx="0" cy="0"/>
+          <a:chOff x="0" y="0"/>
+          <a:chExt cx="0" cy="0"/>
+        </a:xfrm>
+      </p:grpSpPr>
+      <p:sp>
+        <p:nvSpPr>
+          <p:cNvPr id="2" name="Образ слайда 1"/>
+          <p:cNvSpPr>
+            <a:spLocks noGrp="1" noRot="1" noChangeAspect="1"/>
+          </p:cNvSpPr>
+          <p:nvPr>
+            <p:ph type="sldImg"/>
+          </p:nvPr>
+        </p:nvSpPr>
+        <p:spPr/>
+      </p:sp>
+      <p:sp>
+        <p:nvSpPr>
+          <p:cNvPr id="3" name="Заметки 2"/>
+          <p:cNvSpPr>
+            <a:spLocks noGrp="1"/>
+          </p:cNvSpPr>
+          <p:nvPr>
+            <p:ph type="body" idx="1"/>
+          </p:nvPr>
+        </p:nvSpPr>
+        <p:spPr/>
+        <p:txBody>
+          <a:bodyPr>
+            <a:normAutofit/>
+          </a:bodyPr>
+          <a:lstStyle/>
+          <a:p>
+            <a:endParaRPr lang="ru-RU"/>
+          </a:p>
+        </p:txBody>
+      </p:sp>
+      <p:sp>
+        <p:nvSpPr>
+          <p:cNvPr id="4" name="Номер слайда 3"/>
+          <p:cNvSpPr>
+            <a:spLocks noGrp="1"/>
+          </p:cNvSpPr>
+          <p:nvPr>
+            <p:ph type="sldNum" sz="quarter" idx="10"/>
+          </p:nvPr>
+        </p:nvSpPr>
+        <p:spPr/>
+        <p:txBody>
+          <a:bodyPr/>
+          <a:lstStyle/>
+          <a:p>
+            <a:fld id="{3E0BFA3D-5F69-40DE-8C35-92738A9B6A32}" type="slidenum">
+              <a:rPr lang="ru-RU" smtClean="0"/>
+              <a:pPr/>
+              <a:t>18</a:t>
+            </a:fld>
+            <a:endParaRPr lang="ru-RU"/>
+          </a:p>
+        </p:txBody>
+      </p:sp>
+    </p:spTree>
+  </p:cSld>
+  <p:clrMapOvr>
+    <a:masterClrMapping/>
+  </p:clrMapOvr>
+</p:notes>
+</file>
+
+<file path=ppt/notesSlides/notesSlide18.xml><?xml version="1.0" encoding="utf-8"?>
+<p:notes xmlns:a="http://schemas.openxmlformats.org/drawingml/2006/main" xmlns:r="http://schemas.openxmlformats.org/officeDocument/2006/relationships" xmlns:p="http://schemas.openxmlformats.org/presentationml/2006/main">
+  <p:cSld>
+    <p:spTree>
+      <p:nvGrpSpPr>
+        <p:cNvPr id="1" name=""/>
+        <p:cNvGrpSpPr/>
+        <p:nvPr/>
+      </p:nvGrpSpPr>
+      <p:grpSpPr>
+        <a:xfrm>
+          <a:off x="0" y="0"/>
+          <a:ext cx="0" cy="0"/>
+          <a:chOff x="0" y="0"/>
+          <a:chExt cx="0" cy="0"/>
+        </a:xfrm>
+      </p:grpSpPr>
+      <p:sp>
+        <p:nvSpPr>
+          <p:cNvPr id="2" name="Образ слайда 1"/>
+          <p:cNvSpPr>
+            <a:spLocks noGrp="1" noRot="1" noChangeAspect="1"/>
+          </p:cNvSpPr>
+          <p:nvPr>
+            <p:ph type="sldImg"/>
+          </p:nvPr>
+        </p:nvSpPr>
+        <p:spPr/>
+      </p:sp>
+      <p:sp>
+        <p:nvSpPr>
+          <p:cNvPr id="3" name="Заметки 2"/>
+          <p:cNvSpPr>
+            <a:spLocks noGrp="1"/>
+          </p:cNvSpPr>
+          <p:nvPr>
+            <p:ph type="body" idx="1"/>
+          </p:nvPr>
+        </p:nvSpPr>
+        <p:spPr/>
+        <p:txBody>
+          <a:bodyPr>
+            <a:normAutofit/>
+          </a:bodyPr>
+          <a:lstStyle/>
+          <a:p>
+            <a:endParaRPr lang="ru-RU"/>
+          </a:p>
+        </p:txBody>
+      </p:sp>
+      <p:sp>
+        <p:nvSpPr>
+          <p:cNvPr id="4" name="Номер слайда 3"/>
+          <p:cNvSpPr>
+            <a:spLocks noGrp="1"/>
+          </p:cNvSpPr>
+          <p:nvPr>
+            <p:ph type="sldNum" sz="quarter" idx="10"/>
+          </p:nvPr>
+        </p:nvSpPr>
+        <p:spPr/>
+        <p:txBody>
+          <a:bodyPr/>
+          <a:lstStyle/>
+          <a:p>
+            <a:fld id="{3E0BFA3D-5F69-40DE-8C35-92738A9B6A32}" type="slidenum">
+              <a:rPr lang="ru-RU" smtClean="0"/>
+              <a:pPr/>
+              <a:t>19</a:t>
+            </a:fld>
+            <a:endParaRPr lang="ru-RU"/>
+          </a:p>
+        </p:txBody>
+      </p:sp>
+    </p:spTree>
+    <p:extLst>
+      <p:ext uri="{BB962C8B-B14F-4D97-AF65-F5344CB8AC3E}">
+        <p14:creationId xmlns:p14="http://schemas.microsoft.com/office/powerpoint/2010/main" val="440803295"/>
+      </p:ext>
+    </p:extLst>
+  </p:cSld>
+  <p:clrMapOvr>
+    <a:masterClrMapping/>
+  </p:clrMapOvr>
+</p:notes>
+</file>
+
+<file path=ppt/notesSlides/notesSlide19.xml><?xml version="1.0" encoding="utf-8"?>
+<p:notes xmlns:a="http://schemas.openxmlformats.org/drawingml/2006/main" xmlns:r="http://schemas.openxmlformats.org/officeDocument/2006/relationships" xmlns:p="http://schemas.openxmlformats.org/presentationml/2006/main">
+  <p:cSld>
+    <p:spTree>
+      <p:nvGrpSpPr>
+        <p:cNvPr id="1" name=""/>
+        <p:cNvGrpSpPr/>
+        <p:nvPr/>
+      </p:nvGrpSpPr>
+      <p:grpSpPr>
+        <a:xfrm>
+          <a:off x="0" y="0"/>
+          <a:ext cx="0" cy="0"/>
+          <a:chOff x="0" y="0"/>
+          <a:chExt cx="0" cy="0"/>
+        </a:xfrm>
+      </p:grpSpPr>
+      <p:sp>
+        <p:nvSpPr>
+          <p:cNvPr id="2" name="Образ слайда 1"/>
+          <p:cNvSpPr>
+            <a:spLocks noGrp="1" noRot="1" noChangeAspect="1"/>
+          </p:cNvSpPr>
+          <p:nvPr>
+            <p:ph type="sldImg"/>
+          </p:nvPr>
+        </p:nvSpPr>
+        <p:spPr/>
+      </p:sp>
+      <p:sp>
+        <p:nvSpPr>
+          <p:cNvPr id="3" name="Заметки 2"/>
+          <p:cNvSpPr>
+            <a:spLocks noGrp="1"/>
+          </p:cNvSpPr>
+          <p:nvPr>
+            <p:ph type="body" idx="1"/>
+          </p:nvPr>
+        </p:nvSpPr>
+        <p:spPr/>
+        <p:txBody>
+          <a:bodyPr>
+            <a:normAutofit/>
+          </a:bodyPr>
+          <a:lstStyle/>
+          <a:p>
+            <a:endParaRPr lang="ru-RU"/>
+          </a:p>
+        </p:txBody>
+      </p:sp>
+      <p:sp>
+        <p:nvSpPr>
+          <p:cNvPr id="4" name="Номер слайда 3"/>
+          <p:cNvSpPr>
+            <a:spLocks noGrp="1"/>
+          </p:cNvSpPr>
+          <p:nvPr>
+            <p:ph type="sldNum" sz="quarter" idx="10"/>
+          </p:nvPr>
+        </p:nvSpPr>
+        <p:spPr/>
+        <p:txBody>
+          <a:bodyPr/>
+          <a:lstStyle/>
+          <a:p>
+            <a:fld id="{3E0BFA3D-5F69-40DE-8C35-92738A9B6A32}" type="slidenum">
+              <a:rPr lang="ru-RU" smtClean="0"/>
+              <a:pPr/>
+              <a:t>20</a:t>
+            </a:fld>
+            <a:endParaRPr lang="ru-RU"/>
+          </a:p>
+        </p:txBody>
+      </p:sp>
+    </p:spTree>
+    <p:extLst>
+      <p:ext uri="{BB962C8B-B14F-4D97-AF65-F5344CB8AC3E}">
+        <p14:creationId xmlns:p14="http://schemas.microsoft.com/office/powerpoint/2010/main" val="2108736343"/>
+      </p:ext>
+    </p:extLst>
+  </p:cSld>
+  <p:clrMapOvr>
+    <a:masterClrMapping/>
+  </p:clrMapOvr>
+</p:notes>
+</file>
+
 <file path=ppt/notesSlides/notesSlide2.xml><?xml version="1.0" encoding="utf-8"?>
 <p:notes xmlns:a="http://schemas.openxmlformats.org/drawingml/2006/main" xmlns:r="http://schemas.openxmlformats.org/officeDocument/2006/relationships" xmlns:p="http://schemas.openxmlformats.org/presentationml/2006/main">
   <p:cSld>
@@ -1242,6 +1493,175 @@
               <a:rPr lang="ru-RU" smtClean="0"/>
               <a:pPr/>
               <a:t>3</a:t>
+            </a:fld>
+            <a:endParaRPr lang="ru-RU"/>
+          </a:p>
+        </p:txBody>
+      </p:sp>
+    </p:spTree>
+  </p:cSld>
+  <p:clrMapOvr>
+    <a:masterClrMapping/>
+  </p:clrMapOvr>
+</p:notes>
+</file>
+
+<file path=ppt/notesSlides/notesSlide20.xml><?xml version="1.0" encoding="utf-8"?>
+<p:notes xmlns:a="http://schemas.openxmlformats.org/drawingml/2006/main" xmlns:r="http://schemas.openxmlformats.org/officeDocument/2006/relationships" xmlns:p="http://schemas.openxmlformats.org/presentationml/2006/main">
+  <p:cSld>
+    <p:spTree>
+      <p:nvGrpSpPr>
+        <p:cNvPr id="1" name=""/>
+        <p:cNvGrpSpPr/>
+        <p:nvPr/>
+      </p:nvGrpSpPr>
+      <p:grpSpPr>
+        <a:xfrm>
+          <a:off x="0" y="0"/>
+          <a:ext cx="0" cy="0"/>
+          <a:chOff x="0" y="0"/>
+          <a:chExt cx="0" cy="0"/>
+        </a:xfrm>
+      </p:grpSpPr>
+      <p:sp>
+        <p:nvSpPr>
+          <p:cNvPr id="2" name="Образ слайда 1"/>
+          <p:cNvSpPr>
+            <a:spLocks noGrp="1" noRot="1" noChangeAspect="1"/>
+          </p:cNvSpPr>
+          <p:nvPr>
+            <p:ph type="sldImg"/>
+          </p:nvPr>
+        </p:nvSpPr>
+        <p:spPr/>
+      </p:sp>
+      <p:sp>
+        <p:nvSpPr>
+          <p:cNvPr id="3" name="Заметки 2"/>
+          <p:cNvSpPr>
+            <a:spLocks noGrp="1"/>
+          </p:cNvSpPr>
+          <p:nvPr>
+            <p:ph type="body" idx="1"/>
+          </p:nvPr>
+        </p:nvSpPr>
+        <p:spPr/>
+        <p:txBody>
+          <a:bodyPr>
+            <a:normAutofit/>
+          </a:bodyPr>
+          <a:lstStyle/>
+          <a:p>
+            <a:endParaRPr lang="ru-RU"/>
+          </a:p>
+        </p:txBody>
+      </p:sp>
+      <p:sp>
+        <p:nvSpPr>
+          <p:cNvPr id="4" name="Номер слайда 3"/>
+          <p:cNvSpPr>
+            <a:spLocks noGrp="1"/>
+          </p:cNvSpPr>
+          <p:nvPr>
+            <p:ph type="sldNum" sz="quarter" idx="10"/>
+          </p:nvPr>
+        </p:nvSpPr>
+        <p:spPr/>
+        <p:txBody>
+          <a:bodyPr/>
+          <a:lstStyle/>
+          <a:p>
+            <a:fld id="{3E0BFA3D-5F69-40DE-8C35-92738A9B6A32}" type="slidenum">
+              <a:rPr lang="ru-RU" smtClean="0"/>
+              <a:pPr/>
+              <a:t>21</a:t>
+            </a:fld>
+            <a:endParaRPr lang="ru-RU"/>
+          </a:p>
+        </p:txBody>
+      </p:sp>
+    </p:spTree>
+    <p:extLst>
+      <p:ext uri="{BB962C8B-B14F-4D97-AF65-F5344CB8AC3E}">
+        <p14:creationId xmlns:p14="http://schemas.microsoft.com/office/powerpoint/2010/main" val="3945301547"/>
+      </p:ext>
+    </p:extLst>
+  </p:cSld>
+  <p:clrMapOvr>
+    <a:masterClrMapping/>
+  </p:clrMapOvr>
+</p:notes>
+</file>
+
+<file path=ppt/notesSlides/notesSlide21.xml><?xml version="1.0" encoding="utf-8"?>
+<p:notes xmlns:a="http://schemas.openxmlformats.org/drawingml/2006/main" xmlns:r="http://schemas.openxmlformats.org/officeDocument/2006/relationships" xmlns:p="http://schemas.openxmlformats.org/presentationml/2006/main">
+  <p:cSld>
+    <p:spTree>
+      <p:nvGrpSpPr>
+        <p:cNvPr id="1" name=""/>
+        <p:cNvGrpSpPr/>
+        <p:nvPr/>
+      </p:nvGrpSpPr>
+      <p:grpSpPr>
+        <a:xfrm>
+          <a:off x="0" y="0"/>
+          <a:ext cx="0" cy="0"/>
+          <a:chOff x="0" y="0"/>
+          <a:chExt cx="0" cy="0"/>
+        </a:xfrm>
+      </p:grpSpPr>
+      <p:sp>
+        <p:nvSpPr>
+          <p:cNvPr id="2" name="Образ слайда 1"/>
+          <p:cNvSpPr>
+            <a:spLocks noGrp="1" noRot="1" noChangeAspect="1"/>
+          </p:cNvSpPr>
+          <p:nvPr>
+            <p:ph type="sldImg"/>
+          </p:nvPr>
+        </p:nvSpPr>
+        <p:spPr/>
+      </p:sp>
+      <p:sp>
+        <p:nvSpPr>
+          <p:cNvPr id="3" name="Заметки 2"/>
+          <p:cNvSpPr>
+            <a:spLocks noGrp="1"/>
+          </p:cNvSpPr>
+          <p:nvPr>
+            <p:ph type="body" idx="1"/>
+          </p:nvPr>
+        </p:nvSpPr>
+        <p:spPr/>
+        <p:txBody>
+          <a:bodyPr>
+            <a:normAutofit/>
+          </a:bodyPr>
+          <a:lstStyle/>
+          <a:p>
+            <a:endParaRPr lang="ru-RU"/>
+          </a:p>
+        </p:txBody>
+      </p:sp>
+      <p:sp>
+        <p:nvSpPr>
+          <p:cNvPr id="4" name="Номер слайда 3"/>
+          <p:cNvSpPr>
+            <a:spLocks noGrp="1"/>
+          </p:cNvSpPr>
+          <p:nvPr>
+            <p:ph type="sldNum" sz="quarter" idx="10"/>
+          </p:nvPr>
+        </p:nvSpPr>
+        <p:spPr/>
+        <p:txBody>
+          <a:bodyPr/>
+          <a:lstStyle/>
+          <a:p>
+            <a:fld id="{3E0BFA3D-5F69-40DE-8C35-92738A9B6A32}" type="slidenum">
+              <a:rPr lang="ru-RU" smtClean="0"/>
+              <a:pPr/>
+              <a:t>22</a:t>
             </a:fld>
             <a:endParaRPr lang="ru-RU"/>
           </a:p>
@@ -4787,6 +5207,10 @@
               <a:rPr lang="ru-RU" sz="3100" dirty="0"/>
               <a:t>Выпускная квалификационная работа бакалавра</a:t>
             </a:r>
+            <a:r>
+              <a:rPr lang="ru-RU" dirty="0"/>
+              <a:t/>
+            </a:r>
             <a:br>
               <a:rPr lang="ru-RU" dirty="0"/>
             </a:br>
@@ -5077,18 +5501,48 @@
         <p:spPr/>
         <p:txBody>
           <a:bodyPr>
-            <a:normAutofit/>
+            <a:normAutofit fontScale="90000"/>
           </a:bodyPr>
           <a:lstStyle/>
           <a:p>
             <a:pPr algn="l"/>
             <a:r>
-              <a:rPr lang="ru-RU" dirty="0"/>
-              <a:t>Структура базы данных</a:t>
-            </a:r>
-          </a:p>
-        </p:txBody>
-      </p:sp>
+              <a:rPr lang="ru-RU" dirty="0" smtClean="0"/>
+              <a:t>Алгоритмы подготовки данных для диаграммы</a:t>
+            </a:r>
+            <a:endParaRPr lang="ru-RU" dirty="0"/>
+          </a:p>
+        </p:txBody>
+      </p:sp>
+      <p:pic>
+        <p:nvPicPr>
+          <p:cNvPr id="5" name="Объект 4"/>
+          <p:cNvPicPr>
+            <a:picLocks noGrp="1" noChangeAspect="1"/>
+          </p:cNvPicPr>
+          <p:nvPr>
+            <p:ph idx="1"/>
+          </p:nvPr>
+        </p:nvPicPr>
+        <p:blipFill>
+          <a:blip r:embed="rId3">
+            <a:extLst>
+              <a:ext uri="{28A0092B-C50C-407E-A947-70E740481C1C}">
+                <a14:useLocalDpi xmlns:a14="http://schemas.microsoft.com/office/drawing/2010/main" val="0"/>
+              </a:ext>
+            </a:extLst>
+          </a:blip>
+          <a:stretch>
+            <a:fillRect/>
+          </a:stretch>
+        </p:blipFill>
+        <p:spPr>
+          <a:xfrm>
+            <a:off x="3851920" y="836712"/>
+            <a:ext cx="1512168" cy="5875640"/>
+          </a:xfrm>
+        </p:spPr>
+      </p:pic>
       <p:sp>
         <p:nvSpPr>
           <p:cNvPr id="4" name="Номер слайда 3"/>
@@ -5126,12 +5580,653 @@
           </a:p>
         </p:txBody>
       </p:sp>
+    </p:spTree>
+    <p:extLst>
+      <p:ext uri="{BB962C8B-B14F-4D97-AF65-F5344CB8AC3E}">
+        <p14:creationId xmlns:p14="http://schemas.microsoft.com/office/powerpoint/2010/main" val="1729716298"/>
+      </p:ext>
+    </p:extLst>
+  </p:cSld>
+  <p:clrMapOvr>
+    <a:masterClrMapping/>
+  </p:clrMapOvr>
+</p:sld>
+</file>
+
+<file path=ppt/slides/slide11.xml><?xml version="1.0" encoding="utf-8"?>
+<p:sld xmlns:a="http://schemas.openxmlformats.org/drawingml/2006/main" xmlns:r="http://schemas.openxmlformats.org/officeDocument/2006/relationships" xmlns:p="http://schemas.openxmlformats.org/presentationml/2006/main">
+  <p:cSld>
+    <p:spTree>
+      <p:nvGrpSpPr>
+        <p:cNvPr id="1" name=""/>
+        <p:cNvGrpSpPr/>
+        <p:nvPr/>
+      </p:nvGrpSpPr>
+      <p:grpSpPr>
+        <a:xfrm>
+          <a:off x="0" y="0"/>
+          <a:ext cx="0" cy="0"/>
+          <a:chOff x="0" y="0"/>
+          <a:chExt cx="0" cy="0"/>
+        </a:xfrm>
+      </p:grpSpPr>
+      <p:sp>
+        <p:nvSpPr>
+          <p:cNvPr id="2" name="Заголовок 1"/>
+          <p:cNvSpPr>
+            <a:spLocks noGrp="1"/>
+          </p:cNvSpPr>
+          <p:nvPr>
+            <p:ph type="title"/>
+          </p:nvPr>
+        </p:nvSpPr>
+        <p:spPr/>
+        <p:txBody>
+          <a:bodyPr>
+            <a:normAutofit fontScale="90000"/>
+          </a:bodyPr>
+          <a:lstStyle/>
+          <a:p>
+            <a:pPr algn="l"/>
+            <a:r>
+              <a:rPr lang="ru-RU" dirty="0" smtClean="0"/>
+              <a:t>Алгоритмы подготовки данных для тепловой карты</a:t>
+            </a:r>
+            <a:endParaRPr lang="ru-RU" dirty="0"/>
+          </a:p>
+        </p:txBody>
+      </p:sp>
+      <p:sp>
+        <p:nvSpPr>
+          <p:cNvPr id="4" name="Номер слайда 3"/>
+          <p:cNvSpPr>
+            <a:spLocks noGrp="1"/>
+          </p:cNvSpPr>
+          <p:nvPr>
+            <p:ph type="sldNum" sz="quarter" idx="12"/>
+          </p:nvPr>
+        </p:nvSpPr>
+        <p:spPr>
+          <a:xfrm>
+            <a:off x="8378080" y="6356350"/>
+            <a:ext cx="586408" cy="365125"/>
+          </a:xfrm>
+        </p:spPr>
+        <p:txBody>
+          <a:bodyPr/>
+          <a:lstStyle/>
+          <a:p>
+            <a:fld id="{9C7809D5-FB6B-406A-8E38-A52600843BEE}" type="slidenum">
+              <a:rPr lang="ru-RU" sz="2400" smtClean="0">
+                <a:solidFill>
+                  <a:schemeClr val="tx1"/>
+                </a:solidFill>
+              </a:rPr>
+              <a:pPr/>
+              <a:t>11</a:t>
+            </a:fld>
+            <a:endParaRPr lang="ru-RU" sz="2400" dirty="0">
+              <a:solidFill>
+                <a:schemeClr val="tx1"/>
+              </a:solidFill>
+            </a:endParaRPr>
+          </a:p>
+        </p:txBody>
+      </p:sp>
+      <p:pic>
+        <p:nvPicPr>
+          <p:cNvPr id="6" name="Объект 5"/>
+          <p:cNvPicPr>
+            <a:picLocks noGrp="1" noChangeAspect="1"/>
+          </p:cNvPicPr>
+          <p:nvPr>
+            <p:ph idx="1"/>
+          </p:nvPr>
+        </p:nvPicPr>
+        <p:blipFill>
+          <a:blip r:embed="rId3">
+            <a:extLst>
+              <a:ext uri="{28A0092B-C50C-407E-A947-70E740481C1C}">
+                <a14:useLocalDpi xmlns:a14="http://schemas.microsoft.com/office/drawing/2010/main" val="0"/>
+              </a:ext>
+            </a:extLst>
+          </a:blip>
+          <a:stretch>
+            <a:fillRect/>
+          </a:stretch>
+        </p:blipFill>
+        <p:spPr>
+          <a:xfrm>
+            <a:off x="3491880" y="1484784"/>
+            <a:ext cx="2277978" cy="4997952"/>
+          </a:xfrm>
+        </p:spPr>
+      </p:pic>
+    </p:spTree>
+    <p:extLst>
+      <p:ext uri="{BB962C8B-B14F-4D97-AF65-F5344CB8AC3E}">
+        <p14:creationId xmlns:p14="http://schemas.microsoft.com/office/powerpoint/2010/main" val="2613785132"/>
+      </p:ext>
+    </p:extLst>
+  </p:cSld>
+  <p:clrMapOvr>
+    <a:masterClrMapping/>
+  </p:clrMapOvr>
+</p:sld>
+</file>
+
+<file path=ppt/slides/slide12.xml><?xml version="1.0" encoding="utf-8"?>
+<p:sld xmlns:a="http://schemas.openxmlformats.org/drawingml/2006/main" xmlns:r="http://schemas.openxmlformats.org/officeDocument/2006/relationships" xmlns:p="http://schemas.openxmlformats.org/presentationml/2006/main">
+  <p:cSld>
+    <p:spTree>
+      <p:nvGrpSpPr>
+        <p:cNvPr id="1" name=""/>
+        <p:cNvGrpSpPr/>
+        <p:nvPr/>
+      </p:nvGrpSpPr>
+      <p:grpSpPr>
+        <a:xfrm>
+          <a:off x="0" y="0"/>
+          <a:ext cx="0" cy="0"/>
+          <a:chOff x="0" y="0"/>
+          <a:chExt cx="0" cy="0"/>
+        </a:xfrm>
+      </p:grpSpPr>
+      <p:sp>
+        <p:nvSpPr>
+          <p:cNvPr id="2" name="Заголовок 1"/>
+          <p:cNvSpPr>
+            <a:spLocks noGrp="1"/>
+          </p:cNvSpPr>
+          <p:nvPr>
+            <p:ph type="title"/>
+          </p:nvPr>
+        </p:nvSpPr>
+        <p:spPr/>
+        <p:txBody>
+          <a:bodyPr>
+            <a:normAutofit fontScale="90000"/>
+          </a:bodyPr>
+          <a:lstStyle/>
+          <a:p>
+            <a:pPr algn="l"/>
+            <a:r>
+              <a:rPr lang="ru-RU" dirty="0" smtClean="0"/>
+              <a:t>Алгоритмы расчета показателей статистического анализа</a:t>
+            </a:r>
+            <a:endParaRPr lang="ru-RU" dirty="0"/>
+          </a:p>
+        </p:txBody>
+      </p:sp>
+      <p:pic>
+        <p:nvPicPr>
+          <p:cNvPr id="5" name="Объект 4"/>
+          <p:cNvPicPr>
+            <a:picLocks noGrp="1" noChangeAspect="1"/>
+          </p:cNvPicPr>
+          <p:nvPr>
+            <p:ph idx="1"/>
+          </p:nvPr>
+        </p:nvPicPr>
+        <p:blipFill>
+          <a:blip r:embed="rId3">
+            <a:extLst>
+              <a:ext uri="{28A0092B-C50C-407E-A947-70E740481C1C}">
+                <a14:useLocalDpi xmlns:a14="http://schemas.microsoft.com/office/drawing/2010/main" val="0"/>
+              </a:ext>
+            </a:extLst>
+          </a:blip>
+          <a:stretch>
+            <a:fillRect/>
+          </a:stretch>
+        </p:blipFill>
+        <p:spPr>
+          <a:xfrm>
+            <a:off x="539552" y="1772816"/>
+            <a:ext cx="1541689" cy="4248472"/>
+          </a:xfrm>
+        </p:spPr>
+      </p:pic>
+      <p:sp>
+        <p:nvSpPr>
+          <p:cNvPr id="4" name="Номер слайда 3"/>
+          <p:cNvSpPr>
+            <a:spLocks noGrp="1"/>
+          </p:cNvSpPr>
+          <p:nvPr>
+            <p:ph type="sldNum" sz="quarter" idx="12"/>
+          </p:nvPr>
+        </p:nvSpPr>
+        <p:spPr>
+          <a:xfrm>
+            <a:off x="8378080" y="6356350"/>
+            <a:ext cx="586408" cy="365125"/>
+          </a:xfrm>
+        </p:spPr>
+        <p:txBody>
+          <a:bodyPr/>
+          <a:lstStyle/>
+          <a:p>
+            <a:fld id="{9C7809D5-FB6B-406A-8E38-A52600843BEE}" type="slidenum">
+              <a:rPr lang="ru-RU" sz="2400" smtClean="0">
+                <a:solidFill>
+                  <a:schemeClr val="tx1"/>
+                </a:solidFill>
+              </a:rPr>
+              <a:pPr/>
+              <a:t>12</a:t>
+            </a:fld>
+            <a:endParaRPr lang="ru-RU" sz="2400" dirty="0">
+              <a:solidFill>
+                <a:schemeClr val="tx1"/>
+              </a:solidFill>
+            </a:endParaRPr>
+          </a:p>
+        </p:txBody>
+      </p:sp>
+      <p:pic>
+        <p:nvPicPr>
+          <p:cNvPr id="6" name="Рисунок 5"/>
+          <p:cNvPicPr>
+            <a:picLocks noChangeAspect="1"/>
+          </p:cNvPicPr>
+          <p:nvPr/>
+        </p:nvPicPr>
+        <p:blipFill>
+          <a:blip r:embed="rId4">
+            <a:extLst>
+              <a:ext uri="{28A0092B-C50C-407E-A947-70E740481C1C}">
+                <a14:useLocalDpi xmlns:a14="http://schemas.microsoft.com/office/drawing/2010/main" val="0"/>
+              </a:ext>
+            </a:extLst>
+          </a:blip>
+          <a:stretch>
+            <a:fillRect/>
+          </a:stretch>
+        </p:blipFill>
+        <p:spPr>
+          <a:xfrm>
+            <a:off x="2939832" y="1844824"/>
+            <a:ext cx="3340584" cy="4140566"/>
+          </a:xfrm>
+          <a:prstGeom prst="rect">
+            <a:avLst/>
+          </a:prstGeom>
+        </p:spPr>
+      </p:pic>
+      <p:pic>
+        <p:nvPicPr>
+          <p:cNvPr id="7" name="Рисунок 6"/>
+          <p:cNvPicPr>
+            <a:picLocks noChangeAspect="1"/>
+          </p:cNvPicPr>
+          <p:nvPr/>
+        </p:nvPicPr>
+        <p:blipFill>
+          <a:blip r:embed="rId5">
+            <a:extLst>
+              <a:ext uri="{28A0092B-C50C-407E-A947-70E740481C1C}">
+                <a14:useLocalDpi xmlns:a14="http://schemas.microsoft.com/office/drawing/2010/main" val="0"/>
+              </a:ext>
+            </a:extLst>
+          </a:blip>
+          <a:stretch>
+            <a:fillRect/>
+          </a:stretch>
+        </p:blipFill>
+        <p:spPr>
+          <a:xfrm>
+            <a:off x="6804248" y="1578496"/>
+            <a:ext cx="1728192" cy="4528749"/>
+          </a:xfrm>
+          <a:prstGeom prst="rect">
+            <a:avLst/>
+          </a:prstGeom>
+        </p:spPr>
+      </p:pic>
+    </p:spTree>
+    <p:extLst>
+      <p:ext uri="{BB962C8B-B14F-4D97-AF65-F5344CB8AC3E}">
+        <p14:creationId xmlns:p14="http://schemas.microsoft.com/office/powerpoint/2010/main" val="208066954"/>
+      </p:ext>
+    </p:extLst>
+  </p:cSld>
+  <p:clrMapOvr>
+    <a:masterClrMapping/>
+  </p:clrMapOvr>
+</p:sld>
+</file>
+
+<file path=ppt/slides/slide13.xml><?xml version="1.0" encoding="utf-8"?>
+<p:sld xmlns:a="http://schemas.openxmlformats.org/drawingml/2006/main" xmlns:r="http://schemas.openxmlformats.org/officeDocument/2006/relationships" xmlns:p="http://schemas.openxmlformats.org/presentationml/2006/main">
+  <p:cSld>
+    <p:spTree>
+      <p:nvGrpSpPr>
+        <p:cNvPr id="1" name=""/>
+        <p:cNvGrpSpPr/>
+        <p:nvPr/>
+      </p:nvGrpSpPr>
+      <p:grpSpPr>
+        <a:xfrm>
+          <a:off x="0" y="0"/>
+          <a:ext cx="0" cy="0"/>
+          <a:chOff x="0" y="0"/>
+          <a:chExt cx="0" cy="0"/>
+        </a:xfrm>
+      </p:grpSpPr>
+      <p:sp>
+        <p:nvSpPr>
+          <p:cNvPr id="2" name="Заголовок 1"/>
+          <p:cNvSpPr>
+            <a:spLocks noGrp="1"/>
+          </p:cNvSpPr>
+          <p:nvPr>
+            <p:ph type="title"/>
+          </p:nvPr>
+        </p:nvSpPr>
+        <p:spPr/>
+        <p:txBody>
+          <a:bodyPr>
+            <a:normAutofit fontScale="90000"/>
+          </a:bodyPr>
+          <a:lstStyle/>
+          <a:p>
+            <a:pPr algn="l"/>
+            <a:r>
+              <a:rPr lang="ru-RU" dirty="0" smtClean="0"/>
+              <a:t>Алгоритмы выявления аномальных значений</a:t>
+            </a:r>
+            <a:endParaRPr lang="ru-RU" dirty="0"/>
+          </a:p>
+        </p:txBody>
+      </p:sp>
+      <p:pic>
+        <p:nvPicPr>
+          <p:cNvPr id="5" name="Объект 4"/>
+          <p:cNvPicPr>
+            <a:picLocks noGrp="1" noChangeAspect="1"/>
+          </p:cNvPicPr>
+          <p:nvPr>
+            <p:ph idx="1"/>
+          </p:nvPr>
+        </p:nvPicPr>
+        <p:blipFill>
+          <a:blip r:embed="rId3">
+            <a:extLst>
+              <a:ext uri="{28A0092B-C50C-407E-A947-70E740481C1C}">
+                <a14:useLocalDpi xmlns:a14="http://schemas.microsoft.com/office/drawing/2010/main" val="0"/>
+              </a:ext>
+            </a:extLst>
+          </a:blip>
+          <a:stretch>
+            <a:fillRect/>
+          </a:stretch>
+        </p:blipFill>
+        <p:spPr>
+          <a:xfrm>
+            <a:off x="3419872" y="1268760"/>
+            <a:ext cx="2277978" cy="4997952"/>
+          </a:xfrm>
+        </p:spPr>
+      </p:pic>
+      <p:sp>
+        <p:nvSpPr>
+          <p:cNvPr id="4" name="Номер слайда 3"/>
+          <p:cNvSpPr>
+            <a:spLocks noGrp="1"/>
+          </p:cNvSpPr>
+          <p:nvPr>
+            <p:ph type="sldNum" sz="quarter" idx="12"/>
+          </p:nvPr>
+        </p:nvSpPr>
+        <p:spPr>
+          <a:xfrm>
+            <a:off x="8378080" y="6356350"/>
+            <a:ext cx="586408" cy="365125"/>
+          </a:xfrm>
+        </p:spPr>
+        <p:txBody>
+          <a:bodyPr/>
+          <a:lstStyle/>
+          <a:p>
+            <a:fld id="{9C7809D5-FB6B-406A-8E38-A52600843BEE}" type="slidenum">
+              <a:rPr lang="ru-RU" sz="2400" smtClean="0">
+                <a:solidFill>
+                  <a:schemeClr val="tx1"/>
+                </a:solidFill>
+              </a:rPr>
+              <a:pPr/>
+              <a:t>13</a:t>
+            </a:fld>
+            <a:endParaRPr lang="ru-RU" sz="2400" dirty="0">
+              <a:solidFill>
+                <a:schemeClr val="tx1"/>
+              </a:solidFill>
+            </a:endParaRPr>
+          </a:p>
+        </p:txBody>
+      </p:sp>
+    </p:spTree>
+    <p:extLst>
+      <p:ext uri="{BB962C8B-B14F-4D97-AF65-F5344CB8AC3E}">
+        <p14:creationId xmlns:p14="http://schemas.microsoft.com/office/powerpoint/2010/main" val="928021362"/>
+      </p:ext>
+    </p:extLst>
+  </p:cSld>
+  <p:clrMapOvr>
+    <a:masterClrMapping/>
+  </p:clrMapOvr>
+</p:sld>
+</file>
+
+<file path=ppt/slides/slide14.xml><?xml version="1.0" encoding="utf-8"?>
+<p:sld xmlns:a="http://schemas.openxmlformats.org/drawingml/2006/main" xmlns:r="http://schemas.openxmlformats.org/officeDocument/2006/relationships" xmlns:p="http://schemas.openxmlformats.org/presentationml/2006/main">
+  <p:cSld>
+    <p:spTree>
+      <p:nvGrpSpPr>
+        <p:cNvPr id="1" name=""/>
+        <p:cNvGrpSpPr/>
+        <p:nvPr/>
+      </p:nvGrpSpPr>
+      <p:grpSpPr>
+        <a:xfrm>
+          <a:off x="0" y="0"/>
+          <a:ext cx="0" cy="0"/>
+          <a:chOff x="0" y="0"/>
+          <a:chExt cx="0" cy="0"/>
+        </a:xfrm>
+      </p:grpSpPr>
+      <p:sp>
+        <p:nvSpPr>
+          <p:cNvPr id="2" name="Заголовок 1"/>
+          <p:cNvSpPr>
+            <a:spLocks noGrp="1"/>
+          </p:cNvSpPr>
+          <p:nvPr>
+            <p:ph type="title"/>
+          </p:nvPr>
+        </p:nvSpPr>
+        <p:spPr/>
+        <p:txBody>
+          <a:bodyPr>
+            <a:noAutofit/>
+          </a:bodyPr>
+          <a:lstStyle/>
+          <a:p>
+            <a:pPr algn="l"/>
+            <a:r>
+              <a:rPr lang="ru-RU" sz="3600" dirty="0"/>
+              <a:t>Архитектура разрабатываемого ПО</a:t>
+            </a:r>
+          </a:p>
+        </p:txBody>
+      </p:sp>
+      <p:sp>
+        <p:nvSpPr>
+          <p:cNvPr id="4" name="Номер слайда 3"/>
+          <p:cNvSpPr>
+            <a:spLocks noGrp="1"/>
+          </p:cNvSpPr>
+          <p:nvPr>
+            <p:ph type="sldNum" sz="quarter" idx="12"/>
+          </p:nvPr>
+        </p:nvSpPr>
+        <p:spPr>
+          <a:xfrm>
+            <a:off x="8378080" y="6356350"/>
+            <a:ext cx="586408" cy="365125"/>
+          </a:xfrm>
+        </p:spPr>
+        <p:txBody>
+          <a:bodyPr/>
+          <a:lstStyle/>
+          <a:p>
+            <a:fld id="{9C7809D5-FB6B-406A-8E38-A52600843BEE}" type="slidenum">
+              <a:rPr lang="ru-RU" sz="2400" smtClean="0">
+                <a:solidFill>
+                  <a:schemeClr val="tx1"/>
+                </a:solidFill>
+              </a:rPr>
+              <a:pPr/>
+              <a:t>14</a:t>
+            </a:fld>
+            <a:endParaRPr lang="ru-RU" sz="2400" dirty="0">
+              <a:solidFill>
+                <a:schemeClr val="tx1"/>
+              </a:solidFill>
+            </a:endParaRPr>
+          </a:p>
+        </p:txBody>
+      </p:sp>
       <p:pic>
         <p:nvPicPr>
           <p:cNvPr id="5" name="Рисунок 4">
             <a:extLst>
               <a:ext uri="{FF2B5EF4-FFF2-40B4-BE49-F238E27FC236}">
-                <a16:creationId xmlns:a16="http://schemas.microsoft.com/office/drawing/2014/main" id="{B64B5472-940F-7534-96C0-D288EDA279B7}"/>
+                <a16:creationId xmlns:a16="http://schemas.microsoft.com/office/drawing/2014/main" xmlns="" id="{2251436D-DBF3-5051-7A14-B6A40227B042}"/>
+              </a:ext>
+            </a:extLst>
+          </p:cNvPr>
+          <p:cNvPicPr>
+            <a:picLocks noChangeAspect="1"/>
+          </p:cNvPicPr>
+          <p:nvPr/>
+        </p:nvPicPr>
+        <p:blipFill>
+          <a:blip r:embed="rId3">
+            <a:extLst>
+              <a:ext uri="{28A0092B-C50C-407E-A947-70E740481C1C}">
+                <a14:useLocalDpi xmlns:a14="http://schemas.microsoft.com/office/drawing/2010/main" val="0"/>
+              </a:ext>
+            </a:extLst>
+          </a:blip>
+          <a:stretch>
+            <a:fillRect/>
+          </a:stretch>
+        </p:blipFill>
+        <p:spPr>
+          <a:xfrm>
+            <a:off x="457200" y="2622240"/>
+            <a:ext cx="8229600" cy="1594663"/>
+          </a:xfrm>
+          <a:prstGeom prst="rect">
+            <a:avLst/>
+          </a:prstGeom>
+        </p:spPr>
+      </p:pic>
+    </p:spTree>
+  </p:cSld>
+  <p:clrMapOvr>
+    <a:masterClrMapping/>
+  </p:clrMapOvr>
+</p:sld>
+</file>
+
+<file path=ppt/slides/slide15.xml><?xml version="1.0" encoding="utf-8"?>
+<p:sld xmlns:a="http://schemas.openxmlformats.org/drawingml/2006/main" xmlns:r="http://schemas.openxmlformats.org/officeDocument/2006/relationships" xmlns:p="http://schemas.openxmlformats.org/presentationml/2006/main">
+  <p:cSld>
+    <p:spTree>
+      <p:nvGrpSpPr>
+        <p:cNvPr id="1" name=""/>
+        <p:cNvGrpSpPr/>
+        <p:nvPr/>
+      </p:nvGrpSpPr>
+      <p:grpSpPr>
+        <a:xfrm>
+          <a:off x="0" y="0"/>
+          <a:ext cx="0" cy="0"/>
+          <a:chOff x="0" y="0"/>
+          <a:chExt cx="0" cy="0"/>
+        </a:xfrm>
+      </p:grpSpPr>
+      <p:sp>
+        <p:nvSpPr>
+          <p:cNvPr id="2" name="Заголовок 1"/>
+          <p:cNvSpPr>
+            <a:spLocks noGrp="1"/>
+          </p:cNvSpPr>
+          <p:nvPr>
+            <p:ph type="title"/>
+          </p:nvPr>
+        </p:nvSpPr>
+        <p:spPr/>
+        <p:txBody>
+          <a:bodyPr>
+            <a:normAutofit/>
+          </a:bodyPr>
+          <a:lstStyle/>
+          <a:p>
+            <a:pPr algn="l"/>
+            <a:r>
+              <a:rPr lang="ru-RU" dirty="0"/>
+              <a:t>Структура базы данных</a:t>
+            </a:r>
+          </a:p>
+        </p:txBody>
+      </p:sp>
+      <p:sp>
+        <p:nvSpPr>
+          <p:cNvPr id="4" name="Номер слайда 3"/>
+          <p:cNvSpPr>
+            <a:spLocks noGrp="1"/>
+          </p:cNvSpPr>
+          <p:nvPr>
+            <p:ph type="sldNum" sz="quarter" idx="12"/>
+          </p:nvPr>
+        </p:nvSpPr>
+        <p:spPr>
+          <a:xfrm>
+            <a:off x="8378080" y="6356350"/>
+            <a:ext cx="586408" cy="365125"/>
+          </a:xfrm>
+        </p:spPr>
+        <p:txBody>
+          <a:bodyPr/>
+          <a:lstStyle/>
+          <a:p>
+            <a:fld id="{9C7809D5-FB6B-406A-8E38-A52600843BEE}" type="slidenum">
+              <a:rPr lang="ru-RU" sz="2400" smtClean="0">
+                <a:solidFill>
+                  <a:schemeClr val="tx1"/>
+                </a:solidFill>
+              </a:rPr>
+              <a:pPr/>
+              <a:t>15</a:t>
+            </a:fld>
+            <a:endParaRPr lang="ru-RU" sz="2400" dirty="0">
+              <a:solidFill>
+                <a:schemeClr val="tx1"/>
+              </a:solidFill>
+            </a:endParaRPr>
+          </a:p>
+        </p:txBody>
+      </p:sp>
+      <p:pic>
+        <p:nvPicPr>
+          <p:cNvPr id="5" name="Рисунок 4">
+            <a:extLst>
+              <a:ext uri="{FF2B5EF4-FFF2-40B4-BE49-F238E27FC236}">
+                <a16:creationId xmlns:a16="http://schemas.microsoft.com/office/drawing/2014/main" xmlns="" id="{B64B5472-940F-7534-96C0-D288EDA279B7}"/>
               </a:ext>
             </a:extLst>
           </p:cNvPr>
@@ -5161,7 +6256,7 @@
           <p:cNvPr id="8" name="TextBox 7">
             <a:extLst>
               <a:ext uri="{FF2B5EF4-FFF2-40B4-BE49-F238E27FC236}">
-                <a16:creationId xmlns:a16="http://schemas.microsoft.com/office/drawing/2014/main" id="{F69A6585-AAA5-D8FC-DE1C-20852D2E0E75}"/>
+                <a16:creationId xmlns:a16="http://schemas.microsoft.com/office/drawing/2014/main" xmlns="" id="{F69A6585-AAA5-D8FC-DE1C-20852D2E0E75}"/>
               </a:ext>
             </a:extLst>
           </p:cNvPr>
@@ -5495,7 +6590,7 @@
 </p:sld>
 </file>
 
-<file path=ppt/slides/slide11.xml><?xml version="1.0" encoding="utf-8"?>
+<file path=ppt/slides/slide16.xml><?xml version="1.0" encoding="utf-8"?>
 <p:sld xmlns:a="http://schemas.openxmlformats.org/drawingml/2006/main" xmlns:r="http://schemas.openxmlformats.org/officeDocument/2006/relationships" xmlns:p="http://schemas.openxmlformats.org/presentationml/2006/main">
   <p:cSld>
     <p:spTree>
@@ -5525,12 +6620,12 @@
         <p:spPr>
           <a:xfrm>
             <a:off x="457200" y="1600200"/>
-            <a:ext cx="8229600" cy="4525963"/>
+            <a:ext cx="8229600" cy="4549452"/>
           </a:xfrm>
         </p:spPr>
         <p:txBody>
           <a:bodyPr>
-            <a:normAutofit/>
+            <a:normAutofit lnSpcReduction="10000"/>
           </a:bodyPr>
           <a:lstStyle/>
           <a:p>
@@ -5581,30 +6676,69 @@
             </a:r>
             <a:r>
               <a:rPr lang="en-US" sz="2400" dirty="0"/>
-              <a:t>, d3.js, charts.js</a:t>
-            </a:r>
-          </a:p>
-          <a:p>
-            <a:endParaRPr lang="en-US" sz="2400" dirty="0"/>
+              <a:t>, d3.js, </a:t>
+            </a:r>
+            <a:r>
+              <a:rPr lang="en-US" sz="2400" dirty="0" smtClean="0"/>
+              <a:t>charts.js</a:t>
+            </a:r>
+            <a:r>
+              <a:rPr lang="ru-RU" sz="2400" dirty="0" smtClean="0"/>
+              <a:t>, </a:t>
+            </a:r>
+            <a:endParaRPr lang="en-US" sz="2400" dirty="0" smtClean="0"/>
           </a:p>
           <a:p>
             <a:pPr>
               <a:buNone/>
             </a:pPr>
             <a:r>
-              <a:rPr lang="ru-RU" sz="2400" dirty="0"/>
-              <a:t>СУБД:				</a:t>
-            </a:r>
-            <a:r>
               <a:rPr lang="en-US" sz="2400" dirty="0"/>
-              <a:t>PostgreSQL 15</a:t>
-            </a:r>
+              <a:t>	</a:t>
+            </a:r>
+            <a:r>
+              <a:rPr lang="en-US" sz="2400" dirty="0" smtClean="0"/>
+              <a:t>				</a:t>
+            </a:r>
+            <a:r>
+              <a:rPr lang="en-US" sz="2400" dirty="0" err="1" smtClean="0"/>
+              <a:t>NumPy</a:t>
+            </a:r>
+            <a:r>
+              <a:rPr lang="en-US" sz="2400" dirty="0" smtClean="0"/>
+              <a:t>, pandas, </a:t>
+            </a:r>
+            <a:r>
+              <a:rPr lang="ru-RU" sz="2400" dirty="0" err="1" smtClean="0"/>
+              <a:t>SQLAlchemy</a:t>
+            </a:r>
+            <a:endParaRPr lang="en-US" sz="2400" dirty="0" smtClean="0"/>
+          </a:p>
+          <a:p>
+            <a:endParaRPr lang="en-US" sz="2400" dirty="0" smtClean="0"/>
           </a:p>
           <a:p>
             <a:pPr>
               <a:buNone/>
             </a:pPr>
             <a:r>
+              <a:rPr lang="ru-RU" sz="2400" dirty="0" smtClean="0"/>
+              <a:t>СУБД</a:t>
+            </a:r>
+            <a:r>
+              <a:rPr lang="ru-RU" sz="2400" dirty="0"/>
+              <a:t>:				</a:t>
+            </a:r>
+            <a:r>
+              <a:rPr lang="en-US" sz="2400" dirty="0"/>
+              <a:t>PostgreSQL 15</a:t>
+            </a:r>
+          </a:p>
+          <a:p>
+            <a:pPr>
+              <a:buNone/>
+            </a:pPr>
+            <a:r>
               <a:rPr lang="ru-RU" sz="2400" dirty="0"/>
               <a:t>Дополнительные модули:	</a:t>
             </a:r>
@@ -5614,8 +6748,13 @@
             </a:r>
             <a:r>
               <a:rPr lang="en-US" sz="2400" dirty="0"/>
-              <a:t> 4</a:t>
-            </a:r>
+              <a:t> </a:t>
+            </a:r>
+            <a:r>
+              <a:rPr lang="en-US" sz="2400" dirty="0" smtClean="0"/>
+              <a:t>4</a:t>
+            </a:r>
+            <a:endParaRPr lang="en-US" sz="2400" dirty="0"/>
           </a:p>
           <a:p>
             <a:pPr>
@@ -5702,7 +6841,7 @@
                 </a:solidFill>
               </a:rPr>
               <a:pPr/>
-              <a:t>11</a:t>
+              <a:t>16</a:t>
             </a:fld>
             <a:endParaRPr lang="ru-RU" sz="2400" dirty="0">
               <a:solidFill>
@@ -5717,7 +6856,7 @@
           <p:cNvPr id="1026" name="Picture 2" descr="Почему стоит выбрать Python, как первый язык программирования?">
             <a:extLst>
               <a:ext uri="{FF2B5EF4-FFF2-40B4-BE49-F238E27FC236}">
-                <a16:creationId xmlns:a16="http://schemas.microsoft.com/office/drawing/2014/main" id="{54699793-B1C8-AD4A-19A8-4071556781C8}"/>
+                <a16:creationId xmlns:a16="http://schemas.microsoft.com/office/drawing/2014/main" xmlns="" id="{54699793-B1C8-AD4A-19A8-4071556781C8}"/>
               </a:ext>
             </a:extLst>
           </p:cNvPr>
@@ -5741,7 +6880,7 @@
         </p:blipFill>
         <p:spPr bwMode="auto">
           <a:xfrm>
-            <a:off x="5794885" y="1259999"/>
+            <a:off x="5646740" y="1240458"/>
             <a:ext cx="725390" cy="718136"/>
           </a:xfrm>
           <a:prstGeom prst="rect">
@@ -5764,7 +6903,7 @@
           <p:cNvPr id="1028" name="Picture 4" descr="Vue.js">
             <a:extLst>
               <a:ext uri="{FF2B5EF4-FFF2-40B4-BE49-F238E27FC236}">
-                <a16:creationId xmlns:a16="http://schemas.microsoft.com/office/drawing/2014/main" id="{88A295B1-4693-EDE2-F395-1D6AF52EA47D}"/>
+                <a16:creationId xmlns:a16="http://schemas.microsoft.com/office/drawing/2014/main" xmlns="" id="{88A295B1-4693-EDE2-F395-1D6AF52EA47D}"/>
               </a:ext>
             </a:extLst>
           </p:cNvPr>
@@ -5788,7 +6927,7 @@
         </p:blipFill>
         <p:spPr bwMode="auto">
           <a:xfrm>
-            <a:off x="6506987" y="1859598"/>
+            <a:off x="6463805" y="1236831"/>
             <a:ext cx="725390" cy="725390"/>
           </a:xfrm>
           <a:prstGeom prst="rect">
@@ -5811,7 +6950,7 @@
           <p:cNvPr id="1030" name="Picture 6" descr="Icon | Quasar Framework">
             <a:extLst>
               <a:ext uri="{FF2B5EF4-FFF2-40B4-BE49-F238E27FC236}">
-                <a16:creationId xmlns:a16="http://schemas.microsoft.com/office/drawing/2014/main" id="{0399DC5C-63B9-D127-BE6A-079A9660CDE2}"/>
+                <a16:creationId xmlns:a16="http://schemas.microsoft.com/office/drawing/2014/main" xmlns="" id="{0399DC5C-63B9-D127-BE6A-079A9660CDE2}"/>
               </a:ext>
             </a:extLst>
           </p:cNvPr>
@@ -5835,7 +6974,7 @@
         </p:blipFill>
         <p:spPr bwMode="auto">
           <a:xfrm>
-            <a:off x="7304010" y="1863851"/>
+            <a:off x="7308043" y="1219470"/>
             <a:ext cx="725390" cy="725390"/>
           </a:xfrm>
           <a:prstGeom prst="rect">
@@ -5858,7 +6997,7 @@
           <p:cNvPr id="1032" name="Picture 8" descr="Почему Вы должны попробовать FastAPI? / Хабр">
             <a:extLst>
               <a:ext uri="{FF2B5EF4-FFF2-40B4-BE49-F238E27FC236}">
-                <a16:creationId xmlns:a16="http://schemas.microsoft.com/office/drawing/2014/main" id="{C9667FBC-E193-5BBA-C512-C7C43D341C27}"/>
+                <a16:creationId xmlns:a16="http://schemas.microsoft.com/office/drawing/2014/main" xmlns="" id="{C9667FBC-E193-5BBA-C512-C7C43D341C27}"/>
               </a:ext>
             </a:extLst>
           </p:cNvPr>
@@ -5882,7 +7021,7 @@
         </p:blipFill>
         <p:spPr bwMode="auto">
           <a:xfrm>
-            <a:off x="6371010" y="1249578"/>
+            <a:off x="5910396" y="1835631"/>
             <a:ext cx="2007070" cy="724078"/>
           </a:xfrm>
           <a:prstGeom prst="rect">
@@ -5905,7 +7044,7 @@
           <p:cNvPr id="1034" name="Picture 10" descr="D3 JS icon PNG and SVG Vector Free Download">
             <a:extLst>
               <a:ext uri="{FF2B5EF4-FFF2-40B4-BE49-F238E27FC236}">
-                <a16:creationId xmlns:a16="http://schemas.microsoft.com/office/drawing/2014/main" id="{4BF774B5-C243-A635-8640-E865A3587206}"/>
+                <a16:creationId xmlns:a16="http://schemas.microsoft.com/office/drawing/2014/main" xmlns="" id="{4BF774B5-C243-A635-8640-E865A3587206}"/>
               </a:ext>
             </a:extLst>
           </p:cNvPr>
@@ -5929,7 +7068,7 @@
         </p:blipFill>
         <p:spPr bwMode="auto">
           <a:xfrm>
-            <a:off x="7304010" y="2656642"/>
+            <a:off x="8239097" y="1619937"/>
             <a:ext cx="725391" cy="684568"/>
           </a:xfrm>
           <a:prstGeom prst="rect">
@@ -5952,7 +7091,7 @@
           <p:cNvPr id="1036" name="Picture 12" descr="Chart.js Logo PNG Vector (SVG) Free Download">
             <a:extLst>
               <a:ext uri="{FF2B5EF4-FFF2-40B4-BE49-F238E27FC236}">
-                <a16:creationId xmlns:a16="http://schemas.microsoft.com/office/drawing/2014/main" id="{8D466EA4-B989-56C5-ACBE-4E69E6C7E21F}"/>
+                <a16:creationId xmlns:a16="http://schemas.microsoft.com/office/drawing/2014/main" xmlns="" id="{8D466EA4-B989-56C5-ACBE-4E69E6C7E21F}"/>
               </a:ext>
             </a:extLst>
           </p:cNvPr>
@@ -5976,7 +7115,7 @@
         </p:blipFill>
         <p:spPr bwMode="auto">
           <a:xfrm>
-            <a:off x="8239097" y="2568853"/>
+            <a:off x="8239096" y="2454477"/>
             <a:ext cx="725391" cy="860147"/>
           </a:xfrm>
           <a:prstGeom prst="rect">
@@ -5999,7 +7138,7 @@
           <p:cNvPr id="1038" name="Picture 14">
             <a:extLst>
               <a:ext uri="{FF2B5EF4-FFF2-40B4-BE49-F238E27FC236}">
-                <a16:creationId xmlns:a16="http://schemas.microsoft.com/office/drawing/2014/main" id="{63A8CF0E-33BA-4812-8E5D-90441A2C0524}"/>
+                <a16:creationId xmlns:a16="http://schemas.microsoft.com/office/drawing/2014/main" xmlns="" id="{63A8CF0E-33BA-4812-8E5D-90441A2C0524}"/>
               </a:ext>
             </a:extLst>
           </p:cNvPr>
@@ -6023,7 +7162,7 @@
         </p:blipFill>
         <p:spPr bwMode="auto">
           <a:xfrm>
-            <a:off x="7304009" y="3489143"/>
+            <a:off x="6188540" y="3657031"/>
             <a:ext cx="725391" cy="748075"/>
           </a:xfrm>
           <a:prstGeom prst="rect">
@@ -6046,7 +7185,7 @@
           <p:cNvPr id="1040" name="Picture 16">
             <a:extLst>
               <a:ext uri="{FF2B5EF4-FFF2-40B4-BE49-F238E27FC236}">
-                <a16:creationId xmlns:a16="http://schemas.microsoft.com/office/drawing/2014/main" id="{2F3E25FA-B2B7-597B-56A1-CB4749818488}"/>
+                <a16:creationId xmlns:a16="http://schemas.microsoft.com/office/drawing/2014/main" xmlns="" id="{2F3E25FA-B2B7-597B-56A1-CB4749818488}"/>
               </a:ext>
             </a:extLst>
           </p:cNvPr>
@@ -6093,7 +7232,7 @@
           <p:cNvPr id="1044" name="Picture 20" descr="Visual Studio Code Logo PNG vector in SVG, PDF, AI, CDR format">
             <a:extLst>
               <a:ext uri="{FF2B5EF4-FFF2-40B4-BE49-F238E27FC236}">
-                <a16:creationId xmlns:a16="http://schemas.microsoft.com/office/drawing/2014/main" id="{F6CE745A-6560-066C-8E0B-CDB377DC09BA}"/>
+                <a16:creationId xmlns:a16="http://schemas.microsoft.com/office/drawing/2014/main" xmlns="" id="{F6CE745A-6560-066C-8E0B-CDB377DC09BA}"/>
               </a:ext>
             </a:extLst>
           </p:cNvPr>
@@ -6138,7 +7277,7 @@
           <p:cNvPr id="6" name="Picture 6" descr="Postman — каталог программного обеспечения Postman, купить ...">
             <a:extLst>
               <a:ext uri="{FF2B5EF4-FFF2-40B4-BE49-F238E27FC236}">
-                <a16:creationId xmlns:a16="http://schemas.microsoft.com/office/drawing/2014/main" id="{A18FBDFB-C338-0550-36B4-B68CCC4713BF}"/>
+                <a16:creationId xmlns:a16="http://schemas.microsoft.com/office/drawing/2014/main" xmlns="" id="{A18FBDFB-C338-0550-36B4-B68CCC4713BF}"/>
               </a:ext>
             </a:extLst>
           </p:cNvPr>
@@ -6160,7 +7299,7 @@
         </p:blipFill>
         <p:spPr bwMode="auto">
           <a:xfrm>
-            <a:off x="7130005" y="5436034"/>
+            <a:off x="7130005" y="5589240"/>
             <a:ext cx="813725" cy="764096"/>
           </a:xfrm>
           <a:prstGeom prst="rect">
@@ -6178,6 +7317,96 @@
           </a:extLst>
         </p:spPr>
       </p:pic>
+      <p:pic>
+        <p:nvPicPr>
+          <p:cNvPr id="3" name="Рисунок 2"/>
+          <p:cNvPicPr>
+            <a:picLocks noChangeAspect="1"/>
+          </p:cNvPicPr>
+          <p:nvPr/>
+        </p:nvPicPr>
+        <p:blipFill>
+          <a:blip r:embed="rId13" cstate="print">
+            <a:extLst>
+              <a:ext uri="{28A0092B-C50C-407E-A947-70E740481C1C}">
+                <a14:useLocalDpi xmlns:a14="http://schemas.microsoft.com/office/drawing/2010/main" val="0"/>
+              </a:ext>
+            </a:extLst>
+          </a:blip>
+          <a:stretch>
+            <a:fillRect/>
+          </a:stretch>
+        </p:blipFill>
+        <p:spPr>
+          <a:xfrm>
+            <a:off x="7693479" y="3377690"/>
+            <a:ext cx="606480" cy="653378"/>
+          </a:xfrm>
+          <a:prstGeom prst="rect">
+            <a:avLst/>
+          </a:prstGeom>
+        </p:spPr>
+      </p:pic>
+      <p:pic>
+        <p:nvPicPr>
+          <p:cNvPr id="5" name="Рисунок 4"/>
+          <p:cNvPicPr>
+            <a:picLocks noChangeAspect="1"/>
+          </p:cNvPicPr>
+          <p:nvPr/>
+        </p:nvPicPr>
+        <p:blipFill>
+          <a:blip r:embed="rId14" cstate="print">
+            <a:extLst>
+              <a:ext uri="{28A0092B-C50C-407E-A947-70E740481C1C}">
+                <a14:useLocalDpi xmlns:a14="http://schemas.microsoft.com/office/drawing/2010/main" val="0"/>
+              </a:ext>
+            </a:extLst>
+          </a:blip>
+          <a:stretch>
+            <a:fillRect/>
+          </a:stretch>
+        </p:blipFill>
+        <p:spPr>
+          <a:xfrm>
+            <a:off x="8340094" y="3332310"/>
+            <a:ext cx="523394" cy="698758"/>
+          </a:xfrm>
+          <a:prstGeom prst="rect">
+            <a:avLst/>
+          </a:prstGeom>
+        </p:spPr>
+      </p:pic>
+      <p:pic>
+        <p:nvPicPr>
+          <p:cNvPr id="7" name="Рисунок 6"/>
+          <p:cNvPicPr>
+            <a:picLocks noChangeAspect="1"/>
+          </p:cNvPicPr>
+          <p:nvPr/>
+        </p:nvPicPr>
+        <p:blipFill>
+          <a:blip r:embed="rId15" cstate="print">
+            <a:extLst>
+              <a:ext uri="{28A0092B-C50C-407E-A947-70E740481C1C}">
+                <a14:useLocalDpi xmlns:a14="http://schemas.microsoft.com/office/drawing/2010/main" val="0"/>
+              </a:ext>
+            </a:extLst>
+          </a:blip>
+          <a:stretch>
+            <a:fillRect/>
+          </a:stretch>
+        </p:blipFill>
+        <p:spPr>
+          <a:xfrm>
+            <a:off x="7792444" y="4031068"/>
+            <a:ext cx="1151620" cy="460648"/>
+          </a:xfrm>
+          <a:prstGeom prst="rect">
+            <a:avLst/>
+          </a:prstGeom>
+        </p:spPr>
+      </p:pic>
     </p:spTree>
   </p:cSld>
   <p:clrMapOvr>
@@ -6186,7 +7415,7 @@
 </p:sld>
 </file>
 
-<file path=ppt/slides/slide12.xml><?xml version="1.0" encoding="utf-8"?>
+<file path=ppt/slides/slide17.xml><?xml version="1.0" encoding="utf-8"?>
 <p:sld xmlns:a="http://schemas.openxmlformats.org/drawingml/2006/main" xmlns:r="http://schemas.openxmlformats.org/officeDocument/2006/relationships" xmlns:p="http://schemas.openxmlformats.org/presentationml/2006/main">
   <p:cSld>
     <p:spTree>
@@ -6255,7 +7484,7 @@
                 </a:solidFill>
               </a:rPr>
               <a:pPr/>
-              <a:t>12</a:t>
+              <a:t>17</a:t>
             </a:fld>
             <a:endParaRPr lang="ru-RU" sz="2400" dirty="0">
               <a:solidFill>
@@ -6270,7 +7499,7 @@
           <p:cNvPr id="5" name="Рисунок 4">
             <a:extLst>
               <a:ext uri="{FF2B5EF4-FFF2-40B4-BE49-F238E27FC236}">
-                <a16:creationId xmlns:a16="http://schemas.microsoft.com/office/drawing/2014/main" id="{EB3FE317-BF40-03F6-5D73-399F6CC4DC93}"/>
+                <a16:creationId xmlns:a16="http://schemas.microsoft.com/office/drawing/2014/main" xmlns="" id="{EB3FE317-BF40-03F6-5D73-399F6CC4DC93}"/>
               </a:ext>
             </a:extLst>
           </p:cNvPr>
@@ -6310,7 +7539,7 @@
 </p:sld>
 </file>
 
-<file path=ppt/slides/slide13.xml><?xml version="1.0" encoding="utf-8"?>
+<file path=ppt/slides/slide18.xml><?xml version="1.0" encoding="utf-8"?>
 <p:sld xmlns:a="http://schemas.openxmlformats.org/drawingml/2006/main" xmlns:r="http://schemas.openxmlformats.org/officeDocument/2006/relationships" xmlns:p="http://schemas.openxmlformats.org/presentationml/2006/main">
   <p:cSld>
     <p:spTree>
@@ -6379,7 +7608,7 @@
                 </a:solidFill>
               </a:rPr>
               <a:pPr/>
-              <a:t>13</a:t>
+              <a:t>18</a:t>
             </a:fld>
             <a:endParaRPr lang="ru-RU" sz="2400" dirty="0">
               <a:solidFill>
@@ -6394,7 +7623,7 @@
           <p:cNvPr id="3" name="Рисунок 2">
             <a:extLst>
               <a:ext uri="{FF2B5EF4-FFF2-40B4-BE49-F238E27FC236}">
-                <a16:creationId xmlns:a16="http://schemas.microsoft.com/office/drawing/2014/main" id="{994D9B05-2421-D7FB-0866-D512893DD809}"/>
+                <a16:creationId xmlns:a16="http://schemas.microsoft.com/office/drawing/2014/main" xmlns="" id="{994D9B05-2421-D7FB-0866-D512893DD809}"/>
               </a:ext>
             </a:extLst>
           </p:cNvPr>
@@ -6434,7 +7663,7 @@
 </p:sld>
 </file>
 
-<file path=ppt/slides/slide14.xml><?xml version="1.0" encoding="utf-8"?>
+<file path=ppt/slides/slide19.xml><?xml version="1.0" encoding="utf-8"?>
 <p:sld xmlns:a="http://schemas.openxmlformats.org/drawingml/2006/main" xmlns:r="http://schemas.openxmlformats.org/officeDocument/2006/relationships" xmlns:p="http://schemas.openxmlformats.org/presentationml/2006/main">
   <p:cSld>
     <p:spTree>
@@ -6503,7 +7732,7 @@
                 </a:solidFill>
               </a:rPr>
               <a:pPr/>
-              <a:t>14</a:t>
+              <a:t>19</a:t>
             </a:fld>
             <a:endParaRPr lang="ru-RU" sz="2400" dirty="0">
               <a:solidFill>
@@ -6518,7 +7747,7 @@
           <p:cNvPr id="3" name="Рисунок 2">
             <a:extLst>
               <a:ext uri="{FF2B5EF4-FFF2-40B4-BE49-F238E27FC236}">
-                <a16:creationId xmlns:a16="http://schemas.microsoft.com/office/drawing/2014/main" id="{994D9B05-2421-D7FB-0866-D512893DD809}"/>
+                <a16:creationId xmlns:a16="http://schemas.microsoft.com/office/drawing/2014/main" xmlns="" id="{994D9B05-2421-D7FB-0866-D512893DD809}"/>
               </a:ext>
             </a:extLst>
           </p:cNvPr>
@@ -6555,7 +7784,7 @@
           <p:cNvPr id="5" name="Рисунок 4">
             <a:extLst>
               <a:ext uri="{FF2B5EF4-FFF2-40B4-BE49-F238E27FC236}">
-                <a16:creationId xmlns:a16="http://schemas.microsoft.com/office/drawing/2014/main" id="{32D2474D-9155-9007-AC06-9691ACAEF87E}"/>
+                <a16:creationId xmlns:a16="http://schemas.microsoft.com/office/drawing/2014/main" xmlns="" id="{32D2474D-9155-9007-AC06-9691ACAEF87E}"/>
               </a:ext>
             </a:extLst>
           </p:cNvPr>
@@ -6606,7 +7835,7 @@
 </p:sld>
 </file>
 
-<file path=ppt/slides/slide15.xml><?xml version="1.0" encoding="utf-8"?>
+<file path=ppt/slides/slide2.xml><?xml version="1.0" encoding="utf-8"?>
 <p:sld xmlns:a="http://schemas.openxmlformats.org/drawingml/2006/main" xmlns:r="http://schemas.openxmlformats.org/officeDocument/2006/relationships" xmlns:p="http://schemas.openxmlformats.org/presentationml/2006/main">
   <p:cSld>
     <p:spTree>
@@ -6635,15 +7864,13 @@
         </p:nvSpPr>
         <p:spPr/>
         <p:txBody>
-          <a:bodyPr>
-            <a:normAutofit/>
-          </a:bodyPr>
+          <a:bodyPr/>
           <a:lstStyle/>
           <a:p>
             <a:pPr algn="l"/>
             <a:r>
-              <a:rPr lang="ru-RU" sz="4000" dirty="0"/>
-              <a:t>Экран работы с диаграммами</a:t>
+              <a:rPr lang="ru-RU" dirty="0"/>
+              <a:t>Актуальность</a:t>
             </a:r>
           </a:p>
         </p:txBody>
@@ -6675,7 +7902,7 @@
                 </a:solidFill>
               </a:rPr>
               <a:pPr/>
-              <a:t>15</a:t>
+              <a:t>2</a:t>
             </a:fld>
             <a:endParaRPr lang="ru-RU" sz="2400" dirty="0">
               <a:solidFill>
@@ -6685,12 +7912,191 @@
           </a:p>
         </p:txBody>
       </p:sp>
+      <p:sp>
+        <p:nvSpPr>
+          <p:cNvPr id="7" name="Содержимое 2"/>
+          <p:cNvSpPr txBox="1">
+            <a:spLocks/>
+          </p:cNvSpPr>
+          <p:nvPr/>
+        </p:nvSpPr>
+        <p:spPr>
+          <a:xfrm>
+            <a:off x="457200" y="6064696"/>
+            <a:ext cx="8229600" cy="460648"/>
+          </a:xfrm>
+          <a:prstGeom prst="rect">
+            <a:avLst/>
+          </a:prstGeom>
+        </p:spPr>
+        <p:txBody>
+          <a:bodyPr vert="horz" lIns="91440" tIns="45720" rIns="91440" bIns="45720" rtlCol="0">
+            <a:noAutofit/>
+          </a:bodyPr>
+          <a:lstStyle/>
+          <a:p>
+            <a:pPr marL="342900" marR="0" lvl="0" indent="-342900" algn="l" defTabSz="914400" rtl="0" eaLnBrk="1" fontAlgn="auto" latinLnBrk="0" hangingPunct="1">
+              <a:lnSpc>
+                <a:spcPct val="100000"/>
+              </a:lnSpc>
+              <a:spcBef>
+                <a:spcPct val="20000"/>
+              </a:spcBef>
+              <a:spcAft>
+                <a:spcPts val="0"/>
+              </a:spcAft>
+              <a:buClrTx/>
+              <a:buSzTx/>
+              <a:buFont typeface="Arial" pitchFamily="34" charset="0"/>
+              <a:buNone/>
+              <a:tabLst/>
+              <a:defRPr/>
+            </a:pPr>
+            <a:endParaRPr kumimoji="0" lang="ru-RU" sz="1400" b="0" i="0" u="none" strike="noStrike" kern="1200" cap="none" spc="0" normalizeH="0" baseline="0" noProof="0" dirty="0">
+              <a:ln>
+                <a:noFill/>
+              </a:ln>
+              <a:solidFill>
+                <a:srgbClr val="FF0000"/>
+              </a:solidFill>
+              <a:effectLst/>
+              <a:uLnTx/>
+              <a:uFillTx/>
+              <a:latin typeface="+mn-lt"/>
+              <a:ea typeface="+mn-ea"/>
+              <a:cs typeface="+mn-cs"/>
+            </a:endParaRPr>
+          </a:p>
+        </p:txBody>
+      </p:sp>
+      <p:pic>
+        <p:nvPicPr>
+          <p:cNvPr id="9" name="Объект 8">
+            <a:extLst>
+              <a:ext uri="{FF2B5EF4-FFF2-40B4-BE49-F238E27FC236}">
+                <a16:creationId xmlns:a16="http://schemas.microsoft.com/office/drawing/2014/main" xmlns="" id="{E9CA94E8-281B-785A-7D4B-F4118188001C}"/>
+              </a:ext>
+            </a:extLst>
+          </p:cNvPr>
+          <p:cNvPicPr>
+            <a:picLocks noGrp="1" noChangeAspect="1"/>
+          </p:cNvPicPr>
+          <p:nvPr>
+            <p:ph idx="1"/>
+          </p:nvPr>
+        </p:nvPicPr>
+        <p:blipFill>
+          <a:blip r:embed="rId3">
+            <a:extLst>
+              <a:ext uri="{28A0092B-C50C-407E-A947-70E740481C1C}">
+                <a14:useLocalDpi xmlns:a14="http://schemas.microsoft.com/office/drawing/2010/main" val="0"/>
+              </a:ext>
+            </a:extLst>
+          </a:blip>
+          <a:stretch>
+            <a:fillRect/>
+          </a:stretch>
+        </p:blipFill>
+        <p:spPr>
+          <a:xfrm>
+            <a:off x="457200" y="1873654"/>
+            <a:ext cx="8229600" cy="3979054"/>
+          </a:xfrm>
+        </p:spPr>
+      </p:pic>
+    </p:spTree>
+  </p:cSld>
+  <p:clrMapOvr>
+    <a:masterClrMapping/>
+  </p:clrMapOvr>
+</p:sld>
+</file>
+
+<file path=ppt/slides/slide20.xml><?xml version="1.0" encoding="utf-8"?>
+<p:sld xmlns:a="http://schemas.openxmlformats.org/drawingml/2006/main" xmlns:r="http://schemas.openxmlformats.org/officeDocument/2006/relationships" xmlns:p="http://schemas.openxmlformats.org/presentationml/2006/main">
+  <p:cSld>
+    <p:spTree>
+      <p:nvGrpSpPr>
+        <p:cNvPr id="1" name=""/>
+        <p:cNvGrpSpPr/>
+        <p:nvPr/>
+      </p:nvGrpSpPr>
+      <p:grpSpPr>
+        <a:xfrm>
+          <a:off x="0" y="0"/>
+          <a:ext cx="0" cy="0"/>
+          <a:chOff x="0" y="0"/>
+          <a:chExt cx="0" cy="0"/>
+        </a:xfrm>
+      </p:grpSpPr>
+      <p:sp>
+        <p:nvSpPr>
+          <p:cNvPr id="2" name="Заголовок 1"/>
+          <p:cNvSpPr>
+            <a:spLocks noGrp="1"/>
+          </p:cNvSpPr>
+          <p:nvPr>
+            <p:ph type="title"/>
+          </p:nvPr>
+        </p:nvSpPr>
+        <p:spPr/>
+        <p:txBody>
+          <a:bodyPr>
+            <a:normAutofit/>
+          </a:bodyPr>
+          <a:lstStyle/>
+          <a:p>
+            <a:pPr algn="l"/>
+            <a:r>
+              <a:rPr lang="ru-RU" sz="4000" dirty="0"/>
+              <a:t>Экран работы с диаграммами</a:t>
+            </a:r>
+          </a:p>
+        </p:txBody>
+      </p:sp>
+      <p:sp>
+        <p:nvSpPr>
+          <p:cNvPr id="4" name="Номер слайда 3"/>
+          <p:cNvSpPr>
+            <a:spLocks noGrp="1"/>
+          </p:cNvSpPr>
+          <p:nvPr>
+            <p:ph type="sldNum" sz="quarter" idx="12"/>
+          </p:nvPr>
+        </p:nvSpPr>
+        <p:spPr>
+          <a:xfrm>
+            <a:off x="8378080" y="6356350"/>
+            <a:ext cx="586408" cy="365125"/>
+          </a:xfrm>
+        </p:spPr>
+        <p:txBody>
+          <a:bodyPr/>
+          <a:lstStyle/>
+          <a:p>
+            <a:fld id="{9C7809D5-FB6B-406A-8E38-A52600843BEE}" type="slidenum">
+              <a:rPr lang="ru-RU" sz="2400" smtClean="0">
+                <a:solidFill>
+                  <a:schemeClr val="tx1"/>
+                </a:solidFill>
+              </a:rPr>
+              <a:pPr/>
+              <a:t>20</a:t>
+            </a:fld>
+            <a:endParaRPr lang="ru-RU" sz="2400" dirty="0">
+              <a:solidFill>
+                <a:schemeClr val="tx1"/>
+              </a:solidFill>
+            </a:endParaRPr>
+          </a:p>
+        </p:txBody>
+      </p:sp>
       <p:pic>
         <p:nvPicPr>
           <p:cNvPr id="3" name="Рисунок 2">
             <a:extLst>
               <a:ext uri="{FF2B5EF4-FFF2-40B4-BE49-F238E27FC236}">
-                <a16:creationId xmlns:a16="http://schemas.microsoft.com/office/drawing/2014/main" id="{994D9B05-2421-D7FB-0866-D512893DD809}"/>
+                <a16:creationId xmlns:a16="http://schemas.microsoft.com/office/drawing/2014/main" xmlns="" id="{994D9B05-2421-D7FB-0866-D512893DD809}"/>
               </a:ext>
             </a:extLst>
           </p:cNvPr>
@@ -6727,7 +8133,7 @@
           <p:cNvPr id="5" name="Рисунок 4">
             <a:extLst>
               <a:ext uri="{FF2B5EF4-FFF2-40B4-BE49-F238E27FC236}">
-                <a16:creationId xmlns:a16="http://schemas.microsoft.com/office/drawing/2014/main" id="{32D2474D-9155-9007-AC06-9691ACAEF87E}"/>
+                <a16:creationId xmlns:a16="http://schemas.microsoft.com/office/drawing/2014/main" xmlns="" id="{32D2474D-9155-9007-AC06-9691ACAEF87E}"/>
               </a:ext>
             </a:extLst>
           </p:cNvPr>
@@ -6770,7 +8176,7 @@
           <p:cNvPr id="6" name="Рисунок 5">
             <a:extLst>
               <a:ext uri="{FF2B5EF4-FFF2-40B4-BE49-F238E27FC236}">
-                <a16:creationId xmlns:a16="http://schemas.microsoft.com/office/drawing/2014/main" id="{DA28FB3E-76B0-16AB-C383-FB6283C369EC}"/>
+                <a16:creationId xmlns:a16="http://schemas.microsoft.com/office/drawing/2014/main" xmlns="" id="{DA28FB3E-76B0-16AB-C383-FB6283C369EC}"/>
               </a:ext>
             </a:extLst>
           </p:cNvPr>
@@ -6815,7 +8221,7 @@
 </p:sld>
 </file>
 
-<file path=ppt/slides/slide16.xml><?xml version="1.0" encoding="utf-8"?>
+<file path=ppt/slides/slide21.xml><?xml version="1.0" encoding="utf-8"?>
 <p:sld xmlns:a="http://schemas.openxmlformats.org/drawingml/2006/main" xmlns:r="http://schemas.openxmlformats.org/officeDocument/2006/relationships" xmlns:p="http://schemas.openxmlformats.org/presentationml/2006/main">
   <p:cSld>
     <p:spTree>
@@ -6884,7 +8290,7 @@
                 </a:solidFill>
               </a:rPr>
               <a:pPr/>
-              <a:t>16</a:t>
+              <a:t>21</a:t>
             </a:fld>
             <a:endParaRPr lang="ru-RU" sz="2400" dirty="0">
               <a:solidFill>
@@ -6899,7 +8305,7 @@
           <p:cNvPr id="7" name="Рисунок 6">
             <a:extLst>
               <a:ext uri="{FF2B5EF4-FFF2-40B4-BE49-F238E27FC236}">
-                <a16:creationId xmlns:a16="http://schemas.microsoft.com/office/drawing/2014/main" id="{39A3243A-C961-CC4C-F508-74FA7F5778FE}"/>
+                <a16:creationId xmlns:a16="http://schemas.microsoft.com/office/drawing/2014/main" xmlns="" id="{39A3243A-C961-CC4C-F508-74FA7F5778FE}"/>
               </a:ext>
             </a:extLst>
           </p:cNvPr>
@@ -6944,7 +8350,7 @@
 </p:sld>
 </file>
 
-<file path=ppt/slides/slide17.xml><?xml version="1.0" encoding="utf-8"?>
+<file path=ppt/slides/slide22.xml><?xml version="1.0" encoding="utf-8"?>
 <p:sld xmlns:a="http://schemas.openxmlformats.org/drawingml/2006/main" xmlns:r="http://schemas.openxmlformats.org/officeDocument/2006/relationships" xmlns:p="http://schemas.openxmlformats.org/presentationml/2006/main">
   <p:cSld>
     <p:spTree>
@@ -7069,7 +8475,7 @@
                 </a:solidFill>
               </a:rPr>
               <a:pPr/>
-              <a:t>17</a:t>
+              <a:t>22</a:t>
             </a:fld>
             <a:endParaRPr lang="ru-RU" sz="2400" dirty="0">
               <a:solidFill>
@@ -7087,7 +8493,7 @@
 </p:sld>
 </file>
 
-<file path=ppt/slides/slide18.xml><?xml version="1.0" encoding="utf-8"?>
+<file path=ppt/slides/slide23.xml><?xml version="1.0" encoding="utf-8"?>
 <p:sld xmlns:a="http://schemas.openxmlformats.org/drawingml/2006/main" xmlns:r="http://schemas.openxmlformats.org/officeDocument/2006/relationships" xmlns:p="http://schemas.openxmlformats.org/presentationml/2006/main">
   <p:cSld>
     <p:spTree>
@@ -7129,6 +8535,10 @@
             <a:r>
               <a:rPr lang="ru-RU" sz="2400" dirty="0"/>
               <a:t>Выпускная квалификационная работа бакалавра</a:t>
+            </a:r>
+            <a:r>
+              <a:rPr lang="ru-RU" dirty="0"/>
+              <a:t/>
             </a:r>
             <a:br>
               <a:rPr lang="ru-RU" dirty="0"/>
@@ -7401,183 +8811,6 @@
 </p:sld>
 </file>
 
-<file path=ppt/slides/slide2.xml><?xml version="1.0" encoding="utf-8"?>
-<p:sld xmlns:a="http://schemas.openxmlformats.org/drawingml/2006/main" xmlns:r="http://schemas.openxmlformats.org/officeDocument/2006/relationships" xmlns:p="http://schemas.openxmlformats.org/presentationml/2006/main">
-  <p:cSld>
-    <p:spTree>
-      <p:nvGrpSpPr>
-        <p:cNvPr id="1" name=""/>
-        <p:cNvGrpSpPr/>
-        <p:nvPr/>
-      </p:nvGrpSpPr>
-      <p:grpSpPr>
-        <a:xfrm>
-          <a:off x="0" y="0"/>
-          <a:ext cx="0" cy="0"/>
-          <a:chOff x="0" y="0"/>
-          <a:chExt cx="0" cy="0"/>
-        </a:xfrm>
-      </p:grpSpPr>
-      <p:sp>
-        <p:nvSpPr>
-          <p:cNvPr id="2" name="Заголовок 1"/>
-          <p:cNvSpPr>
-            <a:spLocks noGrp="1"/>
-          </p:cNvSpPr>
-          <p:nvPr>
-            <p:ph type="title"/>
-          </p:nvPr>
-        </p:nvSpPr>
-        <p:spPr/>
-        <p:txBody>
-          <a:bodyPr/>
-          <a:lstStyle/>
-          <a:p>
-            <a:pPr algn="l"/>
-            <a:r>
-              <a:rPr lang="ru-RU" dirty="0"/>
-              <a:t>Актуальность</a:t>
-            </a:r>
-          </a:p>
-        </p:txBody>
-      </p:sp>
-      <p:sp>
-        <p:nvSpPr>
-          <p:cNvPr id="4" name="Номер слайда 3"/>
-          <p:cNvSpPr>
-            <a:spLocks noGrp="1"/>
-          </p:cNvSpPr>
-          <p:nvPr>
-            <p:ph type="sldNum" sz="quarter" idx="12"/>
-          </p:nvPr>
-        </p:nvSpPr>
-        <p:spPr>
-          <a:xfrm>
-            <a:off x="8378080" y="6356350"/>
-            <a:ext cx="586408" cy="365125"/>
-          </a:xfrm>
-        </p:spPr>
-        <p:txBody>
-          <a:bodyPr/>
-          <a:lstStyle/>
-          <a:p>
-            <a:fld id="{9C7809D5-FB6B-406A-8E38-A52600843BEE}" type="slidenum">
-              <a:rPr lang="ru-RU" sz="2400" smtClean="0">
-                <a:solidFill>
-                  <a:schemeClr val="tx1"/>
-                </a:solidFill>
-              </a:rPr>
-              <a:pPr/>
-              <a:t>2</a:t>
-            </a:fld>
-            <a:endParaRPr lang="ru-RU" sz="2400" dirty="0">
-              <a:solidFill>
-                <a:schemeClr val="tx1"/>
-              </a:solidFill>
-            </a:endParaRPr>
-          </a:p>
-        </p:txBody>
-      </p:sp>
-      <p:sp>
-        <p:nvSpPr>
-          <p:cNvPr id="7" name="Содержимое 2"/>
-          <p:cNvSpPr txBox="1">
-            <a:spLocks/>
-          </p:cNvSpPr>
-          <p:nvPr/>
-        </p:nvSpPr>
-        <p:spPr>
-          <a:xfrm>
-            <a:off x="457200" y="6064696"/>
-            <a:ext cx="8229600" cy="460648"/>
-          </a:xfrm>
-          <a:prstGeom prst="rect">
-            <a:avLst/>
-          </a:prstGeom>
-        </p:spPr>
-        <p:txBody>
-          <a:bodyPr vert="horz" lIns="91440" tIns="45720" rIns="91440" bIns="45720" rtlCol="0">
-            <a:noAutofit/>
-          </a:bodyPr>
-          <a:lstStyle/>
-          <a:p>
-            <a:pPr marL="342900" marR="0" lvl="0" indent="-342900" algn="l" defTabSz="914400" rtl="0" eaLnBrk="1" fontAlgn="auto" latinLnBrk="0" hangingPunct="1">
-              <a:lnSpc>
-                <a:spcPct val="100000"/>
-              </a:lnSpc>
-              <a:spcBef>
-                <a:spcPct val="20000"/>
-              </a:spcBef>
-              <a:spcAft>
-                <a:spcPts val="0"/>
-              </a:spcAft>
-              <a:buClrTx/>
-              <a:buSzTx/>
-              <a:buFont typeface="Arial" pitchFamily="34" charset="0"/>
-              <a:buNone/>
-              <a:tabLst/>
-              <a:defRPr/>
-            </a:pPr>
-            <a:endParaRPr kumimoji="0" lang="ru-RU" sz="1400" b="0" i="0" u="none" strike="noStrike" kern="1200" cap="none" spc="0" normalizeH="0" baseline="0" noProof="0" dirty="0">
-              <a:ln>
-                <a:noFill/>
-              </a:ln>
-              <a:solidFill>
-                <a:srgbClr val="FF0000"/>
-              </a:solidFill>
-              <a:effectLst/>
-              <a:uLnTx/>
-              <a:uFillTx/>
-              <a:latin typeface="+mn-lt"/>
-              <a:ea typeface="+mn-ea"/>
-              <a:cs typeface="+mn-cs"/>
-            </a:endParaRPr>
-          </a:p>
-        </p:txBody>
-      </p:sp>
-      <p:pic>
-        <p:nvPicPr>
-          <p:cNvPr id="9" name="Объект 8">
-            <a:extLst>
-              <a:ext uri="{FF2B5EF4-FFF2-40B4-BE49-F238E27FC236}">
-                <a16:creationId xmlns:a16="http://schemas.microsoft.com/office/drawing/2014/main" id="{E9CA94E8-281B-785A-7D4B-F4118188001C}"/>
-              </a:ext>
-            </a:extLst>
-          </p:cNvPr>
-          <p:cNvPicPr>
-            <a:picLocks noGrp="1" noChangeAspect="1"/>
-          </p:cNvPicPr>
-          <p:nvPr>
-            <p:ph idx="1"/>
-          </p:nvPr>
-        </p:nvPicPr>
-        <p:blipFill>
-          <a:blip r:embed="rId3">
-            <a:extLst>
-              <a:ext uri="{28A0092B-C50C-407E-A947-70E740481C1C}">
-                <a14:useLocalDpi xmlns:a14="http://schemas.microsoft.com/office/drawing/2010/main" val="0"/>
-              </a:ext>
-            </a:extLst>
-          </a:blip>
-          <a:stretch>
-            <a:fillRect/>
-          </a:stretch>
-        </p:blipFill>
-        <p:spPr>
-          <a:xfrm>
-            <a:off x="457200" y="1873654"/>
-            <a:ext cx="8229600" cy="3979054"/>
-          </a:xfrm>
-        </p:spPr>
-      </p:pic>
-    </p:spTree>
-  </p:cSld>
-  <p:clrMapOvr>
-    <a:masterClrMapping/>
-  </p:clrMapOvr>
-</p:sld>
-</file>
-
 <file path=ppt/slides/slide3.xml><?xml version="1.0" encoding="utf-8"?>
 <p:sld xmlns:a="http://schemas.openxmlformats.org/drawingml/2006/main" xmlns:r="http://schemas.openxmlformats.org/officeDocument/2006/relationships" xmlns:p="http://schemas.openxmlformats.org/presentationml/2006/main">
   <p:cSld>
@@ -7900,7 +9133,7 @@
           <p:cNvPr id="10" name="Рисунок 9">
             <a:extLst>
               <a:ext uri="{FF2B5EF4-FFF2-40B4-BE49-F238E27FC236}">
-                <a16:creationId xmlns:a16="http://schemas.microsoft.com/office/drawing/2014/main" id="{A7500238-104D-EF9F-28BD-4BAEF3EB4BC8}"/>
+                <a16:creationId xmlns:a16="http://schemas.microsoft.com/office/drawing/2014/main" xmlns="" id="{A7500238-104D-EF9F-28BD-4BAEF3EB4BC8}"/>
               </a:ext>
             </a:extLst>
           </p:cNvPr>
@@ -8023,7 +9256,7 @@
           <p:cNvPr id="9" name="Рисунок 8">
             <a:extLst>
               <a:ext uri="{FF2B5EF4-FFF2-40B4-BE49-F238E27FC236}">
-                <a16:creationId xmlns:a16="http://schemas.microsoft.com/office/drawing/2014/main" id="{C6C59607-21A6-9790-26DA-185C1587921B}"/>
+                <a16:creationId xmlns:a16="http://schemas.microsoft.com/office/drawing/2014/main" xmlns="" id="{C6C59607-21A6-9790-26DA-185C1587921B}"/>
               </a:ext>
             </a:extLst>
           </p:cNvPr>
@@ -8170,28 +9403,28 @@
                 <a:gridCol w="2120384">
                   <a:extLst>
                     <a:ext uri="{9D8B030D-6E8A-4147-A177-3AD203B41FA5}">
-                      <a16:colId xmlns:a16="http://schemas.microsoft.com/office/drawing/2014/main" val="20000"/>
+                      <a16:colId xmlns:a16="http://schemas.microsoft.com/office/drawing/2014/main" xmlns="" val="20000"/>
                     </a:ext>
                   </a:extLst>
                 </a:gridCol>
                 <a:gridCol w="2037837">
                   <a:extLst>
                     <a:ext uri="{9D8B030D-6E8A-4147-A177-3AD203B41FA5}">
-                      <a16:colId xmlns:a16="http://schemas.microsoft.com/office/drawing/2014/main" val="20001"/>
+                      <a16:colId xmlns:a16="http://schemas.microsoft.com/office/drawing/2014/main" xmlns="" val="20001"/>
                     </a:ext>
                   </a:extLst>
                 </a:gridCol>
                 <a:gridCol w="2034399">
                   <a:extLst>
                     <a:ext uri="{9D8B030D-6E8A-4147-A177-3AD203B41FA5}">
-                      <a16:colId xmlns:a16="http://schemas.microsoft.com/office/drawing/2014/main" val="20002"/>
+                      <a16:colId xmlns:a16="http://schemas.microsoft.com/office/drawing/2014/main" xmlns="" val="20002"/>
                     </a:ext>
                   </a:extLst>
                 </a:gridCol>
                 <a:gridCol w="2036979">
                   <a:extLst>
                     <a:ext uri="{9D8B030D-6E8A-4147-A177-3AD203B41FA5}">
-                      <a16:colId xmlns:a16="http://schemas.microsoft.com/office/drawing/2014/main" val="20003"/>
+                      <a16:colId xmlns:a16="http://schemas.microsoft.com/office/drawing/2014/main" xmlns="" val="20003"/>
                     </a:ext>
                   </a:extLst>
                 </a:gridCol>
@@ -8347,7 +9580,7 @@
                 </a:tc>
                 <a:extLst>
                   <a:ext uri="{0D108BD9-81ED-4DB2-BD59-A6C34878D82A}">
-                    <a16:rowId xmlns:a16="http://schemas.microsoft.com/office/drawing/2014/main" val="10000"/>
+                    <a16:rowId xmlns:a16="http://schemas.microsoft.com/office/drawing/2014/main" xmlns="" val="10000"/>
                   </a:ext>
                 </a:extLst>
               </a:tr>
@@ -8458,7 +9691,7 @@
                 </a:tc>
                 <a:extLst>
                   <a:ext uri="{0D108BD9-81ED-4DB2-BD59-A6C34878D82A}">
-                    <a16:rowId xmlns:a16="http://schemas.microsoft.com/office/drawing/2014/main" val="10001"/>
+                    <a16:rowId xmlns:a16="http://schemas.microsoft.com/office/drawing/2014/main" xmlns="" val="10001"/>
                   </a:ext>
                 </a:extLst>
               </a:tr>
@@ -8569,7 +9802,7 @@
                 </a:tc>
                 <a:extLst>
                   <a:ext uri="{0D108BD9-81ED-4DB2-BD59-A6C34878D82A}">
-                    <a16:rowId xmlns:a16="http://schemas.microsoft.com/office/drawing/2014/main" val="10002"/>
+                    <a16:rowId xmlns:a16="http://schemas.microsoft.com/office/drawing/2014/main" xmlns="" val="10002"/>
                   </a:ext>
                 </a:extLst>
               </a:tr>
@@ -8680,7 +9913,7 @@
                 </a:tc>
                 <a:extLst>
                   <a:ext uri="{0D108BD9-81ED-4DB2-BD59-A6C34878D82A}">
-                    <a16:rowId xmlns:a16="http://schemas.microsoft.com/office/drawing/2014/main" val="10003"/>
+                    <a16:rowId xmlns:a16="http://schemas.microsoft.com/office/drawing/2014/main" xmlns="" val="10003"/>
                   </a:ext>
                 </a:extLst>
               </a:tr>
@@ -8791,7 +10024,7 @@
                 </a:tc>
                 <a:extLst>
                   <a:ext uri="{0D108BD9-81ED-4DB2-BD59-A6C34878D82A}">
-                    <a16:rowId xmlns:a16="http://schemas.microsoft.com/office/drawing/2014/main" val="10004"/>
+                    <a16:rowId xmlns:a16="http://schemas.microsoft.com/office/drawing/2014/main" xmlns="" val="10004"/>
                   </a:ext>
                 </a:extLst>
               </a:tr>
@@ -8902,7 +10135,7 @@
                 </a:tc>
                 <a:extLst>
                   <a:ext uri="{0D108BD9-81ED-4DB2-BD59-A6C34878D82A}">
-                    <a16:rowId xmlns:a16="http://schemas.microsoft.com/office/drawing/2014/main" val="1468870138"/>
+                    <a16:rowId xmlns:a16="http://schemas.microsoft.com/office/drawing/2014/main" xmlns="" val="1468870138"/>
                   </a:ext>
                 </a:extLst>
               </a:tr>
@@ -9013,7 +10246,7 @@
                 </a:tc>
                 <a:extLst>
                   <a:ext uri="{0D108BD9-81ED-4DB2-BD59-A6C34878D82A}">
-                    <a16:rowId xmlns:a16="http://schemas.microsoft.com/office/drawing/2014/main" val="3965511667"/>
+                    <a16:rowId xmlns:a16="http://schemas.microsoft.com/office/drawing/2014/main" xmlns="" val="3965511667"/>
                   </a:ext>
                 </a:extLst>
               </a:tr>
@@ -9342,7 +10575,7 @@
           <p:cNvPr id="6" name="Рисунок 5">
             <a:extLst>
               <a:ext uri="{FF2B5EF4-FFF2-40B4-BE49-F238E27FC236}">
-                <a16:creationId xmlns:a16="http://schemas.microsoft.com/office/drawing/2014/main" id="{A36E1968-1C57-040F-986A-10C2B4044E9E}"/>
+                <a16:creationId xmlns:a16="http://schemas.microsoft.com/office/drawing/2014/main" xmlns="" id="{A36E1968-1C57-040F-986A-10C2B4044E9E}"/>
               </a:ext>
             </a:extLst>
           </p:cNvPr>
@@ -9411,15 +10644,16 @@
         <p:spPr/>
         <p:txBody>
           <a:bodyPr>
-            <a:noAutofit/>
+            <a:normAutofit fontScale="90000"/>
           </a:bodyPr>
           <a:lstStyle/>
           <a:p>
             <a:pPr algn="l"/>
             <a:r>
-              <a:rPr lang="ru-RU" sz="3600" dirty="0"/>
-              <a:t>Архитектура разрабатываемого ПО</a:t>
-            </a:r>
+              <a:rPr lang="ru-RU" dirty="0" smtClean="0"/>
+              <a:t>Алгоритм подготовки данных для графика</a:t>
+            </a:r>
+            <a:endParaRPr lang="ru-RU" dirty="0"/>
           </a:p>
         </p:txBody>
       </p:sp>
@@ -9462,17 +10696,13 @@
       </p:sp>
       <p:pic>
         <p:nvPicPr>
-          <p:cNvPr id="5" name="Рисунок 4">
-            <a:extLst>
-              <a:ext uri="{FF2B5EF4-FFF2-40B4-BE49-F238E27FC236}">
-                <a16:creationId xmlns:a16="http://schemas.microsoft.com/office/drawing/2014/main" id="{2251436D-DBF3-5051-7A14-B6A40227B042}"/>
-              </a:ext>
-            </a:extLst>
-          </p:cNvPr>
+          <p:cNvPr id="5" name="Объект 4"/>
           <p:cNvPicPr>
-            <a:picLocks noChangeAspect="1"/>
+            <a:picLocks noGrp="1"/>
           </p:cNvPicPr>
-          <p:nvPr/>
+          <p:nvPr>
+            <p:ph idx="1"/>
+          </p:nvPr>
         </p:nvPicPr>
         <p:blipFill>
           <a:blip r:embed="rId3">
@@ -9482,21 +10712,31 @@
               </a:ext>
             </a:extLst>
           </a:blip>
+          <a:srcRect/>
           <a:stretch>
             <a:fillRect/>
           </a:stretch>
         </p:blipFill>
-        <p:spPr>
+        <p:spPr bwMode="auto">
           <a:xfrm>
-            <a:off x="457200" y="2622240"/>
-            <a:ext cx="8229600" cy="1594663"/>
+            <a:off x="2915816" y="1268760"/>
+            <a:ext cx="3528392" cy="5112568"/>
           </a:xfrm>
           <a:prstGeom prst="rect">
             <a:avLst/>
           </a:prstGeom>
+          <a:noFill/>
+          <a:ln>
+            <a:noFill/>
+          </a:ln>
         </p:spPr>
       </p:pic>
     </p:spTree>
+    <p:extLst>
+      <p:ext uri="{BB962C8B-B14F-4D97-AF65-F5344CB8AC3E}">
+        <p14:creationId xmlns:p14="http://schemas.microsoft.com/office/powerpoint/2010/main" val="1083796458"/>
+      </p:ext>
+    </p:extLst>
   </p:cSld>
   <p:clrMapOvr>
     <a:masterClrMapping/>
